--- a/doc/UI Design.pptx
+++ b/doc/UI Design.pptx
@@ -8,9 +8,10 @@
     <p:sldId id="257" r:id="rId2"/>
     <p:sldId id="259" r:id="rId3"/>
     <p:sldId id="262" r:id="rId4"/>
-    <p:sldId id="261" r:id="rId5"/>
-    <p:sldId id="260" r:id="rId6"/>
-    <p:sldId id="258" r:id="rId7"/>
+    <p:sldId id="263" r:id="rId5"/>
+    <p:sldId id="261" r:id="rId6"/>
+    <p:sldId id="260" r:id="rId7"/>
+    <p:sldId id="258" r:id="rId8"/>
   </p:sldIdLst>
   <p:sldSz cx="9144000" cy="6858000" type="screen4x3"/>
   <p:notesSz cx="6858000" cy="9144000"/>
@@ -294,7 +295,7 @@
             <a:fld id="{1161A160-7DAC-411D-93D9-01DC311E74B6}" type="datetimeFigureOut">
               <a:rPr lang="zh-CN" altLang="en-US" smtClean="0"/>
               <a:pPr/>
-              <a:t>2013/12/1</a:t>
+              <a:t>2013/12/3</a:t>
             </a:fld>
             <a:endParaRPr lang="zh-CN" altLang="en-US"/>
           </a:p>
@@ -461,7 +462,7 @@
             <a:fld id="{1161A160-7DAC-411D-93D9-01DC311E74B6}" type="datetimeFigureOut">
               <a:rPr lang="zh-CN" altLang="en-US" smtClean="0"/>
               <a:pPr/>
-              <a:t>2013/12/1</a:t>
+              <a:t>2013/12/3</a:t>
             </a:fld>
             <a:endParaRPr lang="zh-CN" altLang="en-US"/>
           </a:p>
@@ -638,7 +639,7 @@
             <a:fld id="{1161A160-7DAC-411D-93D9-01DC311E74B6}" type="datetimeFigureOut">
               <a:rPr lang="zh-CN" altLang="en-US" smtClean="0"/>
               <a:pPr/>
-              <a:t>2013/12/1</a:t>
+              <a:t>2013/12/3</a:t>
             </a:fld>
             <a:endParaRPr lang="zh-CN" altLang="en-US"/>
           </a:p>
@@ -805,7 +806,7 @@
             <a:fld id="{1161A160-7DAC-411D-93D9-01DC311E74B6}" type="datetimeFigureOut">
               <a:rPr lang="zh-CN" altLang="en-US" smtClean="0"/>
               <a:pPr/>
-              <a:t>2013/12/1</a:t>
+              <a:t>2013/12/3</a:t>
             </a:fld>
             <a:endParaRPr lang="zh-CN" altLang="en-US"/>
           </a:p>
@@ -1048,7 +1049,7 @@
             <a:fld id="{1161A160-7DAC-411D-93D9-01DC311E74B6}" type="datetimeFigureOut">
               <a:rPr lang="zh-CN" altLang="en-US" smtClean="0"/>
               <a:pPr/>
-              <a:t>2013/12/1</a:t>
+              <a:t>2013/12/3</a:t>
             </a:fld>
             <a:endParaRPr lang="zh-CN" altLang="en-US"/>
           </a:p>
@@ -1333,7 +1334,7 @@
             <a:fld id="{1161A160-7DAC-411D-93D9-01DC311E74B6}" type="datetimeFigureOut">
               <a:rPr lang="zh-CN" altLang="en-US" smtClean="0"/>
               <a:pPr/>
-              <a:t>2013/12/1</a:t>
+              <a:t>2013/12/3</a:t>
             </a:fld>
             <a:endParaRPr lang="zh-CN" altLang="en-US"/>
           </a:p>
@@ -1752,7 +1753,7 @@
             <a:fld id="{1161A160-7DAC-411D-93D9-01DC311E74B6}" type="datetimeFigureOut">
               <a:rPr lang="zh-CN" altLang="en-US" smtClean="0"/>
               <a:pPr/>
-              <a:t>2013/12/1</a:t>
+              <a:t>2013/12/3</a:t>
             </a:fld>
             <a:endParaRPr lang="zh-CN" altLang="en-US"/>
           </a:p>
@@ -1867,7 +1868,7 @@
             <a:fld id="{1161A160-7DAC-411D-93D9-01DC311E74B6}" type="datetimeFigureOut">
               <a:rPr lang="zh-CN" altLang="en-US" smtClean="0"/>
               <a:pPr/>
-              <a:t>2013/12/1</a:t>
+              <a:t>2013/12/3</a:t>
             </a:fld>
             <a:endParaRPr lang="zh-CN" altLang="en-US"/>
           </a:p>
@@ -1959,7 +1960,7 @@
             <a:fld id="{1161A160-7DAC-411D-93D9-01DC311E74B6}" type="datetimeFigureOut">
               <a:rPr lang="zh-CN" altLang="en-US" smtClean="0"/>
               <a:pPr/>
-              <a:t>2013/12/1</a:t>
+              <a:t>2013/12/3</a:t>
             </a:fld>
             <a:endParaRPr lang="zh-CN" altLang="en-US"/>
           </a:p>
@@ -2233,7 +2234,7 @@
             <a:fld id="{1161A160-7DAC-411D-93D9-01DC311E74B6}" type="datetimeFigureOut">
               <a:rPr lang="zh-CN" altLang="en-US" smtClean="0"/>
               <a:pPr/>
-              <a:t>2013/12/1</a:t>
+              <a:t>2013/12/3</a:t>
             </a:fld>
             <a:endParaRPr lang="zh-CN" altLang="en-US"/>
           </a:p>
@@ -2483,7 +2484,7 @@
             <a:fld id="{1161A160-7DAC-411D-93D9-01DC311E74B6}" type="datetimeFigureOut">
               <a:rPr lang="zh-CN" altLang="en-US" smtClean="0"/>
               <a:pPr/>
-              <a:t>2013/12/1</a:t>
+              <a:t>2013/12/3</a:t>
             </a:fld>
             <a:endParaRPr lang="zh-CN" altLang="en-US"/>
           </a:p>
@@ -2693,7 +2694,7 @@
             <a:fld id="{1161A160-7DAC-411D-93D9-01DC311E74B6}" type="datetimeFigureOut">
               <a:rPr lang="zh-CN" altLang="en-US" smtClean="0"/>
               <a:pPr/>
-              <a:t>2013/12/1</a:t>
+              <a:t>2013/12/3</a:t>
             </a:fld>
             <a:endParaRPr lang="zh-CN" altLang="en-US"/>
           </a:p>
@@ -3288,7 +3289,7 @@
         <p:spPr>
           <a:xfrm>
             <a:off x="1547664" y="836712"/>
-            <a:ext cx="6228184" cy="5616624"/>
+            <a:ext cx="7596336" cy="5616624"/>
           </a:xfrm>
           <a:prstGeom prst="rect">
             <a:avLst/>
@@ -3646,7 +3647,7 @@
         </p:nvGrpSpPr>
         <p:grpSpPr>
           <a:xfrm>
-            <a:off x="-324544" y="5661248"/>
+            <a:off x="5508104" y="908720"/>
             <a:ext cx="2088232" cy="369332"/>
             <a:chOff x="5508104" y="908720"/>
             <a:chExt cx="2088232" cy="369332"/>
@@ -3723,110 +3724,6 @@
           </p:txBody>
         </p:sp>
       </p:grpSp>
-      <p:sp>
-        <p:nvSpPr>
-          <p:cNvPr id="41" name="矩形 40"/>
-          <p:cNvSpPr/>
-          <p:nvPr/>
-        </p:nvSpPr>
-        <p:spPr>
-          <a:xfrm>
-            <a:off x="7812360" y="836712"/>
-            <a:ext cx="1331640" cy="5616624"/>
-          </a:xfrm>
-          <a:prstGeom prst="rect">
-            <a:avLst/>
-          </a:prstGeom>
-        </p:spPr>
-        <p:style>
-          <a:lnRef idx="2">
-            <a:schemeClr val="accent6"/>
-          </a:lnRef>
-          <a:fillRef idx="1">
-            <a:schemeClr val="lt1"/>
-          </a:fillRef>
-          <a:effectRef idx="0">
-            <a:schemeClr val="accent6"/>
-          </a:effectRef>
-          <a:fontRef idx="minor">
-            <a:schemeClr val="dk1"/>
-          </a:fontRef>
-        </p:style>
-        <p:txBody>
-          <a:bodyPr rtlCol="0" anchor="ctr"/>
-          <a:lstStyle/>
-          <a:p>
-            <a:pPr algn="ctr"/>
-            <a:r>
-              <a:rPr lang="zh-CN" altLang="en-US" dirty="0" smtClean="0"/>
-              <a:t>内容预览</a:t>
-            </a:r>
-            <a:endParaRPr lang="zh-CN" altLang="en-US" dirty="0"/>
-          </a:p>
-        </p:txBody>
-      </p:sp>
-      <p:sp>
-        <p:nvSpPr>
-          <p:cNvPr id="49" name="TextBox 48"/>
-          <p:cNvSpPr txBox="1"/>
-          <p:nvPr/>
-        </p:nvSpPr>
-        <p:spPr>
-          <a:xfrm>
-            <a:off x="4932040" y="908720"/>
-            <a:ext cx="3024336" cy="369332"/>
-          </a:xfrm>
-          <a:prstGeom prst="rect">
-            <a:avLst/>
-          </a:prstGeom>
-          <a:noFill/>
-        </p:spPr>
-        <p:txBody>
-          <a:bodyPr wrap="square" rtlCol="0">
-            <a:spAutoFit/>
-          </a:bodyPr>
-          <a:lstStyle/>
-          <a:p>
-            <a:r>
-              <a:rPr lang="zh-CN" altLang="en-US" u="sng" dirty="0" smtClean="0"/>
-              <a:t>预览</a:t>
-            </a:r>
-            <a:r>
-              <a:rPr lang="en-US" altLang="zh-CN" u="sng" dirty="0" smtClean="0"/>
-              <a:t>|</a:t>
-            </a:r>
-            <a:r>
-              <a:rPr lang="zh-CN" altLang="en-US" u="sng" dirty="0" smtClean="0"/>
-              <a:t>删除</a:t>
-            </a:r>
-            <a:r>
-              <a:rPr lang="en-US" altLang="zh-CN" u="sng" dirty="0" smtClean="0"/>
-              <a:t>|</a:t>
-            </a:r>
-            <a:r>
-              <a:rPr lang="zh-CN" altLang="en-US" u="sng" dirty="0" smtClean="0"/>
-              <a:t>下载</a:t>
-            </a:r>
-            <a:r>
-              <a:rPr lang="en-US" altLang="zh-CN" u="sng" dirty="0" smtClean="0"/>
-              <a:t>|</a:t>
-            </a:r>
-            <a:r>
-              <a:rPr lang="zh-CN" altLang="en-US" u="sng" dirty="0" smtClean="0"/>
-              <a:t>评论</a:t>
-            </a:r>
-            <a:r>
-              <a:rPr lang="en-US" altLang="zh-CN" u="sng" dirty="0" smtClean="0"/>
-              <a:t>|</a:t>
-            </a:r>
-            <a:r>
-              <a:rPr lang="zh-CN" altLang="en-US" u="sng" dirty="0" smtClean="0"/>
-              <a:t>标记</a:t>
-            </a:r>
-            <a:endParaRPr lang="zh-CN" altLang="en-US" u="sng" dirty="0"/>
-          </a:p>
-        </p:txBody>
-      </p:sp>
       <p:grpSp>
         <p:nvGrpSpPr>
           <p:cNvPr id="46" name="组合 45"/>
@@ -5328,7 +5225,7 @@
         <p:spPr>
           <a:xfrm>
             <a:off x="3968060" y="932527"/>
-            <a:ext cx="1107996" cy="1477328"/>
+            <a:ext cx="1107996" cy="1200329"/>
           </a:xfrm>
           <a:prstGeom prst="rect">
             <a:avLst/>
@@ -5371,11 +5268,7 @@
           <a:p>
             <a:r>
               <a:rPr lang="zh-CN" altLang="en-US" dirty="0" smtClean="0"/>
-              <a:t>详细</a:t>
-            </a:r>
-            <a:r>
-              <a:rPr lang="zh-CN" altLang="en-US" dirty="0" smtClean="0"/>
-              <a:t>信息</a:t>
+              <a:t>详细信息</a:t>
             </a:r>
             <a:endParaRPr lang="en-US" altLang="zh-CN" dirty="0" smtClean="0"/>
           </a:p>
@@ -5388,7 +5281,7 @@
           </a:p>
           <a:p>
             <a:r>
-              <a:rPr lang="zh-CN" altLang="en-US" dirty="0">
+              <a:rPr lang="zh-CN" altLang="en-US" dirty="0" smtClean="0">
                 <a:solidFill>
                   <a:schemeClr val="tx1"/>
                 </a:solidFill>
@@ -5401,16 +5294,6 @@
               </a:solidFill>
             </a:endParaRPr>
           </a:p>
-          <a:p>
-            <a:r>
-              <a:rPr lang="zh-CN" altLang="en-US" dirty="0" smtClean="0"/>
-              <a:t>预</a:t>
-            </a:r>
-            <a:r>
-              <a:rPr lang="zh-CN" altLang="en-US" dirty="0"/>
-              <a:t>览</a:t>
-            </a:r>
-          </a:p>
         </p:txBody>
       </p:sp>
       <p:sp>
@@ -5421,7 +5304,7 @@
         </p:nvSpPr>
         <p:spPr>
           <a:xfrm>
-            <a:off x="7524328" y="6093296"/>
+            <a:off x="8892480" y="6093296"/>
             <a:ext cx="216024" cy="288032"/>
           </a:xfrm>
           <a:prstGeom prst="downArrow">
@@ -5461,7 +5344,7 @@
         </p:nvSpPr>
         <p:spPr>
           <a:xfrm flipV="1">
-            <a:off x="7524328" y="1340768"/>
+            <a:off x="8892480" y="1340768"/>
             <a:ext cx="216024" cy="288032"/>
           </a:xfrm>
           <a:prstGeom prst="downArrow">
@@ -5493,6 +5376,445 @@
           </a:p>
         </p:txBody>
       </p:sp>
+      <p:sp>
+        <p:nvSpPr>
+          <p:cNvPr id="93" name="矩形 92"/>
+          <p:cNvSpPr/>
+          <p:nvPr/>
+        </p:nvSpPr>
+        <p:spPr>
+          <a:xfrm>
+            <a:off x="3131840" y="3068960"/>
+            <a:ext cx="1512168" cy="792088"/>
+          </a:xfrm>
+          <a:prstGeom prst="rect">
+            <a:avLst/>
+          </a:prstGeom>
+          <a:solidFill>
+            <a:srgbClr val="FF3300">
+              <a:alpha val="58039"/>
+            </a:srgbClr>
+          </a:solidFill>
+        </p:spPr>
+        <p:style>
+          <a:lnRef idx="2">
+            <a:schemeClr val="accent2"/>
+          </a:lnRef>
+          <a:fillRef idx="1">
+            <a:schemeClr val="lt1"/>
+          </a:fillRef>
+          <a:effectRef idx="0">
+            <a:schemeClr val="accent2"/>
+          </a:effectRef>
+          <a:fontRef idx="minor">
+            <a:schemeClr val="dk1"/>
+          </a:fontRef>
+        </p:style>
+        <p:txBody>
+          <a:bodyPr rtlCol="0" anchor="ctr"/>
+          <a:lstStyle/>
+          <a:p>
+            <a:pPr algn="ctr"/>
+            <a:endParaRPr lang="zh-CN" altLang="en-US"/>
+          </a:p>
+        </p:txBody>
+      </p:sp>
+      <p:sp>
+        <p:nvSpPr>
+          <p:cNvPr id="49" name="TextBox 48"/>
+          <p:cNvSpPr txBox="1"/>
+          <p:nvPr/>
+        </p:nvSpPr>
+        <p:spPr>
+          <a:xfrm>
+            <a:off x="3923928" y="2852936"/>
+            <a:ext cx="3024336" cy="369332"/>
+          </a:xfrm>
+          <a:prstGeom prst="rect">
+            <a:avLst/>
+          </a:prstGeom>
+          <a:solidFill>
+            <a:srgbClr val="FFC000"/>
+          </a:solidFill>
+        </p:spPr>
+        <p:txBody>
+          <a:bodyPr wrap="square" rtlCol="0">
+            <a:spAutoFit/>
+          </a:bodyPr>
+          <a:lstStyle/>
+          <a:p>
+            <a:r>
+              <a:rPr lang="zh-CN" altLang="en-US" u="sng" dirty="0" smtClean="0"/>
+              <a:t>预览</a:t>
+            </a:r>
+            <a:r>
+              <a:rPr lang="en-US" altLang="zh-CN" u="sng" dirty="0" smtClean="0"/>
+              <a:t>|</a:t>
+            </a:r>
+            <a:r>
+              <a:rPr lang="zh-CN" altLang="en-US" u="sng" dirty="0" smtClean="0"/>
+              <a:t>删除</a:t>
+            </a:r>
+            <a:r>
+              <a:rPr lang="en-US" altLang="zh-CN" u="sng" dirty="0" smtClean="0"/>
+              <a:t>|</a:t>
+            </a:r>
+            <a:r>
+              <a:rPr lang="zh-CN" altLang="en-US" u="sng" dirty="0" smtClean="0"/>
+              <a:t>下载</a:t>
+            </a:r>
+            <a:r>
+              <a:rPr lang="en-US" altLang="zh-CN" u="sng" dirty="0" smtClean="0"/>
+              <a:t>|</a:t>
+            </a:r>
+            <a:r>
+              <a:rPr lang="zh-CN" altLang="en-US" u="sng" dirty="0" smtClean="0"/>
+              <a:t>评论</a:t>
+            </a:r>
+            <a:r>
+              <a:rPr lang="en-US" altLang="zh-CN" u="sng" dirty="0" smtClean="0"/>
+              <a:t>|</a:t>
+            </a:r>
+            <a:r>
+              <a:rPr lang="zh-CN" altLang="en-US" u="sng" dirty="0" smtClean="0"/>
+              <a:t>标记</a:t>
+            </a:r>
+            <a:endParaRPr lang="zh-CN" altLang="en-US" u="sng" dirty="0"/>
+          </a:p>
+        </p:txBody>
+      </p:sp>
+      <p:grpSp>
+        <p:nvGrpSpPr>
+          <p:cNvPr id="94" name="组合 93"/>
+          <p:cNvGrpSpPr/>
+          <p:nvPr/>
+        </p:nvGrpSpPr>
+        <p:grpSpPr>
+          <a:xfrm>
+            <a:off x="5220072" y="3356992"/>
+            <a:ext cx="1800200" cy="1512168"/>
+            <a:chOff x="2555776" y="4293096"/>
+            <a:chExt cx="1800200" cy="1512168"/>
+          </a:xfrm>
+        </p:grpSpPr>
+        <p:sp>
+          <p:nvSpPr>
+            <p:cNvPr id="95" name="矩形标注 94"/>
+            <p:cNvSpPr/>
+            <p:nvPr/>
+          </p:nvSpPr>
+          <p:spPr>
+            <a:xfrm flipH="1" flipV="1">
+              <a:off x="2555776" y="4293096"/>
+              <a:ext cx="1800200" cy="1512168"/>
+            </a:xfrm>
+            <a:prstGeom prst="wedgeRectCallout">
+              <a:avLst/>
+            </a:prstGeom>
+          </p:spPr>
+          <p:style>
+            <a:lnRef idx="2">
+              <a:schemeClr val="accent1">
+                <a:shade val="50000"/>
+              </a:schemeClr>
+            </a:lnRef>
+            <a:fillRef idx="1">
+              <a:schemeClr val="accent1"/>
+            </a:fillRef>
+            <a:effectRef idx="0">
+              <a:schemeClr val="accent1"/>
+            </a:effectRef>
+            <a:fontRef idx="minor">
+              <a:schemeClr val="lt1"/>
+            </a:fontRef>
+          </p:style>
+          <p:txBody>
+            <a:bodyPr rtlCol="0" anchor="t"/>
+            <a:lstStyle/>
+            <a:p>
+              <a:endParaRPr lang="en-US" altLang="zh-CN" dirty="0" smtClean="0"/>
+            </a:p>
+          </p:txBody>
+        </p:sp>
+        <p:sp>
+          <p:nvSpPr>
+            <p:cNvPr id="96" name="TextBox 95"/>
+            <p:cNvSpPr txBox="1"/>
+            <p:nvPr/>
+          </p:nvSpPr>
+          <p:spPr>
+            <a:xfrm>
+              <a:off x="2627784" y="4365104"/>
+              <a:ext cx="1656184" cy="369332"/>
+            </a:xfrm>
+            <a:prstGeom prst="rect">
+              <a:avLst/>
+            </a:prstGeom>
+          </p:spPr>
+          <p:style>
+            <a:lnRef idx="2">
+              <a:schemeClr val="accent2"/>
+            </a:lnRef>
+            <a:fillRef idx="1">
+              <a:schemeClr val="lt1"/>
+            </a:fillRef>
+            <a:effectRef idx="0">
+              <a:schemeClr val="accent2"/>
+            </a:effectRef>
+            <a:fontRef idx="minor">
+              <a:schemeClr val="dk1"/>
+            </a:fontRef>
+          </p:style>
+          <p:txBody>
+            <a:bodyPr wrap="square" rtlCol="0">
+              <a:spAutoFit/>
+            </a:bodyPr>
+            <a:lstStyle/>
+            <a:p>
+              <a:r>
+                <a:rPr lang="en-US" altLang="zh-CN" dirty="0" smtClean="0"/>
+                <a:t>Tag1-----------X</a:t>
+              </a:r>
+              <a:endParaRPr lang="zh-CN" altLang="en-US" dirty="0"/>
+            </a:p>
+          </p:txBody>
+        </p:sp>
+        <p:sp>
+          <p:nvSpPr>
+            <p:cNvPr id="97" name="TextBox 96"/>
+            <p:cNvSpPr txBox="1"/>
+            <p:nvPr/>
+          </p:nvSpPr>
+          <p:spPr>
+            <a:xfrm>
+              <a:off x="2627784" y="4797152"/>
+              <a:ext cx="1656184" cy="369332"/>
+            </a:xfrm>
+            <a:prstGeom prst="rect">
+              <a:avLst/>
+            </a:prstGeom>
+          </p:spPr>
+          <p:style>
+            <a:lnRef idx="2">
+              <a:schemeClr val="accent2"/>
+            </a:lnRef>
+            <a:fillRef idx="1">
+              <a:schemeClr val="lt1"/>
+            </a:fillRef>
+            <a:effectRef idx="0">
+              <a:schemeClr val="accent2"/>
+            </a:effectRef>
+            <a:fontRef idx="minor">
+              <a:schemeClr val="dk1"/>
+            </a:fontRef>
+          </p:style>
+          <p:txBody>
+            <a:bodyPr wrap="square" rtlCol="0">
+              <a:spAutoFit/>
+            </a:bodyPr>
+            <a:lstStyle/>
+            <a:p>
+              <a:r>
+                <a:rPr lang="en-US" altLang="zh-CN" dirty="0" smtClean="0"/>
+                <a:t>Tag1-----------X</a:t>
+              </a:r>
+              <a:endParaRPr lang="zh-CN" altLang="en-US" dirty="0"/>
+            </a:p>
+          </p:txBody>
+        </p:sp>
+        <p:sp>
+          <p:nvSpPr>
+            <p:cNvPr id="98" name="TextBox 97"/>
+            <p:cNvSpPr txBox="1"/>
+            <p:nvPr/>
+          </p:nvSpPr>
+          <p:spPr>
+            <a:xfrm>
+              <a:off x="2627784" y="5229200"/>
+              <a:ext cx="1656184" cy="369332"/>
+            </a:xfrm>
+            <a:prstGeom prst="rect">
+              <a:avLst/>
+            </a:prstGeom>
+          </p:spPr>
+          <p:style>
+            <a:lnRef idx="2">
+              <a:schemeClr val="accent2"/>
+            </a:lnRef>
+            <a:fillRef idx="1">
+              <a:schemeClr val="lt1"/>
+            </a:fillRef>
+            <a:effectRef idx="0">
+              <a:schemeClr val="accent2"/>
+            </a:effectRef>
+            <a:fontRef idx="minor">
+              <a:schemeClr val="dk1"/>
+            </a:fontRef>
+          </p:style>
+          <p:txBody>
+            <a:bodyPr wrap="square" rtlCol="0">
+              <a:spAutoFit/>
+            </a:bodyPr>
+            <a:lstStyle/>
+            <a:p>
+              <a:r>
+                <a:rPr lang="zh-CN" altLang="en-US" dirty="0"/>
+                <a:t>新</a:t>
+              </a:r>
+              <a:r>
+                <a:rPr lang="en-US" altLang="zh-CN" dirty="0" smtClean="0"/>
+                <a:t>Tag</a:t>
+              </a:r>
+              <a:r>
+                <a:rPr lang="zh-CN" altLang="en-US" dirty="0" smtClean="0"/>
+                <a:t>：</a:t>
+              </a:r>
+              <a:r>
+                <a:rPr lang="en-US" altLang="zh-CN" dirty="0" smtClean="0"/>
+                <a:t>______</a:t>
+              </a:r>
+              <a:endParaRPr lang="zh-CN" altLang="en-US" dirty="0"/>
+            </a:p>
+          </p:txBody>
+        </p:sp>
+      </p:grpSp>
+      <p:grpSp>
+        <p:nvGrpSpPr>
+          <p:cNvPr id="99" name="组合 98"/>
+          <p:cNvGrpSpPr/>
+          <p:nvPr/>
+        </p:nvGrpSpPr>
+        <p:grpSpPr>
+          <a:xfrm>
+            <a:off x="5436096" y="1844824"/>
+            <a:ext cx="2160240" cy="936104"/>
+            <a:chOff x="1907704" y="3789039"/>
+            <a:chExt cx="3168352" cy="1512168"/>
+          </a:xfrm>
+        </p:grpSpPr>
+        <p:sp>
+          <p:nvSpPr>
+            <p:cNvPr id="100" name="矩形标注 99"/>
+            <p:cNvSpPr/>
+            <p:nvPr/>
+          </p:nvSpPr>
+          <p:spPr>
+            <a:xfrm>
+              <a:off x="1907704" y="3789039"/>
+              <a:ext cx="3168352" cy="1512168"/>
+            </a:xfrm>
+            <a:prstGeom prst="wedgeRectCallout">
+              <a:avLst>
+                <a:gd name="adj1" fmla="val -26832"/>
+                <a:gd name="adj2" fmla="val 68177"/>
+              </a:avLst>
+            </a:prstGeom>
+          </p:spPr>
+          <p:style>
+            <a:lnRef idx="2">
+              <a:schemeClr val="accent1">
+                <a:shade val="50000"/>
+              </a:schemeClr>
+            </a:lnRef>
+            <a:fillRef idx="1">
+              <a:schemeClr val="accent1"/>
+            </a:fillRef>
+            <a:effectRef idx="0">
+              <a:schemeClr val="accent1"/>
+            </a:effectRef>
+            <a:fontRef idx="minor">
+              <a:schemeClr val="lt1"/>
+            </a:fontRef>
+          </p:style>
+          <p:txBody>
+            <a:bodyPr rtlCol="0" anchor="t"/>
+            <a:lstStyle/>
+            <a:p>
+              <a:endParaRPr lang="en-US" altLang="zh-CN" dirty="0" smtClean="0"/>
+            </a:p>
+          </p:txBody>
+        </p:sp>
+        <p:sp>
+          <p:nvSpPr>
+            <p:cNvPr id="101" name="圆角矩形 100"/>
+            <p:cNvSpPr/>
+            <p:nvPr/>
+          </p:nvSpPr>
+          <p:spPr>
+            <a:xfrm>
+              <a:off x="1979711" y="3861048"/>
+              <a:ext cx="3024336" cy="742235"/>
+            </a:xfrm>
+            <a:prstGeom prst="roundRect">
+              <a:avLst/>
+            </a:prstGeom>
+          </p:spPr>
+          <p:style>
+            <a:lnRef idx="2">
+              <a:schemeClr val="accent6"/>
+            </a:lnRef>
+            <a:fillRef idx="1">
+              <a:schemeClr val="lt1"/>
+            </a:fillRef>
+            <a:effectRef idx="0">
+              <a:schemeClr val="accent6"/>
+            </a:effectRef>
+            <a:fontRef idx="minor">
+              <a:schemeClr val="dk1"/>
+            </a:fontRef>
+          </p:style>
+          <p:txBody>
+            <a:bodyPr rtlCol="0" anchor="ctr"/>
+            <a:lstStyle/>
+            <a:p>
+              <a:pPr algn="ctr"/>
+              <a:endParaRPr lang="zh-CN" altLang="en-US"/>
+            </a:p>
+          </p:txBody>
+        </p:sp>
+        <p:sp>
+          <p:nvSpPr>
+            <p:cNvPr id="102" name="圆角矩形 101"/>
+            <p:cNvSpPr/>
+            <p:nvPr/>
+          </p:nvSpPr>
+          <p:spPr>
+            <a:xfrm>
+              <a:off x="3808717" y="4719604"/>
+              <a:ext cx="1123326" cy="536490"/>
+            </a:xfrm>
+            <a:prstGeom prst="roundRect">
+              <a:avLst/>
+            </a:prstGeom>
+          </p:spPr>
+          <p:style>
+            <a:lnRef idx="1">
+              <a:schemeClr val="dk1"/>
+            </a:lnRef>
+            <a:fillRef idx="2">
+              <a:schemeClr val="dk1"/>
+            </a:fillRef>
+            <a:effectRef idx="1">
+              <a:schemeClr val="dk1"/>
+            </a:effectRef>
+            <a:fontRef idx="minor">
+              <a:schemeClr val="dk1"/>
+            </a:fontRef>
+          </p:style>
+          <p:txBody>
+            <a:bodyPr rtlCol="0" anchor="ctr"/>
+            <a:lstStyle/>
+            <a:p>
+              <a:pPr algn="ctr"/>
+              <a:r>
+                <a:rPr lang="zh-CN" altLang="en-US" dirty="0" smtClean="0"/>
+                <a:t>提交</a:t>
+              </a:r>
+              <a:endParaRPr lang="zh-CN" altLang="en-US" dirty="0"/>
+            </a:p>
+          </p:txBody>
+        </p:sp>
+      </p:grpSp>
     </p:spTree>
   </p:cSld>
   <p:clrMapOvr>
@@ -5742,7 +6064,7 @@
         <p:spPr>
           <a:xfrm>
             <a:off x="1547664" y="836712"/>
-            <a:ext cx="6228184" cy="5616624"/>
+            <a:ext cx="7596336" cy="5616624"/>
           </a:xfrm>
           <a:prstGeom prst="rect">
             <a:avLst/>
@@ -6019,26 +6341,11 @@
                     </a:schemeClr>
                   </a:solidFill>
                 </a:rPr>
-                <a:t>Version </a:t>
-              </a:r>
-              <a:r>
-                <a:rPr lang="en-US" altLang="zh-CN" u="sng" dirty="0" smtClean="0">
-                  <a:solidFill>
-                    <a:schemeClr val="tx2">
-                      <a:lumMod val="60000"/>
-                      <a:lumOff val="40000"/>
-                    </a:schemeClr>
-                  </a:solidFill>
-                </a:rPr>
-                <a:t>31</a:t>
-              </a:r>
-              <a:r>
-                <a:rPr lang="en-US" altLang="zh-CN" dirty="0" smtClean="0"/>
-                <a:t> | </a:t>
-              </a:r>
-              <a:r>
-                <a:rPr lang="en-US" altLang="zh-CN" dirty="0" smtClean="0"/>
-                <a:t>Tag1</a:t>
+                <a:t>Version 31</a:t>
+              </a:r>
+              <a:r>
+                <a:rPr lang="en-US" altLang="zh-CN" dirty="0" smtClean="0"/>
+                <a:t> | Tag1</a:t>
               </a:r>
               <a:endParaRPr lang="en-US" altLang="zh-CN" u="sng" dirty="0" smtClean="0">
                 <a:solidFill>
@@ -6078,48 +6385,6 @@
           </p:spPr>
         </p:pic>
       </p:grpSp>
-      <p:sp>
-        <p:nvSpPr>
-          <p:cNvPr id="41" name="矩形 40"/>
-          <p:cNvSpPr/>
-          <p:nvPr/>
-        </p:nvSpPr>
-        <p:spPr>
-          <a:xfrm>
-            <a:off x="7812360" y="836712"/>
-            <a:ext cx="1331640" cy="5616624"/>
-          </a:xfrm>
-          <a:prstGeom prst="rect">
-            <a:avLst/>
-          </a:prstGeom>
-        </p:spPr>
-        <p:style>
-          <a:lnRef idx="2">
-            <a:schemeClr val="accent6"/>
-          </a:lnRef>
-          <a:fillRef idx="1">
-            <a:schemeClr val="lt1"/>
-          </a:fillRef>
-          <a:effectRef idx="0">
-            <a:schemeClr val="accent6"/>
-          </a:effectRef>
-          <a:fontRef idx="minor">
-            <a:schemeClr val="dk1"/>
-          </a:fontRef>
-        </p:style>
-        <p:txBody>
-          <a:bodyPr rtlCol="0" anchor="ctr"/>
-          <a:lstStyle/>
-          <a:p>
-            <a:pPr algn="ctr"/>
-            <a:r>
-              <a:rPr lang="zh-CN" altLang="en-US" dirty="0" smtClean="0"/>
-              <a:t>内容预览</a:t>
-            </a:r>
-            <a:endParaRPr lang="zh-CN" altLang="en-US" dirty="0"/>
-          </a:p>
-        </p:txBody>
-      </p:sp>
       <p:grpSp>
         <p:nvGrpSpPr>
           <p:cNvPr id="46" name="组合 17"/>
@@ -6209,18 +6474,7 @@
                     </a:schemeClr>
                   </a:solidFill>
                 </a:rPr>
-                <a:t>Version </a:t>
-              </a:r>
-              <a:r>
-                <a:rPr lang="en-US" altLang="zh-CN" u="sng" dirty="0" smtClean="0">
-                  <a:solidFill>
-                    <a:schemeClr val="tx2">
-                      <a:lumMod val="60000"/>
-                      <a:lumOff val="40000"/>
-                    </a:schemeClr>
-                  </a:solidFill>
-                </a:rPr>
-                <a:t>31</a:t>
+                <a:t>Version 31</a:t>
               </a:r>
               <a:r>
                 <a:rPr lang="en-US" altLang="zh-CN" dirty="0" smtClean="0"/>
@@ -6353,18 +6607,7 @@
                     </a:schemeClr>
                   </a:solidFill>
                 </a:rPr>
-                <a:t>Version </a:t>
-              </a:r>
-              <a:r>
-                <a:rPr lang="en-US" altLang="zh-CN" u="sng" dirty="0" smtClean="0">
-                  <a:solidFill>
-                    <a:schemeClr val="tx2">
-                      <a:lumMod val="60000"/>
-                      <a:lumOff val="40000"/>
-                    </a:schemeClr>
-                  </a:solidFill>
-                </a:rPr>
-                <a:t>31</a:t>
+                <a:t>Version 31</a:t>
               </a:r>
               <a:r>
                 <a:rPr lang="en-US" altLang="zh-CN" dirty="0" smtClean="0"/>
@@ -6497,26 +6740,11 @@
                     </a:schemeClr>
                   </a:solidFill>
                 </a:rPr>
-                <a:t>Version </a:t>
-              </a:r>
-              <a:r>
-                <a:rPr lang="en-US" altLang="zh-CN" u="sng" dirty="0" smtClean="0">
-                  <a:solidFill>
-                    <a:schemeClr val="tx2">
-                      <a:lumMod val="60000"/>
-                      <a:lumOff val="40000"/>
-                    </a:schemeClr>
-                  </a:solidFill>
-                </a:rPr>
-                <a:t>31</a:t>
-              </a:r>
-              <a:r>
-                <a:rPr lang="en-US" altLang="zh-CN" dirty="0" smtClean="0"/>
-                <a:t> | </a:t>
-              </a:r>
-              <a:r>
-                <a:rPr lang="en-US" altLang="zh-CN" dirty="0" smtClean="0"/>
-                <a:t>T1,T2</a:t>
+                <a:t>Version 31</a:t>
+              </a:r>
+              <a:r>
+                <a:rPr lang="en-US" altLang="zh-CN" dirty="0" smtClean="0"/>
+                <a:t> | T1,T2</a:t>
               </a:r>
               <a:endParaRPr lang="en-US" altLang="zh-CN" u="sng" dirty="0" smtClean="0">
                 <a:solidFill>
@@ -6645,18 +6873,7 @@
                     </a:schemeClr>
                   </a:solidFill>
                 </a:rPr>
-                <a:t>Version </a:t>
-              </a:r>
-              <a:r>
-                <a:rPr lang="en-US" altLang="zh-CN" u="sng" dirty="0" smtClean="0">
-                  <a:solidFill>
-                    <a:schemeClr val="tx2">
-                      <a:lumMod val="60000"/>
-                      <a:lumOff val="40000"/>
-                    </a:schemeClr>
-                  </a:solidFill>
-                </a:rPr>
-                <a:t>31</a:t>
+                <a:t>Version 31</a:t>
               </a:r>
               <a:r>
                 <a:rPr lang="en-US" altLang="zh-CN" dirty="0" smtClean="0"/>
@@ -6789,18 +7006,7 @@
                     </a:schemeClr>
                   </a:solidFill>
                 </a:rPr>
-                <a:t>Version </a:t>
-              </a:r>
-              <a:r>
-                <a:rPr lang="en-US" altLang="zh-CN" u="sng" dirty="0" smtClean="0">
-                  <a:solidFill>
-                    <a:schemeClr val="tx2">
-                      <a:lumMod val="60000"/>
-                      <a:lumOff val="40000"/>
-                    </a:schemeClr>
-                  </a:solidFill>
-                </a:rPr>
-                <a:t>31</a:t>
+                <a:t>Version 31</a:t>
               </a:r>
               <a:r>
                 <a:rPr lang="en-US" altLang="zh-CN" dirty="0" smtClean="0"/>
@@ -6933,18 +7139,7 @@
                     </a:schemeClr>
                   </a:solidFill>
                 </a:rPr>
-                <a:t>Version </a:t>
-              </a:r>
-              <a:r>
-                <a:rPr lang="en-US" altLang="zh-CN" u="sng" dirty="0" smtClean="0">
-                  <a:solidFill>
-                    <a:schemeClr val="tx2">
-                      <a:lumMod val="60000"/>
-                      <a:lumOff val="40000"/>
-                    </a:schemeClr>
-                  </a:solidFill>
-                </a:rPr>
-                <a:t>31</a:t>
+                <a:t>Version 31</a:t>
               </a:r>
               <a:r>
                 <a:rPr lang="en-US" altLang="zh-CN" dirty="0" smtClean="0"/>
@@ -7077,18 +7272,7 @@
                     </a:schemeClr>
                   </a:solidFill>
                 </a:rPr>
-                <a:t>Version </a:t>
-              </a:r>
-              <a:r>
-                <a:rPr lang="en-US" altLang="zh-CN" u="sng" dirty="0" smtClean="0">
-                  <a:solidFill>
-                    <a:schemeClr val="tx2">
-                      <a:lumMod val="60000"/>
-                      <a:lumOff val="40000"/>
-                    </a:schemeClr>
-                  </a:solidFill>
-                </a:rPr>
-                <a:t>31</a:t>
+                <a:t>Version 31</a:t>
               </a:r>
               <a:r>
                 <a:rPr lang="en-US" altLang="zh-CN" dirty="0" smtClean="0"/>
@@ -7221,18 +7405,7 @@
                     </a:schemeClr>
                   </a:solidFill>
                 </a:rPr>
-                <a:t>Version </a:t>
-              </a:r>
-              <a:r>
-                <a:rPr lang="en-US" altLang="zh-CN" u="sng" dirty="0" smtClean="0">
-                  <a:solidFill>
-                    <a:schemeClr val="tx2">
-                      <a:lumMod val="60000"/>
-                      <a:lumOff val="40000"/>
-                    </a:schemeClr>
-                  </a:solidFill>
-                </a:rPr>
-                <a:t>31</a:t>
+                <a:t>Version 31</a:t>
               </a:r>
               <a:r>
                 <a:rPr lang="en-US" altLang="zh-CN" dirty="0" smtClean="0"/>
@@ -7317,11 +7490,7 @@
             </a:r>
             <a:r>
               <a:rPr lang="en-US" altLang="zh-CN" dirty="0" smtClean="0"/>
-              <a:t> </a:t>
-            </a:r>
-            <a:r>
-              <a:rPr lang="en-US" altLang="zh-CN" dirty="0" smtClean="0"/>
-              <a:t>  </a:t>
+              <a:t>   </a:t>
             </a:r>
             <a:r>
               <a:rPr lang="zh-CN" altLang="en-US" dirty="0" smtClean="0"/>
@@ -7467,18 +7636,7 @@
                     </a:schemeClr>
                   </a:solidFill>
                 </a:rPr>
-                <a:t>Version </a:t>
-              </a:r>
-              <a:r>
-                <a:rPr lang="en-US" altLang="zh-CN" u="sng" dirty="0" smtClean="0">
-                  <a:solidFill>
-                    <a:schemeClr val="tx2">
-                      <a:lumMod val="60000"/>
-                      <a:lumOff val="40000"/>
-                    </a:schemeClr>
-                  </a:solidFill>
-                </a:rPr>
-                <a:t>31</a:t>
+                <a:t>Version 31</a:t>
               </a:r>
               <a:r>
                 <a:rPr lang="en-US" altLang="zh-CN" dirty="0" smtClean="0"/>
@@ -7611,18 +7769,7 @@
                     </a:schemeClr>
                   </a:solidFill>
                 </a:rPr>
-                <a:t>Version </a:t>
-              </a:r>
-              <a:r>
-                <a:rPr lang="en-US" altLang="zh-CN" u="sng" dirty="0" smtClean="0">
-                  <a:solidFill>
-                    <a:schemeClr val="tx2">
-                      <a:lumMod val="60000"/>
-                      <a:lumOff val="40000"/>
-                    </a:schemeClr>
-                  </a:solidFill>
-                </a:rPr>
-                <a:t>31</a:t>
+                <a:t>Version 31</a:t>
               </a:r>
               <a:r>
                 <a:rPr lang="en-US" altLang="zh-CN" dirty="0" smtClean="0"/>
@@ -7755,18 +7902,7 @@
                     </a:schemeClr>
                   </a:solidFill>
                 </a:rPr>
-                <a:t>Version </a:t>
-              </a:r>
-              <a:r>
-                <a:rPr lang="en-US" altLang="zh-CN" u="sng" dirty="0" smtClean="0">
-                  <a:solidFill>
-                    <a:schemeClr val="tx2">
-                      <a:lumMod val="60000"/>
-                      <a:lumOff val="40000"/>
-                    </a:schemeClr>
-                  </a:solidFill>
-                </a:rPr>
-                <a:t>31</a:t>
+                <a:t>Version 31</a:t>
               </a:r>
               <a:r>
                 <a:rPr lang="en-US" altLang="zh-CN" dirty="0" smtClean="0"/>
@@ -7818,7 +7954,7 @@
         </p:nvSpPr>
         <p:spPr>
           <a:xfrm>
-            <a:off x="7524328" y="6093296"/>
+            <a:off x="8892480" y="6093296"/>
             <a:ext cx="216024" cy="288032"/>
           </a:xfrm>
           <a:prstGeom prst="downArrow">
@@ -7858,7 +7994,7 @@
         </p:nvSpPr>
         <p:spPr>
           <a:xfrm flipV="1">
-            <a:off x="7524328" y="1340768"/>
+            <a:off x="8892480" y="1340768"/>
             <a:ext cx="216024" cy="288032"/>
           </a:xfrm>
           <a:prstGeom prst="downArrow">
@@ -7952,68 +8088,6 @@
       </p:sp>
       <p:sp>
         <p:nvSpPr>
-          <p:cNvPr id="89" name="TextBox 88"/>
-          <p:cNvSpPr txBox="1"/>
-          <p:nvPr/>
-        </p:nvSpPr>
-        <p:spPr>
-          <a:xfrm>
-            <a:off x="4932040" y="908720"/>
-            <a:ext cx="3024336" cy="369332"/>
-          </a:xfrm>
-          <a:prstGeom prst="rect">
-            <a:avLst/>
-          </a:prstGeom>
-          <a:noFill/>
-        </p:spPr>
-        <p:txBody>
-          <a:bodyPr wrap="square" rtlCol="0">
-            <a:spAutoFit/>
-          </a:bodyPr>
-          <a:lstStyle/>
-          <a:p>
-            <a:r>
-              <a:rPr lang="zh-CN" altLang="en-US" u="sng" dirty="0" smtClean="0"/>
-              <a:t>预览</a:t>
-            </a:r>
-            <a:r>
-              <a:rPr lang="en-US" altLang="zh-CN" u="sng" dirty="0" smtClean="0"/>
-              <a:t>|</a:t>
-            </a:r>
-            <a:r>
-              <a:rPr lang="zh-CN" altLang="en-US" u="sng" dirty="0" smtClean="0"/>
-              <a:t>删除</a:t>
-            </a:r>
-            <a:r>
-              <a:rPr lang="en-US" altLang="zh-CN" u="sng" dirty="0" smtClean="0"/>
-              <a:t>|</a:t>
-            </a:r>
-            <a:r>
-              <a:rPr lang="zh-CN" altLang="en-US" u="sng" dirty="0" smtClean="0"/>
-              <a:t>下载</a:t>
-            </a:r>
-            <a:r>
-              <a:rPr lang="en-US" altLang="zh-CN" u="sng" dirty="0" smtClean="0"/>
-              <a:t>|</a:t>
-            </a:r>
-            <a:r>
-              <a:rPr lang="zh-CN" altLang="en-US" u="sng" dirty="0" smtClean="0"/>
-              <a:t>评论</a:t>
-            </a:r>
-            <a:r>
-              <a:rPr lang="en-US" altLang="zh-CN" u="sng" dirty="0" smtClean="0"/>
-              <a:t>|</a:t>
-            </a:r>
-            <a:r>
-              <a:rPr lang="zh-CN" altLang="en-US" u="sng" dirty="0" smtClean="0"/>
-              <a:t>标记</a:t>
-            </a:r>
-            <a:endParaRPr lang="zh-CN" altLang="en-US" u="sng" dirty="0"/>
-          </a:p>
-        </p:txBody>
-      </p:sp>
-      <p:sp>
-        <p:nvSpPr>
           <p:cNvPr id="90" name="TextBox 89"/>
           <p:cNvSpPr txBox="1"/>
           <p:nvPr/>
@@ -8085,7 +8159,7 @@
         <p:spPr>
           <a:xfrm>
             <a:off x="3968060" y="932527"/>
-            <a:ext cx="1107996" cy="1477328"/>
+            <a:ext cx="1107996" cy="1200329"/>
           </a:xfrm>
           <a:prstGeom prst="rect">
             <a:avLst/>
@@ -8132,15 +8206,7 @@
                   <a:srgbClr val="FF0000"/>
                 </a:solidFill>
               </a:rPr>
-              <a:t>详细</a:t>
-            </a:r>
-            <a:r>
-              <a:rPr lang="zh-CN" altLang="en-US" dirty="0" smtClean="0">
-                <a:solidFill>
-                  <a:srgbClr val="FF0000"/>
-                </a:solidFill>
-              </a:rPr>
-              <a:t>信息</a:t>
+              <a:t>详细信息</a:t>
             </a:r>
             <a:endParaRPr lang="en-US" altLang="zh-CN" dirty="0" smtClean="0">
               <a:solidFill>
@@ -8157,7 +8223,7 @@
           </a:p>
           <a:p>
             <a:r>
-              <a:rPr lang="zh-CN" altLang="en-US" dirty="0">
+              <a:rPr lang="zh-CN" altLang="en-US" dirty="0" smtClean="0">
                 <a:solidFill>
                   <a:schemeClr val="tx1"/>
                 </a:solidFill>
@@ -8170,18 +8236,532 @@
               </a:solidFill>
             </a:endParaRPr>
           </a:p>
-          <a:p>
-            <a:r>
-              <a:rPr lang="zh-CN" altLang="en-US" dirty="0" smtClean="0"/>
-              <a:t>预</a:t>
-            </a:r>
-            <a:r>
-              <a:rPr lang="zh-CN" altLang="en-US" dirty="0"/>
-              <a:t>览</a:t>
-            </a:r>
-          </a:p>
-        </p:txBody>
-      </p:sp>
+        </p:txBody>
+      </p:sp>
+      <p:grpSp>
+        <p:nvGrpSpPr>
+          <p:cNvPr id="70" name="组合 69"/>
+          <p:cNvGrpSpPr/>
+          <p:nvPr/>
+        </p:nvGrpSpPr>
+        <p:grpSpPr>
+          <a:xfrm>
+            <a:off x="5508104" y="908720"/>
+            <a:ext cx="2088232" cy="369332"/>
+            <a:chOff x="5508104" y="908720"/>
+            <a:chExt cx="2088232" cy="369332"/>
+          </a:xfrm>
+        </p:grpSpPr>
+        <p:sp>
+          <p:nvSpPr>
+            <p:cNvPr id="71" name="TextBox 70"/>
+            <p:cNvSpPr txBox="1"/>
+            <p:nvPr/>
+          </p:nvSpPr>
+          <p:spPr>
+            <a:xfrm>
+              <a:off x="5508104" y="908720"/>
+              <a:ext cx="720080" cy="369332"/>
+            </a:xfrm>
+            <a:prstGeom prst="rect">
+              <a:avLst/>
+            </a:prstGeom>
+            <a:noFill/>
+          </p:spPr>
+          <p:txBody>
+            <a:bodyPr wrap="square" rtlCol="0">
+              <a:spAutoFit/>
+            </a:bodyPr>
+            <a:lstStyle/>
+            <a:p>
+              <a:r>
+                <a:rPr lang="zh-CN" altLang="en-US" dirty="0" smtClean="0"/>
+                <a:t>过滤：</a:t>
+              </a:r>
+              <a:endParaRPr lang="zh-CN" altLang="en-US" dirty="0"/>
+            </a:p>
+          </p:txBody>
+        </p:sp>
+        <p:sp>
+          <p:nvSpPr>
+            <p:cNvPr id="72" name="圆角矩形 71"/>
+            <p:cNvSpPr/>
+            <p:nvPr/>
+          </p:nvSpPr>
+          <p:spPr>
+            <a:xfrm>
+              <a:off x="6228184" y="908720"/>
+              <a:ext cx="1368152" cy="360040"/>
+            </a:xfrm>
+            <a:prstGeom prst="roundRect">
+              <a:avLst/>
+            </a:prstGeom>
+          </p:spPr>
+          <p:style>
+            <a:lnRef idx="2">
+              <a:schemeClr val="accent1">
+                <a:shade val="50000"/>
+              </a:schemeClr>
+            </a:lnRef>
+            <a:fillRef idx="1">
+              <a:schemeClr val="accent1"/>
+            </a:fillRef>
+            <a:effectRef idx="0">
+              <a:schemeClr val="accent1"/>
+            </a:effectRef>
+            <a:fontRef idx="minor">
+              <a:schemeClr val="lt1"/>
+            </a:fontRef>
+          </p:style>
+          <p:txBody>
+            <a:bodyPr rtlCol="0" anchor="ctr"/>
+            <a:lstStyle/>
+            <a:p>
+              <a:pPr algn="ctr"/>
+              <a:endParaRPr lang="zh-CN" altLang="en-US"/>
+            </a:p>
+          </p:txBody>
+        </p:sp>
+      </p:grpSp>
+      <p:sp>
+        <p:nvSpPr>
+          <p:cNvPr id="73" name="矩形 72"/>
+          <p:cNvSpPr/>
+          <p:nvPr/>
+        </p:nvSpPr>
+        <p:spPr>
+          <a:xfrm>
+            <a:off x="1619672" y="2924944"/>
+            <a:ext cx="6048672" cy="504056"/>
+          </a:xfrm>
+          <a:prstGeom prst="rect">
+            <a:avLst/>
+          </a:prstGeom>
+          <a:solidFill>
+            <a:srgbClr val="FF3300">
+              <a:alpha val="58039"/>
+            </a:srgbClr>
+          </a:solidFill>
+        </p:spPr>
+        <p:style>
+          <a:lnRef idx="2">
+            <a:schemeClr val="accent2"/>
+          </a:lnRef>
+          <a:fillRef idx="1">
+            <a:schemeClr val="lt1"/>
+          </a:fillRef>
+          <a:effectRef idx="0">
+            <a:schemeClr val="accent2"/>
+          </a:effectRef>
+          <a:fontRef idx="minor">
+            <a:schemeClr val="dk1"/>
+          </a:fontRef>
+        </p:style>
+        <p:txBody>
+          <a:bodyPr rtlCol="0" anchor="ctr"/>
+          <a:lstStyle/>
+          <a:p>
+            <a:pPr algn="ctr"/>
+            <a:endParaRPr lang="zh-CN" altLang="en-US"/>
+          </a:p>
+        </p:txBody>
+      </p:sp>
+      <p:sp>
+        <p:nvSpPr>
+          <p:cNvPr id="75" name="TextBox 74"/>
+          <p:cNvSpPr txBox="1"/>
+          <p:nvPr/>
+        </p:nvSpPr>
+        <p:spPr>
+          <a:xfrm>
+            <a:off x="3923928" y="2852936"/>
+            <a:ext cx="3024336" cy="369332"/>
+          </a:xfrm>
+          <a:prstGeom prst="rect">
+            <a:avLst/>
+          </a:prstGeom>
+          <a:solidFill>
+            <a:srgbClr val="FFC000"/>
+          </a:solidFill>
+        </p:spPr>
+        <p:txBody>
+          <a:bodyPr wrap="square" rtlCol="0">
+            <a:spAutoFit/>
+          </a:bodyPr>
+          <a:lstStyle/>
+          <a:p>
+            <a:r>
+              <a:rPr lang="zh-CN" altLang="en-US" u="sng" dirty="0" smtClean="0"/>
+              <a:t>预览</a:t>
+            </a:r>
+            <a:r>
+              <a:rPr lang="en-US" altLang="zh-CN" u="sng" dirty="0" smtClean="0"/>
+              <a:t>|</a:t>
+            </a:r>
+            <a:r>
+              <a:rPr lang="zh-CN" altLang="en-US" u="sng" dirty="0" smtClean="0"/>
+              <a:t>删除</a:t>
+            </a:r>
+            <a:r>
+              <a:rPr lang="en-US" altLang="zh-CN" u="sng" dirty="0" smtClean="0"/>
+              <a:t>|</a:t>
+            </a:r>
+            <a:r>
+              <a:rPr lang="zh-CN" altLang="en-US" u="sng" dirty="0" smtClean="0"/>
+              <a:t>下载</a:t>
+            </a:r>
+            <a:r>
+              <a:rPr lang="en-US" altLang="zh-CN" u="sng" dirty="0" smtClean="0"/>
+              <a:t>|</a:t>
+            </a:r>
+            <a:r>
+              <a:rPr lang="zh-CN" altLang="en-US" u="sng" dirty="0" smtClean="0"/>
+              <a:t>评论</a:t>
+            </a:r>
+            <a:r>
+              <a:rPr lang="en-US" altLang="zh-CN" u="sng" dirty="0" smtClean="0"/>
+              <a:t>|</a:t>
+            </a:r>
+            <a:r>
+              <a:rPr lang="zh-CN" altLang="en-US" u="sng" dirty="0" smtClean="0"/>
+              <a:t>标记</a:t>
+            </a:r>
+            <a:endParaRPr lang="zh-CN" altLang="en-US" u="sng" dirty="0"/>
+          </a:p>
+        </p:txBody>
+      </p:sp>
+      <p:grpSp>
+        <p:nvGrpSpPr>
+          <p:cNvPr id="92" name="组合 91"/>
+          <p:cNvGrpSpPr/>
+          <p:nvPr/>
+        </p:nvGrpSpPr>
+        <p:grpSpPr>
+          <a:xfrm>
+            <a:off x="5220072" y="3356992"/>
+            <a:ext cx="1800200" cy="1512168"/>
+            <a:chOff x="2555776" y="4293096"/>
+            <a:chExt cx="1800200" cy="1512168"/>
+          </a:xfrm>
+        </p:grpSpPr>
+        <p:sp>
+          <p:nvSpPr>
+            <p:cNvPr id="93" name="矩形标注 92"/>
+            <p:cNvSpPr/>
+            <p:nvPr/>
+          </p:nvSpPr>
+          <p:spPr>
+            <a:xfrm flipH="1" flipV="1">
+              <a:off x="2555776" y="4293096"/>
+              <a:ext cx="1800200" cy="1512168"/>
+            </a:xfrm>
+            <a:prstGeom prst="wedgeRectCallout">
+              <a:avLst/>
+            </a:prstGeom>
+          </p:spPr>
+          <p:style>
+            <a:lnRef idx="2">
+              <a:schemeClr val="accent1">
+                <a:shade val="50000"/>
+              </a:schemeClr>
+            </a:lnRef>
+            <a:fillRef idx="1">
+              <a:schemeClr val="accent1"/>
+            </a:fillRef>
+            <a:effectRef idx="0">
+              <a:schemeClr val="accent1"/>
+            </a:effectRef>
+            <a:fontRef idx="minor">
+              <a:schemeClr val="lt1"/>
+            </a:fontRef>
+          </p:style>
+          <p:txBody>
+            <a:bodyPr rtlCol="0" anchor="t"/>
+            <a:lstStyle/>
+            <a:p>
+              <a:endParaRPr lang="en-US" altLang="zh-CN" dirty="0" smtClean="0"/>
+            </a:p>
+          </p:txBody>
+        </p:sp>
+        <p:sp>
+          <p:nvSpPr>
+            <p:cNvPr id="94" name="TextBox 93"/>
+            <p:cNvSpPr txBox="1"/>
+            <p:nvPr/>
+          </p:nvSpPr>
+          <p:spPr>
+            <a:xfrm>
+              <a:off x="2627784" y="4365104"/>
+              <a:ext cx="1656184" cy="369332"/>
+            </a:xfrm>
+            <a:prstGeom prst="rect">
+              <a:avLst/>
+            </a:prstGeom>
+          </p:spPr>
+          <p:style>
+            <a:lnRef idx="2">
+              <a:schemeClr val="accent2"/>
+            </a:lnRef>
+            <a:fillRef idx="1">
+              <a:schemeClr val="lt1"/>
+            </a:fillRef>
+            <a:effectRef idx="0">
+              <a:schemeClr val="accent2"/>
+            </a:effectRef>
+            <a:fontRef idx="minor">
+              <a:schemeClr val="dk1"/>
+            </a:fontRef>
+          </p:style>
+          <p:txBody>
+            <a:bodyPr wrap="square" rtlCol="0">
+              <a:spAutoFit/>
+            </a:bodyPr>
+            <a:lstStyle/>
+            <a:p>
+              <a:r>
+                <a:rPr lang="en-US" altLang="zh-CN" dirty="0" smtClean="0"/>
+                <a:t>Tag1-----------X</a:t>
+              </a:r>
+              <a:endParaRPr lang="zh-CN" altLang="en-US" dirty="0"/>
+            </a:p>
+          </p:txBody>
+        </p:sp>
+        <p:sp>
+          <p:nvSpPr>
+            <p:cNvPr id="95" name="TextBox 94"/>
+            <p:cNvSpPr txBox="1"/>
+            <p:nvPr/>
+          </p:nvSpPr>
+          <p:spPr>
+            <a:xfrm>
+              <a:off x="2627784" y="4797152"/>
+              <a:ext cx="1656184" cy="369332"/>
+            </a:xfrm>
+            <a:prstGeom prst="rect">
+              <a:avLst/>
+            </a:prstGeom>
+          </p:spPr>
+          <p:style>
+            <a:lnRef idx="2">
+              <a:schemeClr val="accent2"/>
+            </a:lnRef>
+            <a:fillRef idx="1">
+              <a:schemeClr val="lt1"/>
+            </a:fillRef>
+            <a:effectRef idx="0">
+              <a:schemeClr val="accent2"/>
+            </a:effectRef>
+            <a:fontRef idx="minor">
+              <a:schemeClr val="dk1"/>
+            </a:fontRef>
+          </p:style>
+          <p:txBody>
+            <a:bodyPr wrap="square" rtlCol="0">
+              <a:spAutoFit/>
+            </a:bodyPr>
+            <a:lstStyle/>
+            <a:p>
+              <a:r>
+                <a:rPr lang="en-US" altLang="zh-CN" dirty="0" smtClean="0"/>
+                <a:t>Tag1-----------X</a:t>
+              </a:r>
+              <a:endParaRPr lang="zh-CN" altLang="en-US" dirty="0"/>
+            </a:p>
+          </p:txBody>
+        </p:sp>
+        <p:sp>
+          <p:nvSpPr>
+            <p:cNvPr id="96" name="TextBox 95"/>
+            <p:cNvSpPr txBox="1"/>
+            <p:nvPr/>
+          </p:nvSpPr>
+          <p:spPr>
+            <a:xfrm>
+              <a:off x="2627784" y="5229200"/>
+              <a:ext cx="1656184" cy="369332"/>
+            </a:xfrm>
+            <a:prstGeom prst="rect">
+              <a:avLst/>
+            </a:prstGeom>
+          </p:spPr>
+          <p:style>
+            <a:lnRef idx="2">
+              <a:schemeClr val="accent2"/>
+            </a:lnRef>
+            <a:fillRef idx="1">
+              <a:schemeClr val="lt1"/>
+            </a:fillRef>
+            <a:effectRef idx="0">
+              <a:schemeClr val="accent2"/>
+            </a:effectRef>
+            <a:fontRef idx="minor">
+              <a:schemeClr val="dk1"/>
+            </a:fontRef>
+          </p:style>
+          <p:txBody>
+            <a:bodyPr wrap="square" rtlCol="0">
+              <a:spAutoFit/>
+            </a:bodyPr>
+            <a:lstStyle/>
+            <a:p>
+              <a:r>
+                <a:rPr lang="zh-CN" altLang="en-US" dirty="0"/>
+                <a:t>新</a:t>
+              </a:r>
+              <a:r>
+                <a:rPr lang="en-US" altLang="zh-CN" dirty="0" smtClean="0"/>
+                <a:t>Tag</a:t>
+              </a:r>
+              <a:r>
+                <a:rPr lang="zh-CN" altLang="en-US" dirty="0" smtClean="0"/>
+                <a:t>：</a:t>
+              </a:r>
+              <a:r>
+                <a:rPr lang="en-US" altLang="zh-CN" dirty="0" smtClean="0"/>
+                <a:t>______</a:t>
+              </a:r>
+              <a:endParaRPr lang="zh-CN" altLang="en-US" dirty="0"/>
+            </a:p>
+          </p:txBody>
+        </p:sp>
+      </p:grpSp>
+      <p:grpSp>
+        <p:nvGrpSpPr>
+          <p:cNvPr id="97" name="组合 96"/>
+          <p:cNvGrpSpPr/>
+          <p:nvPr/>
+        </p:nvGrpSpPr>
+        <p:grpSpPr>
+          <a:xfrm>
+            <a:off x="5508104" y="1844824"/>
+            <a:ext cx="2160240" cy="936104"/>
+            <a:chOff x="1907704" y="3789039"/>
+            <a:chExt cx="3168352" cy="1512168"/>
+          </a:xfrm>
+        </p:grpSpPr>
+        <p:sp>
+          <p:nvSpPr>
+            <p:cNvPr id="98" name="矩形标注 97"/>
+            <p:cNvSpPr/>
+            <p:nvPr/>
+          </p:nvSpPr>
+          <p:spPr>
+            <a:xfrm>
+              <a:off x="1907704" y="3789039"/>
+              <a:ext cx="3168352" cy="1512168"/>
+            </a:xfrm>
+            <a:prstGeom prst="wedgeRectCallout">
+              <a:avLst>
+                <a:gd name="adj1" fmla="val -26832"/>
+                <a:gd name="adj2" fmla="val 68177"/>
+              </a:avLst>
+            </a:prstGeom>
+          </p:spPr>
+          <p:style>
+            <a:lnRef idx="2">
+              <a:schemeClr val="accent1">
+                <a:shade val="50000"/>
+              </a:schemeClr>
+            </a:lnRef>
+            <a:fillRef idx="1">
+              <a:schemeClr val="accent1"/>
+            </a:fillRef>
+            <a:effectRef idx="0">
+              <a:schemeClr val="accent1"/>
+            </a:effectRef>
+            <a:fontRef idx="minor">
+              <a:schemeClr val="lt1"/>
+            </a:fontRef>
+          </p:style>
+          <p:txBody>
+            <a:bodyPr rtlCol="0" anchor="t"/>
+            <a:lstStyle/>
+            <a:p>
+              <a:endParaRPr lang="en-US" altLang="zh-CN" dirty="0" smtClean="0"/>
+            </a:p>
+          </p:txBody>
+        </p:sp>
+        <p:sp>
+          <p:nvSpPr>
+            <p:cNvPr id="99" name="圆角矩形 98"/>
+            <p:cNvSpPr/>
+            <p:nvPr/>
+          </p:nvSpPr>
+          <p:spPr>
+            <a:xfrm>
+              <a:off x="1979711" y="3861048"/>
+              <a:ext cx="3024336" cy="742235"/>
+            </a:xfrm>
+            <a:prstGeom prst="roundRect">
+              <a:avLst/>
+            </a:prstGeom>
+          </p:spPr>
+          <p:style>
+            <a:lnRef idx="2">
+              <a:schemeClr val="accent6"/>
+            </a:lnRef>
+            <a:fillRef idx="1">
+              <a:schemeClr val="lt1"/>
+            </a:fillRef>
+            <a:effectRef idx="0">
+              <a:schemeClr val="accent6"/>
+            </a:effectRef>
+            <a:fontRef idx="minor">
+              <a:schemeClr val="dk1"/>
+            </a:fontRef>
+          </p:style>
+          <p:txBody>
+            <a:bodyPr rtlCol="0" anchor="ctr"/>
+            <a:lstStyle/>
+            <a:p>
+              <a:pPr algn="ctr"/>
+              <a:endParaRPr lang="zh-CN" altLang="en-US"/>
+            </a:p>
+          </p:txBody>
+        </p:sp>
+        <p:sp>
+          <p:nvSpPr>
+            <p:cNvPr id="100" name="圆角矩形 99"/>
+            <p:cNvSpPr/>
+            <p:nvPr/>
+          </p:nvSpPr>
+          <p:spPr>
+            <a:xfrm>
+              <a:off x="3808717" y="4719604"/>
+              <a:ext cx="1123326" cy="536490"/>
+            </a:xfrm>
+            <a:prstGeom prst="roundRect">
+              <a:avLst/>
+            </a:prstGeom>
+          </p:spPr>
+          <p:style>
+            <a:lnRef idx="1">
+              <a:schemeClr val="dk1"/>
+            </a:lnRef>
+            <a:fillRef idx="2">
+              <a:schemeClr val="dk1"/>
+            </a:fillRef>
+            <a:effectRef idx="1">
+              <a:schemeClr val="dk1"/>
+            </a:effectRef>
+            <a:fontRef idx="minor">
+              <a:schemeClr val="dk1"/>
+            </a:fontRef>
+          </p:style>
+          <p:txBody>
+            <a:bodyPr rtlCol="0" anchor="ctr"/>
+            <a:lstStyle/>
+            <a:p>
+              <a:pPr algn="ctr"/>
+              <a:r>
+                <a:rPr lang="zh-CN" altLang="en-US" dirty="0" smtClean="0"/>
+                <a:t>提交</a:t>
+              </a:r>
+              <a:endParaRPr lang="zh-CN" altLang="en-US" dirty="0"/>
+            </a:p>
+          </p:txBody>
+        </p:sp>
+      </p:grpSp>
     </p:spTree>
   </p:cSld>
   <p:clrMapOvr>
@@ -8431,7 +9011,7 @@
         <p:spPr>
           <a:xfrm>
             <a:off x="1547664" y="836712"/>
-            <a:ext cx="6228184" cy="5616624"/>
+            <a:ext cx="7596336" cy="5616624"/>
           </a:xfrm>
           <a:prstGeom prst="rect">
             <a:avLst/>
@@ -9357,14 +9937,74 @@
       </p:grpSp>
       <p:sp>
         <p:nvSpPr>
-          <p:cNvPr id="41" name="矩形 40"/>
-          <p:cNvSpPr/>
+          <p:cNvPr id="46" name="TextBox 45"/>
+          <p:cNvSpPr txBox="1"/>
           <p:nvPr/>
         </p:nvSpPr>
         <p:spPr>
           <a:xfrm>
-            <a:off x="7812360" y="836712"/>
-            <a:ext cx="1331640" cy="5616624"/>
+            <a:off x="1547664" y="908720"/>
+            <a:ext cx="720080" cy="369332"/>
+          </a:xfrm>
+          <a:prstGeom prst="rect">
+            <a:avLst/>
+          </a:prstGeom>
+          <a:noFill/>
+        </p:spPr>
+        <p:txBody>
+          <a:bodyPr wrap="square" rtlCol="0">
+            <a:spAutoFit/>
+          </a:bodyPr>
+          <a:lstStyle/>
+          <a:p>
+            <a:r>
+              <a:rPr lang="zh-CN" altLang="en-US" dirty="0" smtClean="0"/>
+              <a:t>排序：</a:t>
+            </a:r>
+            <a:endParaRPr lang="zh-CN" altLang="en-US" dirty="0"/>
+          </a:p>
+        </p:txBody>
+      </p:sp>
+      <p:sp>
+        <p:nvSpPr>
+          <p:cNvPr id="47" name="TextBox 46"/>
+          <p:cNvSpPr txBox="1"/>
+          <p:nvPr/>
+        </p:nvSpPr>
+        <p:spPr>
+          <a:xfrm>
+            <a:off x="3275856" y="908720"/>
+            <a:ext cx="720080" cy="369332"/>
+          </a:xfrm>
+          <a:prstGeom prst="rect">
+            <a:avLst/>
+          </a:prstGeom>
+          <a:noFill/>
+        </p:spPr>
+        <p:txBody>
+          <a:bodyPr wrap="square" rtlCol="0">
+            <a:spAutoFit/>
+          </a:bodyPr>
+          <a:lstStyle/>
+          <a:p>
+            <a:r>
+              <a:rPr lang="zh-CN" altLang="en-US" dirty="0" smtClean="0"/>
+              <a:t>视图：</a:t>
+            </a:r>
+            <a:endParaRPr lang="zh-CN" altLang="en-US" dirty="0"/>
+          </a:p>
+        </p:txBody>
+      </p:sp>
+      <p:sp>
+        <p:nvSpPr>
+          <p:cNvPr id="49" name="TextBox 48"/>
+          <p:cNvSpPr txBox="1"/>
+          <p:nvPr/>
+        </p:nvSpPr>
+        <p:spPr>
+          <a:xfrm>
+            <a:off x="2195736" y="908720"/>
+            <a:ext cx="1107996" cy="1200329"/>
           </a:xfrm>
           <a:prstGeom prst="rect">
             <a:avLst/>
@@ -9372,28 +10012,338 @@
         </p:spPr>
         <p:style>
           <a:lnRef idx="2">
-            <a:schemeClr val="accent6"/>
+            <a:schemeClr val="accent2"/>
           </a:lnRef>
           <a:fillRef idx="1">
             <a:schemeClr val="lt1"/>
           </a:fillRef>
           <a:effectRef idx="0">
-            <a:schemeClr val="accent6"/>
+            <a:schemeClr val="accent2"/>
           </a:effectRef>
           <a:fontRef idx="minor">
             <a:schemeClr val="dk1"/>
           </a:fontRef>
         </p:style>
         <p:txBody>
+          <a:bodyPr wrap="none" rtlCol="0">
+            <a:spAutoFit/>
+          </a:bodyPr>
+          <a:lstStyle/>
+          <a:p>
+            <a:r>
+              <a:rPr lang="zh-CN" altLang="en-US" dirty="0" smtClean="0"/>
+              <a:t>文件名</a:t>
+            </a:r>
+            <a:endParaRPr lang="en-US" altLang="zh-CN" dirty="0" smtClean="0"/>
+          </a:p>
+          <a:p>
+            <a:r>
+              <a:rPr lang="zh-CN" altLang="en-US" dirty="0" smtClean="0"/>
+              <a:t>作者</a:t>
+            </a:r>
+            <a:endParaRPr lang="en-US" altLang="zh-CN" dirty="0" smtClean="0"/>
+          </a:p>
+          <a:p>
+            <a:r>
+              <a:rPr lang="zh-CN" altLang="en-US" dirty="0" smtClean="0"/>
+              <a:t>修改时间</a:t>
+            </a:r>
+            <a:endParaRPr lang="en-US" altLang="zh-CN" dirty="0" smtClean="0"/>
+          </a:p>
+          <a:p>
+            <a:r>
+              <a:rPr lang="zh-CN" altLang="en-US" dirty="0" smtClean="0"/>
+              <a:t>创建时间</a:t>
+            </a:r>
+            <a:endParaRPr lang="zh-CN" altLang="en-US" dirty="0"/>
+          </a:p>
+        </p:txBody>
+      </p:sp>
+      <p:sp>
+        <p:nvSpPr>
+          <p:cNvPr id="50" name="TextBox 49"/>
+          <p:cNvSpPr txBox="1"/>
+          <p:nvPr/>
+        </p:nvSpPr>
+        <p:spPr>
+          <a:xfrm>
+            <a:off x="3968060" y="932527"/>
+            <a:ext cx="1107996" cy="1200329"/>
+          </a:xfrm>
+          <a:prstGeom prst="rect">
+            <a:avLst/>
+          </a:prstGeom>
+        </p:spPr>
+        <p:style>
+          <a:lnRef idx="2">
+            <a:schemeClr val="accent2"/>
+          </a:lnRef>
+          <a:fillRef idx="1">
+            <a:schemeClr val="lt1"/>
+          </a:fillRef>
+          <a:effectRef idx="0">
+            <a:schemeClr val="accent2"/>
+          </a:effectRef>
+          <a:fontRef idx="minor">
+            <a:schemeClr val="dk1"/>
+          </a:fontRef>
+        </p:style>
+        <p:txBody>
+          <a:bodyPr wrap="none" rtlCol="0">
+            <a:spAutoFit/>
+          </a:bodyPr>
+          <a:lstStyle/>
+          <a:p>
+            <a:r>
+              <a:rPr lang="zh-CN" altLang="en-US" dirty="0" smtClean="0">
+                <a:solidFill>
+                  <a:schemeClr val="tx1"/>
+                </a:solidFill>
+              </a:rPr>
+              <a:t>列表</a:t>
+            </a:r>
+            <a:endParaRPr lang="en-US" altLang="zh-CN" dirty="0" smtClean="0">
+              <a:solidFill>
+                <a:schemeClr val="tx1"/>
+              </a:solidFill>
+            </a:endParaRPr>
+          </a:p>
+          <a:p>
+            <a:r>
+              <a:rPr lang="zh-CN" altLang="en-US" dirty="0" smtClean="0">
+                <a:solidFill>
+                  <a:schemeClr val="tx1"/>
+                </a:solidFill>
+              </a:rPr>
+              <a:t>详细信息</a:t>
+            </a:r>
+            <a:endParaRPr lang="en-US" altLang="zh-CN" dirty="0" smtClean="0">
+              <a:solidFill>
+                <a:schemeClr val="tx1"/>
+              </a:solidFill>
+            </a:endParaRPr>
+          </a:p>
+          <a:p>
+            <a:r>
+              <a:rPr lang="zh-CN" altLang="en-US" dirty="0" smtClean="0">
+                <a:solidFill>
+                  <a:srgbClr val="FF0000"/>
+                </a:solidFill>
+              </a:rPr>
+              <a:t>平铺</a:t>
+            </a:r>
+            <a:endParaRPr lang="en-US" altLang="zh-CN" dirty="0" smtClean="0">
+              <a:solidFill>
+                <a:srgbClr val="FF0000"/>
+              </a:solidFill>
+            </a:endParaRPr>
+          </a:p>
+          <a:p>
+            <a:r>
+              <a:rPr lang="zh-CN" altLang="en-US" dirty="0" smtClean="0">
+                <a:solidFill>
+                  <a:schemeClr val="tx1"/>
+                </a:solidFill>
+              </a:rPr>
+              <a:t>内容</a:t>
+            </a:r>
+            <a:endParaRPr lang="en-US" altLang="zh-CN" dirty="0" smtClean="0">
+              <a:solidFill>
+                <a:schemeClr val="tx1"/>
+              </a:solidFill>
+            </a:endParaRPr>
+          </a:p>
+        </p:txBody>
+      </p:sp>
+      <p:grpSp>
+        <p:nvGrpSpPr>
+          <p:cNvPr id="35" name="组合 34"/>
+          <p:cNvGrpSpPr/>
+          <p:nvPr/>
+        </p:nvGrpSpPr>
+        <p:grpSpPr>
+          <a:xfrm>
+            <a:off x="5508104" y="908720"/>
+            <a:ext cx="2088232" cy="369332"/>
+            <a:chOff x="5508104" y="908720"/>
+            <a:chExt cx="2088232" cy="369332"/>
+          </a:xfrm>
+        </p:grpSpPr>
+        <p:sp>
+          <p:nvSpPr>
+            <p:cNvPr id="36" name="TextBox 35"/>
+            <p:cNvSpPr txBox="1"/>
+            <p:nvPr/>
+          </p:nvSpPr>
+          <p:spPr>
+            <a:xfrm>
+              <a:off x="5508104" y="908720"/>
+              <a:ext cx="720080" cy="369332"/>
+            </a:xfrm>
+            <a:prstGeom prst="rect">
+              <a:avLst/>
+            </a:prstGeom>
+            <a:noFill/>
+          </p:spPr>
+          <p:txBody>
+            <a:bodyPr wrap="square" rtlCol="0">
+              <a:spAutoFit/>
+            </a:bodyPr>
+            <a:lstStyle/>
+            <a:p>
+              <a:r>
+                <a:rPr lang="zh-CN" altLang="en-US" dirty="0" smtClean="0"/>
+                <a:t>过滤：</a:t>
+              </a:r>
+              <a:endParaRPr lang="zh-CN" altLang="en-US" dirty="0"/>
+            </a:p>
+          </p:txBody>
+        </p:sp>
+        <p:sp>
+          <p:nvSpPr>
+            <p:cNvPr id="37" name="圆角矩形 36"/>
+            <p:cNvSpPr/>
+            <p:nvPr/>
+          </p:nvSpPr>
+          <p:spPr>
+            <a:xfrm>
+              <a:off x="6228184" y="908720"/>
+              <a:ext cx="1368152" cy="360040"/>
+            </a:xfrm>
+            <a:prstGeom prst="roundRect">
+              <a:avLst/>
+            </a:prstGeom>
+          </p:spPr>
+          <p:style>
+            <a:lnRef idx="2">
+              <a:schemeClr val="accent1">
+                <a:shade val="50000"/>
+              </a:schemeClr>
+            </a:lnRef>
+            <a:fillRef idx="1">
+              <a:schemeClr val="accent1"/>
+            </a:fillRef>
+            <a:effectRef idx="0">
+              <a:schemeClr val="accent1"/>
+            </a:effectRef>
+            <a:fontRef idx="minor">
+              <a:schemeClr val="lt1"/>
+            </a:fontRef>
+          </p:style>
+          <p:txBody>
+            <a:bodyPr rtlCol="0" anchor="ctr"/>
+            <a:lstStyle/>
+            <a:p>
+              <a:pPr algn="ctr"/>
+              <a:endParaRPr lang="zh-CN" altLang="en-US"/>
+            </a:p>
+          </p:txBody>
+        </p:sp>
+      </p:grpSp>
+      <p:sp>
+        <p:nvSpPr>
+          <p:cNvPr id="38" name="矩形 37"/>
+          <p:cNvSpPr/>
+          <p:nvPr/>
+        </p:nvSpPr>
+        <p:spPr>
+          <a:xfrm>
+            <a:off x="1763688" y="2708920"/>
+            <a:ext cx="5760640" cy="1080120"/>
+          </a:xfrm>
+          <a:prstGeom prst="rect">
+            <a:avLst/>
+          </a:prstGeom>
+          <a:solidFill>
+            <a:srgbClr val="FF3300">
+              <a:alpha val="58039"/>
+            </a:srgbClr>
+          </a:solidFill>
+        </p:spPr>
+        <p:style>
+          <a:lnRef idx="2">
+            <a:schemeClr val="accent2"/>
+          </a:lnRef>
+          <a:fillRef idx="1">
+            <a:schemeClr val="lt1"/>
+          </a:fillRef>
+          <a:effectRef idx="0">
+            <a:schemeClr val="accent2"/>
+          </a:effectRef>
+          <a:fontRef idx="minor">
+            <a:schemeClr val="dk1"/>
+          </a:fontRef>
+        </p:style>
+        <p:txBody>
           <a:bodyPr rtlCol="0" anchor="ctr"/>
           <a:lstStyle/>
           <a:p>
             <a:pPr algn="ctr"/>
-            <a:r>
-              <a:rPr lang="zh-CN" altLang="en-US" dirty="0" smtClean="0"/>
-              <a:t>内容预览</a:t>
-            </a:r>
-            <a:endParaRPr lang="zh-CN" altLang="en-US" dirty="0"/>
+            <a:endParaRPr lang="zh-CN" altLang="en-US"/>
+          </a:p>
+        </p:txBody>
+      </p:sp>
+      <p:sp>
+        <p:nvSpPr>
+          <p:cNvPr id="39" name="TextBox 38"/>
+          <p:cNvSpPr txBox="1"/>
+          <p:nvPr/>
+        </p:nvSpPr>
+        <p:spPr>
+          <a:xfrm>
+            <a:off x="4644008" y="2555612"/>
+            <a:ext cx="3024336" cy="369332"/>
+          </a:xfrm>
+          <a:prstGeom prst="rect">
+            <a:avLst/>
+          </a:prstGeom>
+          <a:solidFill>
+            <a:srgbClr val="FFC000"/>
+          </a:solidFill>
+        </p:spPr>
+        <p:txBody>
+          <a:bodyPr wrap="square" rtlCol="0">
+            <a:spAutoFit/>
+          </a:bodyPr>
+          <a:lstStyle/>
+          <a:p>
+            <a:r>
+              <a:rPr lang="zh-CN" altLang="en-US" u="sng" dirty="0" smtClean="0"/>
+              <a:t>预览</a:t>
+            </a:r>
+            <a:r>
+              <a:rPr lang="en-US" altLang="zh-CN" u="sng" dirty="0" smtClean="0"/>
+              <a:t>|</a:t>
+            </a:r>
+            <a:r>
+              <a:rPr lang="zh-CN" altLang="en-US" u="sng" dirty="0" smtClean="0"/>
+              <a:t>删除</a:t>
+            </a:r>
+            <a:r>
+              <a:rPr lang="en-US" altLang="zh-CN" u="sng" dirty="0" smtClean="0"/>
+              <a:t>|</a:t>
+            </a:r>
+            <a:r>
+              <a:rPr lang="zh-CN" altLang="en-US" u="sng" dirty="0" smtClean="0"/>
+              <a:t>下载</a:t>
+            </a:r>
+            <a:r>
+              <a:rPr lang="en-US" altLang="zh-CN" u="sng" dirty="0" smtClean="0"/>
+              <a:t>|</a:t>
+            </a:r>
+            <a:r>
+              <a:rPr lang="zh-CN" altLang="en-US" u="sng" dirty="0" smtClean="0"/>
+              <a:t>评论</a:t>
+            </a:r>
+            <a:r>
+              <a:rPr lang="en-US" altLang="zh-CN" u="sng" dirty="0" smtClean="0"/>
+              <a:t>|</a:t>
+            </a:r>
+            <a:r>
+              <a:rPr lang="zh-CN" altLang="en-US" u="sng" dirty="0" smtClean="0"/>
+              <a:t>标记</a:t>
+            </a:r>
+            <a:endParaRPr lang="zh-CN" altLang="en-US" u="sng" dirty="0"/>
           </a:p>
         </p:txBody>
       </p:sp>
@@ -9405,7 +10355,7 @@
         </p:nvGrpSpPr>
         <p:grpSpPr>
           <a:xfrm>
-            <a:off x="2555776" y="4293096"/>
+            <a:off x="5868144" y="3068960"/>
             <a:ext cx="1800200" cy="1512168"/>
             <a:chOff x="2555776" y="4293096"/>
             <a:chExt cx="1800200" cy="1512168"/>
@@ -9418,7 +10368,7 @@
             <p:nvPr/>
           </p:nvSpPr>
           <p:spPr>
-            <a:xfrm flipH="1">
+            <a:xfrm flipH="1" flipV="1">
               <a:off x="2555776" y="4293096"/>
               <a:ext cx="1800200" cy="1512168"/>
             </a:xfrm>
@@ -9592,303 +10542,286 @@
           </p:txBody>
         </p:sp>
       </p:grpSp>
-      <p:sp>
-        <p:nvSpPr>
-          <p:cNvPr id="46" name="TextBox 45"/>
-          <p:cNvSpPr txBox="1"/>
+      <p:grpSp>
+        <p:nvGrpSpPr>
+          <p:cNvPr id="40" name="组合 39"/>
+          <p:cNvGrpSpPr/>
+          <p:nvPr/>
+        </p:nvGrpSpPr>
+        <p:grpSpPr>
+          <a:xfrm>
+            <a:off x="6228184" y="1484784"/>
+            <a:ext cx="2160240" cy="936104"/>
+            <a:chOff x="1907704" y="3789039"/>
+            <a:chExt cx="3168352" cy="1512168"/>
+          </a:xfrm>
+        </p:grpSpPr>
+        <p:sp>
+          <p:nvSpPr>
+            <p:cNvPr id="52" name="矩形标注 51"/>
+            <p:cNvSpPr/>
+            <p:nvPr/>
+          </p:nvSpPr>
+          <p:spPr>
+            <a:xfrm>
+              <a:off x="1907704" y="3789039"/>
+              <a:ext cx="3168352" cy="1512168"/>
+            </a:xfrm>
+            <a:prstGeom prst="wedgeRectCallout">
+              <a:avLst>
+                <a:gd name="adj1" fmla="val -26832"/>
+                <a:gd name="adj2" fmla="val 68177"/>
+              </a:avLst>
+            </a:prstGeom>
+          </p:spPr>
+          <p:style>
+            <a:lnRef idx="2">
+              <a:schemeClr val="accent1">
+                <a:shade val="50000"/>
+              </a:schemeClr>
+            </a:lnRef>
+            <a:fillRef idx="1">
+              <a:schemeClr val="accent1"/>
+            </a:fillRef>
+            <a:effectRef idx="0">
+              <a:schemeClr val="accent1"/>
+            </a:effectRef>
+            <a:fontRef idx="minor">
+              <a:schemeClr val="lt1"/>
+            </a:fontRef>
+          </p:style>
+          <p:txBody>
+            <a:bodyPr rtlCol="0" anchor="t"/>
+            <a:lstStyle/>
+            <a:p>
+              <a:endParaRPr lang="en-US" altLang="zh-CN" dirty="0" smtClean="0"/>
+            </a:p>
+          </p:txBody>
+        </p:sp>
+        <p:sp>
+          <p:nvSpPr>
+            <p:cNvPr id="53" name="圆角矩形 52"/>
+            <p:cNvSpPr/>
+            <p:nvPr/>
+          </p:nvSpPr>
+          <p:spPr>
+            <a:xfrm>
+              <a:off x="1979711" y="3861048"/>
+              <a:ext cx="3024336" cy="742235"/>
+            </a:xfrm>
+            <a:prstGeom prst="roundRect">
+              <a:avLst/>
+            </a:prstGeom>
+          </p:spPr>
+          <p:style>
+            <a:lnRef idx="2">
+              <a:schemeClr val="accent6"/>
+            </a:lnRef>
+            <a:fillRef idx="1">
+              <a:schemeClr val="lt1"/>
+            </a:fillRef>
+            <a:effectRef idx="0">
+              <a:schemeClr val="accent6"/>
+            </a:effectRef>
+            <a:fontRef idx="minor">
+              <a:schemeClr val="dk1"/>
+            </a:fontRef>
+          </p:style>
+          <p:txBody>
+            <a:bodyPr rtlCol="0" anchor="ctr"/>
+            <a:lstStyle/>
+            <a:p>
+              <a:pPr algn="ctr"/>
+              <a:endParaRPr lang="zh-CN" altLang="en-US"/>
+            </a:p>
+          </p:txBody>
+        </p:sp>
+        <p:sp>
+          <p:nvSpPr>
+            <p:cNvPr id="54" name="圆角矩形 53"/>
+            <p:cNvSpPr/>
+            <p:nvPr/>
+          </p:nvSpPr>
+          <p:spPr>
+            <a:xfrm>
+              <a:off x="3808717" y="4719604"/>
+              <a:ext cx="1123326" cy="536490"/>
+            </a:xfrm>
+            <a:prstGeom prst="roundRect">
+              <a:avLst/>
+            </a:prstGeom>
+          </p:spPr>
+          <p:style>
+            <a:lnRef idx="1">
+              <a:schemeClr val="dk1"/>
+            </a:lnRef>
+            <a:fillRef idx="2">
+              <a:schemeClr val="dk1"/>
+            </a:fillRef>
+            <a:effectRef idx="1">
+              <a:schemeClr val="dk1"/>
+            </a:effectRef>
+            <a:fontRef idx="minor">
+              <a:schemeClr val="dk1"/>
+            </a:fontRef>
+          </p:style>
+          <p:txBody>
+            <a:bodyPr rtlCol="0" anchor="ctr"/>
+            <a:lstStyle/>
+            <a:p>
+              <a:pPr algn="ctr"/>
+              <a:r>
+                <a:rPr lang="zh-CN" altLang="en-US" dirty="0" smtClean="0"/>
+                <a:t>提交</a:t>
+              </a:r>
+              <a:endParaRPr lang="zh-CN" altLang="en-US" dirty="0"/>
+            </a:p>
+          </p:txBody>
+        </p:sp>
+      </p:grpSp>
+      <p:sp>
+        <p:nvSpPr>
+          <p:cNvPr id="55" name="下箭头 54"/>
+          <p:cNvSpPr/>
           <p:nvPr/>
         </p:nvSpPr>
         <p:spPr>
           <a:xfrm>
-            <a:off x="1547664" y="908720"/>
-            <a:ext cx="720080" cy="369332"/>
-          </a:xfrm>
-          <a:prstGeom prst="rect">
-            <a:avLst/>
-          </a:prstGeom>
-          <a:noFill/>
-        </p:spPr>
-        <p:txBody>
-          <a:bodyPr wrap="square" rtlCol="0">
-            <a:spAutoFit/>
-          </a:bodyPr>
-          <a:lstStyle/>
-          <a:p>
-            <a:r>
-              <a:rPr lang="zh-CN" altLang="en-US" dirty="0" smtClean="0"/>
-              <a:t>排序：</a:t>
-            </a:r>
-            <a:endParaRPr lang="zh-CN" altLang="en-US" dirty="0"/>
-          </a:p>
-        </p:txBody>
-      </p:sp>
-      <p:sp>
-        <p:nvSpPr>
-          <p:cNvPr id="47" name="TextBox 46"/>
-          <p:cNvSpPr txBox="1"/>
-          <p:nvPr/>
-        </p:nvSpPr>
-        <p:spPr>
-          <a:xfrm>
-            <a:off x="3275856" y="908720"/>
-            <a:ext cx="720080" cy="369332"/>
-          </a:xfrm>
-          <a:prstGeom prst="rect">
-            <a:avLst/>
-          </a:prstGeom>
-          <a:noFill/>
-        </p:spPr>
-        <p:txBody>
-          <a:bodyPr wrap="square" rtlCol="0">
-            <a:spAutoFit/>
-          </a:bodyPr>
-          <a:lstStyle/>
-          <a:p>
-            <a:r>
-              <a:rPr lang="zh-CN" altLang="en-US" dirty="0" smtClean="0"/>
-              <a:t>视图：</a:t>
-            </a:r>
-            <a:endParaRPr lang="zh-CN" altLang="en-US" dirty="0"/>
-          </a:p>
-        </p:txBody>
-      </p:sp>
-      <p:sp>
-        <p:nvSpPr>
-          <p:cNvPr id="48" name="TextBox 47"/>
-          <p:cNvSpPr txBox="1"/>
-          <p:nvPr/>
-        </p:nvSpPr>
-        <p:spPr>
-          <a:xfrm>
-            <a:off x="4932040" y="908720"/>
-            <a:ext cx="3024336" cy="369332"/>
-          </a:xfrm>
-          <a:prstGeom prst="rect">
-            <a:avLst/>
-          </a:prstGeom>
-          <a:noFill/>
-        </p:spPr>
-        <p:txBody>
-          <a:bodyPr wrap="square" rtlCol="0">
-            <a:spAutoFit/>
-          </a:bodyPr>
-          <a:lstStyle/>
-          <a:p>
-            <a:r>
-              <a:rPr lang="zh-CN" altLang="en-US" u="sng" dirty="0" smtClean="0"/>
-              <a:t>预览</a:t>
-            </a:r>
-            <a:r>
-              <a:rPr lang="en-US" altLang="zh-CN" u="sng" dirty="0" smtClean="0"/>
-              <a:t>|</a:t>
-            </a:r>
-            <a:r>
-              <a:rPr lang="zh-CN" altLang="en-US" u="sng" dirty="0" smtClean="0"/>
-              <a:t>删除</a:t>
-            </a:r>
-            <a:r>
-              <a:rPr lang="en-US" altLang="zh-CN" u="sng" dirty="0" smtClean="0"/>
-              <a:t>|</a:t>
-            </a:r>
-            <a:r>
-              <a:rPr lang="zh-CN" altLang="en-US" u="sng" dirty="0" smtClean="0"/>
-              <a:t>下载</a:t>
-            </a:r>
-            <a:r>
-              <a:rPr lang="en-US" altLang="zh-CN" u="sng" dirty="0" smtClean="0"/>
-              <a:t>|</a:t>
-            </a:r>
-            <a:r>
-              <a:rPr lang="zh-CN" altLang="en-US" u="sng" dirty="0" smtClean="0"/>
-              <a:t>评论</a:t>
-            </a:r>
-            <a:r>
-              <a:rPr lang="en-US" altLang="zh-CN" u="sng" dirty="0" smtClean="0"/>
-              <a:t>|</a:t>
-            </a:r>
-            <a:r>
-              <a:rPr lang="zh-CN" altLang="en-US" u="sng" dirty="0" smtClean="0"/>
-              <a:t>标记</a:t>
-            </a:r>
-            <a:endParaRPr lang="zh-CN" altLang="en-US" u="sng" dirty="0"/>
-          </a:p>
-        </p:txBody>
-      </p:sp>
-      <p:sp>
-        <p:nvSpPr>
-          <p:cNvPr id="49" name="TextBox 48"/>
-          <p:cNvSpPr txBox="1"/>
-          <p:nvPr/>
-        </p:nvSpPr>
-        <p:spPr>
-          <a:xfrm>
-            <a:off x="2195736" y="908720"/>
-            <a:ext cx="1107996" cy="1200329"/>
-          </a:xfrm>
-          <a:prstGeom prst="rect">
+            <a:off x="8892480" y="6093296"/>
+            <a:ext cx="216024" cy="288032"/>
+          </a:xfrm>
+          <a:prstGeom prst="downArrow">
             <a:avLst/>
           </a:prstGeom>
         </p:spPr>
         <p:style>
           <a:lnRef idx="2">
-            <a:schemeClr val="accent2"/>
+            <a:schemeClr val="accent1">
+              <a:shade val="50000"/>
+            </a:schemeClr>
           </a:lnRef>
           <a:fillRef idx="1">
-            <a:schemeClr val="lt1"/>
+            <a:schemeClr val="accent1"/>
           </a:fillRef>
           <a:effectRef idx="0">
-            <a:schemeClr val="accent2"/>
+            <a:schemeClr val="accent1"/>
+          </a:effectRef>
+          <a:fontRef idx="minor">
+            <a:schemeClr val="lt1"/>
+          </a:fontRef>
+        </p:style>
+        <p:txBody>
+          <a:bodyPr rtlCol="0" anchor="ctr"/>
+          <a:lstStyle/>
+          <a:p>
+            <a:pPr algn="ctr"/>
+            <a:endParaRPr lang="zh-CN" altLang="en-US"/>
+          </a:p>
+        </p:txBody>
+      </p:sp>
+      <p:sp>
+        <p:nvSpPr>
+          <p:cNvPr id="56" name="下箭头 55"/>
+          <p:cNvSpPr/>
+          <p:nvPr/>
+        </p:nvSpPr>
+        <p:spPr>
+          <a:xfrm flipV="1">
+            <a:off x="8892480" y="1340768"/>
+            <a:ext cx="216024" cy="288032"/>
+          </a:xfrm>
+          <a:prstGeom prst="downArrow">
+            <a:avLst/>
+          </a:prstGeom>
+        </p:spPr>
+        <p:style>
+          <a:lnRef idx="2">
+            <a:schemeClr val="accent1">
+              <a:shade val="50000"/>
+            </a:schemeClr>
+          </a:lnRef>
+          <a:fillRef idx="1">
+            <a:schemeClr val="accent1"/>
+          </a:fillRef>
+          <a:effectRef idx="0">
+            <a:schemeClr val="accent1"/>
+          </a:effectRef>
+          <a:fontRef idx="minor">
+            <a:schemeClr val="lt1"/>
+          </a:fontRef>
+        </p:style>
+        <p:txBody>
+          <a:bodyPr rtlCol="0" anchor="ctr"/>
+          <a:lstStyle/>
+          <a:p>
+            <a:pPr algn="ctr"/>
+            <a:endParaRPr lang="zh-CN" altLang="en-US"/>
+          </a:p>
+        </p:txBody>
+      </p:sp>
+      <p:sp>
+        <p:nvSpPr>
+          <p:cNvPr id="58" name="矩形标注 57"/>
+          <p:cNvSpPr/>
+          <p:nvPr/>
+        </p:nvSpPr>
+        <p:spPr>
+          <a:xfrm>
+            <a:off x="2843808" y="4293096"/>
+            <a:ext cx="2016224" cy="1080120"/>
+          </a:xfrm>
+          <a:prstGeom prst="wedgeRectCallout">
+            <a:avLst/>
+          </a:prstGeom>
+        </p:spPr>
+        <p:style>
+          <a:lnRef idx="1">
+            <a:schemeClr val="accent1"/>
+          </a:lnRef>
+          <a:fillRef idx="2">
+            <a:schemeClr val="accent1"/>
+          </a:fillRef>
+          <a:effectRef idx="1">
+            <a:schemeClr val="accent1"/>
           </a:effectRef>
           <a:fontRef idx="minor">
             <a:schemeClr val="dk1"/>
           </a:fontRef>
         </p:style>
         <p:txBody>
-          <a:bodyPr wrap="none" rtlCol="0">
-            <a:spAutoFit/>
-          </a:bodyPr>
+          <a:bodyPr rtlCol="0" anchor="ctr"/>
           <a:lstStyle/>
           <a:p>
+            <a:pPr algn="ctr"/>
             <a:r>
               <a:rPr lang="zh-CN" altLang="en-US" dirty="0" smtClean="0"/>
-              <a:t>文件名</a:t>
+              <a:t>（照片）</a:t>
             </a:r>
             <a:endParaRPr lang="en-US" altLang="zh-CN" dirty="0" smtClean="0"/>
           </a:p>
           <a:p>
+            <a:pPr algn="ctr"/>
             <a:r>
               <a:rPr lang="zh-CN" altLang="en-US" dirty="0" smtClean="0"/>
-              <a:t>作者</a:t>
+              <a:t>姓名：张三</a:t>
             </a:r>
             <a:endParaRPr lang="en-US" altLang="zh-CN" dirty="0" smtClean="0"/>
           </a:p>
           <a:p>
+            <a:pPr algn="ctr"/>
             <a:r>
               <a:rPr lang="zh-CN" altLang="en-US" dirty="0" smtClean="0"/>
-              <a:t>修改时间</a:t>
+              <a:t>职务：项目经理</a:t>
             </a:r>
             <a:endParaRPr lang="en-US" altLang="zh-CN" dirty="0" smtClean="0"/>
           </a:p>
           <a:p>
-            <a:r>
-              <a:rPr lang="zh-CN" altLang="en-US" dirty="0" smtClean="0"/>
-              <a:t>创建时间</a:t>
-            </a:r>
-            <a:endParaRPr lang="zh-CN" altLang="en-US" dirty="0"/>
-          </a:p>
-        </p:txBody>
-      </p:sp>
-      <p:sp>
-        <p:nvSpPr>
-          <p:cNvPr id="50" name="TextBox 49"/>
-          <p:cNvSpPr txBox="1"/>
-          <p:nvPr/>
-        </p:nvSpPr>
-        <p:spPr>
-          <a:xfrm>
-            <a:off x="3968060" y="932527"/>
-            <a:ext cx="1107996" cy="1477328"/>
-          </a:xfrm>
-          <a:prstGeom prst="rect">
-            <a:avLst/>
-          </a:prstGeom>
-        </p:spPr>
-        <p:style>
-          <a:lnRef idx="2">
-            <a:schemeClr val="accent2"/>
-          </a:lnRef>
-          <a:fillRef idx="1">
-            <a:schemeClr val="lt1"/>
-          </a:fillRef>
-          <a:effectRef idx="0">
-            <a:schemeClr val="accent2"/>
-          </a:effectRef>
-          <a:fontRef idx="minor">
-            <a:schemeClr val="dk1"/>
-          </a:fontRef>
-        </p:style>
-        <p:txBody>
-          <a:bodyPr wrap="none" rtlCol="0">
-            <a:spAutoFit/>
-          </a:bodyPr>
-          <a:lstStyle/>
-          <a:p>
-            <a:r>
-              <a:rPr lang="zh-CN" altLang="en-US" dirty="0" smtClean="0">
-                <a:solidFill>
-                  <a:schemeClr val="tx1"/>
-                </a:solidFill>
-              </a:rPr>
-              <a:t>列表</a:t>
-            </a:r>
-            <a:endParaRPr lang="en-US" altLang="zh-CN" dirty="0" smtClean="0">
-              <a:solidFill>
-                <a:schemeClr val="tx1"/>
-              </a:solidFill>
-            </a:endParaRPr>
-          </a:p>
-          <a:p>
-            <a:r>
-              <a:rPr lang="zh-CN" altLang="en-US" dirty="0" smtClean="0">
-                <a:solidFill>
-                  <a:schemeClr val="tx1"/>
-                </a:solidFill>
-              </a:rPr>
-              <a:t>详细</a:t>
-            </a:r>
-            <a:r>
-              <a:rPr lang="zh-CN" altLang="en-US" dirty="0" smtClean="0">
-                <a:solidFill>
-                  <a:schemeClr val="tx1"/>
-                </a:solidFill>
-              </a:rPr>
-              <a:t>信息</a:t>
-            </a:r>
-            <a:endParaRPr lang="en-US" altLang="zh-CN" dirty="0" smtClean="0">
-              <a:solidFill>
-                <a:schemeClr val="tx1"/>
-              </a:solidFill>
-            </a:endParaRPr>
-          </a:p>
-          <a:p>
-            <a:r>
-              <a:rPr lang="zh-CN" altLang="en-US" dirty="0" smtClean="0">
-                <a:solidFill>
-                  <a:srgbClr val="FF0000"/>
-                </a:solidFill>
-              </a:rPr>
-              <a:t>平铺</a:t>
-            </a:r>
-            <a:endParaRPr lang="en-US" altLang="zh-CN" dirty="0" smtClean="0">
-              <a:solidFill>
-                <a:srgbClr val="FF0000"/>
-              </a:solidFill>
-            </a:endParaRPr>
-          </a:p>
-          <a:p>
-            <a:r>
-              <a:rPr lang="zh-CN" altLang="en-US" dirty="0">
-                <a:solidFill>
-                  <a:schemeClr val="tx1"/>
-                </a:solidFill>
-              </a:rPr>
-              <a:t>内容</a:t>
-            </a:r>
-            <a:endParaRPr lang="en-US" altLang="zh-CN" dirty="0" smtClean="0">
-              <a:solidFill>
-                <a:schemeClr val="tx1"/>
-              </a:solidFill>
-            </a:endParaRPr>
-          </a:p>
-          <a:p>
-            <a:r>
-              <a:rPr lang="zh-CN" altLang="en-US" dirty="0" smtClean="0"/>
-              <a:t>预</a:t>
-            </a:r>
-            <a:r>
-              <a:rPr lang="zh-CN" altLang="en-US" dirty="0"/>
-              <a:t>览</a:t>
-            </a:r>
+            <a:pPr algn="ctr"/>
+            <a:r>
+              <a:rPr lang="zh-CN" altLang="en-US" u="sng" dirty="0" smtClean="0"/>
+              <a:t>搜索张三所有文件</a:t>
+            </a:r>
+            <a:endParaRPr lang="zh-CN" altLang="en-US" u="sng" dirty="0"/>
           </a:p>
         </p:txBody>
       </p:sp>
@@ -10141,7 +11074,7 @@
         <p:spPr>
           <a:xfrm>
             <a:off x="1547664" y="836712"/>
-            <a:ext cx="6228184" cy="5616624"/>
+            <a:ext cx="7596336" cy="5616624"/>
           </a:xfrm>
           <a:prstGeom prst="rect">
             <a:avLst/>
@@ -10338,9 +11271,9 @@
         <p:grpSpPr>
           <a:xfrm>
             <a:off x="1691680" y="1436583"/>
-            <a:ext cx="6084168" cy="1200329"/>
+            <a:ext cx="5904656" cy="1200329"/>
             <a:chOff x="3059832" y="1124744"/>
-            <a:chExt cx="6084168" cy="1200329"/>
+            <a:chExt cx="5904656" cy="1200329"/>
           </a:xfrm>
         </p:grpSpPr>
         <p:sp>
@@ -10486,56 +11419,6 @@
             </a:p>
           </p:txBody>
         </p:sp>
-        <p:sp>
-          <p:nvSpPr>
-            <p:cNvPr id="15" name="TextBox 14"/>
-            <p:cNvSpPr txBox="1"/>
-            <p:nvPr/>
-          </p:nvSpPr>
-          <p:spPr>
-            <a:xfrm>
-              <a:off x="8316416" y="1124744"/>
-              <a:ext cx="827584" cy="1200329"/>
-            </a:xfrm>
-            <a:prstGeom prst="rect">
-              <a:avLst/>
-            </a:prstGeom>
-            <a:noFill/>
-          </p:spPr>
-          <p:txBody>
-            <a:bodyPr wrap="square" rtlCol="0">
-              <a:spAutoFit/>
-            </a:bodyPr>
-            <a:lstStyle/>
-            <a:p>
-              <a:r>
-                <a:rPr lang="zh-CN" altLang="en-US" u="sng" dirty="0" smtClean="0"/>
-                <a:t>预览</a:t>
-              </a:r>
-              <a:endParaRPr lang="en-US" altLang="zh-CN" u="sng" dirty="0" smtClean="0"/>
-            </a:p>
-            <a:p>
-              <a:r>
-                <a:rPr lang="zh-CN" altLang="en-US" u="sng" dirty="0" smtClean="0"/>
-                <a:t>删除</a:t>
-              </a:r>
-              <a:endParaRPr lang="en-US" altLang="zh-CN" u="sng" dirty="0" smtClean="0"/>
-            </a:p>
-            <a:p>
-              <a:r>
-                <a:rPr lang="zh-CN" altLang="en-US" u="sng" dirty="0" smtClean="0"/>
-                <a:t>下载</a:t>
-              </a:r>
-              <a:endParaRPr lang="en-US" altLang="zh-CN" u="sng" dirty="0" smtClean="0"/>
-            </a:p>
-            <a:p>
-              <a:r>
-                <a:rPr lang="zh-CN" altLang="en-US" u="sng" dirty="0"/>
-                <a:t>评论</a:t>
-              </a:r>
-            </a:p>
-          </p:txBody>
-        </p:sp>
         <p:pic>
           <p:nvPicPr>
             <p:cNvPr id="10242" name="Picture 2" descr="http://ts4.mm.bing.net/th?id=H.4567110543869391&amp;w=148&amp;h=145&amp;c=7&amp;rs=1&amp;pid=1.7"/>
@@ -10572,9 +11455,9 @@
         <p:grpSpPr>
           <a:xfrm>
             <a:off x="1691680" y="2660719"/>
-            <a:ext cx="6084168" cy="1200329"/>
+            <a:ext cx="5904656" cy="1200329"/>
             <a:chOff x="3059832" y="1124744"/>
-            <a:chExt cx="6084168" cy="1200329"/>
+            <a:chExt cx="5904656" cy="1200329"/>
           </a:xfrm>
         </p:grpSpPr>
         <p:sp>
@@ -10720,6 +11603,3400 @@
             </a:p>
           </p:txBody>
         </p:sp>
+        <p:pic>
+          <p:nvPicPr>
+            <p:cNvPr id="21" name="Picture 2" descr="http://ts4.mm.bing.net/th?id=H.4567110543869391&amp;w=148&amp;h=145&amp;c=7&amp;rs=1&amp;pid=1.7"/>
+            <p:cNvPicPr>
+              <a:picLocks noChangeAspect="1" noChangeArrowheads="1"/>
+            </p:cNvPicPr>
+            <p:nvPr/>
+          </p:nvPicPr>
+          <p:blipFill>
+            <a:blip r:embed="rId2" cstate="print"/>
+            <a:srcRect/>
+            <a:stretch>
+              <a:fillRect/>
+            </a:stretch>
+          </p:blipFill>
+          <p:spPr bwMode="auto">
+            <a:xfrm>
+              <a:off x="3119922" y="1196752"/>
+              <a:ext cx="587982" cy="576064"/>
+            </a:xfrm>
+            <a:prstGeom prst="rect">
+              <a:avLst/>
+            </a:prstGeom>
+            <a:noFill/>
+          </p:spPr>
+        </p:pic>
+      </p:grpSp>
+      <p:sp>
+        <p:nvSpPr>
+          <p:cNvPr id="28" name="TextBox 27"/>
+          <p:cNvSpPr txBox="1"/>
+          <p:nvPr/>
+        </p:nvSpPr>
+        <p:spPr>
+          <a:xfrm>
+            <a:off x="1547664" y="3933056"/>
+            <a:ext cx="7596336" cy="2308324"/>
+          </a:xfrm>
+          <a:prstGeom prst="rect">
+            <a:avLst/>
+          </a:prstGeom>
+        </p:spPr>
+        <p:style>
+          <a:lnRef idx="2">
+            <a:schemeClr val="accent6"/>
+          </a:lnRef>
+          <a:fillRef idx="1">
+            <a:schemeClr val="lt1"/>
+          </a:fillRef>
+          <a:effectRef idx="0">
+            <a:schemeClr val="accent6"/>
+          </a:effectRef>
+          <a:fontRef idx="minor">
+            <a:schemeClr val="dk1"/>
+          </a:fontRef>
+        </p:style>
+        <p:txBody>
+          <a:bodyPr wrap="square" rtlCol="0">
+            <a:spAutoFit/>
+          </a:bodyPr>
+          <a:lstStyle/>
+          <a:p>
+            <a:r>
+              <a:rPr lang="en-US" altLang="zh-CN" dirty="0"/>
+              <a:t> </a:t>
+            </a:r>
+            <a:r>
+              <a:rPr lang="en-US" altLang="zh-CN" dirty="0" smtClean="0"/>
+              <a:t>          </a:t>
+            </a:r>
+            <a:r>
+              <a:rPr lang="en-US" altLang="zh-CN" u="sng" dirty="0" smtClean="0"/>
+              <a:t>a.doc</a:t>
+            </a:r>
+          </a:p>
+          <a:p>
+            <a:r>
+              <a:rPr lang="en-US" altLang="zh-CN" dirty="0"/>
+              <a:t> </a:t>
+            </a:r>
+            <a:r>
+              <a:rPr lang="en-US" altLang="zh-CN" dirty="0" smtClean="0"/>
+              <a:t>          </a:t>
+            </a:r>
+            <a:r>
+              <a:rPr lang="zh-CN" altLang="en-US" dirty="0" smtClean="0"/>
+              <a:t>作者：</a:t>
+            </a:r>
+            <a:r>
+              <a:rPr lang="zh-CN" altLang="en-US" u="sng" dirty="0" smtClean="0">
+                <a:solidFill>
+                  <a:schemeClr val="tx2">
+                    <a:lumMod val="60000"/>
+                    <a:lumOff val="40000"/>
+                  </a:schemeClr>
+                </a:solidFill>
+              </a:rPr>
+              <a:t>张三 </a:t>
+            </a:r>
+            <a:r>
+              <a:rPr lang="en-US" altLang="zh-CN" dirty="0" smtClean="0"/>
+              <a:t>51667Bytes, 2013-11-25, </a:t>
+            </a:r>
+            <a:r>
+              <a:rPr lang="en-US" altLang="zh-CN" u="sng" dirty="0" smtClean="0">
+                <a:solidFill>
+                  <a:schemeClr val="tx2">
+                    <a:lumMod val="60000"/>
+                    <a:lumOff val="40000"/>
+                  </a:schemeClr>
+                </a:solidFill>
+              </a:rPr>
+              <a:t>Version 31</a:t>
+            </a:r>
+          </a:p>
+          <a:p>
+            <a:r>
+              <a:rPr lang="en-US" altLang="zh-CN" dirty="0"/>
+              <a:t> </a:t>
+            </a:r>
+            <a:r>
+              <a:rPr lang="en-US" altLang="zh-CN" dirty="0" smtClean="0"/>
+              <a:t>          </a:t>
+            </a:r>
+            <a:r>
+              <a:rPr lang="zh-CN" altLang="en-US" dirty="0" smtClean="0"/>
+              <a:t>文件简要介绍内容</a:t>
+            </a:r>
+            <a:r>
+              <a:rPr lang="en-US" altLang="zh-CN" dirty="0" smtClean="0"/>
+              <a:t>…</a:t>
+            </a:r>
+          </a:p>
+          <a:p>
+            <a:r>
+              <a:rPr lang="en-US" altLang="zh-CN" dirty="0"/>
+              <a:t> </a:t>
+            </a:r>
+            <a:r>
+              <a:rPr lang="en-US" altLang="zh-CN" dirty="0" smtClean="0"/>
+              <a:t>          </a:t>
+            </a:r>
+            <a:r>
+              <a:rPr lang="en-US" altLang="zh-CN" u="sng" dirty="0" smtClean="0"/>
+              <a:t>tag1</a:t>
+            </a:r>
+            <a:r>
+              <a:rPr lang="zh-CN" altLang="en-US" dirty="0" smtClean="0"/>
+              <a:t>，</a:t>
+            </a:r>
+            <a:r>
+              <a:rPr lang="en-US" altLang="zh-CN" u="sng" dirty="0" smtClean="0"/>
+              <a:t>tag2</a:t>
+            </a:r>
+            <a:r>
+              <a:rPr lang="zh-CN" altLang="en-US" dirty="0" smtClean="0"/>
+              <a:t>，</a:t>
+            </a:r>
+            <a:r>
+              <a:rPr lang="zh-CN" altLang="en-US" u="sng" dirty="0" smtClean="0"/>
+              <a:t>添加</a:t>
+            </a:r>
+            <a:r>
+              <a:rPr lang="en-US" altLang="zh-CN" u="sng" dirty="0" smtClean="0"/>
+              <a:t>tag</a:t>
+            </a:r>
+          </a:p>
+          <a:p>
+            <a:r>
+              <a:rPr lang="en-US" altLang="zh-CN" dirty="0" smtClean="0"/>
+              <a:t>---------------------------------------------------------------------------------</a:t>
+            </a:r>
+          </a:p>
+          <a:p>
+            <a:pPr>
+              <a:buFont typeface="Arial" charset="0"/>
+              <a:buChar char="•"/>
+            </a:pPr>
+            <a:r>
+              <a:rPr lang="zh-CN" altLang="en-US" dirty="0" smtClean="0"/>
+              <a:t>张三：请大家评论</a:t>
+            </a:r>
+            <a:r>
+              <a:rPr lang="en-US" altLang="zh-CN" dirty="0" smtClean="0"/>
+              <a:t>………………………</a:t>
+            </a:r>
+            <a:r>
+              <a:rPr lang="en-US" altLang="zh-CN" dirty="0" smtClean="0"/>
+              <a:t> </a:t>
+            </a:r>
+            <a:r>
+              <a:rPr lang="en-US" altLang="zh-CN" dirty="0" smtClean="0"/>
+              <a:t>………………</a:t>
+            </a:r>
+            <a:r>
+              <a:rPr lang="en-US" altLang="zh-CN" dirty="0" smtClean="0"/>
+              <a:t>…</a:t>
+            </a:r>
+            <a:r>
+              <a:rPr lang="zh-CN" altLang="en-US" u="sng" dirty="0" smtClean="0"/>
+              <a:t>赞</a:t>
+            </a:r>
+            <a:r>
+              <a:rPr lang="en-US" altLang="zh-CN" dirty="0" smtClean="0"/>
+              <a:t>(5)|</a:t>
+            </a:r>
+            <a:r>
+              <a:rPr lang="zh-CN" altLang="en-US" u="sng" dirty="0" smtClean="0"/>
+              <a:t>踩</a:t>
+            </a:r>
+            <a:r>
+              <a:rPr lang="en-US" altLang="zh-CN" dirty="0" smtClean="0"/>
+              <a:t>(1)</a:t>
+            </a:r>
+          </a:p>
+          <a:p>
+            <a:pPr>
+              <a:buFont typeface="Arial" charset="0"/>
+              <a:buChar char="•"/>
+            </a:pPr>
+            <a:r>
+              <a:rPr lang="zh-CN" altLang="en-US" dirty="0" smtClean="0"/>
+              <a:t>李四：很好的文章，非常有用</a:t>
+            </a:r>
+            <a:r>
+              <a:rPr lang="en-US" altLang="zh-CN" dirty="0" smtClean="0"/>
+              <a:t>………………………</a:t>
+            </a:r>
+            <a:r>
+              <a:rPr lang="zh-CN" altLang="en-US" u="sng" dirty="0" smtClean="0"/>
+              <a:t>赞</a:t>
+            </a:r>
+            <a:r>
+              <a:rPr lang="en-US" altLang="zh-CN" dirty="0" smtClean="0"/>
+              <a:t>(5)|</a:t>
+            </a:r>
+            <a:r>
+              <a:rPr lang="zh-CN" altLang="en-US" u="sng" dirty="0" smtClean="0"/>
+              <a:t>踩</a:t>
+            </a:r>
+            <a:r>
+              <a:rPr lang="en-US" altLang="zh-CN" dirty="0" smtClean="0"/>
+              <a:t>(1</a:t>
+            </a:r>
+            <a:r>
+              <a:rPr lang="en-US" altLang="zh-CN" dirty="0" smtClean="0"/>
+              <a:t>)</a:t>
+            </a:r>
+          </a:p>
+          <a:p>
+            <a:pPr>
+              <a:buFont typeface="Arial" charset="0"/>
+              <a:buChar char="•"/>
+            </a:pPr>
+            <a:r>
+              <a:rPr lang="zh-CN" altLang="en-US" u="sng" dirty="0" smtClean="0"/>
+              <a:t>增加评论</a:t>
+            </a:r>
+            <a:endParaRPr lang="en-US" altLang="zh-CN" u="sng" dirty="0" smtClean="0"/>
+          </a:p>
+        </p:txBody>
+      </p:sp>
+      <p:pic>
+        <p:nvPicPr>
+          <p:cNvPr id="30" name="Picture 2" descr="http://ts4.mm.bing.net/th?id=H.4567110543869391&amp;w=148&amp;h=145&amp;c=7&amp;rs=1&amp;pid=1.7"/>
+          <p:cNvPicPr>
+            <a:picLocks noChangeAspect="1" noChangeArrowheads="1"/>
+          </p:cNvPicPr>
+          <p:nvPr/>
+        </p:nvPicPr>
+        <p:blipFill>
+          <a:blip r:embed="rId2" cstate="print"/>
+          <a:srcRect/>
+          <a:stretch>
+            <a:fillRect/>
+          </a:stretch>
+        </p:blipFill>
+        <p:spPr bwMode="auto">
+          <a:xfrm>
+            <a:off x="1751770" y="4005064"/>
+            <a:ext cx="587982" cy="576064"/>
+          </a:xfrm>
+          <a:prstGeom prst="rect">
+            <a:avLst/>
+          </a:prstGeom>
+          <a:noFill/>
+        </p:spPr>
+      </p:pic>
+      <p:sp>
+        <p:nvSpPr>
+          <p:cNvPr id="46" name="TextBox 45"/>
+          <p:cNvSpPr txBox="1"/>
+          <p:nvPr/>
+        </p:nvSpPr>
+        <p:spPr>
+          <a:xfrm>
+            <a:off x="1547664" y="908720"/>
+            <a:ext cx="720080" cy="369332"/>
+          </a:xfrm>
+          <a:prstGeom prst="rect">
+            <a:avLst/>
+          </a:prstGeom>
+          <a:noFill/>
+        </p:spPr>
+        <p:txBody>
+          <a:bodyPr wrap="square" rtlCol="0">
+            <a:spAutoFit/>
+          </a:bodyPr>
+          <a:lstStyle/>
+          <a:p>
+            <a:r>
+              <a:rPr lang="zh-CN" altLang="en-US" dirty="0" smtClean="0"/>
+              <a:t>排序：</a:t>
+            </a:r>
+            <a:endParaRPr lang="zh-CN" altLang="en-US" dirty="0"/>
+          </a:p>
+        </p:txBody>
+      </p:sp>
+      <p:sp>
+        <p:nvSpPr>
+          <p:cNvPr id="47" name="TextBox 46"/>
+          <p:cNvSpPr txBox="1"/>
+          <p:nvPr/>
+        </p:nvSpPr>
+        <p:spPr>
+          <a:xfrm>
+            <a:off x="3275856" y="908720"/>
+            <a:ext cx="720080" cy="369332"/>
+          </a:xfrm>
+          <a:prstGeom prst="rect">
+            <a:avLst/>
+          </a:prstGeom>
+          <a:noFill/>
+        </p:spPr>
+        <p:txBody>
+          <a:bodyPr wrap="square" rtlCol="0">
+            <a:spAutoFit/>
+          </a:bodyPr>
+          <a:lstStyle/>
+          <a:p>
+            <a:r>
+              <a:rPr lang="zh-CN" altLang="en-US" dirty="0" smtClean="0"/>
+              <a:t>视图：</a:t>
+            </a:r>
+            <a:endParaRPr lang="zh-CN" altLang="en-US" dirty="0"/>
+          </a:p>
+        </p:txBody>
+      </p:sp>
+      <p:sp>
+        <p:nvSpPr>
+          <p:cNvPr id="49" name="TextBox 48"/>
+          <p:cNvSpPr txBox="1"/>
+          <p:nvPr/>
+        </p:nvSpPr>
+        <p:spPr>
+          <a:xfrm>
+            <a:off x="2195736" y="908720"/>
+            <a:ext cx="1107996" cy="1200329"/>
+          </a:xfrm>
+          <a:prstGeom prst="rect">
+            <a:avLst/>
+          </a:prstGeom>
+        </p:spPr>
+        <p:style>
+          <a:lnRef idx="2">
+            <a:schemeClr val="accent2"/>
+          </a:lnRef>
+          <a:fillRef idx="1">
+            <a:schemeClr val="lt1"/>
+          </a:fillRef>
+          <a:effectRef idx="0">
+            <a:schemeClr val="accent2"/>
+          </a:effectRef>
+          <a:fontRef idx="minor">
+            <a:schemeClr val="dk1"/>
+          </a:fontRef>
+        </p:style>
+        <p:txBody>
+          <a:bodyPr wrap="none" rtlCol="0">
+            <a:spAutoFit/>
+          </a:bodyPr>
+          <a:lstStyle/>
+          <a:p>
+            <a:r>
+              <a:rPr lang="zh-CN" altLang="en-US" dirty="0" smtClean="0"/>
+              <a:t>文件名</a:t>
+            </a:r>
+            <a:endParaRPr lang="en-US" altLang="zh-CN" dirty="0" smtClean="0"/>
+          </a:p>
+          <a:p>
+            <a:r>
+              <a:rPr lang="zh-CN" altLang="en-US" dirty="0" smtClean="0"/>
+              <a:t>作者</a:t>
+            </a:r>
+            <a:endParaRPr lang="en-US" altLang="zh-CN" dirty="0" smtClean="0"/>
+          </a:p>
+          <a:p>
+            <a:r>
+              <a:rPr lang="zh-CN" altLang="en-US" dirty="0" smtClean="0"/>
+              <a:t>修改时间</a:t>
+            </a:r>
+            <a:endParaRPr lang="en-US" altLang="zh-CN" dirty="0" smtClean="0"/>
+          </a:p>
+          <a:p>
+            <a:r>
+              <a:rPr lang="zh-CN" altLang="en-US" dirty="0" smtClean="0"/>
+              <a:t>创建时间</a:t>
+            </a:r>
+            <a:endParaRPr lang="zh-CN" altLang="en-US" dirty="0"/>
+          </a:p>
+        </p:txBody>
+      </p:sp>
+      <p:sp>
+        <p:nvSpPr>
+          <p:cNvPr id="50" name="TextBox 49"/>
+          <p:cNvSpPr txBox="1"/>
+          <p:nvPr/>
+        </p:nvSpPr>
+        <p:spPr>
+          <a:xfrm>
+            <a:off x="3968060" y="932527"/>
+            <a:ext cx="1107996" cy="1200329"/>
+          </a:xfrm>
+          <a:prstGeom prst="rect">
+            <a:avLst/>
+          </a:prstGeom>
+        </p:spPr>
+        <p:style>
+          <a:lnRef idx="2">
+            <a:schemeClr val="accent2"/>
+          </a:lnRef>
+          <a:fillRef idx="1">
+            <a:schemeClr val="lt1"/>
+          </a:fillRef>
+          <a:effectRef idx="0">
+            <a:schemeClr val="accent2"/>
+          </a:effectRef>
+          <a:fontRef idx="minor">
+            <a:schemeClr val="dk1"/>
+          </a:fontRef>
+        </p:style>
+        <p:txBody>
+          <a:bodyPr wrap="none" rtlCol="0">
+            <a:spAutoFit/>
+          </a:bodyPr>
+          <a:lstStyle/>
+          <a:p>
+            <a:r>
+              <a:rPr lang="zh-CN" altLang="en-US" dirty="0" smtClean="0">
+                <a:solidFill>
+                  <a:schemeClr val="tx1"/>
+                </a:solidFill>
+              </a:rPr>
+              <a:t>列表</a:t>
+            </a:r>
+            <a:endParaRPr lang="en-US" altLang="zh-CN" dirty="0" smtClean="0">
+              <a:solidFill>
+                <a:schemeClr val="tx1"/>
+              </a:solidFill>
+            </a:endParaRPr>
+          </a:p>
+          <a:p>
+            <a:r>
+              <a:rPr lang="zh-CN" altLang="en-US" dirty="0" smtClean="0">
+                <a:solidFill>
+                  <a:schemeClr val="tx1"/>
+                </a:solidFill>
+              </a:rPr>
+              <a:t>详细信息</a:t>
+            </a:r>
+            <a:endParaRPr lang="en-US" altLang="zh-CN" dirty="0" smtClean="0">
+              <a:solidFill>
+                <a:schemeClr val="tx1"/>
+              </a:solidFill>
+            </a:endParaRPr>
+          </a:p>
+          <a:p>
+            <a:r>
+              <a:rPr lang="zh-CN" altLang="en-US" dirty="0" smtClean="0">
+                <a:solidFill>
+                  <a:schemeClr val="tx1"/>
+                </a:solidFill>
+              </a:rPr>
+              <a:t>平铺</a:t>
+            </a:r>
+            <a:endParaRPr lang="en-US" altLang="zh-CN" dirty="0" smtClean="0">
+              <a:solidFill>
+                <a:schemeClr val="tx1"/>
+              </a:solidFill>
+            </a:endParaRPr>
+          </a:p>
+          <a:p>
+            <a:r>
+              <a:rPr lang="zh-CN" altLang="en-US" dirty="0" smtClean="0">
+                <a:solidFill>
+                  <a:srgbClr val="FF0000"/>
+                </a:solidFill>
+              </a:rPr>
+              <a:t>内容</a:t>
+            </a:r>
+            <a:endParaRPr lang="en-US" altLang="zh-CN" dirty="0" smtClean="0">
+              <a:solidFill>
+                <a:srgbClr val="FF0000"/>
+              </a:solidFill>
+            </a:endParaRPr>
+          </a:p>
+        </p:txBody>
+      </p:sp>
+      <p:grpSp>
+        <p:nvGrpSpPr>
+          <p:cNvPr id="16" name="组合 34"/>
+          <p:cNvGrpSpPr/>
+          <p:nvPr/>
+        </p:nvGrpSpPr>
+        <p:grpSpPr>
+          <a:xfrm>
+            <a:off x="5508104" y="908720"/>
+            <a:ext cx="2088232" cy="369332"/>
+            <a:chOff x="5508104" y="908720"/>
+            <a:chExt cx="2088232" cy="369332"/>
+          </a:xfrm>
+        </p:grpSpPr>
+        <p:sp>
+          <p:nvSpPr>
+            <p:cNvPr id="36" name="TextBox 35"/>
+            <p:cNvSpPr txBox="1"/>
+            <p:nvPr/>
+          </p:nvSpPr>
+          <p:spPr>
+            <a:xfrm>
+              <a:off x="5508104" y="908720"/>
+              <a:ext cx="720080" cy="369332"/>
+            </a:xfrm>
+            <a:prstGeom prst="rect">
+              <a:avLst/>
+            </a:prstGeom>
+            <a:noFill/>
+          </p:spPr>
+          <p:txBody>
+            <a:bodyPr wrap="square" rtlCol="0">
+              <a:spAutoFit/>
+            </a:bodyPr>
+            <a:lstStyle/>
+            <a:p>
+              <a:r>
+                <a:rPr lang="zh-CN" altLang="en-US" dirty="0" smtClean="0"/>
+                <a:t>过滤：</a:t>
+              </a:r>
+              <a:endParaRPr lang="zh-CN" altLang="en-US" dirty="0"/>
+            </a:p>
+          </p:txBody>
+        </p:sp>
+        <p:sp>
+          <p:nvSpPr>
+            <p:cNvPr id="37" name="圆角矩形 36"/>
+            <p:cNvSpPr/>
+            <p:nvPr/>
+          </p:nvSpPr>
+          <p:spPr>
+            <a:xfrm>
+              <a:off x="6228184" y="908720"/>
+              <a:ext cx="1368152" cy="360040"/>
+            </a:xfrm>
+            <a:prstGeom prst="roundRect">
+              <a:avLst/>
+            </a:prstGeom>
+          </p:spPr>
+          <p:style>
+            <a:lnRef idx="2">
+              <a:schemeClr val="accent1">
+                <a:shade val="50000"/>
+              </a:schemeClr>
+            </a:lnRef>
+            <a:fillRef idx="1">
+              <a:schemeClr val="accent1"/>
+            </a:fillRef>
+            <a:effectRef idx="0">
+              <a:schemeClr val="accent1"/>
+            </a:effectRef>
+            <a:fontRef idx="minor">
+              <a:schemeClr val="lt1"/>
+            </a:fontRef>
+          </p:style>
+          <p:txBody>
+            <a:bodyPr rtlCol="0" anchor="ctr"/>
+            <a:lstStyle/>
+            <a:p>
+              <a:pPr algn="ctr"/>
+              <a:endParaRPr lang="zh-CN" altLang="en-US"/>
+            </a:p>
+          </p:txBody>
+        </p:sp>
+      </p:grpSp>
+      <p:sp>
+        <p:nvSpPr>
+          <p:cNvPr id="38" name="矩形 37"/>
+          <p:cNvSpPr/>
+          <p:nvPr/>
+        </p:nvSpPr>
+        <p:spPr>
+          <a:xfrm>
+            <a:off x="1763688" y="2708920"/>
+            <a:ext cx="5760640" cy="1080120"/>
+          </a:xfrm>
+          <a:prstGeom prst="rect">
+            <a:avLst/>
+          </a:prstGeom>
+          <a:solidFill>
+            <a:srgbClr val="FF3300">
+              <a:alpha val="58039"/>
+            </a:srgbClr>
+          </a:solidFill>
+        </p:spPr>
+        <p:style>
+          <a:lnRef idx="2">
+            <a:schemeClr val="accent2"/>
+          </a:lnRef>
+          <a:fillRef idx="1">
+            <a:schemeClr val="lt1"/>
+          </a:fillRef>
+          <a:effectRef idx="0">
+            <a:schemeClr val="accent2"/>
+          </a:effectRef>
+          <a:fontRef idx="minor">
+            <a:schemeClr val="dk1"/>
+          </a:fontRef>
+        </p:style>
+        <p:txBody>
+          <a:bodyPr rtlCol="0" anchor="ctr"/>
+          <a:lstStyle/>
+          <a:p>
+            <a:pPr algn="ctr"/>
+            <a:endParaRPr lang="zh-CN" altLang="en-US"/>
+          </a:p>
+        </p:txBody>
+      </p:sp>
+      <p:sp>
+        <p:nvSpPr>
+          <p:cNvPr id="39" name="TextBox 38"/>
+          <p:cNvSpPr txBox="1"/>
+          <p:nvPr/>
+        </p:nvSpPr>
+        <p:spPr>
+          <a:xfrm>
+            <a:off x="4644008" y="2555612"/>
+            <a:ext cx="3024336" cy="369332"/>
+          </a:xfrm>
+          <a:prstGeom prst="rect">
+            <a:avLst/>
+          </a:prstGeom>
+          <a:solidFill>
+            <a:srgbClr val="FFC000"/>
+          </a:solidFill>
+        </p:spPr>
+        <p:txBody>
+          <a:bodyPr wrap="square" rtlCol="0">
+            <a:spAutoFit/>
+          </a:bodyPr>
+          <a:lstStyle/>
+          <a:p>
+            <a:r>
+              <a:rPr lang="zh-CN" altLang="en-US" u="sng" dirty="0" smtClean="0"/>
+              <a:t>预览</a:t>
+            </a:r>
+            <a:r>
+              <a:rPr lang="en-US" altLang="zh-CN" u="sng" dirty="0" smtClean="0"/>
+              <a:t>|</a:t>
+            </a:r>
+            <a:r>
+              <a:rPr lang="zh-CN" altLang="en-US" u="sng" dirty="0" smtClean="0"/>
+              <a:t>删除</a:t>
+            </a:r>
+            <a:r>
+              <a:rPr lang="en-US" altLang="zh-CN" u="sng" dirty="0" smtClean="0"/>
+              <a:t>|</a:t>
+            </a:r>
+            <a:r>
+              <a:rPr lang="zh-CN" altLang="en-US" u="sng" dirty="0" smtClean="0"/>
+              <a:t>下载</a:t>
+            </a:r>
+            <a:r>
+              <a:rPr lang="en-US" altLang="zh-CN" u="sng" dirty="0" smtClean="0"/>
+              <a:t>|</a:t>
+            </a:r>
+            <a:r>
+              <a:rPr lang="zh-CN" altLang="en-US" u="sng" dirty="0" smtClean="0"/>
+              <a:t>评论</a:t>
+            </a:r>
+            <a:r>
+              <a:rPr lang="en-US" altLang="zh-CN" u="sng" dirty="0" smtClean="0"/>
+              <a:t>|</a:t>
+            </a:r>
+            <a:r>
+              <a:rPr lang="zh-CN" altLang="en-US" u="sng" dirty="0" smtClean="0"/>
+              <a:t>标记</a:t>
+            </a:r>
+            <a:endParaRPr lang="zh-CN" altLang="en-US" u="sng" dirty="0"/>
+          </a:p>
+        </p:txBody>
+      </p:sp>
+      <p:grpSp>
+        <p:nvGrpSpPr>
+          <p:cNvPr id="17" name="组合 50"/>
+          <p:cNvGrpSpPr/>
+          <p:nvPr/>
+        </p:nvGrpSpPr>
+        <p:grpSpPr>
+          <a:xfrm>
+            <a:off x="5868144" y="3429000"/>
+            <a:ext cx="1800200" cy="1512168"/>
+            <a:chOff x="2555776" y="4293096"/>
+            <a:chExt cx="1800200" cy="1512168"/>
+          </a:xfrm>
+        </p:grpSpPr>
+        <p:sp>
+          <p:nvSpPr>
+            <p:cNvPr id="42" name="矩形标注 41"/>
+            <p:cNvSpPr/>
+            <p:nvPr/>
+          </p:nvSpPr>
+          <p:spPr>
+            <a:xfrm flipH="1" flipV="1">
+              <a:off x="2555776" y="4293096"/>
+              <a:ext cx="1800200" cy="1512168"/>
+            </a:xfrm>
+            <a:prstGeom prst="wedgeRectCallout">
+              <a:avLst>
+                <a:gd name="adj1" fmla="val -23821"/>
+                <a:gd name="adj2" fmla="val 88288"/>
+              </a:avLst>
+            </a:prstGeom>
+          </p:spPr>
+          <p:style>
+            <a:lnRef idx="2">
+              <a:schemeClr val="accent1">
+                <a:shade val="50000"/>
+              </a:schemeClr>
+            </a:lnRef>
+            <a:fillRef idx="1">
+              <a:schemeClr val="accent1"/>
+            </a:fillRef>
+            <a:effectRef idx="0">
+              <a:schemeClr val="accent1"/>
+            </a:effectRef>
+            <a:fontRef idx="minor">
+              <a:schemeClr val="lt1"/>
+            </a:fontRef>
+          </p:style>
+          <p:txBody>
+            <a:bodyPr rtlCol="0" anchor="t"/>
+            <a:lstStyle/>
+            <a:p>
+              <a:endParaRPr lang="en-US" altLang="zh-CN" dirty="0" smtClean="0"/>
+            </a:p>
+          </p:txBody>
+        </p:sp>
+        <p:sp>
+          <p:nvSpPr>
+            <p:cNvPr id="43" name="TextBox 42"/>
+            <p:cNvSpPr txBox="1"/>
+            <p:nvPr/>
+          </p:nvSpPr>
+          <p:spPr>
+            <a:xfrm>
+              <a:off x="2627784" y="4365104"/>
+              <a:ext cx="1656184" cy="369332"/>
+            </a:xfrm>
+            <a:prstGeom prst="rect">
+              <a:avLst/>
+            </a:prstGeom>
+          </p:spPr>
+          <p:style>
+            <a:lnRef idx="2">
+              <a:schemeClr val="accent2"/>
+            </a:lnRef>
+            <a:fillRef idx="1">
+              <a:schemeClr val="lt1"/>
+            </a:fillRef>
+            <a:effectRef idx="0">
+              <a:schemeClr val="accent2"/>
+            </a:effectRef>
+            <a:fontRef idx="minor">
+              <a:schemeClr val="dk1"/>
+            </a:fontRef>
+          </p:style>
+          <p:txBody>
+            <a:bodyPr wrap="square" rtlCol="0">
+              <a:spAutoFit/>
+            </a:bodyPr>
+            <a:lstStyle/>
+            <a:p>
+              <a:r>
+                <a:rPr lang="en-US" altLang="zh-CN" dirty="0" smtClean="0"/>
+                <a:t>Tag1-----------X</a:t>
+              </a:r>
+              <a:endParaRPr lang="zh-CN" altLang="en-US" dirty="0"/>
+            </a:p>
+          </p:txBody>
+        </p:sp>
+        <p:sp>
+          <p:nvSpPr>
+            <p:cNvPr id="44" name="TextBox 43"/>
+            <p:cNvSpPr txBox="1"/>
+            <p:nvPr/>
+          </p:nvSpPr>
+          <p:spPr>
+            <a:xfrm>
+              <a:off x="2627784" y="4797152"/>
+              <a:ext cx="1656184" cy="369332"/>
+            </a:xfrm>
+            <a:prstGeom prst="rect">
+              <a:avLst/>
+            </a:prstGeom>
+          </p:spPr>
+          <p:style>
+            <a:lnRef idx="2">
+              <a:schemeClr val="accent2"/>
+            </a:lnRef>
+            <a:fillRef idx="1">
+              <a:schemeClr val="lt1"/>
+            </a:fillRef>
+            <a:effectRef idx="0">
+              <a:schemeClr val="accent2"/>
+            </a:effectRef>
+            <a:fontRef idx="minor">
+              <a:schemeClr val="dk1"/>
+            </a:fontRef>
+          </p:style>
+          <p:txBody>
+            <a:bodyPr wrap="square" rtlCol="0">
+              <a:spAutoFit/>
+            </a:bodyPr>
+            <a:lstStyle/>
+            <a:p>
+              <a:r>
+                <a:rPr lang="en-US" altLang="zh-CN" dirty="0" smtClean="0"/>
+                <a:t>Tag1-----------X</a:t>
+              </a:r>
+              <a:endParaRPr lang="zh-CN" altLang="en-US" dirty="0"/>
+            </a:p>
+          </p:txBody>
+        </p:sp>
+        <p:sp>
+          <p:nvSpPr>
+            <p:cNvPr id="45" name="TextBox 44"/>
+            <p:cNvSpPr txBox="1"/>
+            <p:nvPr/>
+          </p:nvSpPr>
+          <p:spPr>
+            <a:xfrm>
+              <a:off x="2627784" y="5229200"/>
+              <a:ext cx="1656184" cy="369332"/>
+            </a:xfrm>
+            <a:prstGeom prst="rect">
+              <a:avLst/>
+            </a:prstGeom>
+          </p:spPr>
+          <p:style>
+            <a:lnRef idx="2">
+              <a:schemeClr val="accent2"/>
+            </a:lnRef>
+            <a:fillRef idx="1">
+              <a:schemeClr val="lt1"/>
+            </a:fillRef>
+            <a:effectRef idx="0">
+              <a:schemeClr val="accent2"/>
+            </a:effectRef>
+            <a:fontRef idx="minor">
+              <a:schemeClr val="dk1"/>
+            </a:fontRef>
+          </p:style>
+          <p:txBody>
+            <a:bodyPr wrap="square" rtlCol="0">
+              <a:spAutoFit/>
+            </a:bodyPr>
+            <a:lstStyle/>
+            <a:p>
+              <a:r>
+                <a:rPr lang="zh-CN" altLang="en-US" dirty="0"/>
+                <a:t>新</a:t>
+              </a:r>
+              <a:r>
+                <a:rPr lang="en-US" altLang="zh-CN" dirty="0" smtClean="0"/>
+                <a:t>Tag</a:t>
+              </a:r>
+              <a:r>
+                <a:rPr lang="zh-CN" altLang="en-US" dirty="0" smtClean="0"/>
+                <a:t>：</a:t>
+              </a:r>
+              <a:r>
+                <a:rPr lang="en-US" altLang="zh-CN" dirty="0" smtClean="0"/>
+                <a:t>______</a:t>
+              </a:r>
+              <a:endParaRPr lang="zh-CN" altLang="en-US" dirty="0"/>
+            </a:p>
+          </p:txBody>
+        </p:sp>
+      </p:grpSp>
+      <p:grpSp>
+        <p:nvGrpSpPr>
+          <p:cNvPr id="52" name="组合 51"/>
+          <p:cNvGrpSpPr/>
+          <p:nvPr/>
+        </p:nvGrpSpPr>
+        <p:grpSpPr>
+          <a:xfrm>
+            <a:off x="1907704" y="3789040"/>
+            <a:ext cx="3168352" cy="1512168"/>
+            <a:chOff x="1907704" y="3789040"/>
+            <a:chExt cx="3168352" cy="1512168"/>
+          </a:xfrm>
+        </p:grpSpPr>
+        <p:sp>
+          <p:nvSpPr>
+            <p:cNvPr id="40" name="矩形标注 39"/>
+            <p:cNvSpPr/>
+            <p:nvPr/>
+          </p:nvSpPr>
+          <p:spPr>
+            <a:xfrm>
+              <a:off x="1907704" y="3789040"/>
+              <a:ext cx="3168352" cy="1512168"/>
+            </a:xfrm>
+            <a:prstGeom prst="wedgeRectCallout">
+              <a:avLst>
+                <a:gd name="adj1" fmla="val -38659"/>
+                <a:gd name="adj2" fmla="val 88288"/>
+              </a:avLst>
+            </a:prstGeom>
+          </p:spPr>
+          <p:style>
+            <a:lnRef idx="2">
+              <a:schemeClr val="accent1">
+                <a:shade val="50000"/>
+              </a:schemeClr>
+            </a:lnRef>
+            <a:fillRef idx="1">
+              <a:schemeClr val="accent1"/>
+            </a:fillRef>
+            <a:effectRef idx="0">
+              <a:schemeClr val="accent1"/>
+            </a:effectRef>
+            <a:fontRef idx="minor">
+              <a:schemeClr val="lt1"/>
+            </a:fontRef>
+          </p:style>
+          <p:txBody>
+            <a:bodyPr rtlCol="0" anchor="t"/>
+            <a:lstStyle/>
+            <a:p>
+              <a:endParaRPr lang="en-US" altLang="zh-CN" dirty="0" smtClean="0"/>
+            </a:p>
+          </p:txBody>
+        </p:sp>
+        <p:sp>
+          <p:nvSpPr>
+            <p:cNvPr id="48" name="圆角矩形 47"/>
+            <p:cNvSpPr/>
+            <p:nvPr/>
+          </p:nvSpPr>
+          <p:spPr>
+            <a:xfrm>
+              <a:off x="1979712" y="3861048"/>
+              <a:ext cx="3024336" cy="1008112"/>
+            </a:xfrm>
+            <a:prstGeom prst="roundRect">
+              <a:avLst/>
+            </a:prstGeom>
+          </p:spPr>
+          <p:style>
+            <a:lnRef idx="2">
+              <a:schemeClr val="accent6"/>
+            </a:lnRef>
+            <a:fillRef idx="1">
+              <a:schemeClr val="lt1"/>
+            </a:fillRef>
+            <a:effectRef idx="0">
+              <a:schemeClr val="accent6"/>
+            </a:effectRef>
+            <a:fontRef idx="minor">
+              <a:schemeClr val="dk1"/>
+            </a:fontRef>
+          </p:style>
+          <p:txBody>
+            <a:bodyPr rtlCol="0" anchor="ctr"/>
+            <a:lstStyle/>
+            <a:p>
+              <a:pPr algn="ctr"/>
+              <a:endParaRPr lang="zh-CN" altLang="en-US"/>
+            </a:p>
+          </p:txBody>
+        </p:sp>
+        <p:sp>
+          <p:nvSpPr>
+            <p:cNvPr id="51" name="圆角矩形 50"/>
+            <p:cNvSpPr/>
+            <p:nvPr/>
+          </p:nvSpPr>
+          <p:spPr>
+            <a:xfrm>
+              <a:off x="3995936" y="4896054"/>
+              <a:ext cx="936104" cy="360040"/>
+            </a:xfrm>
+            <a:prstGeom prst="roundRect">
+              <a:avLst/>
+            </a:prstGeom>
+          </p:spPr>
+          <p:style>
+            <a:lnRef idx="1">
+              <a:schemeClr val="dk1"/>
+            </a:lnRef>
+            <a:fillRef idx="2">
+              <a:schemeClr val="dk1"/>
+            </a:fillRef>
+            <a:effectRef idx="1">
+              <a:schemeClr val="dk1"/>
+            </a:effectRef>
+            <a:fontRef idx="minor">
+              <a:schemeClr val="dk1"/>
+            </a:fontRef>
+          </p:style>
+          <p:txBody>
+            <a:bodyPr rtlCol="0" anchor="ctr"/>
+            <a:lstStyle/>
+            <a:p>
+              <a:pPr algn="ctr"/>
+              <a:r>
+                <a:rPr lang="zh-CN" altLang="en-US" dirty="0" smtClean="0"/>
+                <a:t>提交</a:t>
+              </a:r>
+              <a:endParaRPr lang="zh-CN" altLang="en-US" dirty="0"/>
+            </a:p>
+          </p:txBody>
+        </p:sp>
+      </p:grpSp>
+      <p:sp>
+        <p:nvSpPr>
+          <p:cNvPr id="53" name="下箭头 52"/>
+          <p:cNvSpPr/>
+          <p:nvPr/>
+        </p:nvSpPr>
+        <p:spPr>
+          <a:xfrm>
+            <a:off x="8892480" y="3573016"/>
+            <a:ext cx="216024" cy="288032"/>
+          </a:xfrm>
+          <a:prstGeom prst="downArrow">
+            <a:avLst/>
+          </a:prstGeom>
+        </p:spPr>
+        <p:style>
+          <a:lnRef idx="2">
+            <a:schemeClr val="accent1">
+              <a:shade val="50000"/>
+            </a:schemeClr>
+          </a:lnRef>
+          <a:fillRef idx="1">
+            <a:schemeClr val="accent1"/>
+          </a:fillRef>
+          <a:effectRef idx="0">
+            <a:schemeClr val="accent1"/>
+          </a:effectRef>
+          <a:fontRef idx="minor">
+            <a:schemeClr val="lt1"/>
+          </a:fontRef>
+        </p:style>
+        <p:txBody>
+          <a:bodyPr rtlCol="0" anchor="ctr"/>
+          <a:lstStyle/>
+          <a:p>
+            <a:pPr algn="ctr"/>
+            <a:endParaRPr lang="zh-CN" altLang="en-US"/>
+          </a:p>
+        </p:txBody>
+      </p:sp>
+      <p:sp>
+        <p:nvSpPr>
+          <p:cNvPr id="54" name="下箭头 53"/>
+          <p:cNvSpPr/>
+          <p:nvPr/>
+        </p:nvSpPr>
+        <p:spPr>
+          <a:xfrm flipV="1">
+            <a:off x="8892480" y="1340768"/>
+            <a:ext cx="216024" cy="288032"/>
+          </a:xfrm>
+          <a:prstGeom prst="downArrow">
+            <a:avLst/>
+          </a:prstGeom>
+        </p:spPr>
+        <p:style>
+          <a:lnRef idx="2">
+            <a:schemeClr val="accent1">
+              <a:shade val="50000"/>
+            </a:schemeClr>
+          </a:lnRef>
+          <a:fillRef idx="1">
+            <a:schemeClr val="accent1"/>
+          </a:fillRef>
+          <a:effectRef idx="0">
+            <a:schemeClr val="accent1"/>
+          </a:effectRef>
+          <a:fontRef idx="minor">
+            <a:schemeClr val="lt1"/>
+          </a:fontRef>
+        </p:style>
+        <p:txBody>
+          <a:bodyPr rtlCol="0" anchor="ctr"/>
+          <a:lstStyle/>
+          <a:p>
+            <a:pPr algn="ctr"/>
+            <a:endParaRPr lang="zh-CN" altLang="en-US"/>
+          </a:p>
+        </p:txBody>
+      </p:sp>
+      <p:sp>
+        <p:nvSpPr>
+          <p:cNvPr id="55" name="下箭头 54"/>
+          <p:cNvSpPr/>
+          <p:nvPr/>
+        </p:nvSpPr>
+        <p:spPr>
+          <a:xfrm>
+            <a:off x="8892480" y="5949280"/>
+            <a:ext cx="216024" cy="288032"/>
+          </a:xfrm>
+          <a:prstGeom prst="downArrow">
+            <a:avLst/>
+          </a:prstGeom>
+        </p:spPr>
+        <p:style>
+          <a:lnRef idx="2">
+            <a:schemeClr val="accent1">
+              <a:shade val="50000"/>
+            </a:schemeClr>
+          </a:lnRef>
+          <a:fillRef idx="1">
+            <a:schemeClr val="accent1"/>
+          </a:fillRef>
+          <a:effectRef idx="0">
+            <a:schemeClr val="accent1"/>
+          </a:effectRef>
+          <a:fontRef idx="minor">
+            <a:schemeClr val="lt1"/>
+          </a:fontRef>
+        </p:style>
+        <p:txBody>
+          <a:bodyPr rtlCol="0" anchor="ctr"/>
+          <a:lstStyle/>
+          <a:p>
+            <a:pPr algn="ctr"/>
+            <a:endParaRPr lang="zh-CN" altLang="en-US"/>
+          </a:p>
+        </p:txBody>
+      </p:sp>
+      <p:sp>
+        <p:nvSpPr>
+          <p:cNvPr id="56" name="下箭头 55"/>
+          <p:cNvSpPr/>
+          <p:nvPr/>
+        </p:nvSpPr>
+        <p:spPr>
+          <a:xfrm flipV="1">
+            <a:off x="8892480" y="4005064"/>
+            <a:ext cx="216024" cy="288032"/>
+          </a:xfrm>
+          <a:prstGeom prst="downArrow">
+            <a:avLst/>
+          </a:prstGeom>
+        </p:spPr>
+        <p:style>
+          <a:lnRef idx="2">
+            <a:schemeClr val="accent1">
+              <a:shade val="50000"/>
+            </a:schemeClr>
+          </a:lnRef>
+          <a:fillRef idx="1">
+            <a:schemeClr val="accent1"/>
+          </a:fillRef>
+          <a:effectRef idx="0">
+            <a:schemeClr val="accent1"/>
+          </a:effectRef>
+          <a:fontRef idx="minor">
+            <a:schemeClr val="lt1"/>
+          </a:fontRef>
+        </p:style>
+        <p:txBody>
+          <a:bodyPr rtlCol="0" anchor="ctr"/>
+          <a:lstStyle/>
+          <a:p>
+            <a:pPr algn="ctr"/>
+            <a:endParaRPr lang="zh-CN" altLang="en-US"/>
+          </a:p>
+        </p:txBody>
+      </p:sp>
+    </p:spTree>
+  </p:cSld>
+  <p:clrMapOvr>
+    <a:masterClrMapping/>
+  </p:clrMapOvr>
+</p:sld>
+</file>
+
+<file path=ppt/slides/slide5.xml><?xml version="1.0" encoding="utf-8"?>
+<p:sld xmlns:a="http://schemas.openxmlformats.org/drawingml/2006/main" xmlns:r="http://schemas.openxmlformats.org/officeDocument/2006/relationships" xmlns:p="http://schemas.openxmlformats.org/presentationml/2006/main">
+  <p:cSld>
+    <p:spTree>
+      <p:nvGrpSpPr>
+        <p:cNvPr id="1" name=""/>
+        <p:cNvGrpSpPr/>
+        <p:nvPr/>
+      </p:nvGrpSpPr>
+      <p:grpSpPr>
+        <a:xfrm>
+          <a:off x="0" y="0"/>
+          <a:ext cx="0" cy="0"/>
+          <a:chOff x="0" y="0"/>
+          <a:chExt cx="0" cy="0"/>
+        </a:xfrm>
+      </p:grpSpPr>
+      <p:sp>
+        <p:nvSpPr>
+          <p:cNvPr id="4" name="TextBox 3"/>
+          <p:cNvSpPr txBox="1"/>
+          <p:nvPr/>
+        </p:nvSpPr>
+        <p:spPr>
+          <a:xfrm>
+            <a:off x="0" y="0"/>
+            <a:ext cx="9144000" cy="369332"/>
+          </a:xfrm>
+          <a:prstGeom prst="rect">
+            <a:avLst/>
+          </a:prstGeom>
+        </p:spPr>
+        <p:style>
+          <a:lnRef idx="2">
+            <a:schemeClr val="dk1"/>
+          </a:lnRef>
+          <a:fillRef idx="1">
+            <a:schemeClr val="lt1"/>
+          </a:fillRef>
+          <a:effectRef idx="0">
+            <a:schemeClr val="dk1"/>
+          </a:effectRef>
+          <a:fontRef idx="minor">
+            <a:schemeClr val="dk1"/>
+          </a:fontRef>
+        </p:style>
+        <p:txBody>
+          <a:bodyPr wrap="square" rtlCol="0">
+            <a:spAutoFit/>
+          </a:bodyPr>
+          <a:lstStyle/>
+          <a:p>
+            <a:r>
+              <a:rPr lang="en-US" altLang="zh-CN" dirty="0" err="1" smtClean="0"/>
+              <a:t>Lite</a:t>
+            </a:r>
+            <a:r>
+              <a:rPr lang="en-US" altLang="zh-CN" dirty="0" smtClean="0"/>
+              <a:t> KM</a:t>
+            </a:r>
+            <a:endParaRPr lang="zh-CN" altLang="en-US" dirty="0"/>
+          </a:p>
+        </p:txBody>
+      </p:sp>
+      <p:sp>
+        <p:nvSpPr>
+          <p:cNvPr id="5" name="TextBox 4"/>
+          <p:cNvSpPr txBox="1"/>
+          <p:nvPr/>
+        </p:nvSpPr>
+        <p:spPr>
+          <a:xfrm>
+            <a:off x="0" y="404664"/>
+            <a:ext cx="5004048" cy="369332"/>
+          </a:xfrm>
+          <a:prstGeom prst="rect">
+            <a:avLst/>
+          </a:prstGeom>
+        </p:spPr>
+        <p:style>
+          <a:lnRef idx="2">
+            <a:schemeClr val="dk1"/>
+          </a:lnRef>
+          <a:fillRef idx="1">
+            <a:schemeClr val="lt1"/>
+          </a:fillRef>
+          <a:effectRef idx="0">
+            <a:schemeClr val="dk1"/>
+          </a:effectRef>
+          <a:fontRef idx="minor">
+            <a:schemeClr val="dk1"/>
+          </a:fontRef>
+        </p:style>
+        <p:txBody>
+          <a:bodyPr wrap="square" rtlCol="0">
+            <a:spAutoFit/>
+          </a:bodyPr>
+          <a:lstStyle/>
+          <a:p>
+            <a:r>
+              <a:rPr lang="zh-CN" altLang="en-US" dirty="0" smtClean="0"/>
+              <a:t>当前目录：</a:t>
+            </a:r>
+            <a:r>
+              <a:rPr lang="en-US" altLang="zh-CN" dirty="0" err="1" smtClean="0"/>
+              <a:t>abc</a:t>
+            </a:r>
+            <a:r>
+              <a:rPr lang="en-US" altLang="zh-CN" dirty="0" smtClean="0"/>
+              <a:t>/</a:t>
+            </a:r>
+            <a:r>
+              <a:rPr lang="en-US" altLang="zh-CN" dirty="0" err="1" smtClean="0"/>
+              <a:t>bbc</a:t>
+            </a:r>
+            <a:r>
+              <a:rPr lang="en-US" altLang="zh-CN" dirty="0" smtClean="0"/>
+              <a:t>/</a:t>
+            </a:r>
+            <a:r>
+              <a:rPr lang="en-US" altLang="zh-CN" dirty="0" err="1" smtClean="0"/>
+              <a:t>cde</a:t>
+            </a:r>
+            <a:r>
+              <a:rPr lang="en-US" altLang="zh-CN" dirty="0" smtClean="0"/>
+              <a:t>/</a:t>
+            </a:r>
+            <a:endParaRPr lang="zh-CN" altLang="en-US" dirty="0"/>
+          </a:p>
+        </p:txBody>
+      </p:sp>
+      <p:sp>
+        <p:nvSpPr>
+          <p:cNvPr id="6" name="TextBox 5"/>
+          <p:cNvSpPr txBox="1"/>
+          <p:nvPr/>
+        </p:nvSpPr>
+        <p:spPr>
+          <a:xfrm>
+            <a:off x="0" y="6488668"/>
+            <a:ext cx="9144000" cy="369332"/>
+          </a:xfrm>
+          <a:prstGeom prst="rect">
+            <a:avLst/>
+          </a:prstGeom>
+        </p:spPr>
+        <p:style>
+          <a:lnRef idx="2">
+            <a:schemeClr val="dk1"/>
+          </a:lnRef>
+          <a:fillRef idx="1">
+            <a:schemeClr val="lt1"/>
+          </a:fillRef>
+          <a:effectRef idx="0">
+            <a:schemeClr val="dk1"/>
+          </a:effectRef>
+          <a:fontRef idx="minor">
+            <a:schemeClr val="dk1"/>
+          </a:fontRef>
+        </p:style>
+        <p:txBody>
+          <a:bodyPr wrap="square" rtlCol="0">
+            <a:spAutoFit/>
+          </a:bodyPr>
+          <a:lstStyle/>
+          <a:p>
+            <a:r>
+              <a:rPr lang="en-US" altLang="zh-CN" dirty="0" err="1" smtClean="0"/>
+              <a:t>Lite</a:t>
+            </a:r>
+            <a:r>
+              <a:rPr lang="en-US" altLang="zh-CN" dirty="0" smtClean="0"/>
+              <a:t> KM V0.1</a:t>
+            </a:r>
+            <a:r>
+              <a:rPr lang="zh-CN" altLang="en-US" dirty="0" smtClean="0"/>
+              <a:t>， </a:t>
+            </a:r>
+            <a:r>
+              <a:rPr lang="en-US" altLang="zh-CN" dirty="0" smtClean="0"/>
+              <a:t>Under GPLv3 License</a:t>
+            </a:r>
+            <a:r>
+              <a:rPr lang="zh-CN" altLang="en-US" dirty="0" smtClean="0"/>
+              <a:t>。</a:t>
+            </a:r>
+            <a:endParaRPr lang="zh-CN" altLang="en-US" dirty="0"/>
+          </a:p>
+        </p:txBody>
+      </p:sp>
+      <p:sp>
+        <p:nvSpPr>
+          <p:cNvPr id="8" name="矩形 7"/>
+          <p:cNvSpPr/>
+          <p:nvPr/>
+        </p:nvSpPr>
+        <p:spPr>
+          <a:xfrm>
+            <a:off x="0" y="836712"/>
+            <a:ext cx="1475656" cy="5616624"/>
+          </a:xfrm>
+          <a:prstGeom prst="rect">
+            <a:avLst/>
+          </a:prstGeom>
+        </p:spPr>
+        <p:style>
+          <a:lnRef idx="2">
+            <a:schemeClr val="accent6"/>
+          </a:lnRef>
+          <a:fillRef idx="1">
+            <a:schemeClr val="lt1"/>
+          </a:fillRef>
+          <a:effectRef idx="0">
+            <a:schemeClr val="accent6"/>
+          </a:effectRef>
+          <a:fontRef idx="minor">
+            <a:schemeClr val="dk1"/>
+          </a:fontRef>
+        </p:style>
+        <p:txBody>
+          <a:bodyPr rtlCol="0" anchor="ctr"/>
+          <a:lstStyle/>
+          <a:p>
+            <a:pPr algn="ctr"/>
+            <a:r>
+              <a:rPr lang="zh-CN" altLang="en-US" dirty="0" smtClean="0"/>
+              <a:t>目录树</a:t>
+            </a:r>
+            <a:endParaRPr lang="zh-CN" altLang="en-US" dirty="0"/>
+          </a:p>
+        </p:txBody>
+      </p:sp>
+      <p:sp>
+        <p:nvSpPr>
+          <p:cNvPr id="10" name="TextBox 9"/>
+          <p:cNvSpPr txBox="1"/>
+          <p:nvPr/>
+        </p:nvSpPr>
+        <p:spPr>
+          <a:xfrm>
+            <a:off x="7884368" y="35332"/>
+            <a:ext cx="1224136" cy="369332"/>
+          </a:xfrm>
+          <a:prstGeom prst="rect">
+            <a:avLst/>
+          </a:prstGeom>
+          <a:noFill/>
+        </p:spPr>
+        <p:txBody>
+          <a:bodyPr wrap="square" rtlCol="0">
+            <a:spAutoFit/>
+          </a:bodyPr>
+          <a:lstStyle/>
+          <a:p>
+            <a:r>
+              <a:rPr lang="zh-CN" altLang="en-US" dirty="0" smtClean="0"/>
+              <a:t>登录</a:t>
+            </a:r>
+            <a:r>
+              <a:rPr lang="en-US" altLang="zh-CN" dirty="0" smtClean="0"/>
+              <a:t>|</a:t>
+            </a:r>
+            <a:r>
+              <a:rPr lang="zh-CN" altLang="en-US" dirty="0" smtClean="0"/>
+              <a:t>注销</a:t>
+            </a:r>
+            <a:endParaRPr lang="zh-CN" altLang="en-US" dirty="0"/>
+          </a:p>
+        </p:txBody>
+      </p:sp>
+      <p:sp>
+        <p:nvSpPr>
+          <p:cNvPr id="11" name="TextBox 10"/>
+          <p:cNvSpPr txBox="1"/>
+          <p:nvPr/>
+        </p:nvSpPr>
+        <p:spPr>
+          <a:xfrm>
+            <a:off x="5796136" y="404664"/>
+            <a:ext cx="1152128" cy="369332"/>
+          </a:xfrm>
+          <a:prstGeom prst="rect">
+            <a:avLst/>
+          </a:prstGeom>
+          <a:noFill/>
+        </p:spPr>
+        <p:txBody>
+          <a:bodyPr wrap="square" rtlCol="0">
+            <a:spAutoFit/>
+          </a:bodyPr>
+          <a:lstStyle/>
+          <a:p>
+            <a:r>
+              <a:rPr lang="zh-CN" altLang="en-US" dirty="0"/>
+              <a:t>全文</a:t>
+            </a:r>
+            <a:r>
+              <a:rPr lang="zh-CN" altLang="en-US" dirty="0" smtClean="0"/>
+              <a:t>搜索</a:t>
+            </a:r>
+            <a:endParaRPr lang="zh-CN" altLang="en-US" dirty="0"/>
+          </a:p>
+        </p:txBody>
+      </p:sp>
+      <p:sp>
+        <p:nvSpPr>
+          <p:cNvPr id="12" name="圆角矩形 11"/>
+          <p:cNvSpPr/>
+          <p:nvPr/>
+        </p:nvSpPr>
+        <p:spPr>
+          <a:xfrm>
+            <a:off x="6948264" y="404664"/>
+            <a:ext cx="2016224" cy="360040"/>
+          </a:xfrm>
+          <a:prstGeom prst="roundRect">
+            <a:avLst/>
+          </a:prstGeom>
+        </p:spPr>
+        <p:style>
+          <a:lnRef idx="2">
+            <a:schemeClr val="accent1">
+              <a:shade val="50000"/>
+            </a:schemeClr>
+          </a:lnRef>
+          <a:fillRef idx="1">
+            <a:schemeClr val="accent1"/>
+          </a:fillRef>
+          <a:effectRef idx="0">
+            <a:schemeClr val="accent1"/>
+          </a:effectRef>
+          <a:fontRef idx="minor">
+            <a:schemeClr val="lt1"/>
+          </a:fontRef>
+        </p:style>
+        <p:txBody>
+          <a:bodyPr rtlCol="0" anchor="ctr"/>
+          <a:lstStyle/>
+          <a:p>
+            <a:pPr algn="ctr"/>
+            <a:endParaRPr lang="zh-CN" altLang="en-US"/>
+          </a:p>
+        </p:txBody>
+      </p:sp>
+      <p:sp>
+        <p:nvSpPr>
+          <p:cNvPr id="13" name="TextBox 12"/>
+          <p:cNvSpPr txBox="1"/>
+          <p:nvPr/>
+        </p:nvSpPr>
+        <p:spPr>
+          <a:xfrm>
+            <a:off x="5076056" y="404664"/>
+            <a:ext cx="684584" cy="369332"/>
+          </a:xfrm>
+          <a:prstGeom prst="rect">
+            <a:avLst/>
+          </a:prstGeom>
+        </p:spPr>
+        <p:style>
+          <a:lnRef idx="2">
+            <a:schemeClr val="accent2"/>
+          </a:lnRef>
+          <a:fillRef idx="1">
+            <a:schemeClr val="lt1"/>
+          </a:fillRef>
+          <a:effectRef idx="0">
+            <a:schemeClr val="accent2"/>
+          </a:effectRef>
+          <a:fontRef idx="minor">
+            <a:schemeClr val="dk1"/>
+          </a:fontRef>
+        </p:style>
+        <p:txBody>
+          <a:bodyPr wrap="square" rtlCol="0">
+            <a:spAutoFit/>
+          </a:bodyPr>
+          <a:lstStyle/>
+          <a:p>
+            <a:r>
+              <a:rPr lang="zh-CN" altLang="en-US" dirty="0" smtClean="0"/>
+              <a:t>上传</a:t>
+            </a:r>
+            <a:endParaRPr lang="zh-CN" altLang="en-US" dirty="0"/>
+          </a:p>
+        </p:txBody>
+      </p:sp>
+      <p:sp>
+        <p:nvSpPr>
+          <p:cNvPr id="41" name="矩形 40"/>
+          <p:cNvSpPr/>
+          <p:nvPr/>
+        </p:nvSpPr>
+        <p:spPr>
+          <a:xfrm>
+            <a:off x="1547664" y="1340768"/>
+            <a:ext cx="7596336" cy="2736304"/>
+          </a:xfrm>
+          <a:prstGeom prst="rect">
+            <a:avLst/>
+          </a:prstGeom>
+        </p:spPr>
+        <p:style>
+          <a:lnRef idx="2">
+            <a:schemeClr val="accent6"/>
+          </a:lnRef>
+          <a:fillRef idx="1">
+            <a:schemeClr val="lt1"/>
+          </a:fillRef>
+          <a:effectRef idx="0">
+            <a:schemeClr val="accent6"/>
+          </a:effectRef>
+          <a:fontRef idx="minor">
+            <a:schemeClr val="dk1"/>
+          </a:fontRef>
+        </p:style>
+        <p:txBody>
+          <a:bodyPr rtlCol="0" anchor="ctr"/>
+          <a:lstStyle/>
+          <a:p>
+            <a:pPr algn="ctr"/>
+            <a:r>
+              <a:rPr lang="zh-CN" altLang="en-US" dirty="0" smtClean="0"/>
+              <a:t>文档</a:t>
+            </a:r>
+            <a:r>
+              <a:rPr lang="zh-CN" altLang="en-US" dirty="0" smtClean="0"/>
+              <a:t>预</a:t>
+            </a:r>
+            <a:r>
+              <a:rPr lang="zh-CN" altLang="en-US" dirty="0" smtClean="0"/>
+              <a:t>览</a:t>
+            </a:r>
+            <a:endParaRPr lang="zh-CN" altLang="en-US" dirty="0"/>
+          </a:p>
+        </p:txBody>
+      </p:sp>
+      <p:sp>
+        <p:nvSpPr>
+          <p:cNvPr id="46" name="下箭头 45"/>
+          <p:cNvSpPr/>
+          <p:nvPr/>
+        </p:nvSpPr>
+        <p:spPr>
+          <a:xfrm rot="5400000">
+            <a:off x="1655676" y="944724"/>
+            <a:ext cx="216024" cy="288032"/>
+          </a:xfrm>
+          <a:prstGeom prst="downArrow">
+            <a:avLst/>
+          </a:prstGeom>
+        </p:spPr>
+        <p:style>
+          <a:lnRef idx="2">
+            <a:schemeClr val="accent1">
+              <a:shade val="50000"/>
+            </a:schemeClr>
+          </a:lnRef>
+          <a:fillRef idx="1">
+            <a:schemeClr val="accent1"/>
+          </a:fillRef>
+          <a:effectRef idx="0">
+            <a:schemeClr val="accent1"/>
+          </a:effectRef>
+          <a:fontRef idx="minor">
+            <a:schemeClr val="lt1"/>
+          </a:fontRef>
+        </p:style>
+        <p:txBody>
+          <a:bodyPr rtlCol="0" anchor="ctr"/>
+          <a:lstStyle/>
+          <a:p>
+            <a:pPr algn="ctr"/>
+            <a:endParaRPr lang="zh-CN" altLang="en-US"/>
+          </a:p>
+        </p:txBody>
+      </p:sp>
+      <p:sp>
+        <p:nvSpPr>
+          <p:cNvPr id="47" name="下箭头 46"/>
+          <p:cNvSpPr/>
+          <p:nvPr/>
+        </p:nvSpPr>
+        <p:spPr>
+          <a:xfrm rot="5400000" flipV="1">
+            <a:off x="8712460" y="944724"/>
+            <a:ext cx="216024" cy="288032"/>
+          </a:xfrm>
+          <a:prstGeom prst="downArrow">
+            <a:avLst/>
+          </a:prstGeom>
+        </p:spPr>
+        <p:style>
+          <a:lnRef idx="2">
+            <a:schemeClr val="accent1">
+              <a:shade val="50000"/>
+            </a:schemeClr>
+          </a:lnRef>
+          <a:fillRef idx="1">
+            <a:schemeClr val="accent1"/>
+          </a:fillRef>
+          <a:effectRef idx="0">
+            <a:schemeClr val="accent1"/>
+          </a:effectRef>
+          <a:fontRef idx="minor">
+            <a:schemeClr val="lt1"/>
+          </a:fontRef>
+        </p:style>
+        <p:txBody>
+          <a:bodyPr rtlCol="0" anchor="ctr"/>
+          <a:lstStyle/>
+          <a:p>
+            <a:pPr algn="ctr"/>
+            <a:endParaRPr lang="zh-CN" altLang="en-US"/>
+          </a:p>
+        </p:txBody>
+      </p:sp>
+      <p:sp>
+        <p:nvSpPr>
+          <p:cNvPr id="48" name="TextBox 47"/>
+          <p:cNvSpPr txBox="1"/>
+          <p:nvPr/>
+        </p:nvSpPr>
+        <p:spPr>
+          <a:xfrm>
+            <a:off x="1907704" y="908720"/>
+            <a:ext cx="1479892" cy="369332"/>
+          </a:xfrm>
+          <a:prstGeom prst="rect">
+            <a:avLst/>
+          </a:prstGeom>
+          <a:noFill/>
+        </p:spPr>
+        <p:txBody>
+          <a:bodyPr wrap="none" rtlCol="0">
+            <a:spAutoFit/>
+          </a:bodyPr>
+          <a:lstStyle/>
+          <a:p>
+            <a:r>
+              <a:rPr lang="zh-CN" altLang="en-US" dirty="0" smtClean="0"/>
+              <a:t>测试用例</a:t>
+            </a:r>
+            <a:r>
+              <a:rPr lang="en-US" altLang="zh-CN" dirty="0" smtClean="0"/>
+              <a:t>.</a:t>
+            </a:r>
+            <a:r>
+              <a:rPr lang="en-US" altLang="zh-CN" dirty="0" err="1" smtClean="0"/>
+              <a:t>pdf</a:t>
+            </a:r>
+            <a:endParaRPr lang="zh-CN" altLang="en-US" dirty="0"/>
+          </a:p>
+        </p:txBody>
+      </p:sp>
+      <p:sp>
+        <p:nvSpPr>
+          <p:cNvPr id="49" name="TextBox 48"/>
+          <p:cNvSpPr txBox="1"/>
+          <p:nvPr/>
+        </p:nvSpPr>
+        <p:spPr>
+          <a:xfrm>
+            <a:off x="7541209" y="908720"/>
+            <a:ext cx="1135247" cy="369332"/>
+          </a:xfrm>
+          <a:prstGeom prst="rect">
+            <a:avLst/>
+          </a:prstGeom>
+          <a:noFill/>
+        </p:spPr>
+        <p:txBody>
+          <a:bodyPr wrap="none" rtlCol="0">
+            <a:spAutoFit/>
+          </a:bodyPr>
+          <a:lstStyle/>
+          <a:p>
+            <a:r>
+              <a:rPr lang="zh-CN" altLang="en-US" dirty="0" smtClean="0"/>
+              <a:t>需求</a:t>
+            </a:r>
+            <a:r>
+              <a:rPr lang="en-US" altLang="zh-CN" dirty="0" smtClean="0"/>
+              <a:t>2.pdf</a:t>
+            </a:r>
+            <a:endParaRPr lang="zh-CN" altLang="en-US" dirty="0"/>
+          </a:p>
+        </p:txBody>
+      </p:sp>
+      <p:sp>
+        <p:nvSpPr>
+          <p:cNvPr id="51" name="TextBox 50"/>
+          <p:cNvSpPr txBox="1"/>
+          <p:nvPr/>
+        </p:nvSpPr>
+        <p:spPr>
+          <a:xfrm>
+            <a:off x="1547664" y="4145012"/>
+            <a:ext cx="7596336" cy="2308324"/>
+          </a:xfrm>
+          <a:prstGeom prst="rect">
+            <a:avLst/>
+          </a:prstGeom>
+        </p:spPr>
+        <p:style>
+          <a:lnRef idx="2">
+            <a:schemeClr val="accent6"/>
+          </a:lnRef>
+          <a:fillRef idx="1">
+            <a:schemeClr val="lt1"/>
+          </a:fillRef>
+          <a:effectRef idx="0">
+            <a:schemeClr val="accent6"/>
+          </a:effectRef>
+          <a:fontRef idx="minor">
+            <a:schemeClr val="dk1"/>
+          </a:fontRef>
+        </p:style>
+        <p:txBody>
+          <a:bodyPr wrap="square" rtlCol="0">
+            <a:spAutoFit/>
+          </a:bodyPr>
+          <a:lstStyle/>
+          <a:p>
+            <a:r>
+              <a:rPr lang="en-US" altLang="zh-CN" dirty="0"/>
+              <a:t> </a:t>
+            </a:r>
+            <a:r>
+              <a:rPr lang="en-US" altLang="zh-CN" dirty="0" smtClean="0"/>
+              <a:t>          </a:t>
+            </a:r>
+            <a:r>
+              <a:rPr lang="en-US" altLang="zh-CN" u="sng" dirty="0" smtClean="0"/>
+              <a:t>a.doc</a:t>
+            </a:r>
+          </a:p>
+          <a:p>
+            <a:r>
+              <a:rPr lang="en-US" altLang="zh-CN" dirty="0"/>
+              <a:t> </a:t>
+            </a:r>
+            <a:r>
+              <a:rPr lang="en-US" altLang="zh-CN" dirty="0" smtClean="0"/>
+              <a:t>          </a:t>
+            </a:r>
+            <a:r>
+              <a:rPr lang="zh-CN" altLang="en-US" dirty="0" smtClean="0"/>
+              <a:t>作者：</a:t>
+            </a:r>
+            <a:r>
+              <a:rPr lang="zh-CN" altLang="en-US" u="sng" dirty="0" smtClean="0">
+                <a:solidFill>
+                  <a:schemeClr val="tx2">
+                    <a:lumMod val="60000"/>
+                    <a:lumOff val="40000"/>
+                  </a:schemeClr>
+                </a:solidFill>
+              </a:rPr>
+              <a:t>张三 </a:t>
+            </a:r>
+            <a:r>
+              <a:rPr lang="en-US" altLang="zh-CN" dirty="0" smtClean="0"/>
+              <a:t>51667Bytes, 2013-11-25, </a:t>
+            </a:r>
+            <a:r>
+              <a:rPr lang="en-US" altLang="zh-CN" u="sng" dirty="0" smtClean="0">
+                <a:solidFill>
+                  <a:schemeClr val="tx2">
+                    <a:lumMod val="60000"/>
+                    <a:lumOff val="40000"/>
+                  </a:schemeClr>
+                </a:solidFill>
+              </a:rPr>
+              <a:t>Version 31</a:t>
+            </a:r>
+          </a:p>
+          <a:p>
+            <a:r>
+              <a:rPr lang="en-US" altLang="zh-CN" dirty="0"/>
+              <a:t> </a:t>
+            </a:r>
+            <a:r>
+              <a:rPr lang="en-US" altLang="zh-CN" dirty="0" smtClean="0"/>
+              <a:t>          </a:t>
+            </a:r>
+            <a:r>
+              <a:rPr lang="zh-CN" altLang="en-US" dirty="0" smtClean="0"/>
+              <a:t>文件简要介绍内容</a:t>
+            </a:r>
+            <a:r>
+              <a:rPr lang="en-US" altLang="zh-CN" dirty="0" smtClean="0"/>
+              <a:t>…</a:t>
+            </a:r>
+          </a:p>
+          <a:p>
+            <a:r>
+              <a:rPr lang="en-US" altLang="zh-CN" dirty="0"/>
+              <a:t> </a:t>
+            </a:r>
+            <a:r>
+              <a:rPr lang="en-US" altLang="zh-CN" dirty="0" smtClean="0"/>
+              <a:t>          </a:t>
+            </a:r>
+            <a:r>
+              <a:rPr lang="en-US" altLang="zh-CN" u="sng" dirty="0" smtClean="0"/>
+              <a:t>tag1</a:t>
+            </a:r>
+            <a:r>
+              <a:rPr lang="zh-CN" altLang="en-US" dirty="0" smtClean="0"/>
+              <a:t>，</a:t>
+            </a:r>
+            <a:r>
+              <a:rPr lang="en-US" altLang="zh-CN" u="sng" dirty="0" smtClean="0"/>
+              <a:t>tag2</a:t>
+            </a:r>
+            <a:r>
+              <a:rPr lang="zh-CN" altLang="en-US" dirty="0" smtClean="0"/>
+              <a:t>，</a:t>
+            </a:r>
+            <a:r>
+              <a:rPr lang="zh-CN" altLang="en-US" u="sng" dirty="0" smtClean="0"/>
+              <a:t>添加</a:t>
+            </a:r>
+            <a:r>
+              <a:rPr lang="en-US" altLang="zh-CN" u="sng" dirty="0" smtClean="0"/>
+              <a:t>tag</a:t>
+            </a:r>
+          </a:p>
+          <a:p>
+            <a:r>
+              <a:rPr lang="en-US" altLang="zh-CN" dirty="0" smtClean="0"/>
+              <a:t>---------------------------------------------------------------------------------</a:t>
+            </a:r>
+          </a:p>
+          <a:p>
+            <a:pPr>
+              <a:buFont typeface="Arial" charset="0"/>
+              <a:buChar char="•"/>
+            </a:pPr>
+            <a:r>
+              <a:rPr lang="zh-CN" altLang="en-US" dirty="0" smtClean="0"/>
+              <a:t>张三：请大家评论</a:t>
+            </a:r>
+            <a:r>
+              <a:rPr lang="en-US" altLang="zh-CN" dirty="0" smtClean="0"/>
+              <a:t>………………………</a:t>
+            </a:r>
+            <a:r>
+              <a:rPr lang="en-US" altLang="zh-CN" dirty="0" smtClean="0"/>
+              <a:t> </a:t>
+            </a:r>
+            <a:r>
+              <a:rPr lang="en-US" altLang="zh-CN" dirty="0" smtClean="0"/>
+              <a:t>………………</a:t>
+            </a:r>
+            <a:r>
+              <a:rPr lang="en-US" altLang="zh-CN" dirty="0" smtClean="0"/>
+              <a:t>…</a:t>
+            </a:r>
+            <a:r>
+              <a:rPr lang="zh-CN" altLang="en-US" u="sng" dirty="0" smtClean="0"/>
+              <a:t>赞</a:t>
+            </a:r>
+            <a:r>
+              <a:rPr lang="en-US" altLang="zh-CN" dirty="0" smtClean="0"/>
+              <a:t>(5)|</a:t>
+            </a:r>
+            <a:r>
+              <a:rPr lang="zh-CN" altLang="en-US" u="sng" dirty="0" smtClean="0"/>
+              <a:t>踩</a:t>
+            </a:r>
+            <a:r>
+              <a:rPr lang="en-US" altLang="zh-CN" dirty="0" smtClean="0"/>
+              <a:t>(1)</a:t>
+            </a:r>
+          </a:p>
+          <a:p>
+            <a:pPr>
+              <a:buFont typeface="Arial" charset="0"/>
+              <a:buChar char="•"/>
+            </a:pPr>
+            <a:r>
+              <a:rPr lang="zh-CN" altLang="en-US" dirty="0" smtClean="0"/>
+              <a:t>李四：很好的文章，非常有用</a:t>
+            </a:r>
+            <a:r>
+              <a:rPr lang="en-US" altLang="zh-CN" dirty="0" smtClean="0"/>
+              <a:t>………………………</a:t>
+            </a:r>
+            <a:r>
+              <a:rPr lang="zh-CN" altLang="en-US" u="sng" dirty="0" smtClean="0"/>
+              <a:t>赞</a:t>
+            </a:r>
+            <a:r>
+              <a:rPr lang="en-US" altLang="zh-CN" dirty="0" smtClean="0"/>
+              <a:t>(5)|</a:t>
+            </a:r>
+            <a:r>
+              <a:rPr lang="zh-CN" altLang="en-US" u="sng" dirty="0" smtClean="0"/>
+              <a:t>踩</a:t>
+            </a:r>
+            <a:r>
+              <a:rPr lang="en-US" altLang="zh-CN" dirty="0" smtClean="0"/>
+              <a:t>(1</a:t>
+            </a:r>
+            <a:r>
+              <a:rPr lang="en-US" altLang="zh-CN" dirty="0" smtClean="0"/>
+              <a:t>)</a:t>
+            </a:r>
+          </a:p>
+          <a:p>
+            <a:pPr>
+              <a:buFont typeface="Arial" charset="0"/>
+              <a:buChar char="•"/>
+            </a:pPr>
+            <a:r>
+              <a:rPr lang="zh-CN" altLang="en-US" u="sng" dirty="0" smtClean="0"/>
+              <a:t>增加评论</a:t>
+            </a:r>
+            <a:endParaRPr lang="en-US" altLang="zh-CN" u="sng" dirty="0" smtClean="0"/>
+          </a:p>
+        </p:txBody>
+      </p:sp>
+      <p:sp>
+        <p:nvSpPr>
+          <p:cNvPr id="52" name="下箭头 51"/>
+          <p:cNvSpPr/>
+          <p:nvPr/>
+        </p:nvSpPr>
+        <p:spPr>
+          <a:xfrm>
+            <a:off x="8892480" y="6161236"/>
+            <a:ext cx="216024" cy="288032"/>
+          </a:xfrm>
+          <a:prstGeom prst="downArrow">
+            <a:avLst/>
+          </a:prstGeom>
+        </p:spPr>
+        <p:style>
+          <a:lnRef idx="2">
+            <a:schemeClr val="accent1">
+              <a:shade val="50000"/>
+            </a:schemeClr>
+          </a:lnRef>
+          <a:fillRef idx="1">
+            <a:schemeClr val="accent1"/>
+          </a:fillRef>
+          <a:effectRef idx="0">
+            <a:schemeClr val="accent1"/>
+          </a:effectRef>
+          <a:fontRef idx="minor">
+            <a:schemeClr val="lt1"/>
+          </a:fontRef>
+        </p:style>
+        <p:txBody>
+          <a:bodyPr rtlCol="0" anchor="ctr"/>
+          <a:lstStyle/>
+          <a:p>
+            <a:pPr algn="ctr"/>
+            <a:endParaRPr lang="zh-CN" altLang="en-US"/>
+          </a:p>
+        </p:txBody>
+      </p:sp>
+      <p:sp>
+        <p:nvSpPr>
+          <p:cNvPr id="53" name="下箭头 52"/>
+          <p:cNvSpPr/>
+          <p:nvPr/>
+        </p:nvSpPr>
+        <p:spPr>
+          <a:xfrm flipV="1">
+            <a:off x="8892480" y="4217020"/>
+            <a:ext cx="216024" cy="288032"/>
+          </a:xfrm>
+          <a:prstGeom prst="downArrow">
+            <a:avLst/>
+          </a:prstGeom>
+        </p:spPr>
+        <p:style>
+          <a:lnRef idx="2">
+            <a:schemeClr val="accent1">
+              <a:shade val="50000"/>
+            </a:schemeClr>
+          </a:lnRef>
+          <a:fillRef idx="1">
+            <a:schemeClr val="accent1"/>
+          </a:fillRef>
+          <a:effectRef idx="0">
+            <a:schemeClr val="accent1"/>
+          </a:effectRef>
+          <a:fontRef idx="minor">
+            <a:schemeClr val="lt1"/>
+          </a:fontRef>
+        </p:style>
+        <p:txBody>
+          <a:bodyPr rtlCol="0" anchor="ctr"/>
+          <a:lstStyle/>
+          <a:p>
+            <a:pPr algn="ctr"/>
+            <a:endParaRPr lang="zh-CN" altLang="en-US"/>
+          </a:p>
+        </p:txBody>
+      </p:sp>
+      <p:pic>
+        <p:nvPicPr>
+          <p:cNvPr id="54" name="Picture 2" descr="http://ts4.mm.bing.net/th?id=H.4567110543869391&amp;w=148&amp;h=145&amp;c=7&amp;rs=1&amp;pid=1.7"/>
+          <p:cNvPicPr>
+            <a:picLocks noChangeAspect="1" noChangeArrowheads="1"/>
+          </p:cNvPicPr>
+          <p:nvPr/>
+        </p:nvPicPr>
+        <p:blipFill>
+          <a:blip r:embed="rId2" cstate="print"/>
+          <a:srcRect/>
+          <a:stretch>
+            <a:fillRect/>
+          </a:stretch>
+        </p:blipFill>
+        <p:spPr bwMode="auto">
+          <a:xfrm>
+            <a:off x="1607754" y="4221088"/>
+            <a:ext cx="587982" cy="576064"/>
+          </a:xfrm>
+          <a:prstGeom prst="rect">
+            <a:avLst/>
+          </a:prstGeom>
+          <a:noFill/>
+        </p:spPr>
+      </p:pic>
+      <p:grpSp>
+        <p:nvGrpSpPr>
+          <p:cNvPr id="50" name="组合 49"/>
+          <p:cNvGrpSpPr/>
+          <p:nvPr/>
+        </p:nvGrpSpPr>
+        <p:grpSpPr>
+          <a:xfrm>
+            <a:off x="2555776" y="2708920"/>
+            <a:ext cx="1800200" cy="1512168"/>
+            <a:chOff x="2555776" y="4293096"/>
+            <a:chExt cx="1800200" cy="1512168"/>
+          </a:xfrm>
+        </p:grpSpPr>
+        <p:sp>
+          <p:nvSpPr>
+            <p:cNvPr id="42" name="矩形标注 41"/>
+            <p:cNvSpPr/>
+            <p:nvPr/>
+          </p:nvSpPr>
+          <p:spPr>
+            <a:xfrm flipH="1">
+              <a:off x="2555776" y="4293096"/>
+              <a:ext cx="1800200" cy="1512168"/>
+            </a:xfrm>
+            <a:prstGeom prst="wedgeRectCallout">
+              <a:avLst>
+                <a:gd name="adj1" fmla="val -20833"/>
+                <a:gd name="adj2" fmla="val 105184"/>
+              </a:avLst>
+            </a:prstGeom>
+          </p:spPr>
+          <p:style>
+            <a:lnRef idx="2">
+              <a:schemeClr val="accent1">
+                <a:shade val="50000"/>
+              </a:schemeClr>
+            </a:lnRef>
+            <a:fillRef idx="1">
+              <a:schemeClr val="accent1"/>
+            </a:fillRef>
+            <a:effectRef idx="0">
+              <a:schemeClr val="accent1"/>
+            </a:effectRef>
+            <a:fontRef idx="minor">
+              <a:schemeClr val="lt1"/>
+            </a:fontRef>
+          </p:style>
+          <p:txBody>
+            <a:bodyPr rtlCol="0" anchor="t"/>
+            <a:lstStyle/>
+            <a:p>
+              <a:endParaRPr lang="en-US" altLang="zh-CN" dirty="0" smtClean="0"/>
+            </a:p>
+          </p:txBody>
+        </p:sp>
+        <p:sp>
+          <p:nvSpPr>
+            <p:cNvPr id="43" name="TextBox 42"/>
+            <p:cNvSpPr txBox="1"/>
+            <p:nvPr/>
+          </p:nvSpPr>
+          <p:spPr>
+            <a:xfrm>
+              <a:off x="2627784" y="4365104"/>
+              <a:ext cx="1656184" cy="369332"/>
+            </a:xfrm>
+            <a:prstGeom prst="rect">
+              <a:avLst/>
+            </a:prstGeom>
+          </p:spPr>
+          <p:style>
+            <a:lnRef idx="2">
+              <a:schemeClr val="accent2"/>
+            </a:lnRef>
+            <a:fillRef idx="1">
+              <a:schemeClr val="lt1"/>
+            </a:fillRef>
+            <a:effectRef idx="0">
+              <a:schemeClr val="accent2"/>
+            </a:effectRef>
+            <a:fontRef idx="minor">
+              <a:schemeClr val="dk1"/>
+            </a:fontRef>
+          </p:style>
+          <p:txBody>
+            <a:bodyPr wrap="square" rtlCol="0">
+              <a:spAutoFit/>
+            </a:bodyPr>
+            <a:lstStyle/>
+            <a:p>
+              <a:r>
+                <a:rPr lang="en-US" altLang="zh-CN" dirty="0" smtClean="0"/>
+                <a:t>Tag1-----------X</a:t>
+              </a:r>
+              <a:endParaRPr lang="zh-CN" altLang="en-US" dirty="0"/>
+            </a:p>
+          </p:txBody>
+        </p:sp>
+        <p:sp>
+          <p:nvSpPr>
+            <p:cNvPr id="44" name="TextBox 43"/>
+            <p:cNvSpPr txBox="1"/>
+            <p:nvPr/>
+          </p:nvSpPr>
+          <p:spPr>
+            <a:xfrm>
+              <a:off x="2627784" y="4797152"/>
+              <a:ext cx="1656184" cy="369332"/>
+            </a:xfrm>
+            <a:prstGeom prst="rect">
+              <a:avLst/>
+            </a:prstGeom>
+          </p:spPr>
+          <p:style>
+            <a:lnRef idx="2">
+              <a:schemeClr val="accent2"/>
+            </a:lnRef>
+            <a:fillRef idx="1">
+              <a:schemeClr val="lt1"/>
+            </a:fillRef>
+            <a:effectRef idx="0">
+              <a:schemeClr val="accent2"/>
+            </a:effectRef>
+            <a:fontRef idx="minor">
+              <a:schemeClr val="dk1"/>
+            </a:fontRef>
+          </p:style>
+          <p:txBody>
+            <a:bodyPr wrap="square" rtlCol="0">
+              <a:spAutoFit/>
+            </a:bodyPr>
+            <a:lstStyle/>
+            <a:p>
+              <a:r>
+                <a:rPr lang="en-US" altLang="zh-CN" dirty="0" smtClean="0"/>
+                <a:t>Tag1-----------X</a:t>
+              </a:r>
+              <a:endParaRPr lang="zh-CN" altLang="en-US" dirty="0"/>
+            </a:p>
+          </p:txBody>
+        </p:sp>
+        <p:sp>
+          <p:nvSpPr>
+            <p:cNvPr id="45" name="TextBox 44"/>
+            <p:cNvSpPr txBox="1"/>
+            <p:nvPr/>
+          </p:nvSpPr>
+          <p:spPr>
+            <a:xfrm>
+              <a:off x="2627784" y="5229200"/>
+              <a:ext cx="1656184" cy="369332"/>
+            </a:xfrm>
+            <a:prstGeom prst="rect">
+              <a:avLst/>
+            </a:prstGeom>
+          </p:spPr>
+          <p:style>
+            <a:lnRef idx="2">
+              <a:schemeClr val="accent2"/>
+            </a:lnRef>
+            <a:fillRef idx="1">
+              <a:schemeClr val="lt1"/>
+            </a:fillRef>
+            <a:effectRef idx="0">
+              <a:schemeClr val="accent2"/>
+            </a:effectRef>
+            <a:fontRef idx="minor">
+              <a:schemeClr val="dk1"/>
+            </a:fontRef>
+          </p:style>
+          <p:txBody>
+            <a:bodyPr wrap="square" rtlCol="0">
+              <a:spAutoFit/>
+            </a:bodyPr>
+            <a:lstStyle/>
+            <a:p>
+              <a:r>
+                <a:rPr lang="zh-CN" altLang="en-US" dirty="0"/>
+                <a:t>新</a:t>
+              </a:r>
+              <a:r>
+                <a:rPr lang="en-US" altLang="zh-CN" dirty="0" smtClean="0"/>
+                <a:t>Tag</a:t>
+              </a:r>
+              <a:r>
+                <a:rPr lang="zh-CN" altLang="en-US" dirty="0" smtClean="0"/>
+                <a:t>：</a:t>
+              </a:r>
+              <a:r>
+                <a:rPr lang="en-US" altLang="zh-CN" dirty="0" smtClean="0"/>
+                <a:t>______</a:t>
+              </a:r>
+              <a:endParaRPr lang="zh-CN" altLang="en-US" dirty="0"/>
+            </a:p>
+          </p:txBody>
+        </p:sp>
+      </p:grpSp>
+      <p:grpSp>
+        <p:nvGrpSpPr>
+          <p:cNvPr id="55" name="组合 54"/>
+          <p:cNvGrpSpPr/>
+          <p:nvPr/>
+        </p:nvGrpSpPr>
+        <p:grpSpPr>
+          <a:xfrm>
+            <a:off x="5652120" y="3933056"/>
+            <a:ext cx="3168352" cy="1584176"/>
+            <a:chOff x="1907704" y="3789040"/>
+            <a:chExt cx="3168352" cy="1584176"/>
+          </a:xfrm>
+        </p:grpSpPr>
+        <p:sp>
+          <p:nvSpPr>
+            <p:cNvPr id="56" name="矩形标注 55"/>
+            <p:cNvSpPr/>
+            <p:nvPr/>
+          </p:nvSpPr>
+          <p:spPr>
+            <a:xfrm rot="5400000">
+              <a:off x="2699792" y="2996952"/>
+              <a:ext cx="1584176" cy="3168352"/>
+            </a:xfrm>
+            <a:prstGeom prst="wedgeRectCallout">
+              <a:avLst>
+                <a:gd name="adj1" fmla="val 98004"/>
+                <a:gd name="adj2" fmla="val 145160"/>
+              </a:avLst>
+            </a:prstGeom>
+          </p:spPr>
+          <p:style>
+            <a:lnRef idx="2">
+              <a:schemeClr val="accent1">
+                <a:shade val="50000"/>
+              </a:schemeClr>
+            </a:lnRef>
+            <a:fillRef idx="1">
+              <a:schemeClr val="accent1"/>
+            </a:fillRef>
+            <a:effectRef idx="0">
+              <a:schemeClr val="accent1"/>
+            </a:effectRef>
+            <a:fontRef idx="minor">
+              <a:schemeClr val="lt1"/>
+            </a:fontRef>
+          </p:style>
+          <p:txBody>
+            <a:bodyPr rtlCol="0" anchor="t"/>
+            <a:lstStyle/>
+            <a:p>
+              <a:endParaRPr lang="en-US" altLang="zh-CN" dirty="0" smtClean="0"/>
+            </a:p>
+          </p:txBody>
+        </p:sp>
+        <p:sp>
+          <p:nvSpPr>
+            <p:cNvPr id="57" name="圆角矩形 56"/>
+            <p:cNvSpPr/>
+            <p:nvPr/>
+          </p:nvSpPr>
+          <p:spPr>
+            <a:xfrm>
+              <a:off x="1979712" y="3861048"/>
+              <a:ext cx="3024336" cy="1008112"/>
+            </a:xfrm>
+            <a:prstGeom prst="roundRect">
+              <a:avLst/>
+            </a:prstGeom>
+          </p:spPr>
+          <p:style>
+            <a:lnRef idx="2">
+              <a:schemeClr val="accent6"/>
+            </a:lnRef>
+            <a:fillRef idx="1">
+              <a:schemeClr val="lt1"/>
+            </a:fillRef>
+            <a:effectRef idx="0">
+              <a:schemeClr val="accent6"/>
+            </a:effectRef>
+            <a:fontRef idx="minor">
+              <a:schemeClr val="dk1"/>
+            </a:fontRef>
+          </p:style>
+          <p:txBody>
+            <a:bodyPr rtlCol="0" anchor="ctr"/>
+            <a:lstStyle/>
+            <a:p>
+              <a:pPr algn="ctr"/>
+              <a:endParaRPr lang="zh-CN" altLang="en-US"/>
+            </a:p>
+          </p:txBody>
+        </p:sp>
+        <p:sp>
+          <p:nvSpPr>
+            <p:cNvPr id="58" name="圆角矩形 57"/>
+            <p:cNvSpPr/>
+            <p:nvPr/>
+          </p:nvSpPr>
+          <p:spPr>
+            <a:xfrm>
+              <a:off x="3995936" y="4896054"/>
+              <a:ext cx="936104" cy="360040"/>
+            </a:xfrm>
+            <a:prstGeom prst="roundRect">
+              <a:avLst/>
+            </a:prstGeom>
+          </p:spPr>
+          <p:style>
+            <a:lnRef idx="1">
+              <a:schemeClr val="dk1"/>
+            </a:lnRef>
+            <a:fillRef idx="2">
+              <a:schemeClr val="dk1"/>
+            </a:fillRef>
+            <a:effectRef idx="1">
+              <a:schemeClr val="dk1"/>
+            </a:effectRef>
+            <a:fontRef idx="minor">
+              <a:schemeClr val="dk1"/>
+            </a:fontRef>
+          </p:style>
+          <p:txBody>
+            <a:bodyPr rtlCol="0" anchor="ctr"/>
+            <a:lstStyle/>
+            <a:p>
+              <a:pPr algn="ctr"/>
+              <a:r>
+                <a:rPr lang="zh-CN" altLang="en-US" dirty="0" smtClean="0"/>
+                <a:t>提交</a:t>
+              </a:r>
+              <a:endParaRPr lang="zh-CN" altLang="en-US" dirty="0"/>
+            </a:p>
+          </p:txBody>
+        </p:sp>
+      </p:grpSp>
+      <p:sp>
+        <p:nvSpPr>
+          <p:cNvPr id="59" name="TextBox 58"/>
+          <p:cNvSpPr txBox="1"/>
+          <p:nvPr/>
+        </p:nvSpPr>
+        <p:spPr>
+          <a:xfrm>
+            <a:off x="3779912" y="908720"/>
+            <a:ext cx="694421" cy="369332"/>
+          </a:xfrm>
+          <a:prstGeom prst="rect">
+            <a:avLst/>
+          </a:prstGeom>
+          <a:noFill/>
+        </p:spPr>
+        <p:txBody>
+          <a:bodyPr wrap="none" rtlCol="0">
+            <a:spAutoFit/>
+          </a:bodyPr>
+          <a:lstStyle/>
+          <a:p>
+            <a:r>
+              <a:rPr lang="en-US" altLang="zh-CN" dirty="0" smtClean="0"/>
+              <a:t>a.doc</a:t>
+            </a:r>
+            <a:endParaRPr lang="zh-CN" altLang="en-US" dirty="0"/>
+          </a:p>
+        </p:txBody>
+      </p:sp>
+      <p:sp>
+        <p:nvSpPr>
+          <p:cNvPr id="61" name="TextBox 60"/>
+          <p:cNvSpPr txBox="1"/>
+          <p:nvPr/>
+        </p:nvSpPr>
+        <p:spPr>
+          <a:xfrm>
+            <a:off x="4572000" y="908720"/>
+            <a:ext cx="2808312" cy="646331"/>
+          </a:xfrm>
+          <a:prstGeom prst="rect">
+            <a:avLst/>
+          </a:prstGeom>
+          <a:solidFill>
+            <a:srgbClr val="FFC000"/>
+          </a:solidFill>
+        </p:spPr>
+        <p:txBody>
+          <a:bodyPr wrap="square" rtlCol="0">
+            <a:spAutoFit/>
+          </a:bodyPr>
+          <a:lstStyle/>
+          <a:p>
+            <a:r>
+              <a:rPr lang="zh-CN" altLang="en-US" u="sng" dirty="0" smtClean="0"/>
+              <a:t>全</a:t>
+            </a:r>
+            <a:r>
+              <a:rPr lang="zh-CN" altLang="en-US" u="sng" dirty="0" smtClean="0"/>
+              <a:t>屏</a:t>
+            </a:r>
+            <a:r>
+              <a:rPr lang="en-US" altLang="zh-CN" u="sng" dirty="0" smtClean="0"/>
+              <a:t>/</a:t>
+            </a:r>
+            <a:r>
+              <a:rPr lang="zh-CN" altLang="en-US" u="sng" dirty="0" smtClean="0"/>
+              <a:t>退出全屏</a:t>
+            </a:r>
+            <a:r>
+              <a:rPr lang="en-US" altLang="zh-CN" u="sng" dirty="0" smtClean="0"/>
+              <a:t>|</a:t>
+            </a:r>
+            <a:r>
+              <a:rPr lang="zh-CN" altLang="en-US" u="sng" smtClean="0"/>
+              <a:t>退出预览</a:t>
+            </a:r>
+            <a:r>
+              <a:rPr lang="en-US" altLang="zh-CN" u="sng" smtClean="0"/>
+              <a:t>|</a:t>
+            </a:r>
+            <a:r>
+              <a:rPr lang="zh-CN" altLang="en-US" u="sng" dirty="0" smtClean="0"/>
+              <a:t>删除</a:t>
+            </a:r>
+            <a:r>
+              <a:rPr lang="en-US" altLang="zh-CN" u="sng" dirty="0" smtClean="0"/>
+              <a:t>|</a:t>
+            </a:r>
+            <a:r>
+              <a:rPr lang="zh-CN" altLang="en-US" u="sng" dirty="0" smtClean="0"/>
+              <a:t>下载</a:t>
+            </a:r>
+            <a:endParaRPr lang="zh-CN" altLang="en-US" u="sng" dirty="0"/>
+          </a:p>
+        </p:txBody>
+      </p:sp>
+    </p:spTree>
+  </p:cSld>
+  <p:clrMapOvr>
+    <a:masterClrMapping/>
+  </p:clrMapOvr>
+</p:sld>
+</file>
+
+<file path=ppt/slides/slide6.xml><?xml version="1.0" encoding="utf-8"?>
+<p:sld xmlns:a="http://schemas.openxmlformats.org/drawingml/2006/main" xmlns:r="http://schemas.openxmlformats.org/officeDocument/2006/relationships" xmlns:p="http://schemas.openxmlformats.org/presentationml/2006/main">
+  <p:cSld>
+    <p:spTree>
+      <p:nvGrpSpPr>
+        <p:cNvPr id="1" name=""/>
+        <p:cNvGrpSpPr/>
+        <p:nvPr/>
+      </p:nvGrpSpPr>
+      <p:grpSpPr>
+        <a:xfrm>
+          <a:off x="0" y="0"/>
+          <a:ext cx="0" cy="0"/>
+          <a:chOff x="0" y="0"/>
+          <a:chExt cx="0" cy="0"/>
+        </a:xfrm>
+      </p:grpSpPr>
+      <p:sp>
+        <p:nvSpPr>
+          <p:cNvPr id="4" name="TextBox 3"/>
+          <p:cNvSpPr txBox="1"/>
+          <p:nvPr/>
+        </p:nvSpPr>
+        <p:spPr>
+          <a:xfrm>
+            <a:off x="0" y="0"/>
+            <a:ext cx="9144000" cy="369332"/>
+          </a:xfrm>
+          <a:prstGeom prst="rect">
+            <a:avLst/>
+          </a:prstGeom>
+        </p:spPr>
+        <p:style>
+          <a:lnRef idx="2">
+            <a:schemeClr val="dk1"/>
+          </a:lnRef>
+          <a:fillRef idx="1">
+            <a:schemeClr val="lt1"/>
+          </a:fillRef>
+          <a:effectRef idx="0">
+            <a:schemeClr val="dk1"/>
+          </a:effectRef>
+          <a:fontRef idx="minor">
+            <a:schemeClr val="dk1"/>
+          </a:fontRef>
+        </p:style>
+        <p:txBody>
+          <a:bodyPr wrap="square" rtlCol="0">
+            <a:spAutoFit/>
+          </a:bodyPr>
+          <a:lstStyle/>
+          <a:p>
+            <a:r>
+              <a:rPr lang="en-US" altLang="zh-CN" dirty="0" err="1" smtClean="0"/>
+              <a:t>Lite</a:t>
+            </a:r>
+            <a:r>
+              <a:rPr lang="en-US" altLang="zh-CN" dirty="0" smtClean="0"/>
+              <a:t> KM</a:t>
+            </a:r>
+            <a:endParaRPr lang="zh-CN" altLang="en-US" dirty="0"/>
+          </a:p>
+        </p:txBody>
+      </p:sp>
+      <p:sp>
+        <p:nvSpPr>
+          <p:cNvPr id="5" name="TextBox 4"/>
+          <p:cNvSpPr txBox="1"/>
+          <p:nvPr/>
+        </p:nvSpPr>
+        <p:spPr>
+          <a:xfrm>
+            <a:off x="0" y="404664"/>
+            <a:ext cx="5004048" cy="369332"/>
+          </a:xfrm>
+          <a:prstGeom prst="rect">
+            <a:avLst/>
+          </a:prstGeom>
+        </p:spPr>
+        <p:style>
+          <a:lnRef idx="2">
+            <a:schemeClr val="dk1"/>
+          </a:lnRef>
+          <a:fillRef idx="1">
+            <a:schemeClr val="lt1"/>
+          </a:fillRef>
+          <a:effectRef idx="0">
+            <a:schemeClr val="dk1"/>
+          </a:effectRef>
+          <a:fontRef idx="minor">
+            <a:schemeClr val="dk1"/>
+          </a:fontRef>
+        </p:style>
+        <p:txBody>
+          <a:bodyPr wrap="square" rtlCol="0">
+            <a:spAutoFit/>
+          </a:bodyPr>
+          <a:lstStyle/>
+          <a:p>
+            <a:r>
+              <a:rPr lang="zh-CN" altLang="en-US" dirty="0" smtClean="0"/>
+              <a:t>当前目录：</a:t>
+            </a:r>
+            <a:r>
+              <a:rPr lang="en-US" altLang="zh-CN" dirty="0" err="1" smtClean="0"/>
+              <a:t>abc</a:t>
+            </a:r>
+            <a:r>
+              <a:rPr lang="en-US" altLang="zh-CN" dirty="0" smtClean="0"/>
+              <a:t>/</a:t>
+            </a:r>
+            <a:r>
+              <a:rPr lang="en-US" altLang="zh-CN" dirty="0" err="1" smtClean="0"/>
+              <a:t>bbc</a:t>
+            </a:r>
+            <a:r>
+              <a:rPr lang="en-US" altLang="zh-CN" dirty="0" smtClean="0"/>
+              <a:t>/</a:t>
+            </a:r>
+            <a:r>
+              <a:rPr lang="en-US" altLang="zh-CN" dirty="0" err="1" smtClean="0"/>
+              <a:t>cde</a:t>
+            </a:r>
+            <a:r>
+              <a:rPr lang="en-US" altLang="zh-CN" dirty="0" smtClean="0"/>
+              <a:t>/</a:t>
+            </a:r>
+            <a:endParaRPr lang="zh-CN" altLang="en-US" dirty="0"/>
+          </a:p>
+        </p:txBody>
+      </p:sp>
+      <p:sp>
+        <p:nvSpPr>
+          <p:cNvPr id="6" name="TextBox 5"/>
+          <p:cNvSpPr txBox="1"/>
+          <p:nvPr/>
+        </p:nvSpPr>
+        <p:spPr>
+          <a:xfrm>
+            <a:off x="0" y="6488668"/>
+            <a:ext cx="9144000" cy="369332"/>
+          </a:xfrm>
+          <a:prstGeom prst="rect">
+            <a:avLst/>
+          </a:prstGeom>
+        </p:spPr>
+        <p:style>
+          <a:lnRef idx="2">
+            <a:schemeClr val="dk1"/>
+          </a:lnRef>
+          <a:fillRef idx="1">
+            <a:schemeClr val="lt1"/>
+          </a:fillRef>
+          <a:effectRef idx="0">
+            <a:schemeClr val="dk1"/>
+          </a:effectRef>
+          <a:fontRef idx="minor">
+            <a:schemeClr val="dk1"/>
+          </a:fontRef>
+        </p:style>
+        <p:txBody>
+          <a:bodyPr wrap="square" rtlCol="0">
+            <a:spAutoFit/>
+          </a:bodyPr>
+          <a:lstStyle/>
+          <a:p>
+            <a:r>
+              <a:rPr lang="en-US" altLang="zh-CN" dirty="0" err="1" smtClean="0"/>
+              <a:t>Lite</a:t>
+            </a:r>
+            <a:r>
+              <a:rPr lang="en-US" altLang="zh-CN" dirty="0" smtClean="0"/>
+              <a:t> KM V0.1</a:t>
+            </a:r>
+            <a:r>
+              <a:rPr lang="zh-CN" altLang="en-US" dirty="0" smtClean="0"/>
+              <a:t>， </a:t>
+            </a:r>
+            <a:r>
+              <a:rPr lang="en-US" altLang="zh-CN" dirty="0" smtClean="0"/>
+              <a:t>Under GPLv3 License</a:t>
+            </a:r>
+            <a:r>
+              <a:rPr lang="zh-CN" altLang="en-US" dirty="0" smtClean="0"/>
+              <a:t>。</a:t>
+            </a:r>
+            <a:endParaRPr lang="zh-CN" altLang="en-US" dirty="0"/>
+          </a:p>
+        </p:txBody>
+      </p:sp>
+      <p:sp>
+        <p:nvSpPr>
+          <p:cNvPr id="8" name="矩形 7"/>
+          <p:cNvSpPr/>
+          <p:nvPr/>
+        </p:nvSpPr>
+        <p:spPr>
+          <a:xfrm>
+            <a:off x="0" y="836712"/>
+            <a:ext cx="1475656" cy="5616624"/>
+          </a:xfrm>
+          <a:prstGeom prst="rect">
+            <a:avLst/>
+          </a:prstGeom>
+        </p:spPr>
+        <p:style>
+          <a:lnRef idx="2">
+            <a:schemeClr val="accent6"/>
+          </a:lnRef>
+          <a:fillRef idx="1">
+            <a:schemeClr val="lt1"/>
+          </a:fillRef>
+          <a:effectRef idx="0">
+            <a:schemeClr val="accent6"/>
+          </a:effectRef>
+          <a:fontRef idx="minor">
+            <a:schemeClr val="dk1"/>
+          </a:fontRef>
+        </p:style>
+        <p:txBody>
+          <a:bodyPr rtlCol="0" anchor="ctr"/>
+          <a:lstStyle/>
+          <a:p>
+            <a:pPr algn="ctr"/>
+            <a:r>
+              <a:rPr lang="zh-CN" altLang="en-US" dirty="0" smtClean="0"/>
+              <a:t>目录树</a:t>
+            </a:r>
+            <a:endParaRPr lang="zh-CN" altLang="en-US" dirty="0"/>
+          </a:p>
+        </p:txBody>
+      </p:sp>
+      <p:sp>
+        <p:nvSpPr>
+          <p:cNvPr id="9" name="矩形 8"/>
+          <p:cNvSpPr/>
+          <p:nvPr/>
+        </p:nvSpPr>
+        <p:spPr>
+          <a:xfrm>
+            <a:off x="1547664" y="836712"/>
+            <a:ext cx="6228184" cy="5616624"/>
+          </a:xfrm>
+          <a:prstGeom prst="rect">
+            <a:avLst/>
+          </a:prstGeom>
+        </p:spPr>
+        <p:style>
+          <a:lnRef idx="2">
+            <a:schemeClr val="accent6"/>
+          </a:lnRef>
+          <a:fillRef idx="1">
+            <a:schemeClr val="lt1"/>
+          </a:fillRef>
+          <a:effectRef idx="0">
+            <a:schemeClr val="accent6"/>
+          </a:effectRef>
+          <a:fontRef idx="minor">
+            <a:schemeClr val="dk1"/>
+          </a:fontRef>
+        </p:style>
+        <p:txBody>
+          <a:bodyPr rtlCol="0" anchor="ctr"/>
+          <a:lstStyle/>
+          <a:p>
+            <a:pPr algn="ctr"/>
+            <a:r>
+              <a:rPr lang="zh-CN" altLang="en-US" dirty="0" smtClean="0"/>
+              <a:t>文件内容</a:t>
+            </a:r>
+            <a:endParaRPr lang="zh-CN" altLang="en-US" dirty="0"/>
+          </a:p>
+        </p:txBody>
+      </p:sp>
+      <p:sp>
+        <p:nvSpPr>
+          <p:cNvPr id="10" name="TextBox 9"/>
+          <p:cNvSpPr txBox="1"/>
+          <p:nvPr/>
+        </p:nvSpPr>
+        <p:spPr>
+          <a:xfrm>
+            <a:off x="7884368" y="35332"/>
+            <a:ext cx="1224136" cy="369332"/>
+          </a:xfrm>
+          <a:prstGeom prst="rect">
+            <a:avLst/>
+          </a:prstGeom>
+          <a:noFill/>
+        </p:spPr>
+        <p:txBody>
+          <a:bodyPr wrap="square" rtlCol="0">
+            <a:spAutoFit/>
+          </a:bodyPr>
+          <a:lstStyle/>
+          <a:p>
+            <a:r>
+              <a:rPr lang="zh-CN" altLang="en-US" dirty="0" smtClean="0"/>
+              <a:t>登录</a:t>
+            </a:r>
+            <a:r>
+              <a:rPr lang="en-US" altLang="zh-CN" dirty="0" smtClean="0"/>
+              <a:t>|</a:t>
+            </a:r>
+            <a:r>
+              <a:rPr lang="zh-CN" altLang="en-US" dirty="0" smtClean="0"/>
+              <a:t>注销</a:t>
+            </a:r>
+            <a:endParaRPr lang="zh-CN" altLang="en-US" dirty="0"/>
+          </a:p>
+        </p:txBody>
+      </p:sp>
+      <p:sp>
+        <p:nvSpPr>
+          <p:cNvPr id="11" name="TextBox 10"/>
+          <p:cNvSpPr txBox="1"/>
+          <p:nvPr/>
+        </p:nvSpPr>
+        <p:spPr>
+          <a:xfrm>
+            <a:off x="5796136" y="404664"/>
+            <a:ext cx="1152128" cy="369332"/>
+          </a:xfrm>
+          <a:prstGeom prst="rect">
+            <a:avLst/>
+          </a:prstGeom>
+          <a:noFill/>
+        </p:spPr>
+        <p:txBody>
+          <a:bodyPr wrap="square" rtlCol="0">
+            <a:spAutoFit/>
+          </a:bodyPr>
+          <a:lstStyle/>
+          <a:p>
+            <a:r>
+              <a:rPr lang="zh-CN" altLang="en-US" dirty="0"/>
+              <a:t>全文</a:t>
+            </a:r>
+            <a:r>
+              <a:rPr lang="zh-CN" altLang="en-US" dirty="0" smtClean="0"/>
+              <a:t>搜索</a:t>
+            </a:r>
+            <a:endParaRPr lang="zh-CN" altLang="en-US" dirty="0"/>
+          </a:p>
+        </p:txBody>
+      </p:sp>
+      <p:sp>
+        <p:nvSpPr>
+          <p:cNvPr id="12" name="圆角矩形 11"/>
+          <p:cNvSpPr/>
+          <p:nvPr/>
+        </p:nvSpPr>
+        <p:spPr>
+          <a:xfrm>
+            <a:off x="6948264" y="404664"/>
+            <a:ext cx="2016224" cy="360040"/>
+          </a:xfrm>
+          <a:prstGeom prst="roundRect">
+            <a:avLst/>
+          </a:prstGeom>
+        </p:spPr>
+        <p:style>
+          <a:lnRef idx="2">
+            <a:schemeClr val="accent1">
+              <a:shade val="50000"/>
+            </a:schemeClr>
+          </a:lnRef>
+          <a:fillRef idx="1">
+            <a:schemeClr val="accent1"/>
+          </a:fillRef>
+          <a:effectRef idx="0">
+            <a:schemeClr val="accent1"/>
+          </a:effectRef>
+          <a:fontRef idx="minor">
+            <a:schemeClr val="lt1"/>
+          </a:fontRef>
+        </p:style>
+        <p:txBody>
+          <a:bodyPr rtlCol="0" anchor="ctr"/>
+          <a:lstStyle/>
+          <a:p>
+            <a:pPr algn="ctr"/>
+            <a:endParaRPr lang="zh-CN" altLang="en-US"/>
+          </a:p>
+        </p:txBody>
+      </p:sp>
+      <p:sp>
+        <p:nvSpPr>
+          <p:cNvPr id="13" name="TextBox 12"/>
+          <p:cNvSpPr txBox="1"/>
+          <p:nvPr/>
+        </p:nvSpPr>
+        <p:spPr>
+          <a:xfrm>
+            <a:off x="5076056" y="404664"/>
+            <a:ext cx="684584" cy="369332"/>
+          </a:xfrm>
+          <a:prstGeom prst="rect">
+            <a:avLst/>
+          </a:prstGeom>
+        </p:spPr>
+        <p:style>
+          <a:lnRef idx="2">
+            <a:schemeClr val="accent2"/>
+          </a:lnRef>
+          <a:fillRef idx="1">
+            <a:schemeClr val="lt1"/>
+          </a:fillRef>
+          <a:effectRef idx="0">
+            <a:schemeClr val="accent2"/>
+          </a:effectRef>
+          <a:fontRef idx="minor">
+            <a:schemeClr val="dk1"/>
+          </a:fontRef>
+        </p:style>
+        <p:txBody>
+          <a:bodyPr wrap="square" rtlCol="0">
+            <a:spAutoFit/>
+          </a:bodyPr>
+          <a:lstStyle/>
+          <a:p>
+            <a:r>
+              <a:rPr lang="zh-CN" altLang="en-US" dirty="0" smtClean="0"/>
+              <a:t>上传</a:t>
+            </a:r>
+            <a:endParaRPr lang="zh-CN" altLang="en-US" dirty="0"/>
+          </a:p>
+        </p:txBody>
+      </p:sp>
+      <p:grpSp>
+        <p:nvGrpSpPr>
+          <p:cNvPr id="2" name="组合 16"/>
+          <p:cNvGrpSpPr/>
+          <p:nvPr/>
+        </p:nvGrpSpPr>
+        <p:grpSpPr>
+          <a:xfrm>
+            <a:off x="1691680" y="1436583"/>
+            <a:ext cx="6084168" cy="1200329"/>
+            <a:chOff x="3059832" y="1124744"/>
+            <a:chExt cx="6084168" cy="1200329"/>
+          </a:xfrm>
+        </p:grpSpPr>
+        <p:sp>
+          <p:nvSpPr>
+            <p:cNvPr id="14" name="TextBox 13"/>
+            <p:cNvSpPr txBox="1"/>
+            <p:nvPr/>
+          </p:nvSpPr>
+          <p:spPr>
+            <a:xfrm>
+              <a:off x="3059832" y="1124744"/>
+              <a:ext cx="5904656" cy="1200329"/>
+            </a:xfrm>
+            <a:prstGeom prst="rect">
+              <a:avLst/>
+            </a:prstGeom>
+          </p:spPr>
+          <p:style>
+            <a:lnRef idx="2">
+              <a:schemeClr val="accent1"/>
+            </a:lnRef>
+            <a:fillRef idx="1">
+              <a:schemeClr val="lt1"/>
+            </a:fillRef>
+            <a:effectRef idx="0">
+              <a:schemeClr val="accent1"/>
+            </a:effectRef>
+            <a:fontRef idx="minor">
+              <a:schemeClr val="dk1"/>
+            </a:fontRef>
+          </p:style>
+          <p:txBody>
+            <a:bodyPr wrap="square" rtlCol="0">
+              <a:spAutoFit/>
+            </a:bodyPr>
+            <a:lstStyle/>
+            <a:p>
+              <a:r>
+                <a:rPr lang="en-US" altLang="zh-CN" dirty="0"/>
+                <a:t> </a:t>
+              </a:r>
+              <a:r>
+                <a:rPr lang="en-US" altLang="zh-CN" dirty="0" smtClean="0"/>
+                <a:t>          </a:t>
+              </a:r>
+              <a:r>
+                <a:rPr lang="en-US" altLang="zh-CN" u="sng" dirty="0" smtClean="0"/>
+                <a:t>a.doc</a:t>
+              </a:r>
+            </a:p>
+            <a:p>
+              <a:r>
+                <a:rPr lang="en-US" altLang="zh-CN" dirty="0"/>
+                <a:t> </a:t>
+              </a:r>
+              <a:r>
+                <a:rPr lang="en-US" altLang="zh-CN" dirty="0" smtClean="0"/>
+                <a:t>          </a:t>
+              </a:r>
+              <a:r>
+                <a:rPr lang="zh-CN" altLang="en-US" dirty="0" smtClean="0"/>
+                <a:t>作者：</a:t>
+              </a:r>
+              <a:r>
+                <a:rPr lang="zh-CN" altLang="en-US" u="sng" dirty="0" smtClean="0">
+                  <a:solidFill>
+                    <a:schemeClr val="tx2">
+                      <a:lumMod val="60000"/>
+                      <a:lumOff val="40000"/>
+                    </a:schemeClr>
+                  </a:solidFill>
+                </a:rPr>
+                <a:t>张三 </a:t>
+              </a:r>
+              <a:r>
+                <a:rPr lang="en-US" altLang="zh-CN" dirty="0" smtClean="0"/>
+                <a:t>51667Bytes, 2013-11-25, </a:t>
+              </a:r>
+              <a:r>
+                <a:rPr lang="en-US" altLang="zh-CN" u="sng" dirty="0" smtClean="0">
+                  <a:solidFill>
+                    <a:schemeClr val="tx2">
+                      <a:lumMod val="60000"/>
+                      <a:lumOff val="40000"/>
+                    </a:schemeClr>
+                  </a:solidFill>
+                </a:rPr>
+                <a:t>Version 31</a:t>
+              </a:r>
+            </a:p>
+            <a:p>
+              <a:r>
+                <a:rPr lang="en-US" altLang="zh-CN" dirty="0"/>
+                <a:t> </a:t>
+              </a:r>
+              <a:r>
+                <a:rPr lang="en-US" altLang="zh-CN" dirty="0" smtClean="0"/>
+                <a:t>          </a:t>
+              </a:r>
+              <a:r>
+                <a:rPr lang="zh-CN" altLang="en-US" dirty="0" smtClean="0"/>
+                <a:t>文件简要介绍内容</a:t>
+              </a:r>
+              <a:r>
+                <a:rPr lang="en-US" altLang="zh-CN" dirty="0" smtClean="0"/>
+                <a:t>…</a:t>
+              </a:r>
+            </a:p>
+            <a:p>
+              <a:r>
+                <a:rPr lang="en-US" altLang="zh-CN" dirty="0"/>
+                <a:t> </a:t>
+              </a:r>
+              <a:r>
+                <a:rPr lang="en-US" altLang="zh-CN" dirty="0" smtClean="0"/>
+                <a:t>          </a:t>
+              </a:r>
+              <a:r>
+                <a:rPr lang="en-US" altLang="zh-CN" u="sng" dirty="0" smtClean="0"/>
+                <a:t>tag1</a:t>
+              </a:r>
+              <a:r>
+                <a:rPr lang="zh-CN" altLang="en-US" dirty="0" smtClean="0"/>
+                <a:t>，</a:t>
+              </a:r>
+              <a:r>
+                <a:rPr lang="en-US" altLang="zh-CN" u="sng" dirty="0" smtClean="0"/>
+                <a:t>tag2</a:t>
+              </a:r>
+              <a:r>
+                <a:rPr lang="zh-CN" altLang="en-US" dirty="0" smtClean="0"/>
+                <a:t>，</a:t>
+              </a:r>
+              <a:r>
+                <a:rPr lang="zh-CN" altLang="en-US" u="sng" dirty="0" smtClean="0"/>
+                <a:t>添加</a:t>
+              </a:r>
+              <a:r>
+                <a:rPr lang="en-US" altLang="zh-CN" u="sng" dirty="0" smtClean="0"/>
+                <a:t>Tag</a:t>
+              </a:r>
+              <a:endParaRPr lang="zh-CN" altLang="en-US" u="sng" dirty="0"/>
+            </a:p>
+          </p:txBody>
+        </p:sp>
+        <p:sp>
+          <p:nvSpPr>
+            <p:cNvPr id="15" name="TextBox 14"/>
+            <p:cNvSpPr txBox="1"/>
+            <p:nvPr/>
+          </p:nvSpPr>
+          <p:spPr>
+            <a:xfrm>
+              <a:off x="8316416" y="1124744"/>
+              <a:ext cx="827584" cy="1200329"/>
+            </a:xfrm>
+            <a:prstGeom prst="rect">
+              <a:avLst/>
+            </a:prstGeom>
+            <a:noFill/>
+          </p:spPr>
+          <p:txBody>
+            <a:bodyPr wrap="square" rtlCol="0">
+              <a:spAutoFit/>
+            </a:bodyPr>
+            <a:lstStyle/>
+            <a:p>
+              <a:r>
+                <a:rPr lang="zh-CN" altLang="en-US" u="sng" dirty="0" smtClean="0"/>
+                <a:t>预览</a:t>
+              </a:r>
+              <a:endParaRPr lang="en-US" altLang="zh-CN" u="sng" dirty="0" smtClean="0"/>
+            </a:p>
+            <a:p>
+              <a:r>
+                <a:rPr lang="zh-CN" altLang="en-US" u="sng" dirty="0" smtClean="0"/>
+                <a:t>删除</a:t>
+              </a:r>
+              <a:endParaRPr lang="en-US" altLang="zh-CN" u="sng" dirty="0" smtClean="0"/>
+            </a:p>
+            <a:p>
+              <a:r>
+                <a:rPr lang="zh-CN" altLang="en-US" u="sng" dirty="0" smtClean="0"/>
+                <a:t>下载</a:t>
+              </a:r>
+              <a:endParaRPr lang="en-US" altLang="zh-CN" u="sng" dirty="0" smtClean="0"/>
+            </a:p>
+            <a:p>
+              <a:r>
+                <a:rPr lang="zh-CN" altLang="en-US" u="sng" dirty="0"/>
+                <a:t>评论</a:t>
+              </a:r>
+            </a:p>
+          </p:txBody>
+        </p:sp>
+        <p:pic>
+          <p:nvPicPr>
+            <p:cNvPr id="10242" name="Picture 2" descr="http://ts4.mm.bing.net/th?id=H.4567110543869391&amp;w=148&amp;h=145&amp;c=7&amp;rs=1&amp;pid=1.7"/>
+            <p:cNvPicPr>
+              <a:picLocks noChangeAspect="1" noChangeArrowheads="1"/>
+            </p:cNvPicPr>
+            <p:nvPr/>
+          </p:nvPicPr>
+          <p:blipFill>
+            <a:blip r:embed="rId2" cstate="print"/>
+            <a:srcRect/>
+            <a:stretch>
+              <a:fillRect/>
+            </a:stretch>
+          </p:blipFill>
+          <p:spPr bwMode="auto">
+            <a:xfrm>
+              <a:off x="3119922" y="1196752"/>
+              <a:ext cx="587982" cy="576064"/>
+            </a:xfrm>
+            <a:prstGeom prst="rect">
+              <a:avLst/>
+            </a:prstGeom>
+            <a:noFill/>
+          </p:spPr>
+        </p:pic>
+      </p:grpSp>
+      <p:grpSp>
+        <p:nvGrpSpPr>
+          <p:cNvPr id="3" name="组合 17"/>
+          <p:cNvGrpSpPr/>
+          <p:nvPr/>
+        </p:nvGrpSpPr>
+        <p:grpSpPr>
+          <a:xfrm>
+            <a:off x="1691680" y="2660719"/>
+            <a:ext cx="6084168" cy="1200329"/>
+            <a:chOff x="3059832" y="1124744"/>
+            <a:chExt cx="6084168" cy="1200329"/>
+          </a:xfrm>
+        </p:grpSpPr>
+        <p:sp>
+          <p:nvSpPr>
+            <p:cNvPr id="19" name="TextBox 18"/>
+            <p:cNvSpPr txBox="1"/>
+            <p:nvPr/>
+          </p:nvSpPr>
+          <p:spPr>
+            <a:xfrm>
+              <a:off x="3059832" y="1124744"/>
+              <a:ext cx="5904656" cy="1200329"/>
+            </a:xfrm>
+            <a:prstGeom prst="rect">
+              <a:avLst/>
+            </a:prstGeom>
+          </p:spPr>
+          <p:style>
+            <a:lnRef idx="2">
+              <a:schemeClr val="accent1"/>
+            </a:lnRef>
+            <a:fillRef idx="1">
+              <a:schemeClr val="lt1"/>
+            </a:fillRef>
+            <a:effectRef idx="0">
+              <a:schemeClr val="accent1"/>
+            </a:effectRef>
+            <a:fontRef idx="minor">
+              <a:schemeClr val="dk1"/>
+            </a:fontRef>
+          </p:style>
+          <p:txBody>
+            <a:bodyPr wrap="square" rtlCol="0">
+              <a:spAutoFit/>
+            </a:bodyPr>
+            <a:lstStyle/>
+            <a:p>
+              <a:r>
+                <a:rPr lang="en-US" altLang="zh-CN" dirty="0"/>
+                <a:t> </a:t>
+              </a:r>
+              <a:r>
+                <a:rPr lang="en-US" altLang="zh-CN" dirty="0" smtClean="0"/>
+                <a:t>          </a:t>
+              </a:r>
+              <a:r>
+                <a:rPr lang="en-US" altLang="zh-CN" u="sng" dirty="0" smtClean="0"/>
+                <a:t>a.doc</a:t>
+              </a:r>
+            </a:p>
+            <a:p>
+              <a:r>
+                <a:rPr lang="en-US" altLang="zh-CN" dirty="0"/>
+                <a:t> </a:t>
+              </a:r>
+              <a:r>
+                <a:rPr lang="en-US" altLang="zh-CN" dirty="0" smtClean="0"/>
+                <a:t>          </a:t>
+              </a:r>
+              <a:r>
+                <a:rPr lang="zh-CN" altLang="en-US" dirty="0" smtClean="0"/>
+                <a:t>作者：</a:t>
+              </a:r>
+              <a:r>
+                <a:rPr lang="zh-CN" altLang="en-US" u="sng" dirty="0" smtClean="0">
+                  <a:solidFill>
+                    <a:schemeClr val="tx2">
+                      <a:lumMod val="60000"/>
+                      <a:lumOff val="40000"/>
+                    </a:schemeClr>
+                  </a:solidFill>
+                </a:rPr>
+                <a:t>张三 </a:t>
+              </a:r>
+              <a:r>
+                <a:rPr lang="en-US" altLang="zh-CN" dirty="0" smtClean="0"/>
+                <a:t>51667Bytes, 2013-11-25, </a:t>
+              </a:r>
+              <a:r>
+                <a:rPr lang="en-US" altLang="zh-CN" u="sng" dirty="0" smtClean="0">
+                  <a:solidFill>
+                    <a:schemeClr val="tx2">
+                      <a:lumMod val="60000"/>
+                      <a:lumOff val="40000"/>
+                    </a:schemeClr>
+                  </a:solidFill>
+                </a:rPr>
+                <a:t>Version 31</a:t>
+              </a:r>
+            </a:p>
+            <a:p>
+              <a:r>
+                <a:rPr lang="en-US" altLang="zh-CN" dirty="0"/>
+                <a:t> </a:t>
+              </a:r>
+              <a:r>
+                <a:rPr lang="en-US" altLang="zh-CN" dirty="0" smtClean="0"/>
+                <a:t>          </a:t>
+              </a:r>
+              <a:r>
+                <a:rPr lang="zh-CN" altLang="en-US" dirty="0" smtClean="0"/>
+                <a:t>文件简要介绍内容</a:t>
+              </a:r>
+              <a:r>
+                <a:rPr lang="en-US" altLang="zh-CN" dirty="0" smtClean="0"/>
+                <a:t>…</a:t>
+              </a:r>
+            </a:p>
+            <a:p>
+              <a:r>
+                <a:rPr lang="en-US" altLang="zh-CN" dirty="0"/>
+                <a:t> </a:t>
+              </a:r>
+              <a:r>
+                <a:rPr lang="en-US" altLang="zh-CN" dirty="0" smtClean="0"/>
+                <a:t>          </a:t>
+              </a:r>
+              <a:r>
+                <a:rPr lang="en-US" altLang="zh-CN" u="sng" dirty="0" smtClean="0"/>
+                <a:t>tag1</a:t>
+              </a:r>
+              <a:r>
+                <a:rPr lang="zh-CN" altLang="en-US" dirty="0" smtClean="0"/>
+                <a:t>，</a:t>
+              </a:r>
+              <a:r>
+                <a:rPr lang="en-US" altLang="zh-CN" u="sng" dirty="0" smtClean="0"/>
+                <a:t>tag2</a:t>
+              </a:r>
+              <a:r>
+                <a:rPr lang="zh-CN" altLang="en-US" dirty="0" smtClean="0"/>
+                <a:t>，</a:t>
+              </a:r>
+              <a:r>
+                <a:rPr lang="zh-CN" altLang="en-US" u="sng" dirty="0" smtClean="0"/>
+                <a:t>添加</a:t>
+              </a:r>
+              <a:r>
+                <a:rPr lang="en-US" altLang="zh-CN" dirty="0" smtClean="0"/>
+                <a:t>Tag</a:t>
+              </a:r>
+              <a:endParaRPr lang="zh-CN" altLang="en-US" u="sng" dirty="0"/>
+            </a:p>
+          </p:txBody>
+        </p:sp>
         <p:sp>
           <p:nvSpPr>
             <p:cNvPr id="20" name="TextBox 19"/>
@@ -11778,1885 +16055,7 @@
 </p:sld>
 </file>
 
-<file path=ppt/slides/slide5.xml><?xml version="1.0" encoding="utf-8"?>
-<p:sld xmlns:a="http://schemas.openxmlformats.org/drawingml/2006/main" xmlns:r="http://schemas.openxmlformats.org/officeDocument/2006/relationships" xmlns:p="http://schemas.openxmlformats.org/presentationml/2006/main">
-  <p:cSld>
-    <p:spTree>
-      <p:nvGrpSpPr>
-        <p:cNvPr id="1" name=""/>
-        <p:cNvGrpSpPr/>
-        <p:nvPr/>
-      </p:nvGrpSpPr>
-      <p:grpSpPr>
-        <a:xfrm>
-          <a:off x="0" y="0"/>
-          <a:ext cx="0" cy="0"/>
-          <a:chOff x="0" y="0"/>
-          <a:chExt cx="0" cy="0"/>
-        </a:xfrm>
-      </p:grpSpPr>
-      <p:sp>
-        <p:nvSpPr>
-          <p:cNvPr id="4" name="TextBox 3"/>
-          <p:cNvSpPr txBox="1"/>
-          <p:nvPr/>
-        </p:nvSpPr>
-        <p:spPr>
-          <a:xfrm>
-            <a:off x="0" y="0"/>
-            <a:ext cx="9144000" cy="369332"/>
-          </a:xfrm>
-          <a:prstGeom prst="rect">
-            <a:avLst/>
-          </a:prstGeom>
-        </p:spPr>
-        <p:style>
-          <a:lnRef idx="2">
-            <a:schemeClr val="dk1"/>
-          </a:lnRef>
-          <a:fillRef idx="1">
-            <a:schemeClr val="lt1"/>
-          </a:fillRef>
-          <a:effectRef idx="0">
-            <a:schemeClr val="dk1"/>
-          </a:effectRef>
-          <a:fontRef idx="minor">
-            <a:schemeClr val="dk1"/>
-          </a:fontRef>
-        </p:style>
-        <p:txBody>
-          <a:bodyPr wrap="square" rtlCol="0">
-            <a:spAutoFit/>
-          </a:bodyPr>
-          <a:lstStyle/>
-          <a:p>
-            <a:r>
-              <a:rPr lang="en-US" altLang="zh-CN" dirty="0" err="1" smtClean="0"/>
-              <a:t>Lite</a:t>
-            </a:r>
-            <a:r>
-              <a:rPr lang="en-US" altLang="zh-CN" dirty="0" smtClean="0"/>
-              <a:t> KM</a:t>
-            </a:r>
-            <a:endParaRPr lang="zh-CN" altLang="en-US" dirty="0"/>
-          </a:p>
-        </p:txBody>
-      </p:sp>
-      <p:sp>
-        <p:nvSpPr>
-          <p:cNvPr id="5" name="TextBox 4"/>
-          <p:cNvSpPr txBox="1"/>
-          <p:nvPr/>
-        </p:nvSpPr>
-        <p:spPr>
-          <a:xfrm>
-            <a:off x="0" y="404664"/>
-            <a:ext cx="5004048" cy="369332"/>
-          </a:xfrm>
-          <a:prstGeom prst="rect">
-            <a:avLst/>
-          </a:prstGeom>
-        </p:spPr>
-        <p:style>
-          <a:lnRef idx="2">
-            <a:schemeClr val="dk1"/>
-          </a:lnRef>
-          <a:fillRef idx="1">
-            <a:schemeClr val="lt1"/>
-          </a:fillRef>
-          <a:effectRef idx="0">
-            <a:schemeClr val="dk1"/>
-          </a:effectRef>
-          <a:fontRef idx="minor">
-            <a:schemeClr val="dk1"/>
-          </a:fontRef>
-        </p:style>
-        <p:txBody>
-          <a:bodyPr wrap="square" rtlCol="0">
-            <a:spAutoFit/>
-          </a:bodyPr>
-          <a:lstStyle/>
-          <a:p>
-            <a:r>
-              <a:rPr lang="zh-CN" altLang="en-US" dirty="0" smtClean="0"/>
-              <a:t>当前目录：</a:t>
-            </a:r>
-            <a:r>
-              <a:rPr lang="en-US" altLang="zh-CN" dirty="0" err="1" smtClean="0"/>
-              <a:t>abc</a:t>
-            </a:r>
-            <a:r>
-              <a:rPr lang="en-US" altLang="zh-CN" dirty="0" smtClean="0"/>
-              <a:t>/</a:t>
-            </a:r>
-            <a:r>
-              <a:rPr lang="en-US" altLang="zh-CN" dirty="0" err="1" smtClean="0"/>
-              <a:t>bbc</a:t>
-            </a:r>
-            <a:r>
-              <a:rPr lang="en-US" altLang="zh-CN" dirty="0" smtClean="0"/>
-              <a:t>/</a:t>
-            </a:r>
-            <a:r>
-              <a:rPr lang="en-US" altLang="zh-CN" dirty="0" err="1" smtClean="0"/>
-              <a:t>cde</a:t>
-            </a:r>
-            <a:r>
-              <a:rPr lang="en-US" altLang="zh-CN" dirty="0" smtClean="0"/>
-              <a:t>/</a:t>
-            </a:r>
-            <a:endParaRPr lang="zh-CN" altLang="en-US" dirty="0"/>
-          </a:p>
-        </p:txBody>
-      </p:sp>
-      <p:sp>
-        <p:nvSpPr>
-          <p:cNvPr id="6" name="TextBox 5"/>
-          <p:cNvSpPr txBox="1"/>
-          <p:nvPr/>
-        </p:nvSpPr>
-        <p:spPr>
-          <a:xfrm>
-            <a:off x="0" y="6488668"/>
-            <a:ext cx="9144000" cy="369332"/>
-          </a:xfrm>
-          <a:prstGeom prst="rect">
-            <a:avLst/>
-          </a:prstGeom>
-        </p:spPr>
-        <p:style>
-          <a:lnRef idx="2">
-            <a:schemeClr val="dk1"/>
-          </a:lnRef>
-          <a:fillRef idx="1">
-            <a:schemeClr val="lt1"/>
-          </a:fillRef>
-          <a:effectRef idx="0">
-            <a:schemeClr val="dk1"/>
-          </a:effectRef>
-          <a:fontRef idx="minor">
-            <a:schemeClr val="dk1"/>
-          </a:fontRef>
-        </p:style>
-        <p:txBody>
-          <a:bodyPr wrap="square" rtlCol="0">
-            <a:spAutoFit/>
-          </a:bodyPr>
-          <a:lstStyle/>
-          <a:p>
-            <a:r>
-              <a:rPr lang="en-US" altLang="zh-CN" dirty="0" err="1" smtClean="0"/>
-              <a:t>Lite</a:t>
-            </a:r>
-            <a:r>
-              <a:rPr lang="en-US" altLang="zh-CN" dirty="0" smtClean="0"/>
-              <a:t> KM V0.1</a:t>
-            </a:r>
-            <a:r>
-              <a:rPr lang="zh-CN" altLang="en-US" dirty="0" smtClean="0"/>
-              <a:t>， </a:t>
-            </a:r>
-            <a:r>
-              <a:rPr lang="en-US" altLang="zh-CN" dirty="0" smtClean="0"/>
-              <a:t>Under GPLv3 License</a:t>
-            </a:r>
-            <a:r>
-              <a:rPr lang="zh-CN" altLang="en-US" dirty="0" smtClean="0"/>
-              <a:t>。</a:t>
-            </a:r>
-            <a:endParaRPr lang="zh-CN" altLang="en-US" dirty="0"/>
-          </a:p>
-        </p:txBody>
-      </p:sp>
-      <p:sp>
-        <p:nvSpPr>
-          <p:cNvPr id="8" name="矩形 7"/>
-          <p:cNvSpPr/>
-          <p:nvPr/>
-        </p:nvSpPr>
-        <p:spPr>
-          <a:xfrm>
-            <a:off x="0" y="836712"/>
-            <a:ext cx="1475656" cy="5616624"/>
-          </a:xfrm>
-          <a:prstGeom prst="rect">
-            <a:avLst/>
-          </a:prstGeom>
-        </p:spPr>
-        <p:style>
-          <a:lnRef idx="2">
-            <a:schemeClr val="accent6"/>
-          </a:lnRef>
-          <a:fillRef idx="1">
-            <a:schemeClr val="lt1"/>
-          </a:fillRef>
-          <a:effectRef idx="0">
-            <a:schemeClr val="accent6"/>
-          </a:effectRef>
-          <a:fontRef idx="minor">
-            <a:schemeClr val="dk1"/>
-          </a:fontRef>
-        </p:style>
-        <p:txBody>
-          <a:bodyPr rtlCol="0" anchor="ctr"/>
-          <a:lstStyle/>
-          <a:p>
-            <a:pPr algn="ctr"/>
-            <a:r>
-              <a:rPr lang="zh-CN" altLang="en-US" dirty="0" smtClean="0"/>
-              <a:t>目录树</a:t>
-            </a:r>
-            <a:endParaRPr lang="zh-CN" altLang="en-US" dirty="0"/>
-          </a:p>
-        </p:txBody>
-      </p:sp>
-      <p:sp>
-        <p:nvSpPr>
-          <p:cNvPr id="9" name="矩形 8"/>
-          <p:cNvSpPr/>
-          <p:nvPr/>
-        </p:nvSpPr>
-        <p:spPr>
-          <a:xfrm>
-            <a:off x="1547664" y="836712"/>
-            <a:ext cx="6228184" cy="5616624"/>
-          </a:xfrm>
-          <a:prstGeom prst="rect">
-            <a:avLst/>
-          </a:prstGeom>
-        </p:spPr>
-        <p:style>
-          <a:lnRef idx="2">
-            <a:schemeClr val="accent6"/>
-          </a:lnRef>
-          <a:fillRef idx="1">
-            <a:schemeClr val="lt1"/>
-          </a:fillRef>
-          <a:effectRef idx="0">
-            <a:schemeClr val="accent6"/>
-          </a:effectRef>
-          <a:fontRef idx="minor">
-            <a:schemeClr val="dk1"/>
-          </a:fontRef>
-        </p:style>
-        <p:txBody>
-          <a:bodyPr rtlCol="0" anchor="ctr"/>
-          <a:lstStyle/>
-          <a:p>
-            <a:pPr algn="ctr"/>
-            <a:r>
-              <a:rPr lang="zh-CN" altLang="en-US" dirty="0" smtClean="0"/>
-              <a:t>文件内容</a:t>
-            </a:r>
-            <a:endParaRPr lang="zh-CN" altLang="en-US" dirty="0"/>
-          </a:p>
-        </p:txBody>
-      </p:sp>
-      <p:sp>
-        <p:nvSpPr>
-          <p:cNvPr id="10" name="TextBox 9"/>
-          <p:cNvSpPr txBox="1"/>
-          <p:nvPr/>
-        </p:nvSpPr>
-        <p:spPr>
-          <a:xfrm>
-            <a:off x="7884368" y="35332"/>
-            <a:ext cx="1224136" cy="369332"/>
-          </a:xfrm>
-          <a:prstGeom prst="rect">
-            <a:avLst/>
-          </a:prstGeom>
-          <a:noFill/>
-        </p:spPr>
-        <p:txBody>
-          <a:bodyPr wrap="square" rtlCol="0">
-            <a:spAutoFit/>
-          </a:bodyPr>
-          <a:lstStyle/>
-          <a:p>
-            <a:r>
-              <a:rPr lang="zh-CN" altLang="en-US" dirty="0" smtClean="0"/>
-              <a:t>登录</a:t>
-            </a:r>
-            <a:r>
-              <a:rPr lang="en-US" altLang="zh-CN" dirty="0" smtClean="0"/>
-              <a:t>|</a:t>
-            </a:r>
-            <a:r>
-              <a:rPr lang="zh-CN" altLang="en-US" dirty="0" smtClean="0"/>
-              <a:t>注销</a:t>
-            </a:r>
-            <a:endParaRPr lang="zh-CN" altLang="en-US" dirty="0"/>
-          </a:p>
-        </p:txBody>
-      </p:sp>
-      <p:sp>
-        <p:nvSpPr>
-          <p:cNvPr id="11" name="TextBox 10"/>
-          <p:cNvSpPr txBox="1"/>
-          <p:nvPr/>
-        </p:nvSpPr>
-        <p:spPr>
-          <a:xfrm>
-            <a:off x="5796136" y="404664"/>
-            <a:ext cx="1152128" cy="369332"/>
-          </a:xfrm>
-          <a:prstGeom prst="rect">
-            <a:avLst/>
-          </a:prstGeom>
-          <a:noFill/>
-        </p:spPr>
-        <p:txBody>
-          <a:bodyPr wrap="square" rtlCol="0">
-            <a:spAutoFit/>
-          </a:bodyPr>
-          <a:lstStyle/>
-          <a:p>
-            <a:r>
-              <a:rPr lang="zh-CN" altLang="en-US" dirty="0"/>
-              <a:t>全文</a:t>
-            </a:r>
-            <a:r>
-              <a:rPr lang="zh-CN" altLang="en-US" dirty="0" smtClean="0"/>
-              <a:t>搜索</a:t>
-            </a:r>
-            <a:endParaRPr lang="zh-CN" altLang="en-US" dirty="0"/>
-          </a:p>
-        </p:txBody>
-      </p:sp>
-      <p:sp>
-        <p:nvSpPr>
-          <p:cNvPr id="12" name="圆角矩形 11"/>
-          <p:cNvSpPr/>
-          <p:nvPr/>
-        </p:nvSpPr>
-        <p:spPr>
-          <a:xfrm>
-            <a:off x="6948264" y="404664"/>
-            <a:ext cx="2016224" cy="360040"/>
-          </a:xfrm>
-          <a:prstGeom prst="roundRect">
-            <a:avLst/>
-          </a:prstGeom>
-        </p:spPr>
-        <p:style>
-          <a:lnRef idx="2">
-            <a:schemeClr val="accent1">
-              <a:shade val="50000"/>
-            </a:schemeClr>
-          </a:lnRef>
-          <a:fillRef idx="1">
-            <a:schemeClr val="accent1"/>
-          </a:fillRef>
-          <a:effectRef idx="0">
-            <a:schemeClr val="accent1"/>
-          </a:effectRef>
-          <a:fontRef idx="minor">
-            <a:schemeClr val="lt1"/>
-          </a:fontRef>
-        </p:style>
-        <p:txBody>
-          <a:bodyPr rtlCol="0" anchor="ctr"/>
-          <a:lstStyle/>
-          <a:p>
-            <a:pPr algn="ctr"/>
-            <a:endParaRPr lang="zh-CN" altLang="en-US"/>
-          </a:p>
-        </p:txBody>
-      </p:sp>
-      <p:sp>
-        <p:nvSpPr>
-          <p:cNvPr id="13" name="TextBox 12"/>
-          <p:cNvSpPr txBox="1"/>
-          <p:nvPr/>
-        </p:nvSpPr>
-        <p:spPr>
-          <a:xfrm>
-            <a:off x="5076056" y="404664"/>
-            <a:ext cx="684584" cy="369332"/>
-          </a:xfrm>
-          <a:prstGeom prst="rect">
-            <a:avLst/>
-          </a:prstGeom>
-        </p:spPr>
-        <p:style>
-          <a:lnRef idx="2">
-            <a:schemeClr val="accent2"/>
-          </a:lnRef>
-          <a:fillRef idx="1">
-            <a:schemeClr val="lt1"/>
-          </a:fillRef>
-          <a:effectRef idx="0">
-            <a:schemeClr val="accent2"/>
-          </a:effectRef>
-          <a:fontRef idx="minor">
-            <a:schemeClr val="dk1"/>
-          </a:fontRef>
-        </p:style>
-        <p:txBody>
-          <a:bodyPr wrap="square" rtlCol="0">
-            <a:spAutoFit/>
-          </a:bodyPr>
-          <a:lstStyle/>
-          <a:p>
-            <a:r>
-              <a:rPr lang="zh-CN" altLang="en-US" dirty="0" smtClean="0"/>
-              <a:t>上传</a:t>
-            </a:r>
-            <a:endParaRPr lang="zh-CN" altLang="en-US" dirty="0"/>
-          </a:p>
-        </p:txBody>
-      </p:sp>
-      <p:grpSp>
-        <p:nvGrpSpPr>
-          <p:cNvPr id="2" name="组合 16"/>
-          <p:cNvGrpSpPr/>
-          <p:nvPr/>
-        </p:nvGrpSpPr>
-        <p:grpSpPr>
-          <a:xfrm>
-            <a:off x="1691680" y="1436583"/>
-            <a:ext cx="6084168" cy="1200329"/>
-            <a:chOff x="3059832" y="1124744"/>
-            <a:chExt cx="6084168" cy="1200329"/>
-          </a:xfrm>
-        </p:grpSpPr>
-        <p:sp>
-          <p:nvSpPr>
-            <p:cNvPr id="14" name="TextBox 13"/>
-            <p:cNvSpPr txBox="1"/>
-            <p:nvPr/>
-          </p:nvSpPr>
-          <p:spPr>
-            <a:xfrm>
-              <a:off x="3059832" y="1124744"/>
-              <a:ext cx="5904656" cy="1200329"/>
-            </a:xfrm>
-            <a:prstGeom prst="rect">
-              <a:avLst/>
-            </a:prstGeom>
-          </p:spPr>
-          <p:style>
-            <a:lnRef idx="2">
-              <a:schemeClr val="accent1"/>
-            </a:lnRef>
-            <a:fillRef idx="1">
-              <a:schemeClr val="lt1"/>
-            </a:fillRef>
-            <a:effectRef idx="0">
-              <a:schemeClr val="accent1"/>
-            </a:effectRef>
-            <a:fontRef idx="minor">
-              <a:schemeClr val="dk1"/>
-            </a:fontRef>
-          </p:style>
-          <p:txBody>
-            <a:bodyPr wrap="square" rtlCol="0">
-              <a:spAutoFit/>
-            </a:bodyPr>
-            <a:lstStyle/>
-            <a:p>
-              <a:r>
-                <a:rPr lang="en-US" altLang="zh-CN" dirty="0"/>
-                <a:t> </a:t>
-              </a:r>
-              <a:r>
-                <a:rPr lang="en-US" altLang="zh-CN" dirty="0" smtClean="0"/>
-                <a:t>          </a:t>
-              </a:r>
-              <a:r>
-                <a:rPr lang="en-US" altLang="zh-CN" u="sng" dirty="0" smtClean="0"/>
-                <a:t>a.doc</a:t>
-              </a:r>
-            </a:p>
-            <a:p>
-              <a:r>
-                <a:rPr lang="en-US" altLang="zh-CN" dirty="0"/>
-                <a:t> </a:t>
-              </a:r>
-              <a:r>
-                <a:rPr lang="en-US" altLang="zh-CN" dirty="0" smtClean="0"/>
-                <a:t>          </a:t>
-              </a:r>
-              <a:r>
-                <a:rPr lang="zh-CN" altLang="en-US" dirty="0" smtClean="0"/>
-                <a:t>作者：</a:t>
-              </a:r>
-              <a:r>
-                <a:rPr lang="zh-CN" altLang="en-US" u="sng" dirty="0" smtClean="0">
-                  <a:solidFill>
-                    <a:schemeClr val="tx2">
-                      <a:lumMod val="60000"/>
-                      <a:lumOff val="40000"/>
-                    </a:schemeClr>
-                  </a:solidFill>
-                </a:rPr>
-                <a:t>张三 </a:t>
-              </a:r>
-              <a:r>
-                <a:rPr lang="en-US" altLang="zh-CN" dirty="0" smtClean="0"/>
-                <a:t>51667Bytes, 2013-11-25, </a:t>
-              </a:r>
-              <a:r>
-                <a:rPr lang="en-US" altLang="zh-CN" u="sng" dirty="0" smtClean="0">
-                  <a:solidFill>
-                    <a:schemeClr val="tx2">
-                      <a:lumMod val="60000"/>
-                      <a:lumOff val="40000"/>
-                    </a:schemeClr>
-                  </a:solidFill>
-                </a:rPr>
-                <a:t>Version 31</a:t>
-              </a:r>
-            </a:p>
-            <a:p>
-              <a:r>
-                <a:rPr lang="en-US" altLang="zh-CN" dirty="0"/>
-                <a:t> </a:t>
-              </a:r>
-              <a:r>
-                <a:rPr lang="en-US" altLang="zh-CN" dirty="0" smtClean="0"/>
-                <a:t>          </a:t>
-              </a:r>
-              <a:r>
-                <a:rPr lang="zh-CN" altLang="en-US" dirty="0" smtClean="0"/>
-                <a:t>文件简要介绍内容</a:t>
-              </a:r>
-              <a:r>
-                <a:rPr lang="en-US" altLang="zh-CN" dirty="0" smtClean="0"/>
-                <a:t>…</a:t>
-              </a:r>
-            </a:p>
-            <a:p>
-              <a:r>
-                <a:rPr lang="en-US" altLang="zh-CN" dirty="0"/>
-                <a:t> </a:t>
-              </a:r>
-              <a:r>
-                <a:rPr lang="en-US" altLang="zh-CN" dirty="0" smtClean="0"/>
-                <a:t>          </a:t>
-              </a:r>
-              <a:r>
-                <a:rPr lang="en-US" altLang="zh-CN" u="sng" dirty="0" smtClean="0"/>
-                <a:t>tag1</a:t>
-              </a:r>
-              <a:r>
-                <a:rPr lang="zh-CN" altLang="en-US" dirty="0" smtClean="0"/>
-                <a:t>，</a:t>
-              </a:r>
-              <a:r>
-                <a:rPr lang="en-US" altLang="zh-CN" u="sng" dirty="0" smtClean="0"/>
-                <a:t>tag2</a:t>
-              </a:r>
-              <a:r>
-                <a:rPr lang="zh-CN" altLang="en-US" dirty="0" smtClean="0"/>
-                <a:t>，</a:t>
-              </a:r>
-              <a:r>
-                <a:rPr lang="zh-CN" altLang="en-US" u="sng" dirty="0" smtClean="0"/>
-                <a:t>添加</a:t>
-              </a:r>
-              <a:r>
-                <a:rPr lang="en-US" altLang="zh-CN" u="sng" dirty="0" smtClean="0"/>
-                <a:t>Tag</a:t>
-              </a:r>
-              <a:endParaRPr lang="zh-CN" altLang="en-US" u="sng" dirty="0"/>
-            </a:p>
-          </p:txBody>
-        </p:sp>
-        <p:sp>
-          <p:nvSpPr>
-            <p:cNvPr id="15" name="TextBox 14"/>
-            <p:cNvSpPr txBox="1"/>
-            <p:nvPr/>
-          </p:nvSpPr>
-          <p:spPr>
-            <a:xfrm>
-              <a:off x="8316416" y="1124744"/>
-              <a:ext cx="827584" cy="1200329"/>
-            </a:xfrm>
-            <a:prstGeom prst="rect">
-              <a:avLst/>
-            </a:prstGeom>
-            <a:noFill/>
-          </p:spPr>
-          <p:txBody>
-            <a:bodyPr wrap="square" rtlCol="0">
-              <a:spAutoFit/>
-            </a:bodyPr>
-            <a:lstStyle/>
-            <a:p>
-              <a:r>
-                <a:rPr lang="zh-CN" altLang="en-US" u="sng" dirty="0" smtClean="0"/>
-                <a:t>预览</a:t>
-              </a:r>
-              <a:endParaRPr lang="en-US" altLang="zh-CN" u="sng" dirty="0" smtClean="0"/>
-            </a:p>
-            <a:p>
-              <a:r>
-                <a:rPr lang="zh-CN" altLang="en-US" u="sng" dirty="0" smtClean="0"/>
-                <a:t>删除</a:t>
-              </a:r>
-              <a:endParaRPr lang="en-US" altLang="zh-CN" u="sng" dirty="0" smtClean="0"/>
-            </a:p>
-            <a:p>
-              <a:r>
-                <a:rPr lang="zh-CN" altLang="en-US" u="sng" dirty="0" smtClean="0"/>
-                <a:t>下载</a:t>
-              </a:r>
-              <a:endParaRPr lang="en-US" altLang="zh-CN" u="sng" dirty="0" smtClean="0"/>
-            </a:p>
-            <a:p>
-              <a:r>
-                <a:rPr lang="zh-CN" altLang="en-US" u="sng" dirty="0"/>
-                <a:t>评论</a:t>
-              </a:r>
-            </a:p>
-          </p:txBody>
-        </p:sp>
-        <p:pic>
-          <p:nvPicPr>
-            <p:cNvPr id="10242" name="Picture 2" descr="http://ts4.mm.bing.net/th?id=H.4567110543869391&amp;w=148&amp;h=145&amp;c=7&amp;rs=1&amp;pid=1.7"/>
-            <p:cNvPicPr>
-              <a:picLocks noChangeAspect="1" noChangeArrowheads="1"/>
-            </p:cNvPicPr>
-            <p:nvPr/>
-          </p:nvPicPr>
-          <p:blipFill>
-            <a:blip r:embed="rId2" cstate="print"/>
-            <a:srcRect/>
-            <a:stretch>
-              <a:fillRect/>
-            </a:stretch>
-          </p:blipFill>
-          <p:spPr bwMode="auto">
-            <a:xfrm>
-              <a:off x="3119922" y="1196752"/>
-              <a:ext cx="587982" cy="576064"/>
-            </a:xfrm>
-            <a:prstGeom prst="rect">
-              <a:avLst/>
-            </a:prstGeom>
-            <a:noFill/>
-          </p:spPr>
-        </p:pic>
-      </p:grpSp>
-      <p:grpSp>
-        <p:nvGrpSpPr>
-          <p:cNvPr id="3" name="组合 17"/>
-          <p:cNvGrpSpPr/>
-          <p:nvPr/>
-        </p:nvGrpSpPr>
-        <p:grpSpPr>
-          <a:xfrm>
-            <a:off x="1691680" y="2660719"/>
-            <a:ext cx="6084168" cy="1200329"/>
-            <a:chOff x="3059832" y="1124744"/>
-            <a:chExt cx="6084168" cy="1200329"/>
-          </a:xfrm>
-        </p:grpSpPr>
-        <p:sp>
-          <p:nvSpPr>
-            <p:cNvPr id="19" name="TextBox 18"/>
-            <p:cNvSpPr txBox="1"/>
-            <p:nvPr/>
-          </p:nvSpPr>
-          <p:spPr>
-            <a:xfrm>
-              <a:off x="3059832" y="1124744"/>
-              <a:ext cx="5904656" cy="1200329"/>
-            </a:xfrm>
-            <a:prstGeom prst="rect">
-              <a:avLst/>
-            </a:prstGeom>
-          </p:spPr>
-          <p:style>
-            <a:lnRef idx="2">
-              <a:schemeClr val="accent1"/>
-            </a:lnRef>
-            <a:fillRef idx="1">
-              <a:schemeClr val="lt1"/>
-            </a:fillRef>
-            <a:effectRef idx="0">
-              <a:schemeClr val="accent1"/>
-            </a:effectRef>
-            <a:fontRef idx="minor">
-              <a:schemeClr val="dk1"/>
-            </a:fontRef>
-          </p:style>
-          <p:txBody>
-            <a:bodyPr wrap="square" rtlCol="0">
-              <a:spAutoFit/>
-            </a:bodyPr>
-            <a:lstStyle/>
-            <a:p>
-              <a:r>
-                <a:rPr lang="en-US" altLang="zh-CN" dirty="0"/>
-                <a:t> </a:t>
-              </a:r>
-              <a:r>
-                <a:rPr lang="en-US" altLang="zh-CN" dirty="0" smtClean="0"/>
-                <a:t>          </a:t>
-              </a:r>
-              <a:r>
-                <a:rPr lang="en-US" altLang="zh-CN" u="sng" dirty="0" smtClean="0"/>
-                <a:t>a.doc</a:t>
-              </a:r>
-            </a:p>
-            <a:p>
-              <a:r>
-                <a:rPr lang="en-US" altLang="zh-CN" dirty="0"/>
-                <a:t> </a:t>
-              </a:r>
-              <a:r>
-                <a:rPr lang="en-US" altLang="zh-CN" dirty="0" smtClean="0"/>
-                <a:t>          </a:t>
-              </a:r>
-              <a:r>
-                <a:rPr lang="zh-CN" altLang="en-US" dirty="0" smtClean="0"/>
-                <a:t>作者：</a:t>
-              </a:r>
-              <a:r>
-                <a:rPr lang="zh-CN" altLang="en-US" u="sng" dirty="0" smtClean="0">
-                  <a:solidFill>
-                    <a:schemeClr val="tx2">
-                      <a:lumMod val="60000"/>
-                      <a:lumOff val="40000"/>
-                    </a:schemeClr>
-                  </a:solidFill>
-                </a:rPr>
-                <a:t>张三 </a:t>
-              </a:r>
-              <a:r>
-                <a:rPr lang="en-US" altLang="zh-CN" dirty="0" smtClean="0"/>
-                <a:t>51667Bytes, 2013-11-25, </a:t>
-              </a:r>
-              <a:r>
-                <a:rPr lang="en-US" altLang="zh-CN" u="sng" dirty="0" smtClean="0">
-                  <a:solidFill>
-                    <a:schemeClr val="tx2">
-                      <a:lumMod val="60000"/>
-                      <a:lumOff val="40000"/>
-                    </a:schemeClr>
-                  </a:solidFill>
-                </a:rPr>
-                <a:t>Version 31</a:t>
-              </a:r>
-            </a:p>
-            <a:p>
-              <a:r>
-                <a:rPr lang="en-US" altLang="zh-CN" dirty="0"/>
-                <a:t> </a:t>
-              </a:r>
-              <a:r>
-                <a:rPr lang="en-US" altLang="zh-CN" dirty="0" smtClean="0"/>
-                <a:t>          </a:t>
-              </a:r>
-              <a:r>
-                <a:rPr lang="zh-CN" altLang="en-US" dirty="0" smtClean="0"/>
-                <a:t>文件简要介绍内容</a:t>
-              </a:r>
-              <a:r>
-                <a:rPr lang="en-US" altLang="zh-CN" dirty="0" smtClean="0"/>
-                <a:t>…</a:t>
-              </a:r>
-            </a:p>
-            <a:p>
-              <a:r>
-                <a:rPr lang="en-US" altLang="zh-CN" dirty="0"/>
-                <a:t> </a:t>
-              </a:r>
-              <a:r>
-                <a:rPr lang="en-US" altLang="zh-CN" dirty="0" smtClean="0"/>
-                <a:t>          </a:t>
-              </a:r>
-              <a:r>
-                <a:rPr lang="en-US" altLang="zh-CN" u="sng" dirty="0" smtClean="0"/>
-                <a:t>tag1</a:t>
-              </a:r>
-              <a:r>
-                <a:rPr lang="zh-CN" altLang="en-US" dirty="0" smtClean="0"/>
-                <a:t>，</a:t>
-              </a:r>
-              <a:r>
-                <a:rPr lang="en-US" altLang="zh-CN" u="sng" dirty="0" smtClean="0"/>
-                <a:t>tag2</a:t>
-              </a:r>
-              <a:r>
-                <a:rPr lang="zh-CN" altLang="en-US" dirty="0" smtClean="0"/>
-                <a:t>，</a:t>
-              </a:r>
-              <a:r>
-                <a:rPr lang="zh-CN" altLang="en-US" u="sng" dirty="0" smtClean="0"/>
-                <a:t>添加</a:t>
-              </a:r>
-              <a:r>
-                <a:rPr lang="en-US" altLang="zh-CN" dirty="0" smtClean="0"/>
-                <a:t>Tag</a:t>
-              </a:r>
-              <a:endParaRPr lang="zh-CN" altLang="en-US" u="sng" dirty="0"/>
-            </a:p>
-          </p:txBody>
-        </p:sp>
-        <p:sp>
-          <p:nvSpPr>
-            <p:cNvPr id="20" name="TextBox 19"/>
-            <p:cNvSpPr txBox="1"/>
-            <p:nvPr/>
-          </p:nvSpPr>
-          <p:spPr>
-            <a:xfrm>
-              <a:off x="8316416" y="1124744"/>
-              <a:ext cx="827584" cy="1200329"/>
-            </a:xfrm>
-            <a:prstGeom prst="rect">
-              <a:avLst/>
-            </a:prstGeom>
-            <a:noFill/>
-          </p:spPr>
-          <p:txBody>
-            <a:bodyPr wrap="square" rtlCol="0">
-              <a:spAutoFit/>
-            </a:bodyPr>
-            <a:lstStyle/>
-            <a:p>
-              <a:r>
-                <a:rPr lang="zh-CN" altLang="en-US" u="sng" dirty="0" smtClean="0"/>
-                <a:t>预览</a:t>
-              </a:r>
-              <a:endParaRPr lang="en-US" altLang="zh-CN" u="sng" dirty="0" smtClean="0"/>
-            </a:p>
-            <a:p>
-              <a:r>
-                <a:rPr lang="zh-CN" altLang="en-US" u="sng" dirty="0" smtClean="0"/>
-                <a:t>删除</a:t>
-              </a:r>
-              <a:endParaRPr lang="en-US" altLang="zh-CN" u="sng" dirty="0" smtClean="0"/>
-            </a:p>
-            <a:p>
-              <a:r>
-                <a:rPr lang="zh-CN" altLang="en-US" u="sng" dirty="0" smtClean="0"/>
-                <a:t>下载</a:t>
-              </a:r>
-              <a:endParaRPr lang="en-US" altLang="zh-CN" u="sng" dirty="0" smtClean="0"/>
-            </a:p>
-            <a:p>
-              <a:r>
-                <a:rPr lang="zh-CN" altLang="en-US" u="sng" dirty="0"/>
-                <a:t>评论</a:t>
-              </a:r>
-            </a:p>
-          </p:txBody>
-        </p:sp>
-        <p:pic>
-          <p:nvPicPr>
-            <p:cNvPr id="21" name="Picture 2" descr="http://ts4.mm.bing.net/th?id=H.4567110543869391&amp;w=148&amp;h=145&amp;c=7&amp;rs=1&amp;pid=1.7"/>
-            <p:cNvPicPr>
-              <a:picLocks noChangeAspect="1" noChangeArrowheads="1"/>
-            </p:cNvPicPr>
-            <p:nvPr/>
-          </p:nvPicPr>
-          <p:blipFill>
-            <a:blip r:embed="rId2" cstate="print"/>
-            <a:srcRect/>
-            <a:stretch>
-              <a:fillRect/>
-            </a:stretch>
-          </p:blipFill>
-          <p:spPr bwMode="auto">
-            <a:xfrm>
-              <a:off x="3119922" y="1196752"/>
-              <a:ext cx="587982" cy="576064"/>
-            </a:xfrm>
-            <a:prstGeom prst="rect">
-              <a:avLst/>
-            </a:prstGeom>
-            <a:noFill/>
-          </p:spPr>
-        </p:pic>
-      </p:grpSp>
-      <p:grpSp>
-        <p:nvGrpSpPr>
-          <p:cNvPr id="7" name="组合 26"/>
-          <p:cNvGrpSpPr/>
-          <p:nvPr/>
-        </p:nvGrpSpPr>
-        <p:grpSpPr>
-          <a:xfrm>
-            <a:off x="1691680" y="3933056"/>
-            <a:ext cx="6084168" cy="1200329"/>
-            <a:chOff x="3059832" y="1124744"/>
-            <a:chExt cx="6084168" cy="1200329"/>
-          </a:xfrm>
-        </p:grpSpPr>
-        <p:sp>
-          <p:nvSpPr>
-            <p:cNvPr id="28" name="TextBox 27"/>
-            <p:cNvSpPr txBox="1"/>
-            <p:nvPr/>
-          </p:nvSpPr>
-          <p:spPr>
-            <a:xfrm>
-              <a:off x="3059832" y="1124744"/>
-              <a:ext cx="5904656" cy="1200329"/>
-            </a:xfrm>
-            <a:prstGeom prst="rect">
-              <a:avLst/>
-            </a:prstGeom>
-          </p:spPr>
-          <p:style>
-            <a:lnRef idx="2">
-              <a:schemeClr val="accent1"/>
-            </a:lnRef>
-            <a:fillRef idx="1">
-              <a:schemeClr val="lt1"/>
-            </a:fillRef>
-            <a:effectRef idx="0">
-              <a:schemeClr val="accent1"/>
-            </a:effectRef>
-            <a:fontRef idx="minor">
-              <a:schemeClr val="dk1"/>
-            </a:fontRef>
-          </p:style>
-          <p:txBody>
-            <a:bodyPr wrap="square" rtlCol="0">
-              <a:spAutoFit/>
-            </a:bodyPr>
-            <a:lstStyle/>
-            <a:p>
-              <a:r>
-                <a:rPr lang="en-US" altLang="zh-CN" dirty="0"/>
-                <a:t> </a:t>
-              </a:r>
-              <a:r>
-                <a:rPr lang="en-US" altLang="zh-CN" dirty="0" smtClean="0"/>
-                <a:t>          </a:t>
-              </a:r>
-              <a:r>
-                <a:rPr lang="en-US" altLang="zh-CN" u="sng" dirty="0" smtClean="0"/>
-                <a:t>a.doc</a:t>
-              </a:r>
-            </a:p>
-            <a:p>
-              <a:r>
-                <a:rPr lang="en-US" altLang="zh-CN" dirty="0"/>
-                <a:t> </a:t>
-              </a:r>
-              <a:r>
-                <a:rPr lang="en-US" altLang="zh-CN" dirty="0" smtClean="0"/>
-                <a:t>          </a:t>
-              </a:r>
-              <a:r>
-                <a:rPr lang="zh-CN" altLang="en-US" dirty="0" smtClean="0"/>
-                <a:t>作者：</a:t>
-              </a:r>
-              <a:r>
-                <a:rPr lang="zh-CN" altLang="en-US" u="sng" dirty="0" smtClean="0">
-                  <a:solidFill>
-                    <a:schemeClr val="tx2">
-                      <a:lumMod val="60000"/>
-                      <a:lumOff val="40000"/>
-                    </a:schemeClr>
-                  </a:solidFill>
-                </a:rPr>
-                <a:t>张三 </a:t>
-              </a:r>
-              <a:r>
-                <a:rPr lang="en-US" altLang="zh-CN" dirty="0" smtClean="0"/>
-                <a:t>51667Bytes, 2013-11-25, </a:t>
-              </a:r>
-              <a:r>
-                <a:rPr lang="en-US" altLang="zh-CN" u="sng" dirty="0" smtClean="0">
-                  <a:solidFill>
-                    <a:schemeClr val="tx2">
-                      <a:lumMod val="60000"/>
-                      <a:lumOff val="40000"/>
-                    </a:schemeClr>
-                  </a:solidFill>
-                </a:rPr>
-                <a:t>Version 31</a:t>
-              </a:r>
-            </a:p>
-            <a:p>
-              <a:r>
-                <a:rPr lang="en-US" altLang="zh-CN" dirty="0"/>
-                <a:t> </a:t>
-              </a:r>
-              <a:r>
-                <a:rPr lang="en-US" altLang="zh-CN" dirty="0" smtClean="0"/>
-                <a:t>          </a:t>
-              </a:r>
-              <a:r>
-                <a:rPr lang="zh-CN" altLang="en-US" dirty="0" smtClean="0"/>
-                <a:t>文件简要介绍内容</a:t>
-              </a:r>
-              <a:r>
-                <a:rPr lang="en-US" altLang="zh-CN" dirty="0" smtClean="0"/>
-                <a:t>…</a:t>
-              </a:r>
-            </a:p>
-            <a:p>
-              <a:r>
-                <a:rPr lang="en-US" altLang="zh-CN" dirty="0"/>
-                <a:t> </a:t>
-              </a:r>
-              <a:r>
-                <a:rPr lang="en-US" altLang="zh-CN" dirty="0" smtClean="0"/>
-                <a:t>          </a:t>
-              </a:r>
-              <a:r>
-                <a:rPr lang="en-US" altLang="zh-CN" u="sng" dirty="0" smtClean="0"/>
-                <a:t>tag1</a:t>
-              </a:r>
-              <a:r>
-                <a:rPr lang="zh-CN" altLang="en-US" dirty="0" smtClean="0"/>
-                <a:t>，</a:t>
-              </a:r>
-              <a:r>
-                <a:rPr lang="en-US" altLang="zh-CN" u="sng" dirty="0" smtClean="0"/>
-                <a:t>tag2</a:t>
-              </a:r>
-              <a:r>
-                <a:rPr lang="zh-CN" altLang="en-US" dirty="0" smtClean="0"/>
-                <a:t>，</a:t>
-              </a:r>
-              <a:r>
-                <a:rPr lang="zh-CN" altLang="en-US" u="sng" dirty="0" smtClean="0"/>
-                <a:t>添加</a:t>
-              </a:r>
-              <a:r>
-                <a:rPr lang="en-US" altLang="zh-CN" u="sng" dirty="0" smtClean="0"/>
-                <a:t>tag</a:t>
-              </a:r>
-              <a:endParaRPr lang="zh-CN" altLang="en-US" u="sng" dirty="0"/>
-            </a:p>
-          </p:txBody>
-        </p:sp>
-        <p:sp>
-          <p:nvSpPr>
-            <p:cNvPr id="29" name="TextBox 28"/>
-            <p:cNvSpPr txBox="1"/>
-            <p:nvPr/>
-          </p:nvSpPr>
-          <p:spPr>
-            <a:xfrm>
-              <a:off x="8316416" y="1124744"/>
-              <a:ext cx="827584" cy="1200329"/>
-            </a:xfrm>
-            <a:prstGeom prst="rect">
-              <a:avLst/>
-            </a:prstGeom>
-            <a:noFill/>
-          </p:spPr>
-          <p:txBody>
-            <a:bodyPr wrap="square" rtlCol="0">
-              <a:spAutoFit/>
-            </a:bodyPr>
-            <a:lstStyle/>
-            <a:p>
-              <a:r>
-                <a:rPr lang="zh-CN" altLang="en-US" u="sng" dirty="0" smtClean="0"/>
-                <a:t>预览</a:t>
-              </a:r>
-              <a:endParaRPr lang="en-US" altLang="zh-CN" u="sng" dirty="0" smtClean="0"/>
-            </a:p>
-            <a:p>
-              <a:r>
-                <a:rPr lang="zh-CN" altLang="en-US" u="sng" dirty="0" smtClean="0"/>
-                <a:t>删除</a:t>
-              </a:r>
-              <a:endParaRPr lang="en-US" altLang="zh-CN" u="sng" dirty="0" smtClean="0"/>
-            </a:p>
-            <a:p>
-              <a:r>
-                <a:rPr lang="zh-CN" altLang="en-US" u="sng" dirty="0" smtClean="0"/>
-                <a:t>下载</a:t>
-              </a:r>
-              <a:endParaRPr lang="en-US" altLang="zh-CN" u="sng" dirty="0" smtClean="0"/>
-            </a:p>
-            <a:p>
-              <a:r>
-                <a:rPr lang="zh-CN" altLang="en-US" u="sng" dirty="0"/>
-                <a:t>评论</a:t>
-              </a:r>
-            </a:p>
-          </p:txBody>
-        </p:sp>
-        <p:pic>
-          <p:nvPicPr>
-            <p:cNvPr id="30" name="Picture 2" descr="http://ts4.mm.bing.net/th?id=H.4567110543869391&amp;w=148&amp;h=145&amp;c=7&amp;rs=1&amp;pid=1.7"/>
-            <p:cNvPicPr>
-              <a:picLocks noChangeAspect="1" noChangeArrowheads="1"/>
-            </p:cNvPicPr>
-            <p:nvPr/>
-          </p:nvPicPr>
-          <p:blipFill>
-            <a:blip r:embed="rId2" cstate="print"/>
-            <a:srcRect/>
-            <a:stretch>
-              <a:fillRect/>
-            </a:stretch>
-          </p:blipFill>
-          <p:spPr bwMode="auto">
-            <a:xfrm>
-              <a:off x="3119922" y="1196752"/>
-              <a:ext cx="587982" cy="576064"/>
-            </a:xfrm>
-            <a:prstGeom prst="rect">
-              <a:avLst/>
-            </a:prstGeom>
-            <a:noFill/>
-          </p:spPr>
-        </p:pic>
-      </p:grpSp>
-      <p:grpSp>
-        <p:nvGrpSpPr>
-          <p:cNvPr id="16" name="组合 30"/>
-          <p:cNvGrpSpPr/>
-          <p:nvPr/>
-        </p:nvGrpSpPr>
-        <p:grpSpPr>
-          <a:xfrm>
-            <a:off x="1691680" y="5157192"/>
-            <a:ext cx="6084168" cy="1200329"/>
-            <a:chOff x="3059832" y="1124744"/>
-            <a:chExt cx="6084168" cy="1200329"/>
-          </a:xfrm>
-        </p:grpSpPr>
-        <p:sp>
-          <p:nvSpPr>
-            <p:cNvPr id="32" name="TextBox 31"/>
-            <p:cNvSpPr txBox="1"/>
-            <p:nvPr/>
-          </p:nvSpPr>
-          <p:spPr>
-            <a:xfrm>
-              <a:off x="3059832" y="1124744"/>
-              <a:ext cx="5904656" cy="1200329"/>
-            </a:xfrm>
-            <a:prstGeom prst="rect">
-              <a:avLst/>
-            </a:prstGeom>
-          </p:spPr>
-          <p:style>
-            <a:lnRef idx="2">
-              <a:schemeClr val="accent1"/>
-            </a:lnRef>
-            <a:fillRef idx="1">
-              <a:schemeClr val="lt1"/>
-            </a:fillRef>
-            <a:effectRef idx="0">
-              <a:schemeClr val="accent1"/>
-            </a:effectRef>
-            <a:fontRef idx="minor">
-              <a:schemeClr val="dk1"/>
-            </a:fontRef>
-          </p:style>
-          <p:txBody>
-            <a:bodyPr wrap="square" rtlCol="0">
-              <a:spAutoFit/>
-            </a:bodyPr>
-            <a:lstStyle/>
-            <a:p>
-              <a:r>
-                <a:rPr lang="en-US" altLang="zh-CN" dirty="0"/>
-                <a:t> </a:t>
-              </a:r>
-              <a:r>
-                <a:rPr lang="en-US" altLang="zh-CN" dirty="0" smtClean="0"/>
-                <a:t>          </a:t>
-              </a:r>
-              <a:r>
-                <a:rPr lang="en-US" altLang="zh-CN" u="sng" dirty="0" smtClean="0"/>
-                <a:t>a.doc</a:t>
-              </a:r>
-            </a:p>
-            <a:p>
-              <a:r>
-                <a:rPr lang="en-US" altLang="zh-CN" dirty="0"/>
-                <a:t> </a:t>
-              </a:r>
-              <a:r>
-                <a:rPr lang="en-US" altLang="zh-CN" dirty="0" smtClean="0"/>
-                <a:t>          </a:t>
-              </a:r>
-              <a:r>
-                <a:rPr lang="zh-CN" altLang="en-US" dirty="0" smtClean="0"/>
-                <a:t>作者：</a:t>
-              </a:r>
-              <a:r>
-                <a:rPr lang="zh-CN" altLang="en-US" u="sng" dirty="0" smtClean="0">
-                  <a:solidFill>
-                    <a:schemeClr val="tx2">
-                      <a:lumMod val="60000"/>
-                      <a:lumOff val="40000"/>
-                    </a:schemeClr>
-                  </a:solidFill>
-                </a:rPr>
-                <a:t>张三 </a:t>
-              </a:r>
-              <a:r>
-                <a:rPr lang="en-US" altLang="zh-CN" dirty="0" smtClean="0"/>
-                <a:t>51667Bytes, 2013-11-25, </a:t>
-              </a:r>
-              <a:r>
-                <a:rPr lang="en-US" altLang="zh-CN" u="sng" dirty="0" smtClean="0">
-                  <a:solidFill>
-                    <a:schemeClr val="tx2">
-                      <a:lumMod val="60000"/>
-                      <a:lumOff val="40000"/>
-                    </a:schemeClr>
-                  </a:solidFill>
-                </a:rPr>
-                <a:t>Version 31</a:t>
-              </a:r>
-            </a:p>
-            <a:p>
-              <a:r>
-                <a:rPr lang="en-US" altLang="zh-CN" dirty="0"/>
-                <a:t> </a:t>
-              </a:r>
-              <a:r>
-                <a:rPr lang="en-US" altLang="zh-CN" dirty="0" smtClean="0"/>
-                <a:t>          </a:t>
-              </a:r>
-              <a:r>
-                <a:rPr lang="zh-CN" altLang="en-US" dirty="0" smtClean="0"/>
-                <a:t>文件简要介绍内容</a:t>
-              </a:r>
-              <a:r>
-                <a:rPr lang="en-US" altLang="zh-CN" dirty="0" smtClean="0"/>
-                <a:t>…</a:t>
-              </a:r>
-            </a:p>
-            <a:p>
-              <a:r>
-                <a:rPr lang="en-US" altLang="zh-CN" dirty="0"/>
-                <a:t> </a:t>
-              </a:r>
-              <a:r>
-                <a:rPr lang="en-US" altLang="zh-CN" dirty="0" smtClean="0"/>
-                <a:t>          </a:t>
-              </a:r>
-              <a:r>
-                <a:rPr lang="en-US" altLang="zh-CN" u="sng" dirty="0" smtClean="0"/>
-                <a:t>tag1</a:t>
-              </a:r>
-              <a:r>
-                <a:rPr lang="zh-CN" altLang="en-US" dirty="0" smtClean="0"/>
-                <a:t>，</a:t>
-              </a:r>
-              <a:r>
-                <a:rPr lang="en-US" altLang="zh-CN" u="sng" dirty="0" smtClean="0"/>
-                <a:t>tag2</a:t>
-              </a:r>
-              <a:r>
-                <a:rPr lang="zh-CN" altLang="en-US" dirty="0" smtClean="0"/>
-                <a:t>，</a:t>
-              </a:r>
-              <a:r>
-                <a:rPr lang="zh-CN" altLang="en-US" u="sng" dirty="0" smtClean="0"/>
-                <a:t>添加</a:t>
-              </a:r>
-              <a:r>
-                <a:rPr lang="en-US" altLang="zh-CN" u="sng" dirty="0" smtClean="0"/>
-                <a:t>tag</a:t>
-              </a:r>
-              <a:endParaRPr lang="zh-CN" altLang="en-US" u="sng" dirty="0"/>
-            </a:p>
-          </p:txBody>
-        </p:sp>
-        <p:sp>
-          <p:nvSpPr>
-            <p:cNvPr id="33" name="TextBox 32"/>
-            <p:cNvSpPr txBox="1"/>
-            <p:nvPr/>
-          </p:nvSpPr>
-          <p:spPr>
-            <a:xfrm>
-              <a:off x="8316416" y="1124744"/>
-              <a:ext cx="827584" cy="1200329"/>
-            </a:xfrm>
-            <a:prstGeom prst="rect">
-              <a:avLst/>
-            </a:prstGeom>
-            <a:noFill/>
-          </p:spPr>
-          <p:txBody>
-            <a:bodyPr wrap="square" rtlCol="0">
-              <a:spAutoFit/>
-            </a:bodyPr>
-            <a:lstStyle/>
-            <a:p>
-              <a:r>
-                <a:rPr lang="zh-CN" altLang="en-US" u="sng" dirty="0" smtClean="0"/>
-                <a:t>预览</a:t>
-              </a:r>
-              <a:endParaRPr lang="en-US" altLang="zh-CN" u="sng" dirty="0" smtClean="0"/>
-            </a:p>
-            <a:p>
-              <a:r>
-                <a:rPr lang="zh-CN" altLang="en-US" u="sng" dirty="0" smtClean="0"/>
-                <a:t>删除</a:t>
-              </a:r>
-              <a:endParaRPr lang="en-US" altLang="zh-CN" u="sng" dirty="0" smtClean="0"/>
-            </a:p>
-            <a:p>
-              <a:r>
-                <a:rPr lang="zh-CN" altLang="en-US" u="sng" dirty="0" smtClean="0"/>
-                <a:t>下载</a:t>
-              </a:r>
-              <a:endParaRPr lang="en-US" altLang="zh-CN" u="sng" dirty="0" smtClean="0"/>
-            </a:p>
-            <a:p>
-              <a:r>
-                <a:rPr lang="zh-CN" altLang="en-US" u="sng" dirty="0"/>
-                <a:t>评论</a:t>
-              </a:r>
-            </a:p>
-          </p:txBody>
-        </p:sp>
-        <p:pic>
-          <p:nvPicPr>
-            <p:cNvPr id="34" name="Picture 2" descr="http://ts4.mm.bing.net/th?id=H.4567110543869391&amp;w=148&amp;h=145&amp;c=7&amp;rs=1&amp;pid=1.7"/>
-            <p:cNvPicPr>
-              <a:picLocks noChangeAspect="1" noChangeArrowheads="1"/>
-            </p:cNvPicPr>
-            <p:nvPr/>
-          </p:nvPicPr>
-          <p:blipFill>
-            <a:blip r:embed="rId2" cstate="print"/>
-            <a:srcRect/>
-            <a:stretch>
-              <a:fillRect/>
-            </a:stretch>
-          </p:blipFill>
-          <p:spPr bwMode="auto">
-            <a:xfrm>
-              <a:off x="3119922" y="1196752"/>
-              <a:ext cx="587982" cy="576064"/>
-            </a:xfrm>
-            <a:prstGeom prst="rect">
-              <a:avLst/>
-            </a:prstGeom>
-            <a:noFill/>
-          </p:spPr>
-        </p:pic>
-      </p:grpSp>
-      <p:sp>
-        <p:nvSpPr>
-          <p:cNvPr id="35" name="TextBox 34"/>
-          <p:cNvSpPr txBox="1"/>
-          <p:nvPr/>
-        </p:nvSpPr>
-        <p:spPr>
-          <a:xfrm>
-            <a:off x="1691680" y="908720"/>
-            <a:ext cx="720080" cy="369332"/>
-          </a:xfrm>
-          <a:prstGeom prst="rect">
-            <a:avLst/>
-          </a:prstGeom>
-          <a:noFill/>
-        </p:spPr>
-        <p:txBody>
-          <a:bodyPr wrap="square" rtlCol="0">
-            <a:spAutoFit/>
-          </a:bodyPr>
-          <a:lstStyle/>
-          <a:p>
-            <a:r>
-              <a:rPr lang="zh-CN" altLang="en-US" dirty="0" smtClean="0"/>
-              <a:t>排序：</a:t>
-            </a:r>
-            <a:endParaRPr lang="zh-CN" altLang="en-US" dirty="0"/>
-          </a:p>
-        </p:txBody>
-      </p:sp>
-      <p:sp>
-        <p:nvSpPr>
-          <p:cNvPr id="36" name="TextBox 35"/>
-          <p:cNvSpPr txBox="1"/>
-          <p:nvPr/>
-        </p:nvSpPr>
-        <p:spPr>
-          <a:xfrm>
-            <a:off x="3635896" y="908720"/>
-            <a:ext cx="720080" cy="369332"/>
-          </a:xfrm>
-          <a:prstGeom prst="rect">
-            <a:avLst/>
-          </a:prstGeom>
-          <a:noFill/>
-        </p:spPr>
-        <p:txBody>
-          <a:bodyPr wrap="square" rtlCol="0">
-            <a:spAutoFit/>
-          </a:bodyPr>
-          <a:lstStyle/>
-          <a:p>
-            <a:r>
-              <a:rPr lang="zh-CN" altLang="en-US" dirty="0" smtClean="0"/>
-              <a:t>视图：</a:t>
-            </a:r>
-            <a:endParaRPr lang="zh-CN" altLang="en-US" dirty="0"/>
-          </a:p>
-        </p:txBody>
-      </p:sp>
-      <p:sp>
-        <p:nvSpPr>
-          <p:cNvPr id="37" name="TextBox 36"/>
-          <p:cNvSpPr txBox="1"/>
-          <p:nvPr/>
-        </p:nvSpPr>
-        <p:spPr>
-          <a:xfrm>
-            <a:off x="2339752" y="908720"/>
-            <a:ext cx="1107996" cy="1200329"/>
-          </a:xfrm>
-          <a:prstGeom prst="rect">
-            <a:avLst/>
-          </a:prstGeom>
-        </p:spPr>
-        <p:style>
-          <a:lnRef idx="2">
-            <a:schemeClr val="accent2"/>
-          </a:lnRef>
-          <a:fillRef idx="1">
-            <a:schemeClr val="lt1"/>
-          </a:fillRef>
-          <a:effectRef idx="0">
-            <a:schemeClr val="accent2"/>
-          </a:effectRef>
-          <a:fontRef idx="minor">
-            <a:schemeClr val="dk1"/>
-          </a:fontRef>
-        </p:style>
-        <p:txBody>
-          <a:bodyPr wrap="none" rtlCol="0">
-            <a:spAutoFit/>
-          </a:bodyPr>
-          <a:lstStyle/>
-          <a:p>
-            <a:r>
-              <a:rPr lang="zh-CN" altLang="en-US" dirty="0" smtClean="0"/>
-              <a:t>文件名</a:t>
-            </a:r>
-            <a:endParaRPr lang="en-US" altLang="zh-CN" dirty="0" smtClean="0"/>
-          </a:p>
-          <a:p>
-            <a:r>
-              <a:rPr lang="zh-CN" altLang="en-US" dirty="0" smtClean="0"/>
-              <a:t>作者</a:t>
-            </a:r>
-            <a:endParaRPr lang="en-US" altLang="zh-CN" dirty="0" smtClean="0"/>
-          </a:p>
-          <a:p>
-            <a:r>
-              <a:rPr lang="zh-CN" altLang="en-US" dirty="0" smtClean="0"/>
-              <a:t>修改时间</a:t>
-            </a:r>
-            <a:endParaRPr lang="en-US" altLang="zh-CN" dirty="0" smtClean="0"/>
-          </a:p>
-          <a:p>
-            <a:r>
-              <a:rPr lang="zh-CN" altLang="en-US" dirty="0" smtClean="0"/>
-              <a:t>创建时间</a:t>
-            </a:r>
-            <a:endParaRPr lang="zh-CN" altLang="en-US" dirty="0"/>
-          </a:p>
-        </p:txBody>
-      </p:sp>
-      <p:sp>
-        <p:nvSpPr>
-          <p:cNvPr id="38" name="TextBox 37"/>
-          <p:cNvSpPr txBox="1"/>
-          <p:nvPr/>
-        </p:nvSpPr>
-        <p:spPr>
-          <a:xfrm>
-            <a:off x="4328100" y="932527"/>
-            <a:ext cx="1107996" cy="1754326"/>
-          </a:xfrm>
-          <a:prstGeom prst="rect">
-            <a:avLst/>
-          </a:prstGeom>
-        </p:spPr>
-        <p:style>
-          <a:lnRef idx="2">
-            <a:schemeClr val="accent2"/>
-          </a:lnRef>
-          <a:fillRef idx="1">
-            <a:schemeClr val="lt1"/>
-          </a:fillRef>
-          <a:effectRef idx="0">
-            <a:schemeClr val="accent2"/>
-          </a:effectRef>
-          <a:fontRef idx="minor">
-            <a:schemeClr val="dk1"/>
-          </a:fontRef>
-        </p:style>
-        <p:txBody>
-          <a:bodyPr wrap="none" rtlCol="0">
-            <a:spAutoFit/>
-          </a:bodyPr>
-          <a:lstStyle/>
-          <a:p>
-            <a:r>
-              <a:rPr lang="zh-CN" altLang="en-US" dirty="0" smtClean="0"/>
-              <a:t>图标</a:t>
-            </a:r>
-            <a:endParaRPr lang="en-US" altLang="zh-CN" dirty="0" smtClean="0"/>
-          </a:p>
-          <a:p>
-            <a:r>
-              <a:rPr lang="zh-CN" altLang="en-US" dirty="0" smtClean="0"/>
-              <a:t>列表</a:t>
-            </a:r>
-            <a:endParaRPr lang="en-US" altLang="zh-CN" dirty="0" smtClean="0"/>
-          </a:p>
-          <a:p>
-            <a:r>
-              <a:rPr lang="zh-CN" altLang="en-US" dirty="0" smtClean="0"/>
-              <a:t>详细信息</a:t>
-            </a:r>
-            <a:endParaRPr lang="en-US" altLang="zh-CN" dirty="0" smtClean="0"/>
-          </a:p>
-          <a:p>
-            <a:r>
-              <a:rPr lang="zh-CN" altLang="en-US" dirty="0" smtClean="0"/>
-              <a:t>平铺</a:t>
-            </a:r>
-            <a:endParaRPr lang="en-US" altLang="zh-CN" dirty="0" smtClean="0"/>
-          </a:p>
-          <a:p>
-            <a:r>
-              <a:rPr lang="zh-CN" altLang="en-US" dirty="0">
-                <a:solidFill>
-                  <a:srgbClr val="FF0000"/>
-                </a:solidFill>
-              </a:rPr>
-              <a:t>内容</a:t>
-            </a:r>
-            <a:endParaRPr lang="en-US" altLang="zh-CN" dirty="0" smtClean="0">
-              <a:solidFill>
-                <a:srgbClr val="FF0000"/>
-              </a:solidFill>
-            </a:endParaRPr>
-          </a:p>
-          <a:p>
-            <a:r>
-              <a:rPr lang="zh-CN" altLang="en-US" dirty="0" smtClean="0"/>
-              <a:t>预</a:t>
-            </a:r>
-            <a:r>
-              <a:rPr lang="zh-CN" altLang="en-US" dirty="0"/>
-              <a:t>览</a:t>
-            </a:r>
-          </a:p>
-        </p:txBody>
-      </p:sp>
-      <p:sp>
-        <p:nvSpPr>
-          <p:cNvPr id="39" name="TextBox 38"/>
-          <p:cNvSpPr txBox="1"/>
-          <p:nvPr/>
-        </p:nvSpPr>
-        <p:spPr>
-          <a:xfrm>
-            <a:off x="5508104" y="908720"/>
-            <a:ext cx="720080" cy="369332"/>
-          </a:xfrm>
-          <a:prstGeom prst="rect">
-            <a:avLst/>
-          </a:prstGeom>
-          <a:noFill/>
-        </p:spPr>
-        <p:txBody>
-          <a:bodyPr wrap="square" rtlCol="0">
-            <a:spAutoFit/>
-          </a:bodyPr>
-          <a:lstStyle/>
-          <a:p>
-            <a:r>
-              <a:rPr lang="zh-CN" altLang="en-US" dirty="0" smtClean="0"/>
-              <a:t>过滤：</a:t>
-            </a:r>
-            <a:endParaRPr lang="zh-CN" altLang="en-US" dirty="0"/>
-          </a:p>
-        </p:txBody>
-      </p:sp>
-      <p:sp>
-        <p:nvSpPr>
-          <p:cNvPr id="40" name="圆角矩形 39"/>
-          <p:cNvSpPr/>
-          <p:nvPr/>
-        </p:nvSpPr>
-        <p:spPr>
-          <a:xfrm>
-            <a:off x="6228184" y="908720"/>
-            <a:ext cx="1368152" cy="360040"/>
-          </a:xfrm>
-          <a:prstGeom prst="roundRect">
-            <a:avLst/>
-          </a:prstGeom>
-        </p:spPr>
-        <p:style>
-          <a:lnRef idx="2">
-            <a:schemeClr val="accent1">
-              <a:shade val="50000"/>
-            </a:schemeClr>
-          </a:lnRef>
-          <a:fillRef idx="1">
-            <a:schemeClr val="accent1"/>
-          </a:fillRef>
-          <a:effectRef idx="0">
-            <a:schemeClr val="accent1"/>
-          </a:effectRef>
-          <a:fontRef idx="minor">
-            <a:schemeClr val="lt1"/>
-          </a:fontRef>
-        </p:style>
-        <p:txBody>
-          <a:bodyPr rtlCol="0" anchor="ctr"/>
-          <a:lstStyle/>
-          <a:p>
-            <a:pPr algn="ctr"/>
-            <a:endParaRPr lang="zh-CN" altLang="en-US"/>
-          </a:p>
-        </p:txBody>
-      </p:sp>
-      <p:sp>
-        <p:nvSpPr>
-          <p:cNvPr id="41" name="矩形 40"/>
-          <p:cNvSpPr/>
-          <p:nvPr/>
-        </p:nvSpPr>
-        <p:spPr>
-          <a:xfrm>
-            <a:off x="7812360" y="836712"/>
-            <a:ext cx="1331640" cy="5616624"/>
-          </a:xfrm>
-          <a:prstGeom prst="rect">
-            <a:avLst/>
-          </a:prstGeom>
-        </p:spPr>
-        <p:style>
-          <a:lnRef idx="2">
-            <a:schemeClr val="accent6"/>
-          </a:lnRef>
-          <a:fillRef idx="1">
-            <a:schemeClr val="lt1"/>
-          </a:fillRef>
-          <a:effectRef idx="0">
-            <a:schemeClr val="accent6"/>
-          </a:effectRef>
-          <a:fontRef idx="minor">
-            <a:schemeClr val="dk1"/>
-          </a:fontRef>
-        </p:style>
-        <p:txBody>
-          <a:bodyPr rtlCol="0" anchor="ctr"/>
-          <a:lstStyle/>
-          <a:p>
-            <a:pPr algn="ctr"/>
-            <a:r>
-              <a:rPr lang="zh-CN" altLang="en-US" dirty="0" smtClean="0"/>
-              <a:t>内容预览</a:t>
-            </a:r>
-            <a:endParaRPr lang="zh-CN" altLang="en-US" dirty="0"/>
-          </a:p>
-        </p:txBody>
-      </p:sp>
-      <p:sp>
-        <p:nvSpPr>
-          <p:cNvPr id="42" name="矩形标注 41"/>
-          <p:cNvSpPr/>
-          <p:nvPr/>
-        </p:nvSpPr>
-        <p:spPr>
-          <a:xfrm flipH="1">
-            <a:off x="2555776" y="4293096"/>
-            <a:ext cx="1800200" cy="1512168"/>
-          </a:xfrm>
-          <a:prstGeom prst="wedgeRectCallout">
-            <a:avLst/>
-          </a:prstGeom>
-        </p:spPr>
-        <p:style>
-          <a:lnRef idx="2">
-            <a:schemeClr val="accent1">
-              <a:shade val="50000"/>
-            </a:schemeClr>
-          </a:lnRef>
-          <a:fillRef idx="1">
-            <a:schemeClr val="accent1"/>
-          </a:fillRef>
-          <a:effectRef idx="0">
-            <a:schemeClr val="accent1"/>
-          </a:effectRef>
-          <a:fontRef idx="minor">
-            <a:schemeClr val="lt1"/>
-          </a:fontRef>
-        </p:style>
-        <p:txBody>
-          <a:bodyPr rtlCol="0" anchor="t"/>
-          <a:lstStyle/>
-          <a:p>
-            <a:endParaRPr lang="en-US" altLang="zh-CN" dirty="0" smtClean="0"/>
-          </a:p>
-        </p:txBody>
-      </p:sp>
-      <p:sp>
-        <p:nvSpPr>
-          <p:cNvPr id="43" name="TextBox 42"/>
-          <p:cNvSpPr txBox="1"/>
-          <p:nvPr/>
-        </p:nvSpPr>
-        <p:spPr>
-          <a:xfrm>
-            <a:off x="2627784" y="4365104"/>
-            <a:ext cx="1656184" cy="369332"/>
-          </a:xfrm>
-          <a:prstGeom prst="rect">
-            <a:avLst/>
-          </a:prstGeom>
-        </p:spPr>
-        <p:style>
-          <a:lnRef idx="2">
-            <a:schemeClr val="accent2"/>
-          </a:lnRef>
-          <a:fillRef idx="1">
-            <a:schemeClr val="lt1"/>
-          </a:fillRef>
-          <a:effectRef idx="0">
-            <a:schemeClr val="accent2"/>
-          </a:effectRef>
-          <a:fontRef idx="minor">
-            <a:schemeClr val="dk1"/>
-          </a:fontRef>
-        </p:style>
-        <p:txBody>
-          <a:bodyPr wrap="square" rtlCol="0">
-            <a:spAutoFit/>
-          </a:bodyPr>
-          <a:lstStyle/>
-          <a:p>
-            <a:r>
-              <a:rPr lang="en-US" altLang="zh-CN" dirty="0" smtClean="0"/>
-              <a:t>Tag1-----------X</a:t>
-            </a:r>
-            <a:endParaRPr lang="zh-CN" altLang="en-US" dirty="0"/>
-          </a:p>
-        </p:txBody>
-      </p:sp>
-      <p:sp>
-        <p:nvSpPr>
-          <p:cNvPr id="44" name="TextBox 43"/>
-          <p:cNvSpPr txBox="1"/>
-          <p:nvPr/>
-        </p:nvSpPr>
-        <p:spPr>
-          <a:xfrm>
-            <a:off x="2627784" y="4797152"/>
-            <a:ext cx="1656184" cy="369332"/>
-          </a:xfrm>
-          <a:prstGeom prst="rect">
-            <a:avLst/>
-          </a:prstGeom>
-        </p:spPr>
-        <p:style>
-          <a:lnRef idx="2">
-            <a:schemeClr val="accent2"/>
-          </a:lnRef>
-          <a:fillRef idx="1">
-            <a:schemeClr val="lt1"/>
-          </a:fillRef>
-          <a:effectRef idx="0">
-            <a:schemeClr val="accent2"/>
-          </a:effectRef>
-          <a:fontRef idx="minor">
-            <a:schemeClr val="dk1"/>
-          </a:fontRef>
-        </p:style>
-        <p:txBody>
-          <a:bodyPr wrap="square" rtlCol="0">
-            <a:spAutoFit/>
-          </a:bodyPr>
-          <a:lstStyle/>
-          <a:p>
-            <a:r>
-              <a:rPr lang="en-US" altLang="zh-CN" dirty="0" smtClean="0"/>
-              <a:t>Tag1-----------X</a:t>
-            </a:r>
-            <a:endParaRPr lang="zh-CN" altLang="en-US" dirty="0"/>
-          </a:p>
-        </p:txBody>
-      </p:sp>
-      <p:sp>
-        <p:nvSpPr>
-          <p:cNvPr id="45" name="TextBox 44"/>
-          <p:cNvSpPr txBox="1"/>
-          <p:nvPr/>
-        </p:nvSpPr>
-        <p:spPr>
-          <a:xfrm>
-            <a:off x="2627784" y="5229200"/>
-            <a:ext cx="1656184" cy="369332"/>
-          </a:xfrm>
-          <a:prstGeom prst="rect">
-            <a:avLst/>
-          </a:prstGeom>
-        </p:spPr>
-        <p:style>
-          <a:lnRef idx="2">
-            <a:schemeClr val="accent2"/>
-          </a:lnRef>
-          <a:fillRef idx="1">
-            <a:schemeClr val="lt1"/>
-          </a:fillRef>
-          <a:effectRef idx="0">
-            <a:schemeClr val="accent2"/>
-          </a:effectRef>
-          <a:fontRef idx="minor">
-            <a:schemeClr val="dk1"/>
-          </a:fontRef>
-        </p:style>
-        <p:txBody>
-          <a:bodyPr wrap="square" rtlCol="0">
-            <a:spAutoFit/>
-          </a:bodyPr>
-          <a:lstStyle/>
-          <a:p>
-            <a:r>
-              <a:rPr lang="zh-CN" altLang="en-US" dirty="0"/>
-              <a:t>新</a:t>
-            </a:r>
-            <a:r>
-              <a:rPr lang="en-US" altLang="zh-CN" dirty="0" smtClean="0"/>
-              <a:t>Tag</a:t>
-            </a:r>
-            <a:r>
-              <a:rPr lang="zh-CN" altLang="en-US" dirty="0" smtClean="0"/>
-              <a:t>：</a:t>
-            </a:r>
-            <a:r>
-              <a:rPr lang="en-US" altLang="zh-CN" dirty="0" smtClean="0"/>
-              <a:t>______</a:t>
-            </a:r>
-            <a:endParaRPr lang="zh-CN" altLang="en-US" dirty="0"/>
-          </a:p>
-        </p:txBody>
-      </p:sp>
-    </p:spTree>
-  </p:cSld>
-  <p:clrMapOvr>
-    <a:masterClrMapping/>
-  </p:clrMapOvr>
-</p:sld>
-</file>
-
-<file path=ppt/slides/slide6.xml><?xml version="1.0" encoding="utf-8"?>
+<file path=ppt/slides/slide7.xml><?xml version="1.0" encoding="utf-8"?>
 <p:sld xmlns:a="http://schemas.openxmlformats.org/drawingml/2006/main" xmlns:r="http://schemas.openxmlformats.org/officeDocument/2006/relationships" xmlns:p="http://schemas.openxmlformats.org/presentationml/2006/main">
   <p:cSld>
     <p:spTree>

--- a/doc/UI Design.pptx
+++ b/doc/UI Design.pptx
@@ -10,8 +10,7 @@
     <p:sldId id="262" r:id="rId4"/>
     <p:sldId id="263" r:id="rId5"/>
     <p:sldId id="261" r:id="rId6"/>
-    <p:sldId id="260" r:id="rId7"/>
-    <p:sldId id="258" r:id="rId8"/>
+    <p:sldId id="264" r:id="rId7"/>
   </p:sldIdLst>
   <p:sldSz cx="9144000" cy="6858000" type="screen4x3"/>
   <p:notesSz cx="6858000" cy="9144000"/>
@@ -3101,12 +3100,16 @@
           <a:lstStyle/>
           <a:p>
             <a:r>
-              <a:rPr lang="en-US" altLang="zh-CN" dirty="0" err="1" smtClean="0"/>
-              <a:t>Lite</a:t>
-            </a:r>
-            <a:r>
               <a:rPr lang="en-US" altLang="zh-CN" dirty="0" smtClean="0"/>
-              <a:t> KM</a:t>
+              <a:t>Lite </a:t>
+            </a:r>
+            <a:r>
+              <a:rPr lang="en-US" altLang="zh-CN" dirty="0" smtClean="0"/>
+              <a:t>KM-</a:t>
+            </a:r>
+            <a:r>
+              <a:rPr lang="zh-CN" altLang="en-US" dirty="0" smtClean="0"/>
+              <a:t>文件浏览</a:t>
             </a:r>
             <a:endParaRPr lang="zh-CN" altLang="en-US" dirty="0"/>
           </a:p>
@@ -3317,44 +3320,6 @@
             <a:r>
               <a:rPr lang="zh-CN" altLang="en-US" dirty="0" smtClean="0"/>
               <a:t>文件内容</a:t>
-            </a:r>
-            <a:endParaRPr lang="zh-CN" altLang="en-US" dirty="0"/>
-          </a:p>
-        </p:txBody>
-      </p:sp>
-      <p:sp>
-        <p:nvSpPr>
-          <p:cNvPr id="10" name="TextBox 9"/>
-          <p:cNvSpPr txBox="1"/>
-          <p:nvPr/>
-        </p:nvSpPr>
-        <p:spPr>
-          <a:xfrm>
-            <a:off x="7884368" y="35332"/>
-            <a:ext cx="1224136" cy="369332"/>
-          </a:xfrm>
-          <a:prstGeom prst="rect">
-            <a:avLst/>
-          </a:prstGeom>
-          <a:noFill/>
-        </p:spPr>
-        <p:txBody>
-          <a:bodyPr wrap="square" rtlCol="0">
-            <a:spAutoFit/>
-          </a:bodyPr>
-          <a:lstStyle/>
-          <a:p>
-            <a:r>
-              <a:rPr lang="zh-CN" altLang="en-US" dirty="0" smtClean="0"/>
-              <a:t>登录</a:t>
-            </a:r>
-            <a:r>
-              <a:rPr lang="en-US" altLang="zh-CN" dirty="0" smtClean="0"/>
-              <a:t>|</a:t>
-            </a:r>
-            <a:r>
-              <a:rPr lang="zh-CN" altLang="en-US" dirty="0" smtClean="0"/>
-              <a:t>注销</a:t>
             </a:r>
             <a:endParaRPr lang="zh-CN" altLang="en-US" dirty="0"/>
           </a:p>
@@ -5815,6 +5780,207 @@
           </p:txBody>
         </p:sp>
       </p:grpSp>
+      <p:sp>
+        <p:nvSpPr>
+          <p:cNvPr id="92" name="TextBox 91"/>
+          <p:cNvSpPr txBox="1"/>
+          <p:nvPr/>
+        </p:nvSpPr>
+        <p:spPr>
+          <a:xfrm>
+            <a:off x="6516214" y="35332"/>
+            <a:ext cx="2592289" cy="369332"/>
+          </a:xfrm>
+          <a:prstGeom prst="rect">
+            <a:avLst/>
+          </a:prstGeom>
+          <a:noFill/>
+        </p:spPr>
+        <p:txBody>
+          <a:bodyPr wrap="square" rtlCol="0">
+            <a:spAutoFit/>
+          </a:bodyPr>
+          <a:lstStyle/>
+          <a:p>
+            <a:r>
+              <a:rPr lang="zh-CN" altLang="en-US" dirty="0" smtClean="0"/>
+              <a:t>首页</a:t>
+            </a:r>
+            <a:r>
+              <a:rPr lang="en-US" altLang="zh-CN" dirty="0" smtClean="0"/>
+              <a:t>|</a:t>
+            </a:r>
+            <a:r>
+              <a:rPr lang="zh-CN" altLang="en-US" dirty="0"/>
+              <a:t>管理∨</a:t>
+            </a:r>
+            <a:r>
+              <a:rPr lang="en-US" altLang="zh-CN" dirty="0" smtClean="0"/>
+              <a:t>|</a:t>
+            </a:r>
+            <a:r>
+              <a:rPr lang="zh-CN" altLang="en-US" dirty="0" smtClean="0"/>
+              <a:t>登录</a:t>
+            </a:r>
+            <a:r>
+              <a:rPr lang="en-US" altLang="zh-CN" dirty="0" smtClean="0"/>
+              <a:t>|</a:t>
+            </a:r>
+            <a:r>
+              <a:rPr lang="zh-CN" altLang="en-US" dirty="0" smtClean="0"/>
+              <a:t>注销</a:t>
+            </a:r>
+            <a:endParaRPr lang="zh-CN" altLang="en-US" dirty="0"/>
+          </a:p>
+        </p:txBody>
+      </p:sp>
+      <p:sp>
+        <p:nvSpPr>
+          <p:cNvPr id="103" name="TextBox 102"/>
+          <p:cNvSpPr txBox="1"/>
+          <p:nvPr/>
+        </p:nvSpPr>
+        <p:spPr>
+          <a:xfrm>
+            <a:off x="4848114" y="0"/>
+            <a:ext cx="1944216" cy="369332"/>
+          </a:xfrm>
+          <a:prstGeom prst="rect">
+            <a:avLst/>
+          </a:prstGeom>
+          <a:noFill/>
+        </p:spPr>
+        <p:txBody>
+          <a:bodyPr wrap="square" rtlCol="0">
+            <a:spAutoFit/>
+          </a:bodyPr>
+          <a:lstStyle/>
+          <a:p>
+            <a:r>
+              <a:rPr lang="zh-CN" altLang="en-US" dirty="0" smtClean="0"/>
+              <a:t>欢迎：管理员</a:t>
+            </a:r>
+            <a:endParaRPr lang="zh-CN" altLang="en-US" dirty="0"/>
+          </a:p>
+        </p:txBody>
+      </p:sp>
+      <p:sp>
+        <p:nvSpPr>
+          <p:cNvPr id="104" name="TextBox 103"/>
+          <p:cNvSpPr txBox="1"/>
+          <p:nvPr/>
+        </p:nvSpPr>
+        <p:spPr>
+          <a:xfrm>
+            <a:off x="6848380" y="478413"/>
+            <a:ext cx="1107996" cy="646331"/>
+          </a:xfrm>
+          <a:prstGeom prst="wedgeRectCallout">
+            <a:avLst>
+              <a:gd name="adj1" fmla="val 21437"/>
+              <a:gd name="adj2" fmla="val -65173"/>
+            </a:avLst>
+          </a:prstGeom>
+        </p:spPr>
+        <p:style>
+          <a:lnRef idx="2">
+            <a:schemeClr val="accent2"/>
+          </a:lnRef>
+          <a:fillRef idx="1">
+            <a:schemeClr val="lt1"/>
+          </a:fillRef>
+          <a:effectRef idx="0">
+            <a:schemeClr val="accent2"/>
+          </a:effectRef>
+          <a:fontRef idx="minor">
+            <a:schemeClr val="dk1"/>
+          </a:fontRef>
+        </p:style>
+        <p:txBody>
+          <a:bodyPr wrap="none" rtlCol="0">
+            <a:spAutoFit/>
+          </a:bodyPr>
+          <a:lstStyle/>
+          <a:p>
+            <a:r>
+              <a:rPr lang="zh-CN" altLang="en-US" dirty="0" smtClean="0"/>
+              <a:t>目录管理</a:t>
+            </a:r>
+            <a:endParaRPr lang="en-US" altLang="zh-CN" dirty="0" smtClean="0"/>
+          </a:p>
+          <a:p>
+            <a:r>
+              <a:rPr lang="zh-CN" altLang="en-US" dirty="0" smtClean="0">
+                <a:solidFill>
+                  <a:schemeClr val="tx1"/>
+                </a:solidFill>
+              </a:rPr>
+              <a:t>参数配置</a:t>
+            </a:r>
+            <a:endParaRPr lang="en-US" altLang="zh-CN" dirty="0" smtClean="0">
+              <a:solidFill>
+                <a:schemeClr val="tx1"/>
+              </a:solidFill>
+            </a:endParaRPr>
+          </a:p>
+        </p:txBody>
+      </p:sp>
+      <p:sp>
+        <p:nvSpPr>
+          <p:cNvPr id="105" name="TextBox 104"/>
+          <p:cNvSpPr txBox="1"/>
+          <p:nvPr/>
+        </p:nvSpPr>
+        <p:spPr>
+          <a:xfrm>
+            <a:off x="179512" y="975906"/>
+            <a:ext cx="1008112" cy="1200329"/>
+          </a:xfrm>
+          <a:prstGeom prst="rect">
+            <a:avLst/>
+          </a:prstGeom>
+          <a:solidFill>
+            <a:srgbClr val="FFC000"/>
+          </a:solidFill>
+        </p:spPr>
+        <p:txBody>
+          <a:bodyPr wrap="square" rtlCol="0">
+            <a:spAutoFit/>
+          </a:bodyPr>
+          <a:lstStyle/>
+          <a:p>
+            <a:r>
+              <a:rPr lang="zh-CN" altLang="en-US" u="sng" dirty="0"/>
+              <a:t>展开</a:t>
+            </a:r>
+            <a:r>
+              <a:rPr lang="en-US" altLang="zh-CN" u="sng" dirty="0" smtClean="0"/>
+              <a:t>|</a:t>
+            </a:r>
+            <a:r>
+              <a:rPr lang="zh-CN" altLang="en-US" u="sng" dirty="0" smtClean="0"/>
+              <a:t>折叠</a:t>
+            </a:r>
+            <a:r>
+              <a:rPr lang="en-US" altLang="zh-CN" u="sng" dirty="0" smtClean="0"/>
+              <a:t>|</a:t>
+            </a:r>
+            <a:r>
+              <a:rPr lang="zh-CN" altLang="en-US" u="sng" dirty="0" smtClean="0"/>
+              <a:t>删除</a:t>
+            </a:r>
+            <a:r>
+              <a:rPr lang="en-US" altLang="zh-CN" u="sng" dirty="0" smtClean="0"/>
+              <a:t>|</a:t>
+            </a:r>
+            <a:r>
+              <a:rPr lang="zh-CN" altLang="en-US" u="sng" dirty="0" smtClean="0"/>
+              <a:t>创建子目录</a:t>
+            </a:r>
+            <a:endParaRPr lang="zh-CN" altLang="en-US" u="sng" dirty="0"/>
+          </a:p>
+        </p:txBody>
+      </p:sp>
     </p:spTree>
   </p:cSld>
   <p:clrMapOvr>
@@ -5876,12 +6042,16 @@
           <a:lstStyle/>
           <a:p>
             <a:r>
-              <a:rPr lang="en-US" altLang="zh-CN" dirty="0" err="1" smtClean="0"/>
-              <a:t>Lite</a:t>
-            </a:r>
-            <a:r>
               <a:rPr lang="en-US" altLang="zh-CN" dirty="0" smtClean="0"/>
-              <a:t> KM</a:t>
+              <a:t>Lite </a:t>
+            </a:r>
+            <a:r>
+              <a:rPr lang="en-US" altLang="zh-CN" dirty="0"/>
+              <a:t>KM-</a:t>
+            </a:r>
+            <a:r>
+              <a:rPr lang="zh-CN" altLang="en-US" dirty="0"/>
+              <a:t>文件浏览</a:t>
             </a:r>
             <a:endParaRPr lang="zh-CN" altLang="en-US" dirty="0"/>
           </a:p>
@@ -6092,44 +6262,6 @@
             <a:r>
               <a:rPr lang="zh-CN" altLang="en-US" dirty="0" smtClean="0"/>
               <a:t>文件内容</a:t>
-            </a:r>
-            <a:endParaRPr lang="zh-CN" altLang="en-US" dirty="0"/>
-          </a:p>
-        </p:txBody>
-      </p:sp>
-      <p:sp>
-        <p:nvSpPr>
-          <p:cNvPr id="10" name="TextBox 9"/>
-          <p:cNvSpPr txBox="1"/>
-          <p:nvPr/>
-        </p:nvSpPr>
-        <p:spPr>
-          <a:xfrm>
-            <a:off x="7884368" y="35332"/>
-            <a:ext cx="1224136" cy="369332"/>
-          </a:xfrm>
-          <a:prstGeom prst="rect">
-            <a:avLst/>
-          </a:prstGeom>
-          <a:noFill/>
-        </p:spPr>
-        <p:txBody>
-          <a:bodyPr wrap="square" rtlCol="0">
-            <a:spAutoFit/>
-          </a:bodyPr>
-          <a:lstStyle/>
-          <a:p>
-            <a:r>
-              <a:rPr lang="zh-CN" altLang="en-US" dirty="0" smtClean="0"/>
-              <a:t>登录</a:t>
-            </a:r>
-            <a:r>
-              <a:rPr lang="en-US" altLang="zh-CN" dirty="0" smtClean="0"/>
-              <a:t>|</a:t>
-            </a:r>
-            <a:r>
-              <a:rPr lang="zh-CN" altLang="en-US" dirty="0" smtClean="0"/>
-              <a:t>注销</a:t>
             </a:r>
             <a:endParaRPr lang="zh-CN" altLang="en-US" dirty="0"/>
           </a:p>
@@ -8762,6 +8894,207 @@
           </p:txBody>
         </p:sp>
       </p:grpSp>
+      <p:sp>
+        <p:nvSpPr>
+          <p:cNvPr id="89" name="TextBox 88"/>
+          <p:cNvSpPr txBox="1"/>
+          <p:nvPr/>
+        </p:nvSpPr>
+        <p:spPr>
+          <a:xfrm>
+            <a:off x="179512" y="975906"/>
+            <a:ext cx="1008112" cy="1200329"/>
+          </a:xfrm>
+          <a:prstGeom prst="rect">
+            <a:avLst/>
+          </a:prstGeom>
+          <a:solidFill>
+            <a:srgbClr val="FFC000"/>
+          </a:solidFill>
+        </p:spPr>
+        <p:txBody>
+          <a:bodyPr wrap="square" rtlCol="0">
+            <a:spAutoFit/>
+          </a:bodyPr>
+          <a:lstStyle/>
+          <a:p>
+            <a:r>
+              <a:rPr lang="zh-CN" altLang="en-US" u="sng" dirty="0"/>
+              <a:t>展开</a:t>
+            </a:r>
+            <a:r>
+              <a:rPr lang="en-US" altLang="zh-CN" u="sng" dirty="0" smtClean="0"/>
+              <a:t>|</a:t>
+            </a:r>
+            <a:r>
+              <a:rPr lang="zh-CN" altLang="en-US" u="sng" dirty="0" smtClean="0"/>
+              <a:t>折叠</a:t>
+            </a:r>
+            <a:r>
+              <a:rPr lang="en-US" altLang="zh-CN" u="sng" dirty="0" smtClean="0"/>
+              <a:t>|</a:t>
+            </a:r>
+            <a:r>
+              <a:rPr lang="zh-CN" altLang="en-US" u="sng" dirty="0" smtClean="0"/>
+              <a:t>删除</a:t>
+            </a:r>
+            <a:r>
+              <a:rPr lang="en-US" altLang="zh-CN" u="sng" dirty="0" smtClean="0"/>
+              <a:t>|</a:t>
+            </a:r>
+            <a:r>
+              <a:rPr lang="zh-CN" altLang="en-US" u="sng" dirty="0" smtClean="0"/>
+              <a:t>创建子目录</a:t>
+            </a:r>
+            <a:endParaRPr lang="zh-CN" altLang="en-US" u="sng" dirty="0"/>
+          </a:p>
+        </p:txBody>
+      </p:sp>
+      <p:sp>
+        <p:nvSpPr>
+          <p:cNvPr id="102" name="TextBox 101"/>
+          <p:cNvSpPr txBox="1"/>
+          <p:nvPr/>
+        </p:nvSpPr>
+        <p:spPr>
+          <a:xfrm>
+            <a:off x="4848114" y="0"/>
+            <a:ext cx="1944216" cy="369332"/>
+          </a:xfrm>
+          <a:prstGeom prst="rect">
+            <a:avLst/>
+          </a:prstGeom>
+          <a:noFill/>
+        </p:spPr>
+        <p:txBody>
+          <a:bodyPr wrap="square" rtlCol="0">
+            <a:spAutoFit/>
+          </a:bodyPr>
+          <a:lstStyle/>
+          <a:p>
+            <a:r>
+              <a:rPr lang="zh-CN" altLang="en-US" dirty="0" smtClean="0"/>
+              <a:t>欢迎：管理员</a:t>
+            </a:r>
+            <a:endParaRPr lang="zh-CN" altLang="en-US" dirty="0"/>
+          </a:p>
+        </p:txBody>
+      </p:sp>
+      <p:sp>
+        <p:nvSpPr>
+          <p:cNvPr id="103" name="TextBox 102"/>
+          <p:cNvSpPr txBox="1"/>
+          <p:nvPr/>
+        </p:nvSpPr>
+        <p:spPr>
+          <a:xfrm>
+            <a:off x="6516214" y="35332"/>
+            <a:ext cx="2592289" cy="369332"/>
+          </a:xfrm>
+          <a:prstGeom prst="rect">
+            <a:avLst/>
+          </a:prstGeom>
+          <a:noFill/>
+        </p:spPr>
+        <p:txBody>
+          <a:bodyPr wrap="square" rtlCol="0">
+            <a:spAutoFit/>
+          </a:bodyPr>
+          <a:lstStyle/>
+          <a:p>
+            <a:r>
+              <a:rPr lang="zh-CN" altLang="en-US" dirty="0" smtClean="0"/>
+              <a:t>首页</a:t>
+            </a:r>
+            <a:r>
+              <a:rPr lang="en-US" altLang="zh-CN" dirty="0" smtClean="0"/>
+              <a:t>|</a:t>
+            </a:r>
+            <a:r>
+              <a:rPr lang="zh-CN" altLang="en-US" dirty="0"/>
+              <a:t>管理∨</a:t>
+            </a:r>
+            <a:r>
+              <a:rPr lang="en-US" altLang="zh-CN" dirty="0" smtClean="0"/>
+              <a:t>|</a:t>
+            </a:r>
+            <a:r>
+              <a:rPr lang="zh-CN" altLang="en-US" dirty="0" smtClean="0"/>
+              <a:t>登录</a:t>
+            </a:r>
+            <a:r>
+              <a:rPr lang="en-US" altLang="zh-CN" dirty="0" smtClean="0"/>
+              <a:t>|</a:t>
+            </a:r>
+            <a:r>
+              <a:rPr lang="zh-CN" altLang="en-US" dirty="0" smtClean="0"/>
+              <a:t>注销</a:t>
+            </a:r>
+            <a:endParaRPr lang="zh-CN" altLang="en-US" dirty="0"/>
+          </a:p>
+        </p:txBody>
+      </p:sp>
+      <p:sp>
+        <p:nvSpPr>
+          <p:cNvPr id="104" name="TextBox 103"/>
+          <p:cNvSpPr txBox="1"/>
+          <p:nvPr/>
+        </p:nvSpPr>
+        <p:spPr>
+          <a:xfrm>
+            <a:off x="6848380" y="478413"/>
+            <a:ext cx="1107996" cy="646331"/>
+          </a:xfrm>
+          <a:prstGeom prst="wedgeRectCallout">
+            <a:avLst>
+              <a:gd name="adj1" fmla="val 21437"/>
+              <a:gd name="adj2" fmla="val -65173"/>
+            </a:avLst>
+          </a:prstGeom>
+        </p:spPr>
+        <p:style>
+          <a:lnRef idx="2">
+            <a:schemeClr val="accent2"/>
+          </a:lnRef>
+          <a:fillRef idx="1">
+            <a:schemeClr val="lt1"/>
+          </a:fillRef>
+          <a:effectRef idx="0">
+            <a:schemeClr val="accent2"/>
+          </a:effectRef>
+          <a:fontRef idx="minor">
+            <a:schemeClr val="dk1"/>
+          </a:fontRef>
+        </p:style>
+        <p:txBody>
+          <a:bodyPr wrap="none" rtlCol="0">
+            <a:spAutoFit/>
+          </a:bodyPr>
+          <a:lstStyle/>
+          <a:p>
+            <a:r>
+              <a:rPr lang="zh-CN" altLang="en-US" dirty="0" smtClean="0"/>
+              <a:t>目录管理</a:t>
+            </a:r>
+            <a:endParaRPr lang="en-US" altLang="zh-CN" dirty="0" smtClean="0"/>
+          </a:p>
+          <a:p>
+            <a:r>
+              <a:rPr lang="zh-CN" altLang="en-US" dirty="0" smtClean="0">
+                <a:solidFill>
+                  <a:schemeClr val="tx1"/>
+                </a:solidFill>
+              </a:rPr>
+              <a:t>参数配置</a:t>
+            </a:r>
+            <a:endParaRPr lang="en-US" altLang="zh-CN" dirty="0" smtClean="0">
+              <a:solidFill>
+                <a:schemeClr val="tx1"/>
+              </a:solidFill>
+            </a:endParaRPr>
+          </a:p>
+        </p:txBody>
+      </p:sp>
     </p:spTree>
   </p:cSld>
   <p:clrMapOvr>
@@ -8823,12 +9156,16 @@
           <a:lstStyle/>
           <a:p>
             <a:r>
-              <a:rPr lang="en-US" altLang="zh-CN" dirty="0" err="1" smtClean="0"/>
-              <a:t>Lite</a:t>
-            </a:r>
-            <a:r>
               <a:rPr lang="en-US" altLang="zh-CN" dirty="0" smtClean="0"/>
-              <a:t> KM</a:t>
+              <a:t>Lite </a:t>
+            </a:r>
+            <a:r>
+              <a:rPr lang="en-US" altLang="zh-CN" dirty="0"/>
+              <a:t>KM-</a:t>
+            </a:r>
+            <a:r>
+              <a:rPr lang="zh-CN" altLang="en-US" dirty="0"/>
+              <a:t>文件浏览</a:t>
             </a:r>
             <a:endParaRPr lang="zh-CN" altLang="en-US" dirty="0"/>
           </a:p>
@@ -9039,44 +9376,6 @@
             <a:r>
               <a:rPr lang="zh-CN" altLang="en-US" dirty="0" smtClean="0"/>
               <a:t>文件内容</a:t>
-            </a:r>
-            <a:endParaRPr lang="zh-CN" altLang="en-US" dirty="0"/>
-          </a:p>
-        </p:txBody>
-      </p:sp>
-      <p:sp>
-        <p:nvSpPr>
-          <p:cNvPr id="10" name="TextBox 9"/>
-          <p:cNvSpPr txBox="1"/>
-          <p:nvPr/>
-        </p:nvSpPr>
-        <p:spPr>
-          <a:xfrm>
-            <a:off x="7884368" y="35332"/>
-            <a:ext cx="1224136" cy="369332"/>
-          </a:xfrm>
-          <a:prstGeom prst="rect">
-            <a:avLst/>
-          </a:prstGeom>
-          <a:noFill/>
-        </p:spPr>
-        <p:txBody>
-          <a:bodyPr wrap="square" rtlCol="0">
-            <a:spAutoFit/>
-          </a:bodyPr>
-          <a:lstStyle/>
-          <a:p>
-            <a:r>
-              <a:rPr lang="zh-CN" altLang="en-US" dirty="0" smtClean="0"/>
-              <a:t>登录</a:t>
-            </a:r>
-            <a:r>
-              <a:rPr lang="en-US" altLang="zh-CN" dirty="0" smtClean="0"/>
-              <a:t>|</a:t>
-            </a:r>
-            <a:r>
-              <a:rPr lang="zh-CN" altLang="en-US" dirty="0" smtClean="0"/>
-              <a:t>注销</a:t>
             </a:r>
             <a:endParaRPr lang="zh-CN" altLang="en-US" dirty="0"/>
           </a:p>
@@ -10825,6 +11124,146 @@
           </a:p>
         </p:txBody>
       </p:sp>
+      <p:sp>
+        <p:nvSpPr>
+          <p:cNvPr id="57" name="TextBox 56"/>
+          <p:cNvSpPr txBox="1"/>
+          <p:nvPr/>
+        </p:nvSpPr>
+        <p:spPr>
+          <a:xfrm>
+            <a:off x="4848114" y="0"/>
+            <a:ext cx="1944216" cy="369332"/>
+          </a:xfrm>
+          <a:prstGeom prst="rect">
+            <a:avLst/>
+          </a:prstGeom>
+          <a:noFill/>
+        </p:spPr>
+        <p:txBody>
+          <a:bodyPr wrap="square" rtlCol="0">
+            <a:spAutoFit/>
+          </a:bodyPr>
+          <a:lstStyle/>
+          <a:p>
+            <a:r>
+              <a:rPr lang="zh-CN" altLang="en-US" dirty="0" smtClean="0"/>
+              <a:t>欢迎：管理员</a:t>
+            </a:r>
+            <a:endParaRPr lang="zh-CN" altLang="en-US" dirty="0"/>
+          </a:p>
+        </p:txBody>
+      </p:sp>
+      <p:sp>
+        <p:nvSpPr>
+          <p:cNvPr id="59" name="TextBox 58"/>
+          <p:cNvSpPr txBox="1"/>
+          <p:nvPr/>
+        </p:nvSpPr>
+        <p:spPr>
+          <a:xfrm>
+            <a:off x="179512" y="975906"/>
+            <a:ext cx="1008112" cy="1200329"/>
+          </a:xfrm>
+          <a:prstGeom prst="rect">
+            <a:avLst/>
+          </a:prstGeom>
+          <a:solidFill>
+            <a:srgbClr val="FFC000"/>
+          </a:solidFill>
+        </p:spPr>
+        <p:txBody>
+          <a:bodyPr wrap="square" rtlCol="0">
+            <a:spAutoFit/>
+          </a:bodyPr>
+          <a:lstStyle/>
+          <a:p>
+            <a:r>
+              <a:rPr lang="zh-CN" altLang="en-US" u="sng" dirty="0"/>
+              <a:t>展开</a:t>
+            </a:r>
+            <a:r>
+              <a:rPr lang="en-US" altLang="zh-CN" u="sng" dirty="0" smtClean="0"/>
+              <a:t>|</a:t>
+            </a:r>
+            <a:r>
+              <a:rPr lang="zh-CN" altLang="en-US" u="sng" dirty="0" smtClean="0"/>
+              <a:t>折叠</a:t>
+            </a:r>
+            <a:r>
+              <a:rPr lang="en-US" altLang="zh-CN" u="sng" dirty="0" smtClean="0"/>
+              <a:t>|</a:t>
+            </a:r>
+            <a:r>
+              <a:rPr lang="zh-CN" altLang="en-US" u="sng" dirty="0" smtClean="0"/>
+              <a:t>删除</a:t>
+            </a:r>
+            <a:r>
+              <a:rPr lang="en-US" altLang="zh-CN" u="sng" dirty="0" smtClean="0"/>
+              <a:t>|</a:t>
+            </a:r>
+            <a:r>
+              <a:rPr lang="zh-CN" altLang="en-US" u="sng" dirty="0" smtClean="0"/>
+              <a:t>创建子目录</a:t>
+            </a:r>
+            <a:endParaRPr lang="zh-CN" altLang="en-US" u="sng" dirty="0"/>
+          </a:p>
+        </p:txBody>
+      </p:sp>
+      <p:sp>
+        <p:nvSpPr>
+          <p:cNvPr id="62" name="TextBox 61"/>
+          <p:cNvSpPr txBox="1"/>
+          <p:nvPr/>
+        </p:nvSpPr>
+        <p:spPr>
+          <a:xfrm>
+            <a:off x="6516214" y="35332"/>
+            <a:ext cx="2592289" cy="369332"/>
+          </a:xfrm>
+          <a:prstGeom prst="rect">
+            <a:avLst/>
+          </a:prstGeom>
+          <a:noFill/>
+        </p:spPr>
+        <p:txBody>
+          <a:bodyPr wrap="square" rtlCol="0">
+            <a:spAutoFit/>
+          </a:bodyPr>
+          <a:lstStyle/>
+          <a:p>
+            <a:r>
+              <a:rPr lang="zh-CN" altLang="en-US" dirty="0" smtClean="0"/>
+              <a:t>首页</a:t>
+            </a:r>
+            <a:r>
+              <a:rPr lang="en-US" altLang="zh-CN" dirty="0" smtClean="0"/>
+              <a:t>|</a:t>
+            </a:r>
+            <a:r>
+              <a:rPr lang="zh-CN" altLang="en-US" dirty="0"/>
+              <a:t>管理∨</a:t>
+            </a:r>
+            <a:r>
+              <a:rPr lang="en-US" altLang="zh-CN" dirty="0" smtClean="0"/>
+              <a:t>|</a:t>
+            </a:r>
+            <a:r>
+              <a:rPr lang="zh-CN" altLang="en-US" dirty="0" smtClean="0"/>
+              <a:t>登录</a:t>
+            </a:r>
+            <a:r>
+              <a:rPr lang="en-US" altLang="zh-CN" dirty="0" smtClean="0"/>
+              <a:t>|</a:t>
+            </a:r>
+            <a:r>
+              <a:rPr lang="zh-CN" altLang="en-US" dirty="0" smtClean="0"/>
+              <a:t>注销</a:t>
+            </a:r>
+            <a:endParaRPr lang="zh-CN" altLang="en-US" dirty="0"/>
+          </a:p>
+        </p:txBody>
+      </p:sp>
     </p:spTree>
   </p:cSld>
   <p:clrMapOvr>
@@ -10886,12 +11325,16 @@
           <a:lstStyle/>
           <a:p>
             <a:r>
-              <a:rPr lang="en-US" altLang="zh-CN" dirty="0" err="1" smtClean="0"/>
-              <a:t>Lite</a:t>
-            </a:r>
-            <a:r>
               <a:rPr lang="en-US" altLang="zh-CN" dirty="0" smtClean="0"/>
-              <a:t> KM</a:t>
+              <a:t>Lite </a:t>
+            </a:r>
+            <a:r>
+              <a:rPr lang="en-US" altLang="zh-CN" dirty="0"/>
+              <a:t>KM-</a:t>
+            </a:r>
+            <a:r>
+              <a:rPr lang="zh-CN" altLang="en-US" dirty="0"/>
+              <a:t>文件浏览</a:t>
             </a:r>
             <a:endParaRPr lang="zh-CN" altLang="en-US" dirty="0"/>
           </a:p>
@@ -11102,44 +11545,6 @@
             <a:r>
               <a:rPr lang="zh-CN" altLang="en-US" dirty="0" smtClean="0"/>
               <a:t>文件内容</a:t>
-            </a:r>
-            <a:endParaRPr lang="zh-CN" altLang="en-US" dirty="0"/>
-          </a:p>
-        </p:txBody>
-      </p:sp>
-      <p:sp>
-        <p:nvSpPr>
-          <p:cNvPr id="10" name="TextBox 9"/>
-          <p:cNvSpPr txBox="1"/>
-          <p:nvPr/>
-        </p:nvSpPr>
-        <p:spPr>
-          <a:xfrm>
-            <a:off x="7884368" y="35332"/>
-            <a:ext cx="1224136" cy="369332"/>
-          </a:xfrm>
-          <a:prstGeom prst="rect">
-            <a:avLst/>
-          </a:prstGeom>
-          <a:noFill/>
-        </p:spPr>
-        <p:txBody>
-          <a:bodyPr wrap="square" rtlCol="0">
-            <a:spAutoFit/>
-          </a:bodyPr>
-          <a:lstStyle/>
-          <a:p>
-            <a:r>
-              <a:rPr lang="zh-CN" altLang="en-US" dirty="0" smtClean="0"/>
-              <a:t>登录</a:t>
-            </a:r>
-            <a:r>
-              <a:rPr lang="en-US" altLang="zh-CN" dirty="0" smtClean="0"/>
-              <a:t>|</a:t>
-            </a:r>
-            <a:r>
-              <a:rPr lang="zh-CN" altLang="en-US" dirty="0" smtClean="0"/>
-              <a:t>注销</a:t>
             </a:r>
             <a:endParaRPr lang="zh-CN" altLang="en-US" dirty="0"/>
           </a:p>
@@ -11715,8 +12120,31 @@
                   </a:schemeClr>
                 </a:solidFill>
               </a:rPr>
-              <a:t>Version 31</a:t>
-            </a:r>
+              <a:t>Version </a:t>
+            </a:r>
+            <a:r>
+              <a:rPr lang="en-US" altLang="zh-CN" u="sng" dirty="0" smtClean="0">
+                <a:solidFill>
+                  <a:schemeClr val="tx2">
+                    <a:lumMod val="60000"/>
+                    <a:lumOff val="40000"/>
+                  </a:schemeClr>
+                </a:solidFill>
+              </a:rPr>
+              <a:t>31</a:t>
+            </a:r>
+            <a:r>
+              <a:rPr lang="zh-CN" altLang="en-US" dirty="0"/>
+              <a:t> </a:t>
+            </a:r>
+            <a:endParaRPr lang="en-US" altLang="zh-CN" u="sng" dirty="0" smtClean="0">
+              <a:solidFill>
+                <a:schemeClr val="tx2">
+                  <a:lumMod val="60000"/>
+                  <a:lumOff val="40000"/>
+                </a:schemeClr>
+              </a:solidFill>
+            </a:endParaRPr>
           </a:p>
           <a:p>
             <a:r>
@@ -11787,19 +12215,7 @@
             </a:r>
             <a:r>
               <a:rPr lang="en-US" altLang="zh-CN" dirty="0" smtClean="0"/>
-              <a:t>………………………</a:t>
-            </a:r>
-            <a:r>
-              <a:rPr lang="en-US" altLang="zh-CN" dirty="0" smtClean="0"/>
-              <a:t> </a:t>
-            </a:r>
-            <a:r>
-              <a:rPr lang="en-US" altLang="zh-CN" dirty="0" smtClean="0"/>
-              <a:t>………………</a:t>
-            </a:r>
-            <a:r>
-              <a:rPr lang="en-US" altLang="zh-CN" dirty="0" smtClean="0"/>
-              <a:t>…</a:t>
+              <a:t>……………………… …………………</a:t>
             </a:r>
             <a:r>
               <a:rPr lang="zh-CN" altLang="en-US" u="sng" dirty="0" smtClean="0"/>
@@ -11845,11 +12261,7 @@
             </a:r>
             <a:r>
               <a:rPr lang="en-US" altLang="zh-CN" dirty="0" smtClean="0"/>
-              <a:t>(1</a:t>
-            </a:r>
-            <a:r>
-              <a:rPr lang="en-US" altLang="zh-CN" dirty="0" smtClean="0"/>
-              <a:t>)</a:t>
+              <a:t>(1)</a:t>
             </a:r>
           </a:p>
           <a:p>
@@ -12311,8 +12723,8 @@
         </p:nvGrpSpPr>
         <p:grpSpPr>
           <a:xfrm>
-            <a:off x="5868144" y="3429000"/>
-            <a:ext cx="1800200" cy="1512168"/>
+            <a:off x="7258026" y="3182991"/>
+            <a:ext cx="1396700" cy="1120770"/>
             <a:chOff x="2555776" y="4293096"/>
             <a:chExt cx="1800200" cy="1512168"/>
           </a:xfrm>
@@ -12330,8 +12742,8 @@
             </a:xfrm>
             <a:prstGeom prst="wedgeRectCallout">
               <a:avLst>
-                <a:gd name="adj1" fmla="val -23821"/>
-                <a:gd name="adj2" fmla="val 88288"/>
+                <a:gd name="adj1" fmla="val 30071"/>
+                <a:gd name="adj2" fmla="val 83126"/>
               </a:avLst>
             </a:prstGeom>
           </p:spPr>
@@ -12509,8 +12921,8 @@
         </p:nvGrpSpPr>
         <p:grpSpPr>
           <a:xfrm>
-            <a:off x="1907704" y="3789040"/>
-            <a:ext cx="3168352" cy="1512168"/>
+            <a:off x="125760" y="3928224"/>
+            <a:ext cx="1224136" cy="1512168"/>
             <a:chOff x="1907704" y="3789040"/>
             <a:chExt cx="3168352" cy="1512168"/>
           </a:xfrm>
@@ -12528,8 +12940,8 @@
             </a:xfrm>
             <a:prstGeom prst="wedgeRectCallout">
               <a:avLst>
-                <a:gd name="adj1" fmla="val -38659"/>
-                <a:gd name="adj2" fmla="val 88288"/>
+                <a:gd name="adj1" fmla="val 94339"/>
+                <a:gd name="adj2" fmla="val 85338"/>
               </a:avLst>
             </a:prstGeom>
           </p:spPr>
@@ -12603,8 +13015,8 @@
           </p:nvSpPr>
           <p:spPr>
             <a:xfrm>
-              <a:off x="3995936" y="4896054"/>
-              <a:ext cx="936104" cy="360040"/>
+              <a:off x="2466825" y="4896054"/>
+              <a:ext cx="2465219" cy="360040"/>
             </a:xfrm>
             <a:prstGeom prst="roundRect">
               <a:avLst/>
@@ -12795,6 +13207,146 @@
           <a:p>
             <a:pPr algn="ctr"/>
             <a:endParaRPr lang="zh-CN" altLang="en-US"/>
+          </a:p>
+        </p:txBody>
+      </p:sp>
+      <p:sp>
+        <p:nvSpPr>
+          <p:cNvPr id="58" name="TextBox 57"/>
+          <p:cNvSpPr txBox="1"/>
+          <p:nvPr/>
+        </p:nvSpPr>
+        <p:spPr>
+          <a:xfrm>
+            <a:off x="4848114" y="0"/>
+            <a:ext cx="1944216" cy="369332"/>
+          </a:xfrm>
+          <a:prstGeom prst="rect">
+            <a:avLst/>
+          </a:prstGeom>
+          <a:noFill/>
+        </p:spPr>
+        <p:txBody>
+          <a:bodyPr wrap="square" rtlCol="0">
+            <a:spAutoFit/>
+          </a:bodyPr>
+          <a:lstStyle/>
+          <a:p>
+            <a:r>
+              <a:rPr lang="zh-CN" altLang="en-US" dirty="0" smtClean="0"/>
+              <a:t>欢迎：管理员</a:t>
+            </a:r>
+            <a:endParaRPr lang="zh-CN" altLang="en-US" dirty="0"/>
+          </a:p>
+        </p:txBody>
+      </p:sp>
+      <p:sp>
+        <p:nvSpPr>
+          <p:cNvPr id="59" name="TextBox 58"/>
+          <p:cNvSpPr txBox="1"/>
+          <p:nvPr/>
+        </p:nvSpPr>
+        <p:spPr>
+          <a:xfrm>
+            <a:off x="179512" y="975906"/>
+            <a:ext cx="1008112" cy="1200329"/>
+          </a:xfrm>
+          <a:prstGeom prst="rect">
+            <a:avLst/>
+          </a:prstGeom>
+          <a:solidFill>
+            <a:srgbClr val="FFC000"/>
+          </a:solidFill>
+        </p:spPr>
+        <p:txBody>
+          <a:bodyPr wrap="square" rtlCol="0">
+            <a:spAutoFit/>
+          </a:bodyPr>
+          <a:lstStyle/>
+          <a:p>
+            <a:r>
+              <a:rPr lang="zh-CN" altLang="en-US" u="sng" dirty="0"/>
+              <a:t>展开</a:t>
+            </a:r>
+            <a:r>
+              <a:rPr lang="en-US" altLang="zh-CN" u="sng" dirty="0" smtClean="0"/>
+              <a:t>|</a:t>
+            </a:r>
+            <a:r>
+              <a:rPr lang="zh-CN" altLang="en-US" u="sng" dirty="0" smtClean="0"/>
+              <a:t>折叠</a:t>
+            </a:r>
+            <a:r>
+              <a:rPr lang="en-US" altLang="zh-CN" u="sng" dirty="0" smtClean="0"/>
+              <a:t>|</a:t>
+            </a:r>
+            <a:r>
+              <a:rPr lang="zh-CN" altLang="en-US" u="sng" dirty="0" smtClean="0"/>
+              <a:t>删除</a:t>
+            </a:r>
+            <a:r>
+              <a:rPr lang="en-US" altLang="zh-CN" u="sng" dirty="0" smtClean="0"/>
+              <a:t>|</a:t>
+            </a:r>
+            <a:r>
+              <a:rPr lang="zh-CN" altLang="en-US" u="sng" dirty="0" smtClean="0"/>
+              <a:t>创建子目录</a:t>
+            </a:r>
+            <a:endParaRPr lang="zh-CN" altLang="en-US" u="sng" dirty="0"/>
+          </a:p>
+        </p:txBody>
+      </p:sp>
+      <p:sp>
+        <p:nvSpPr>
+          <p:cNvPr id="60" name="TextBox 59"/>
+          <p:cNvSpPr txBox="1"/>
+          <p:nvPr/>
+        </p:nvSpPr>
+        <p:spPr>
+          <a:xfrm>
+            <a:off x="6516214" y="35332"/>
+            <a:ext cx="2592289" cy="369332"/>
+          </a:xfrm>
+          <a:prstGeom prst="rect">
+            <a:avLst/>
+          </a:prstGeom>
+          <a:noFill/>
+        </p:spPr>
+        <p:txBody>
+          <a:bodyPr wrap="square" rtlCol="0">
+            <a:spAutoFit/>
+          </a:bodyPr>
+          <a:lstStyle/>
+          <a:p>
+            <a:r>
+              <a:rPr lang="zh-CN" altLang="en-US" dirty="0" smtClean="0"/>
+              <a:t>首页</a:t>
+            </a:r>
+            <a:r>
+              <a:rPr lang="en-US" altLang="zh-CN" dirty="0" smtClean="0"/>
+              <a:t>|</a:t>
+            </a:r>
+            <a:r>
+              <a:rPr lang="zh-CN" altLang="en-US" dirty="0"/>
+              <a:t>管理∨</a:t>
+            </a:r>
+            <a:r>
+              <a:rPr lang="en-US" altLang="zh-CN" dirty="0" smtClean="0"/>
+              <a:t>|</a:t>
+            </a:r>
+            <a:r>
+              <a:rPr lang="zh-CN" altLang="en-US" dirty="0" smtClean="0"/>
+              <a:t>登录</a:t>
+            </a:r>
+            <a:r>
+              <a:rPr lang="en-US" altLang="zh-CN" dirty="0" smtClean="0"/>
+              <a:t>|</a:t>
+            </a:r>
+            <a:r>
+              <a:rPr lang="zh-CN" altLang="en-US" dirty="0" smtClean="0"/>
+              <a:t>注销</a:t>
+            </a:r>
+            <a:endParaRPr lang="zh-CN" altLang="en-US" dirty="0"/>
           </a:p>
         </p:txBody>
       </p:sp>
@@ -12859,12 +13411,16 @@
           <a:lstStyle/>
           <a:p>
             <a:r>
-              <a:rPr lang="en-US" altLang="zh-CN" dirty="0" err="1" smtClean="0"/>
-              <a:t>Lite</a:t>
-            </a:r>
-            <a:r>
               <a:rPr lang="en-US" altLang="zh-CN" dirty="0" smtClean="0"/>
-              <a:t> KM</a:t>
+              <a:t>Lite </a:t>
+            </a:r>
+            <a:r>
+              <a:rPr lang="en-US" altLang="zh-CN" dirty="0"/>
+              <a:t>KM-</a:t>
+            </a:r>
+            <a:r>
+              <a:rPr lang="zh-CN" altLang="en-US" dirty="0"/>
+              <a:t>文件浏览</a:t>
             </a:r>
             <a:endParaRPr lang="zh-CN" altLang="en-US" dirty="0"/>
           </a:p>
@@ -13033,44 +13589,6 @@
             <a:r>
               <a:rPr lang="zh-CN" altLang="en-US" dirty="0" smtClean="0"/>
               <a:t>目录树</a:t>
-            </a:r>
-            <a:endParaRPr lang="zh-CN" altLang="en-US" dirty="0"/>
-          </a:p>
-        </p:txBody>
-      </p:sp>
-      <p:sp>
-        <p:nvSpPr>
-          <p:cNvPr id="10" name="TextBox 9"/>
-          <p:cNvSpPr txBox="1"/>
-          <p:nvPr/>
-        </p:nvSpPr>
-        <p:spPr>
-          <a:xfrm>
-            <a:off x="7884368" y="35332"/>
-            <a:ext cx="1224136" cy="369332"/>
-          </a:xfrm>
-          <a:prstGeom prst="rect">
-            <a:avLst/>
-          </a:prstGeom>
-          <a:noFill/>
-        </p:spPr>
-        <p:txBody>
-          <a:bodyPr wrap="square" rtlCol="0">
-            <a:spAutoFit/>
-          </a:bodyPr>
-          <a:lstStyle/>
-          <a:p>
-            <a:r>
-              <a:rPr lang="zh-CN" altLang="en-US" dirty="0" smtClean="0"/>
-              <a:t>登录</a:t>
-            </a:r>
-            <a:r>
-              <a:rPr lang="en-US" altLang="zh-CN" dirty="0" smtClean="0"/>
-              <a:t>|</a:t>
-            </a:r>
-            <a:r>
-              <a:rPr lang="zh-CN" altLang="en-US" dirty="0" smtClean="0"/>
-              <a:t>注销</a:t>
             </a:r>
             <a:endParaRPr lang="zh-CN" altLang="en-US" dirty="0"/>
           </a:p>
@@ -13202,7 +13720,7 @@
         <p:spPr>
           <a:xfrm>
             <a:off x="1547664" y="1340768"/>
-            <a:ext cx="7596336" cy="2736304"/>
+            <a:ext cx="7596336" cy="1440160"/>
           </a:xfrm>
           <a:prstGeom prst="rect">
             <a:avLst/>
@@ -13229,15 +13747,7 @@
             <a:pPr algn="ctr"/>
             <a:r>
               <a:rPr lang="zh-CN" altLang="en-US" dirty="0" smtClean="0"/>
-              <a:t>文档</a:t>
-            </a:r>
-            <a:r>
-              <a:rPr lang="zh-CN" altLang="en-US" dirty="0" smtClean="0"/>
-              <a:t>预</a:t>
-            </a:r>
-            <a:r>
-              <a:rPr lang="zh-CN" altLang="en-US" dirty="0" smtClean="0"/>
-              <a:t>览</a:t>
+              <a:t>文档预览</a:t>
             </a:r>
             <a:endParaRPr lang="zh-CN" altLang="en-US" dirty="0"/>
           </a:p>
@@ -13403,8 +13913,8 @@
         </p:nvSpPr>
         <p:spPr>
           <a:xfrm>
-            <a:off x="1547664" y="4145012"/>
-            <a:ext cx="7596336" cy="2308324"/>
+            <a:off x="1547664" y="2780928"/>
+            <a:ext cx="7596336" cy="3693319"/>
           </a:xfrm>
           <a:prstGeom prst="rect">
             <a:avLst/>
@@ -13552,19 +14062,7 @@
             </a:r>
             <a:r>
               <a:rPr lang="en-US" altLang="zh-CN" dirty="0" smtClean="0"/>
-              <a:t>………………………</a:t>
-            </a:r>
-            <a:r>
-              <a:rPr lang="en-US" altLang="zh-CN" dirty="0" smtClean="0"/>
-              <a:t> </a:t>
-            </a:r>
-            <a:r>
-              <a:rPr lang="en-US" altLang="zh-CN" dirty="0" smtClean="0"/>
-              <a:t>………………</a:t>
-            </a:r>
-            <a:r>
-              <a:rPr lang="en-US" altLang="zh-CN" dirty="0" smtClean="0"/>
-              <a:t>…</a:t>
+              <a:t>……………………… …………………</a:t>
             </a:r>
             <a:r>
               <a:rPr lang="zh-CN" altLang="en-US" u="sng" dirty="0" smtClean="0"/>
@@ -13610,11 +14108,7 @@
             </a:r>
             <a:r>
               <a:rPr lang="en-US" altLang="zh-CN" dirty="0" smtClean="0"/>
-              <a:t>(1</a:t>
-            </a:r>
-            <a:r>
-              <a:rPr lang="en-US" altLang="zh-CN" dirty="0" smtClean="0"/>
-              <a:t>)</a:t>
+              <a:t>(1)</a:t>
             </a:r>
           </a:p>
           <a:p>
@@ -13624,9 +14118,101 @@
             </a:pPr>
             <a:r>
               <a:rPr lang="zh-CN" altLang="en-US" u="sng" dirty="0" smtClean="0"/>
-              <a:t>增加评论</a:t>
+              <a:t>增加</a:t>
+            </a:r>
+            <a:r>
+              <a:rPr lang="zh-CN" altLang="en-US" u="sng" dirty="0" smtClean="0"/>
+              <a:t>评论</a:t>
             </a:r>
             <a:endParaRPr lang="en-US" altLang="zh-CN" u="sng" dirty="0" smtClean="0"/>
+          </a:p>
+          <a:p>
+            <a:r>
+              <a:rPr lang="en-US" altLang="zh-CN" dirty="0"/>
+              <a:t>---------------------------------------------------------------------------------</a:t>
+            </a:r>
+          </a:p>
+          <a:p>
+            <a:r>
+              <a:rPr lang="zh-CN" altLang="en-US" dirty="0" smtClean="0"/>
+              <a:t>历史版本： （暂不支持比较）</a:t>
+            </a:r>
+            <a:endParaRPr lang="en-US" altLang="zh-CN" dirty="0" smtClean="0"/>
+          </a:p>
+          <a:p>
+            <a:r>
+              <a:rPr lang="en-US" altLang="zh-CN" dirty="0" smtClean="0"/>
+              <a:t>Version 1| 2010-1-1| </a:t>
+            </a:r>
+            <a:r>
+              <a:rPr lang="zh-CN" altLang="en-US" dirty="0" smtClean="0"/>
+              <a:t>李四 </a:t>
+            </a:r>
+            <a:r>
+              <a:rPr lang="en-US" altLang="zh-CN" dirty="0" smtClean="0"/>
+              <a:t>| </a:t>
+            </a:r>
+            <a:r>
+              <a:rPr lang="zh-CN" altLang="en-US" u="sng" dirty="0" smtClean="0"/>
+              <a:t>查看</a:t>
+            </a:r>
+            <a:r>
+              <a:rPr lang="en-US" altLang="zh-CN" dirty="0" smtClean="0"/>
+              <a:t>|</a:t>
+            </a:r>
+          </a:p>
+          <a:p>
+            <a:r>
+              <a:rPr lang="en-US" altLang="zh-CN" dirty="0" smtClean="0"/>
+              <a:t>Version 2| </a:t>
+            </a:r>
+            <a:r>
+              <a:rPr lang="en-US" altLang="zh-CN" dirty="0"/>
+              <a:t>2010-1-1| </a:t>
+            </a:r>
+            <a:r>
+              <a:rPr lang="zh-CN" altLang="en-US" dirty="0"/>
+              <a:t>李四 </a:t>
+            </a:r>
+            <a:r>
+              <a:rPr lang="en-US" altLang="zh-CN" dirty="0"/>
+              <a:t>| </a:t>
+            </a:r>
+            <a:r>
+              <a:rPr lang="zh-CN" altLang="en-US" u="sng" dirty="0"/>
+              <a:t>查看</a:t>
+            </a:r>
+            <a:r>
+              <a:rPr lang="en-US" altLang="zh-CN" dirty="0"/>
+              <a:t>|</a:t>
+            </a:r>
+          </a:p>
+          <a:p>
+            <a:r>
+              <a:rPr lang="en-US" altLang="zh-CN" dirty="0" smtClean="0"/>
+              <a:t>Version 3| </a:t>
+            </a:r>
+            <a:r>
+              <a:rPr lang="en-US" altLang="zh-CN" dirty="0"/>
+              <a:t>2010-1-1| </a:t>
+            </a:r>
+            <a:r>
+              <a:rPr lang="zh-CN" altLang="en-US" dirty="0"/>
+              <a:t>李四 </a:t>
+            </a:r>
+            <a:r>
+              <a:rPr lang="en-US" altLang="zh-CN" dirty="0"/>
+              <a:t>| </a:t>
+            </a:r>
+            <a:r>
+              <a:rPr lang="zh-CN" altLang="en-US" u="sng" dirty="0"/>
+              <a:t>查看</a:t>
+            </a:r>
+            <a:r>
+              <a:rPr lang="en-US" altLang="zh-CN" dirty="0" smtClean="0"/>
+              <a:t>|</a:t>
+            </a:r>
+            <a:endParaRPr lang="en-US" altLang="zh-CN" dirty="0" smtClean="0"/>
           </a:p>
         </p:txBody>
       </p:sp>
@@ -13678,7 +14264,7 @@
         </p:nvSpPr>
         <p:spPr>
           <a:xfrm flipV="1">
-            <a:off x="8892480" y="4217020"/>
+            <a:off x="8892480" y="2924944"/>
             <a:ext cx="216024" cy="288032"/>
           </a:xfrm>
           <a:prstGeom prst="downArrow">
@@ -13744,7 +14330,7 @@
         </p:nvGrpSpPr>
         <p:grpSpPr>
           <a:xfrm>
-            <a:off x="2555776" y="2708920"/>
+            <a:off x="6792330" y="1638092"/>
             <a:ext cx="1800200" cy="1512168"/>
             <a:chOff x="2555776" y="4293096"/>
             <a:chExt cx="1800200" cy="1512168"/>
@@ -13763,8 +14349,8 @@
             </a:xfrm>
             <a:prstGeom prst="wedgeRectCallout">
               <a:avLst>
-                <a:gd name="adj1" fmla="val -20833"/>
-                <a:gd name="adj2" fmla="val 105184"/>
+                <a:gd name="adj1" fmla="val 189158"/>
+                <a:gd name="adj2" fmla="val 94860"/>
               </a:avLst>
             </a:prstGeom>
           </p:spPr>
@@ -13942,8 +14528,8 @@
         </p:nvGrpSpPr>
         <p:grpSpPr>
           <a:xfrm>
-            <a:off x="5652120" y="3933056"/>
-            <a:ext cx="3168352" cy="1584176"/>
+            <a:off x="179512" y="4014356"/>
+            <a:ext cx="1296144" cy="1584176"/>
             <a:chOff x="1907704" y="3789040"/>
             <a:chExt cx="3168352" cy="1584176"/>
           </a:xfrm>
@@ -13961,8 +14547,8 @@
             </a:xfrm>
             <a:prstGeom prst="wedgeRectCallout">
               <a:avLst>
-                <a:gd name="adj1" fmla="val 98004"/>
-                <a:gd name="adj2" fmla="val 145160"/>
+                <a:gd name="adj1" fmla="val 14238"/>
+                <a:gd name="adj2" fmla="val -72506"/>
               </a:avLst>
             </a:prstGeom>
           </p:spPr>
@@ -14036,8 +14622,8 @@
           </p:nvSpPr>
           <p:spPr>
             <a:xfrm>
-              <a:off x="3995936" y="4896054"/>
-              <a:ext cx="936104" cy="360040"/>
+              <a:off x="2435763" y="4896054"/>
+              <a:ext cx="2496279" cy="360040"/>
             </a:xfrm>
             <a:prstGeom prst="roundRect">
               <a:avLst/>
@@ -14127,11 +14713,7 @@
           <a:p>
             <a:r>
               <a:rPr lang="zh-CN" altLang="en-US" u="sng" dirty="0" smtClean="0"/>
-              <a:t>全</a:t>
-            </a:r>
-            <a:r>
-              <a:rPr lang="zh-CN" altLang="en-US" u="sng" dirty="0" smtClean="0"/>
-              <a:t>屏</a:t>
+              <a:t>全屏</a:t>
             </a:r>
             <a:r>
               <a:rPr lang="en-US" altLang="zh-CN" u="sng" dirty="0" smtClean="0"/>
@@ -14166,6 +14748,146 @@
               <a:t>下载</a:t>
             </a:r>
             <a:endParaRPr lang="zh-CN" altLang="en-US" u="sng" dirty="0"/>
+          </a:p>
+        </p:txBody>
+      </p:sp>
+      <p:sp>
+        <p:nvSpPr>
+          <p:cNvPr id="32" name="TextBox 31"/>
+          <p:cNvSpPr txBox="1"/>
+          <p:nvPr/>
+        </p:nvSpPr>
+        <p:spPr>
+          <a:xfrm>
+            <a:off x="4848114" y="0"/>
+            <a:ext cx="1944216" cy="369332"/>
+          </a:xfrm>
+          <a:prstGeom prst="rect">
+            <a:avLst/>
+          </a:prstGeom>
+          <a:noFill/>
+        </p:spPr>
+        <p:txBody>
+          <a:bodyPr wrap="square" rtlCol="0">
+            <a:spAutoFit/>
+          </a:bodyPr>
+          <a:lstStyle/>
+          <a:p>
+            <a:r>
+              <a:rPr lang="zh-CN" altLang="en-US" dirty="0" smtClean="0"/>
+              <a:t>欢迎：管理员</a:t>
+            </a:r>
+            <a:endParaRPr lang="zh-CN" altLang="en-US" dirty="0"/>
+          </a:p>
+        </p:txBody>
+      </p:sp>
+      <p:sp>
+        <p:nvSpPr>
+          <p:cNvPr id="33" name="TextBox 32"/>
+          <p:cNvSpPr txBox="1"/>
+          <p:nvPr/>
+        </p:nvSpPr>
+        <p:spPr>
+          <a:xfrm>
+            <a:off x="179512" y="975906"/>
+            <a:ext cx="1008112" cy="1200329"/>
+          </a:xfrm>
+          <a:prstGeom prst="rect">
+            <a:avLst/>
+          </a:prstGeom>
+          <a:solidFill>
+            <a:srgbClr val="FFC000"/>
+          </a:solidFill>
+        </p:spPr>
+        <p:txBody>
+          <a:bodyPr wrap="square" rtlCol="0">
+            <a:spAutoFit/>
+          </a:bodyPr>
+          <a:lstStyle/>
+          <a:p>
+            <a:r>
+              <a:rPr lang="zh-CN" altLang="en-US" u="sng" dirty="0"/>
+              <a:t>展开</a:t>
+            </a:r>
+            <a:r>
+              <a:rPr lang="en-US" altLang="zh-CN" u="sng" dirty="0" smtClean="0"/>
+              <a:t>|</a:t>
+            </a:r>
+            <a:r>
+              <a:rPr lang="zh-CN" altLang="en-US" u="sng" dirty="0" smtClean="0"/>
+              <a:t>折叠</a:t>
+            </a:r>
+            <a:r>
+              <a:rPr lang="en-US" altLang="zh-CN" u="sng" dirty="0" smtClean="0"/>
+              <a:t>|</a:t>
+            </a:r>
+            <a:r>
+              <a:rPr lang="zh-CN" altLang="en-US" u="sng" dirty="0" smtClean="0"/>
+              <a:t>删除</a:t>
+            </a:r>
+            <a:r>
+              <a:rPr lang="en-US" altLang="zh-CN" u="sng" dirty="0" smtClean="0"/>
+              <a:t>|</a:t>
+            </a:r>
+            <a:r>
+              <a:rPr lang="zh-CN" altLang="en-US" u="sng" dirty="0" smtClean="0"/>
+              <a:t>创建子目录</a:t>
+            </a:r>
+            <a:endParaRPr lang="zh-CN" altLang="en-US" u="sng" dirty="0"/>
+          </a:p>
+        </p:txBody>
+      </p:sp>
+      <p:sp>
+        <p:nvSpPr>
+          <p:cNvPr id="34" name="TextBox 33"/>
+          <p:cNvSpPr txBox="1"/>
+          <p:nvPr/>
+        </p:nvSpPr>
+        <p:spPr>
+          <a:xfrm>
+            <a:off x="6516214" y="35332"/>
+            <a:ext cx="2592289" cy="369332"/>
+          </a:xfrm>
+          <a:prstGeom prst="rect">
+            <a:avLst/>
+          </a:prstGeom>
+          <a:noFill/>
+        </p:spPr>
+        <p:txBody>
+          <a:bodyPr wrap="square" rtlCol="0">
+            <a:spAutoFit/>
+          </a:bodyPr>
+          <a:lstStyle/>
+          <a:p>
+            <a:r>
+              <a:rPr lang="zh-CN" altLang="en-US" dirty="0" smtClean="0"/>
+              <a:t>首页</a:t>
+            </a:r>
+            <a:r>
+              <a:rPr lang="en-US" altLang="zh-CN" dirty="0" smtClean="0"/>
+              <a:t>|</a:t>
+            </a:r>
+            <a:r>
+              <a:rPr lang="zh-CN" altLang="en-US" dirty="0"/>
+              <a:t>管理∨</a:t>
+            </a:r>
+            <a:r>
+              <a:rPr lang="en-US" altLang="zh-CN" dirty="0" smtClean="0"/>
+              <a:t>|</a:t>
+            </a:r>
+            <a:r>
+              <a:rPr lang="zh-CN" altLang="en-US" dirty="0" smtClean="0"/>
+              <a:t>登录</a:t>
+            </a:r>
+            <a:r>
+              <a:rPr lang="en-US" altLang="zh-CN" dirty="0" smtClean="0"/>
+              <a:t>|</a:t>
+            </a:r>
+            <a:r>
+              <a:rPr lang="zh-CN" altLang="en-US" dirty="0" smtClean="0"/>
+              <a:t>注销</a:t>
+            </a:r>
+            <a:endParaRPr lang="zh-CN" altLang="en-US" dirty="0"/>
           </a:p>
         </p:txBody>
       </p:sp>
@@ -14230,12 +14952,20 @@
           <a:lstStyle/>
           <a:p>
             <a:r>
-              <a:rPr lang="en-US" altLang="zh-CN" dirty="0" err="1" smtClean="0"/>
-              <a:t>Lite</a:t>
-            </a:r>
-            <a:r>
               <a:rPr lang="en-US" altLang="zh-CN" dirty="0" smtClean="0"/>
-              <a:t> KM</a:t>
+              <a:t>Lite </a:t>
+            </a:r>
+            <a:r>
+              <a:rPr lang="en-US" altLang="zh-CN" dirty="0" smtClean="0"/>
+              <a:t>KM</a:t>
+            </a:r>
+            <a:r>
+              <a:rPr lang="en-US" altLang="zh-CN" dirty="0" smtClean="0"/>
+              <a:t>-</a:t>
+            </a:r>
+            <a:r>
+              <a:rPr lang="zh-CN" altLang="en-US" dirty="0" smtClean="0"/>
+              <a:t>目录管理</a:t>
             </a:r>
             <a:endParaRPr lang="zh-CN" altLang="en-US" dirty="0"/>
           </a:p>
@@ -14418,7 +15148,7 @@
         <p:spPr>
           <a:xfrm>
             <a:off x="1547664" y="836712"/>
-            <a:ext cx="6228184" cy="5616624"/>
+            <a:ext cx="7596336" cy="5616624"/>
           </a:xfrm>
           <a:prstGeom prst="rect">
             <a:avLst/>
@@ -14446,44 +15176,6 @@
             <a:r>
               <a:rPr lang="zh-CN" altLang="en-US" dirty="0" smtClean="0"/>
               <a:t>文件内容</a:t>
-            </a:r>
-            <a:endParaRPr lang="zh-CN" altLang="en-US" dirty="0"/>
-          </a:p>
-        </p:txBody>
-      </p:sp>
-      <p:sp>
-        <p:nvSpPr>
-          <p:cNvPr id="10" name="TextBox 9"/>
-          <p:cNvSpPr txBox="1"/>
-          <p:nvPr/>
-        </p:nvSpPr>
-        <p:spPr>
-          <a:xfrm>
-            <a:off x="7884368" y="35332"/>
-            <a:ext cx="1224136" cy="369332"/>
-          </a:xfrm>
-          <a:prstGeom prst="rect">
-            <a:avLst/>
-          </a:prstGeom>
-          <a:noFill/>
-        </p:spPr>
-        <p:txBody>
-          <a:bodyPr wrap="square" rtlCol="0">
-            <a:spAutoFit/>
-          </a:bodyPr>
-          <a:lstStyle/>
-          <a:p>
-            <a:r>
-              <a:rPr lang="zh-CN" altLang="en-US" dirty="0" smtClean="0"/>
-              <a:t>登录</a:t>
-            </a:r>
-            <a:r>
-              <a:rPr lang="en-US" altLang="zh-CN" dirty="0" smtClean="0"/>
-              <a:t>|</a:t>
-            </a:r>
-            <a:r>
-              <a:rPr lang="zh-CN" altLang="en-US" dirty="0" smtClean="0"/>
-              <a:t>注销</a:t>
             </a:r>
             <a:endParaRPr lang="zh-CN" altLang="en-US" dirty="0"/>
           </a:p>
@@ -14608,28 +15300,28 @@
       </p:sp>
       <p:grpSp>
         <p:nvGrpSpPr>
-          <p:cNvPr id="2" name="组合 16"/>
+          <p:cNvPr id="3" name="组合 17"/>
           <p:cNvGrpSpPr/>
           <p:nvPr/>
         </p:nvGrpSpPr>
         <p:grpSpPr>
           <a:xfrm>
-            <a:off x="1691680" y="1436583"/>
-            <a:ext cx="6084168" cy="1200329"/>
+            <a:off x="1691680" y="1907540"/>
+            <a:ext cx="5904656" cy="369332"/>
             <a:chOff x="3059832" y="1124744"/>
-            <a:chExt cx="6084168" cy="1200329"/>
+            <a:chExt cx="5904656" cy="369332"/>
           </a:xfrm>
         </p:grpSpPr>
         <p:sp>
           <p:nvSpPr>
-            <p:cNvPr id="14" name="TextBox 13"/>
+            <p:cNvPr id="19" name="TextBox 18"/>
             <p:cNvSpPr txBox="1"/>
             <p:nvPr/>
           </p:nvSpPr>
           <p:spPr>
             <a:xfrm>
               <a:off x="3059832" y="1124744"/>
-              <a:ext cx="5904656" cy="1200329"/>
+              <a:ext cx="5904656" cy="369332"/>
             </a:xfrm>
             <a:prstGeom prst="rect">
               <a:avLst/>
@@ -14664,22 +15356,20 @@
                 <a:t>          </a:t>
               </a:r>
               <a:r>
-                <a:rPr lang="en-US" altLang="zh-CN" u="sng" dirty="0" smtClean="0"/>
-                <a:t>a.doc</a:t>
-              </a:r>
-            </a:p>
-            <a:p>
-              <a:r>
-                <a:rPr lang="en-US" altLang="zh-CN" dirty="0"/>
-                <a:t> </a:t>
+                <a:rPr lang="zh-CN" altLang="en-US" dirty="0" smtClean="0"/>
+                <a:t>目录</a:t>
               </a:r>
               <a:r>
                 <a:rPr lang="en-US" altLang="zh-CN" dirty="0" smtClean="0"/>
-                <a:t>          </a:t>
-              </a:r>
-              <a:r>
-                <a:rPr lang="zh-CN" altLang="en-US" dirty="0" smtClean="0"/>
-                <a:t>作者：</a:t>
+                <a:t>1</a:t>
+              </a:r>
+              <a:r>
+                <a:rPr lang="en-US" altLang="zh-CN" dirty="0" smtClean="0"/>
+                <a:t>  </a:t>
+              </a:r>
+              <a:r>
+                <a:rPr lang="en-US" altLang="zh-CN" dirty="0" smtClean="0"/>
+                <a:t>| </a:t>
               </a:r>
               <a:r>
                 <a:rPr lang="zh-CN" altLang="en-US" u="sng" dirty="0" smtClean="0">
@@ -14694,128 +15384,30 @@
               </a:r>
               <a:r>
                 <a:rPr lang="en-US" altLang="zh-CN" dirty="0" smtClean="0"/>
-                <a:t>51667Bytes, 2013-11-25, </a:t>
-              </a:r>
-              <a:r>
-                <a:rPr lang="en-US" altLang="zh-CN" u="sng" dirty="0" smtClean="0">
-                  <a:solidFill>
-                    <a:schemeClr val="tx2">
-                      <a:lumMod val="60000"/>
-                      <a:lumOff val="40000"/>
-                    </a:schemeClr>
-                  </a:solidFill>
-                </a:rPr>
-                <a:t>Version 31</a:t>
-              </a:r>
-            </a:p>
-            <a:p>
-              <a:r>
-                <a:rPr lang="en-US" altLang="zh-CN" dirty="0"/>
-                <a:t> </a:t>
+                <a:t>| 1667 | </a:t>
               </a:r>
               <a:r>
                 <a:rPr lang="en-US" altLang="zh-CN" dirty="0" smtClean="0"/>
-                <a:t>          </a:t>
+                <a:t>2013-11-25 | </a:t>
               </a:r>
               <a:r>
                 <a:rPr lang="zh-CN" altLang="en-US" dirty="0" smtClean="0"/>
-                <a:t>文件简要介绍内容</a:t>
-              </a:r>
-              <a:r>
-                <a:rPr lang="en-US" altLang="zh-CN" dirty="0" smtClean="0"/>
-                <a:t>…</a:t>
-              </a:r>
-            </a:p>
-            <a:p>
-              <a:r>
-                <a:rPr lang="en-US" altLang="zh-CN" dirty="0"/>
-                <a:t> </a:t>
-              </a:r>
-              <a:r>
-                <a:rPr lang="en-US" altLang="zh-CN" dirty="0" smtClean="0"/>
-                <a:t>          </a:t>
-              </a:r>
-              <a:r>
-                <a:rPr lang="en-US" altLang="zh-CN" u="sng" dirty="0" smtClean="0"/>
-                <a:t>tag1</a:t>
-              </a:r>
-              <a:r>
-                <a:rPr lang="zh-CN" altLang="en-US" dirty="0" smtClean="0"/>
-                <a:t>，</a:t>
-              </a:r>
-              <a:r>
-                <a:rPr lang="en-US" altLang="zh-CN" u="sng" dirty="0" smtClean="0"/>
-                <a:t>tag2</a:t>
-              </a:r>
-              <a:r>
-                <a:rPr lang="zh-CN" altLang="en-US" dirty="0" smtClean="0"/>
-                <a:t>，</a:t>
-              </a:r>
-              <a:r>
-                <a:rPr lang="zh-CN" altLang="en-US" u="sng" dirty="0" smtClean="0"/>
-                <a:t>添加</a:t>
-              </a:r>
-              <a:r>
-                <a:rPr lang="en-US" altLang="zh-CN" u="sng" dirty="0" smtClean="0"/>
-                <a:t>Tag</a:t>
-              </a:r>
-              <a:endParaRPr lang="zh-CN" altLang="en-US" u="sng" dirty="0"/>
-            </a:p>
-          </p:txBody>
-        </p:sp>
-        <p:sp>
-          <p:nvSpPr>
-            <p:cNvPr id="15" name="TextBox 14"/>
-            <p:cNvSpPr txBox="1"/>
-            <p:nvPr/>
-          </p:nvSpPr>
-          <p:spPr>
-            <a:xfrm>
-              <a:off x="8316416" y="1124744"/>
-              <a:ext cx="827584" cy="1200329"/>
-            </a:xfrm>
-            <a:prstGeom prst="rect">
-              <a:avLst/>
-            </a:prstGeom>
-            <a:noFill/>
-          </p:spPr>
-          <p:txBody>
-            <a:bodyPr wrap="square" rtlCol="0">
-              <a:spAutoFit/>
-            </a:bodyPr>
-            <a:lstStyle/>
-            <a:p>
-              <a:r>
-                <a:rPr lang="zh-CN" altLang="en-US" u="sng" dirty="0" smtClean="0"/>
-                <a:t>预览</a:t>
-              </a:r>
-              <a:endParaRPr lang="en-US" altLang="zh-CN" u="sng" dirty="0" smtClean="0"/>
-            </a:p>
-            <a:p>
-              <a:r>
-                <a:rPr lang="zh-CN" altLang="en-US" u="sng" dirty="0" smtClean="0"/>
                 <a:t>删除</a:t>
               </a:r>
-              <a:endParaRPr lang="en-US" altLang="zh-CN" u="sng" dirty="0" smtClean="0"/>
-            </a:p>
-            <a:p>
-              <a:r>
-                <a:rPr lang="zh-CN" altLang="en-US" u="sng" dirty="0" smtClean="0"/>
-                <a:t>下载</a:t>
-              </a:r>
-              <a:endParaRPr lang="en-US" altLang="zh-CN" u="sng" dirty="0" smtClean="0"/>
-            </a:p>
-            <a:p>
-              <a:r>
-                <a:rPr lang="zh-CN" altLang="en-US" u="sng" dirty="0"/>
-                <a:t>评论</a:t>
-              </a:r>
+              <a:endParaRPr lang="en-US" altLang="zh-CN" u="sng" dirty="0" smtClean="0">
+                <a:solidFill>
+                  <a:schemeClr val="tx2">
+                    <a:lumMod val="60000"/>
+                    <a:lumOff val="40000"/>
+                  </a:schemeClr>
+                </a:solidFill>
+              </a:endParaRPr>
             </a:p>
           </p:txBody>
         </p:sp>
         <p:pic>
           <p:nvPicPr>
-            <p:cNvPr id="10242" name="Picture 2" descr="http://ts4.mm.bing.net/th?id=H.4567110543869391&amp;w=148&amp;h=145&amp;c=7&amp;rs=1&amp;pid=1.7"/>
+            <p:cNvPr id="21" name="Picture 2" descr="http://ts4.mm.bing.net/th?id=H.4567110543869391&amp;w=148&amp;h=145&amp;c=7&amp;rs=1&amp;pid=1.7"/>
             <p:cNvPicPr>
               <a:picLocks noChangeAspect="1" noChangeArrowheads="1"/>
             </p:cNvPicPr>
@@ -14830,8 +15422,8 @@
           </p:blipFill>
           <p:spPr bwMode="auto">
             <a:xfrm>
-              <a:off x="3119922" y="1196752"/>
-              <a:ext cx="587982" cy="576064"/>
+              <a:off x="3119922" y="1167107"/>
+              <a:ext cx="299950" cy="293870"/>
             </a:xfrm>
             <a:prstGeom prst="rect">
               <a:avLst/>
@@ -14842,28 +15434,28 @@
       </p:grpSp>
       <p:grpSp>
         <p:nvGrpSpPr>
-          <p:cNvPr id="3" name="组合 17"/>
+          <p:cNvPr id="46" name="组合 17"/>
           <p:cNvGrpSpPr/>
           <p:nvPr/>
         </p:nvGrpSpPr>
         <p:grpSpPr>
           <a:xfrm>
-            <a:off x="1691680" y="2660719"/>
-            <a:ext cx="6084168" cy="1200329"/>
+            <a:off x="1691680" y="2276872"/>
+            <a:ext cx="5904656" cy="369332"/>
             <a:chOff x="3059832" y="1124744"/>
-            <a:chExt cx="6084168" cy="1200329"/>
+            <a:chExt cx="5904656" cy="369332"/>
           </a:xfrm>
         </p:grpSpPr>
         <p:sp>
           <p:nvSpPr>
-            <p:cNvPr id="19" name="TextBox 18"/>
+            <p:cNvPr id="47" name="TextBox 46"/>
             <p:cNvSpPr txBox="1"/>
             <p:nvPr/>
           </p:nvSpPr>
           <p:spPr>
             <a:xfrm>
               <a:off x="3059832" y="1124744"/>
-              <a:ext cx="5904656" cy="1200329"/>
+              <a:ext cx="5904656" cy="369332"/>
             </a:xfrm>
             <a:prstGeom prst="rect">
               <a:avLst/>
@@ -14898,22 +15490,16 @@
                 <a:t>          </a:t>
               </a:r>
               <a:r>
-                <a:rPr lang="en-US" altLang="zh-CN" u="sng" dirty="0" smtClean="0"/>
-                <a:t>a.doc</a:t>
-              </a:r>
-            </a:p>
-            <a:p>
-              <a:r>
-                <a:rPr lang="en-US" altLang="zh-CN" dirty="0"/>
-                <a:t> </a:t>
+                <a:rPr lang="zh-CN" altLang="en-US" dirty="0" smtClean="0"/>
+                <a:t>目录</a:t>
               </a:r>
               <a:r>
                 <a:rPr lang="en-US" altLang="zh-CN" dirty="0" smtClean="0"/>
-                <a:t>          </a:t>
-              </a:r>
-              <a:r>
-                <a:rPr lang="zh-CN" altLang="en-US" dirty="0" smtClean="0"/>
-                <a:t>作者：</a:t>
+                <a:t>2  </a:t>
+              </a:r>
+              <a:r>
+                <a:rPr lang="en-US" altLang="zh-CN" dirty="0" smtClean="0"/>
+                <a:t>| </a:t>
               </a:r>
               <a:r>
                 <a:rPr lang="zh-CN" altLang="en-US" u="sng" dirty="0" smtClean="0">
@@ -14928,128 +15514,30 @@
               </a:r>
               <a:r>
                 <a:rPr lang="en-US" altLang="zh-CN" dirty="0" smtClean="0"/>
-                <a:t>51667Bytes, 2013-11-25, </a:t>
-              </a:r>
-              <a:r>
-                <a:rPr lang="en-US" altLang="zh-CN" u="sng" dirty="0" smtClean="0">
-                  <a:solidFill>
-                    <a:schemeClr val="tx2">
-                      <a:lumMod val="60000"/>
-                      <a:lumOff val="40000"/>
-                    </a:schemeClr>
-                  </a:solidFill>
-                </a:rPr>
-                <a:t>Version 31</a:t>
-              </a:r>
-            </a:p>
-            <a:p>
-              <a:r>
-                <a:rPr lang="en-US" altLang="zh-CN" dirty="0"/>
-                <a:t> </a:t>
+                <a:t>| 1667 | </a:t>
               </a:r>
               <a:r>
                 <a:rPr lang="en-US" altLang="zh-CN" dirty="0" smtClean="0"/>
-                <a:t>          </a:t>
+                <a:t>2013-11-25 | </a:t>
               </a:r>
               <a:r>
                 <a:rPr lang="zh-CN" altLang="en-US" dirty="0" smtClean="0"/>
-                <a:t>文件简要介绍内容</a:t>
-              </a:r>
-              <a:r>
-                <a:rPr lang="en-US" altLang="zh-CN" dirty="0" smtClean="0"/>
-                <a:t>…</a:t>
-              </a:r>
-            </a:p>
-            <a:p>
-              <a:r>
-                <a:rPr lang="en-US" altLang="zh-CN" dirty="0"/>
-                <a:t> </a:t>
-              </a:r>
-              <a:r>
-                <a:rPr lang="en-US" altLang="zh-CN" dirty="0" smtClean="0"/>
-                <a:t>          </a:t>
-              </a:r>
-              <a:r>
-                <a:rPr lang="en-US" altLang="zh-CN" u="sng" dirty="0" smtClean="0"/>
-                <a:t>tag1</a:t>
-              </a:r>
-              <a:r>
-                <a:rPr lang="zh-CN" altLang="en-US" dirty="0" smtClean="0"/>
-                <a:t>，</a:t>
-              </a:r>
-              <a:r>
-                <a:rPr lang="en-US" altLang="zh-CN" u="sng" dirty="0" smtClean="0"/>
-                <a:t>tag2</a:t>
-              </a:r>
-              <a:r>
-                <a:rPr lang="zh-CN" altLang="en-US" dirty="0" smtClean="0"/>
-                <a:t>，</a:t>
-              </a:r>
-              <a:r>
-                <a:rPr lang="zh-CN" altLang="en-US" u="sng" dirty="0" smtClean="0"/>
-                <a:t>添加</a:t>
-              </a:r>
-              <a:r>
-                <a:rPr lang="en-US" altLang="zh-CN" dirty="0" smtClean="0"/>
-                <a:t>Tag</a:t>
-              </a:r>
-              <a:endParaRPr lang="zh-CN" altLang="en-US" u="sng" dirty="0"/>
-            </a:p>
-          </p:txBody>
-        </p:sp>
-        <p:sp>
-          <p:nvSpPr>
-            <p:cNvPr id="20" name="TextBox 19"/>
-            <p:cNvSpPr txBox="1"/>
-            <p:nvPr/>
-          </p:nvSpPr>
-          <p:spPr>
-            <a:xfrm>
-              <a:off x="8316416" y="1124744"/>
-              <a:ext cx="827584" cy="1200329"/>
-            </a:xfrm>
-            <a:prstGeom prst="rect">
-              <a:avLst/>
-            </a:prstGeom>
-            <a:noFill/>
-          </p:spPr>
-          <p:txBody>
-            <a:bodyPr wrap="square" rtlCol="0">
-              <a:spAutoFit/>
-            </a:bodyPr>
-            <a:lstStyle/>
-            <a:p>
-              <a:r>
-                <a:rPr lang="zh-CN" altLang="en-US" u="sng" dirty="0" smtClean="0"/>
-                <a:t>预览</a:t>
-              </a:r>
-              <a:endParaRPr lang="en-US" altLang="zh-CN" u="sng" dirty="0" smtClean="0"/>
-            </a:p>
-            <a:p>
-              <a:r>
-                <a:rPr lang="zh-CN" altLang="en-US" u="sng" dirty="0" smtClean="0"/>
                 <a:t>删除</a:t>
               </a:r>
-              <a:endParaRPr lang="en-US" altLang="zh-CN" u="sng" dirty="0" smtClean="0"/>
-            </a:p>
-            <a:p>
-              <a:r>
-                <a:rPr lang="zh-CN" altLang="en-US" u="sng" dirty="0" smtClean="0"/>
-                <a:t>下载</a:t>
-              </a:r>
-              <a:endParaRPr lang="en-US" altLang="zh-CN" u="sng" dirty="0" smtClean="0"/>
-            </a:p>
-            <a:p>
-              <a:r>
-                <a:rPr lang="zh-CN" altLang="en-US" u="sng" dirty="0"/>
-                <a:t>评论</a:t>
-              </a:r>
+              <a:endParaRPr lang="en-US" altLang="zh-CN" u="sng" dirty="0" smtClean="0">
+                <a:solidFill>
+                  <a:schemeClr val="tx2">
+                    <a:lumMod val="60000"/>
+                    <a:lumOff val="40000"/>
+                  </a:schemeClr>
+                </a:solidFill>
+              </a:endParaRPr>
             </a:p>
           </p:txBody>
         </p:sp>
         <p:pic>
           <p:nvPicPr>
-            <p:cNvPr id="21" name="Picture 2" descr="http://ts4.mm.bing.net/th?id=H.4567110543869391&amp;w=148&amp;h=145&amp;c=7&amp;rs=1&amp;pid=1.7"/>
+            <p:cNvPr id="48" name="Picture 2" descr="http://ts4.mm.bing.net/th?id=H.4567110543869391&amp;w=148&amp;h=145&amp;c=7&amp;rs=1&amp;pid=1.7"/>
             <p:cNvPicPr>
               <a:picLocks noChangeAspect="1" noChangeArrowheads="1"/>
             </p:cNvPicPr>
@@ -15064,8 +15552,8 @@
           </p:blipFill>
           <p:spPr bwMode="auto">
             <a:xfrm>
-              <a:off x="3119922" y="1196752"/>
-              <a:ext cx="587982" cy="576064"/>
+              <a:off x="3119922" y="1167107"/>
+              <a:ext cx="299950" cy="293870"/>
             </a:xfrm>
             <a:prstGeom prst="rect">
               <a:avLst/>
@@ -15076,28 +15564,28 @@
       </p:grpSp>
       <p:grpSp>
         <p:nvGrpSpPr>
-          <p:cNvPr id="7" name="组合 26"/>
+          <p:cNvPr id="49" name="组合 17"/>
           <p:cNvGrpSpPr/>
           <p:nvPr/>
         </p:nvGrpSpPr>
         <p:grpSpPr>
           <a:xfrm>
-            <a:off x="1691680" y="3933056"/>
-            <a:ext cx="6084168" cy="1200329"/>
+            <a:off x="1691680" y="2636912"/>
+            <a:ext cx="5904656" cy="369332"/>
             <a:chOff x="3059832" y="1124744"/>
-            <a:chExt cx="6084168" cy="1200329"/>
+            <a:chExt cx="5904656" cy="369332"/>
           </a:xfrm>
         </p:grpSpPr>
         <p:sp>
           <p:nvSpPr>
-            <p:cNvPr id="28" name="TextBox 27"/>
+            <p:cNvPr id="50" name="TextBox 49"/>
             <p:cNvSpPr txBox="1"/>
             <p:nvPr/>
           </p:nvSpPr>
           <p:spPr>
             <a:xfrm>
               <a:off x="3059832" y="1124744"/>
-              <a:ext cx="5904656" cy="1200329"/>
+              <a:ext cx="5904656" cy="369332"/>
             </a:xfrm>
             <a:prstGeom prst="rect">
               <a:avLst/>
@@ -15132,22 +15620,16 @@
                 <a:t>          </a:t>
               </a:r>
               <a:r>
-                <a:rPr lang="en-US" altLang="zh-CN" u="sng" dirty="0" smtClean="0"/>
-                <a:t>a.doc</a:t>
-              </a:r>
-            </a:p>
-            <a:p>
-              <a:r>
-                <a:rPr lang="en-US" altLang="zh-CN" dirty="0"/>
-                <a:t> </a:t>
+                <a:rPr lang="zh-CN" altLang="en-US" dirty="0" smtClean="0"/>
+                <a:t>目录</a:t>
               </a:r>
               <a:r>
                 <a:rPr lang="en-US" altLang="zh-CN" dirty="0" smtClean="0"/>
-                <a:t>          </a:t>
-              </a:r>
-              <a:r>
-                <a:rPr lang="zh-CN" altLang="en-US" dirty="0" smtClean="0"/>
-                <a:t>作者：</a:t>
+                <a:t>3  </a:t>
+              </a:r>
+              <a:r>
+                <a:rPr lang="en-US" altLang="zh-CN" dirty="0" smtClean="0"/>
+                <a:t>| </a:t>
               </a:r>
               <a:r>
                 <a:rPr lang="zh-CN" altLang="en-US" u="sng" dirty="0" smtClean="0">
@@ -15162,128 +15644,30 @@
               </a:r>
               <a:r>
                 <a:rPr lang="en-US" altLang="zh-CN" dirty="0" smtClean="0"/>
-                <a:t>51667Bytes, 2013-11-25, </a:t>
-              </a:r>
-              <a:r>
-                <a:rPr lang="en-US" altLang="zh-CN" u="sng" dirty="0" smtClean="0">
-                  <a:solidFill>
-                    <a:schemeClr val="tx2">
-                      <a:lumMod val="60000"/>
-                      <a:lumOff val="40000"/>
-                    </a:schemeClr>
-                  </a:solidFill>
-                </a:rPr>
-                <a:t>Version 31</a:t>
-              </a:r>
-            </a:p>
-            <a:p>
+                <a:t>| 1667 | </a:t>
+              </a:r>
               <a:r>
                 <a:rPr lang="en-US" altLang="zh-CN" dirty="0"/>
-                <a:t> </a:t>
-              </a:r>
-              <a:r>
-                <a:rPr lang="en-US" altLang="zh-CN" dirty="0" smtClean="0"/>
-                <a:t>          </a:t>
-              </a:r>
-              <a:r>
-                <a:rPr lang="zh-CN" altLang="en-US" dirty="0" smtClean="0"/>
-                <a:t>文件简要介绍内容</a:t>
-              </a:r>
-              <a:r>
-                <a:rPr lang="en-US" altLang="zh-CN" dirty="0" smtClean="0"/>
-                <a:t>…</a:t>
-              </a:r>
-            </a:p>
-            <a:p>
-              <a:r>
-                <a:rPr lang="en-US" altLang="zh-CN" dirty="0"/>
-                <a:t> </a:t>
-              </a:r>
-              <a:r>
-                <a:rPr lang="en-US" altLang="zh-CN" dirty="0" smtClean="0"/>
-                <a:t>          </a:t>
-              </a:r>
-              <a:r>
-                <a:rPr lang="en-US" altLang="zh-CN" u="sng" dirty="0" smtClean="0"/>
-                <a:t>tag1</a:t>
-              </a:r>
-              <a:r>
-                <a:rPr lang="zh-CN" altLang="en-US" dirty="0" smtClean="0"/>
-                <a:t>，</a:t>
-              </a:r>
-              <a:r>
-                <a:rPr lang="en-US" altLang="zh-CN" u="sng" dirty="0" smtClean="0"/>
-                <a:t>tag2</a:t>
-              </a:r>
-              <a:r>
-                <a:rPr lang="zh-CN" altLang="en-US" dirty="0" smtClean="0"/>
-                <a:t>，</a:t>
-              </a:r>
-              <a:r>
-                <a:rPr lang="zh-CN" altLang="en-US" u="sng" dirty="0" smtClean="0"/>
-                <a:t>添加</a:t>
-              </a:r>
-              <a:r>
-                <a:rPr lang="en-US" altLang="zh-CN" u="sng" dirty="0" smtClean="0"/>
-                <a:t>tag</a:t>
-              </a:r>
-              <a:endParaRPr lang="zh-CN" altLang="en-US" u="sng" dirty="0"/>
-            </a:p>
-          </p:txBody>
-        </p:sp>
-        <p:sp>
-          <p:nvSpPr>
-            <p:cNvPr id="29" name="TextBox 28"/>
-            <p:cNvSpPr txBox="1"/>
-            <p:nvPr/>
-          </p:nvSpPr>
-          <p:spPr>
-            <a:xfrm>
-              <a:off x="8316416" y="1124744"/>
-              <a:ext cx="827584" cy="1200329"/>
-            </a:xfrm>
-            <a:prstGeom prst="rect">
-              <a:avLst/>
-            </a:prstGeom>
-            <a:noFill/>
-          </p:spPr>
-          <p:txBody>
-            <a:bodyPr wrap="square" rtlCol="0">
-              <a:spAutoFit/>
-            </a:bodyPr>
-            <a:lstStyle/>
-            <a:p>
-              <a:r>
-                <a:rPr lang="zh-CN" altLang="en-US" u="sng" dirty="0" smtClean="0"/>
-                <a:t>预览</a:t>
-              </a:r>
-              <a:endParaRPr lang="en-US" altLang="zh-CN" u="sng" dirty="0" smtClean="0"/>
-            </a:p>
-            <a:p>
-              <a:r>
-                <a:rPr lang="zh-CN" altLang="en-US" u="sng" dirty="0" smtClean="0"/>
+                <a:t>2013-11-25 | </a:t>
+              </a:r>
+              <a:r>
+                <a:rPr lang="zh-CN" altLang="en-US" dirty="0"/>
                 <a:t>删除</a:t>
               </a:r>
-              <a:endParaRPr lang="en-US" altLang="zh-CN" u="sng" dirty="0" smtClean="0"/>
-            </a:p>
-            <a:p>
-              <a:r>
-                <a:rPr lang="zh-CN" altLang="en-US" u="sng" dirty="0" smtClean="0"/>
-                <a:t>下载</a:t>
-              </a:r>
-              <a:endParaRPr lang="en-US" altLang="zh-CN" u="sng" dirty="0" smtClean="0"/>
-            </a:p>
-            <a:p>
-              <a:r>
-                <a:rPr lang="zh-CN" altLang="en-US" u="sng" dirty="0"/>
-                <a:t>评论</a:t>
-              </a:r>
+              <a:endParaRPr lang="en-US" altLang="zh-CN" u="sng" dirty="0" smtClean="0">
+                <a:solidFill>
+                  <a:schemeClr val="tx2">
+                    <a:lumMod val="60000"/>
+                    <a:lumOff val="40000"/>
+                  </a:schemeClr>
+                </a:solidFill>
+              </a:endParaRPr>
             </a:p>
           </p:txBody>
         </p:sp>
         <p:pic>
           <p:nvPicPr>
-            <p:cNvPr id="30" name="Picture 2" descr="http://ts4.mm.bing.net/th?id=H.4567110543869391&amp;w=148&amp;h=145&amp;c=7&amp;rs=1&amp;pid=1.7"/>
+            <p:cNvPr id="51" name="Picture 2" descr="http://ts4.mm.bing.net/th?id=H.4567110543869391&amp;w=148&amp;h=145&amp;c=7&amp;rs=1&amp;pid=1.7"/>
             <p:cNvPicPr>
               <a:picLocks noChangeAspect="1" noChangeArrowheads="1"/>
             </p:cNvPicPr>
@@ -15298,8 +15682,8 @@
           </p:blipFill>
           <p:spPr bwMode="auto">
             <a:xfrm>
-              <a:off x="3119922" y="1196752"/>
-              <a:ext cx="587982" cy="576064"/>
+              <a:off x="3119922" y="1167107"/>
+              <a:ext cx="299950" cy="293870"/>
             </a:xfrm>
             <a:prstGeom prst="rect">
               <a:avLst/>
@@ -15310,28 +15694,28 @@
       </p:grpSp>
       <p:grpSp>
         <p:nvGrpSpPr>
-          <p:cNvPr id="16" name="组合 30"/>
+          <p:cNvPr id="52" name="组合 17"/>
           <p:cNvGrpSpPr/>
           <p:nvPr/>
         </p:nvGrpSpPr>
         <p:grpSpPr>
           <a:xfrm>
-            <a:off x="1691680" y="5157192"/>
-            <a:ext cx="6084168" cy="1200329"/>
+            <a:off x="1691680" y="2996952"/>
+            <a:ext cx="5904656" cy="369332"/>
             <a:chOff x="3059832" y="1124744"/>
-            <a:chExt cx="6084168" cy="1200329"/>
+            <a:chExt cx="5904656" cy="369332"/>
           </a:xfrm>
         </p:grpSpPr>
         <p:sp>
           <p:nvSpPr>
-            <p:cNvPr id="32" name="TextBox 31"/>
+            <p:cNvPr id="53" name="TextBox 52"/>
             <p:cNvSpPr txBox="1"/>
             <p:nvPr/>
           </p:nvSpPr>
           <p:spPr>
             <a:xfrm>
               <a:off x="3059832" y="1124744"/>
-              <a:ext cx="5904656" cy="1200329"/>
+              <a:ext cx="5904656" cy="369332"/>
             </a:xfrm>
             <a:prstGeom prst="rect">
               <a:avLst/>
@@ -15366,22 +15750,20 @@
                 <a:t>          </a:t>
               </a:r>
               <a:r>
-                <a:rPr lang="en-US" altLang="zh-CN" u="sng" dirty="0" smtClean="0"/>
-                <a:t>a.doc</a:t>
-              </a:r>
-            </a:p>
-            <a:p>
-              <a:r>
-                <a:rPr lang="en-US" altLang="zh-CN" dirty="0"/>
-                <a:t> </a:t>
+                <a:rPr lang="zh-CN" altLang="en-US" dirty="0" smtClean="0"/>
+                <a:t>目录</a:t>
               </a:r>
               <a:r>
                 <a:rPr lang="en-US" altLang="zh-CN" dirty="0" smtClean="0"/>
-                <a:t>          </a:t>
-              </a:r>
-              <a:r>
-                <a:rPr lang="zh-CN" altLang="en-US" dirty="0" smtClean="0"/>
-                <a:t>作者：</a:t>
+                <a:t>4</a:t>
+              </a:r>
+              <a:r>
+                <a:rPr lang="en-US" altLang="zh-CN" dirty="0" smtClean="0"/>
+                <a:t>  </a:t>
+              </a:r>
+              <a:r>
+                <a:rPr lang="en-US" altLang="zh-CN" dirty="0" smtClean="0"/>
+                <a:t>| </a:t>
               </a:r>
               <a:r>
                 <a:rPr lang="zh-CN" altLang="en-US" u="sng" dirty="0" smtClean="0">
@@ -15396,128 +15778,30 @@
               </a:r>
               <a:r>
                 <a:rPr lang="en-US" altLang="zh-CN" dirty="0" smtClean="0"/>
-                <a:t>51667Bytes, 2013-11-25, </a:t>
-              </a:r>
-              <a:r>
-                <a:rPr lang="en-US" altLang="zh-CN" u="sng" dirty="0" smtClean="0">
-                  <a:solidFill>
-                    <a:schemeClr val="tx2">
-                      <a:lumMod val="60000"/>
-                      <a:lumOff val="40000"/>
-                    </a:schemeClr>
-                  </a:solidFill>
-                </a:rPr>
-                <a:t>Version 31</a:t>
-              </a:r>
-            </a:p>
-            <a:p>
+                <a:t>| 1667 | </a:t>
+              </a:r>
               <a:r>
                 <a:rPr lang="en-US" altLang="zh-CN" dirty="0"/>
-                <a:t> </a:t>
-              </a:r>
-              <a:r>
-                <a:rPr lang="en-US" altLang="zh-CN" dirty="0" smtClean="0"/>
-                <a:t>          </a:t>
-              </a:r>
-              <a:r>
-                <a:rPr lang="zh-CN" altLang="en-US" dirty="0" smtClean="0"/>
-                <a:t>文件简要介绍内容</a:t>
-              </a:r>
-              <a:r>
-                <a:rPr lang="en-US" altLang="zh-CN" dirty="0" smtClean="0"/>
-                <a:t>…</a:t>
-              </a:r>
-            </a:p>
-            <a:p>
-              <a:r>
-                <a:rPr lang="en-US" altLang="zh-CN" dirty="0"/>
-                <a:t> </a:t>
-              </a:r>
-              <a:r>
-                <a:rPr lang="en-US" altLang="zh-CN" dirty="0" smtClean="0"/>
-                <a:t>          </a:t>
-              </a:r>
-              <a:r>
-                <a:rPr lang="en-US" altLang="zh-CN" u="sng" dirty="0" smtClean="0"/>
-                <a:t>tag1</a:t>
-              </a:r>
-              <a:r>
-                <a:rPr lang="zh-CN" altLang="en-US" dirty="0" smtClean="0"/>
-                <a:t>，</a:t>
-              </a:r>
-              <a:r>
-                <a:rPr lang="en-US" altLang="zh-CN" u="sng" dirty="0" smtClean="0"/>
-                <a:t>tag2</a:t>
-              </a:r>
-              <a:r>
-                <a:rPr lang="zh-CN" altLang="en-US" dirty="0" smtClean="0"/>
-                <a:t>，</a:t>
-              </a:r>
-              <a:r>
-                <a:rPr lang="zh-CN" altLang="en-US" u="sng" dirty="0" smtClean="0"/>
-                <a:t>添加</a:t>
-              </a:r>
-              <a:r>
-                <a:rPr lang="en-US" altLang="zh-CN" u="sng" dirty="0" smtClean="0"/>
-                <a:t>tag</a:t>
-              </a:r>
-              <a:endParaRPr lang="zh-CN" altLang="en-US" u="sng" dirty="0"/>
-            </a:p>
-          </p:txBody>
-        </p:sp>
-        <p:sp>
-          <p:nvSpPr>
-            <p:cNvPr id="33" name="TextBox 32"/>
-            <p:cNvSpPr txBox="1"/>
-            <p:nvPr/>
-          </p:nvSpPr>
-          <p:spPr>
-            <a:xfrm>
-              <a:off x="8316416" y="1124744"/>
-              <a:ext cx="827584" cy="1200329"/>
-            </a:xfrm>
-            <a:prstGeom prst="rect">
-              <a:avLst/>
-            </a:prstGeom>
-            <a:noFill/>
-          </p:spPr>
-          <p:txBody>
-            <a:bodyPr wrap="square" rtlCol="0">
-              <a:spAutoFit/>
-            </a:bodyPr>
-            <a:lstStyle/>
-            <a:p>
-              <a:r>
-                <a:rPr lang="zh-CN" altLang="en-US" u="sng" dirty="0" smtClean="0"/>
-                <a:t>预览</a:t>
-              </a:r>
-              <a:endParaRPr lang="en-US" altLang="zh-CN" u="sng" dirty="0" smtClean="0"/>
-            </a:p>
-            <a:p>
-              <a:r>
-                <a:rPr lang="zh-CN" altLang="en-US" u="sng" dirty="0" smtClean="0"/>
+                <a:t>2013-11-25 | </a:t>
+              </a:r>
+              <a:r>
+                <a:rPr lang="zh-CN" altLang="en-US" dirty="0"/>
                 <a:t>删除</a:t>
               </a:r>
-              <a:endParaRPr lang="en-US" altLang="zh-CN" u="sng" dirty="0" smtClean="0"/>
-            </a:p>
-            <a:p>
-              <a:r>
-                <a:rPr lang="zh-CN" altLang="en-US" u="sng" dirty="0" smtClean="0"/>
-                <a:t>下载</a:t>
-              </a:r>
-              <a:endParaRPr lang="en-US" altLang="zh-CN" u="sng" dirty="0" smtClean="0"/>
-            </a:p>
-            <a:p>
-              <a:r>
-                <a:rPr lang="zh-CN" altLang="en-US" u="sng" dirty="0"/>
-                <a:t>评论</a:t>
-              </a:r>
+              <a:endParaRPr lang="en-US" altLang="zh-CN" u="sng" dirty="0" smtClean="0">
+                <a:solidFill>
+                  <a:schemeClr val="tx2">
+                    <a:lumMod val="60000"/>
+                    <a:lumOff val="40000"/>
+                  </a:schemeClr>
+                </a:solidFill>
+              </a:endParaRPr>
             </a:p>
           </p:txBody>
         </p:sp>
         <p:pic>
           <p:nvPicPr>
-            <p:cNvPr id="34" name="Picture 2" descr="http://ts4.mm.bing.net/th?id=H.4567110543869391&amp;w=148&amp;h=145&amp;c=7&amp;rs=1&amp;pid=1.7"/>
+            <p:cNvPr id="54" name="Picture 2" descr="http://ts4.mm.bing.net/th?id=H.4567110543869391&amp;w=148&amp;h=145&amp;c=7&amp;rs=1&amp;pid=1.7"/>
             <p:cNvPicPr>
               <a:picLocks noChangeAspect="1" noChangeArrowheads="1"/>
             </p:cNvPicPr>
@@ -15532,8 +15816,8 @@
           </p:blipFill>
           <p:spPr bwMode="auto">
             <a:xfrm>
-              <a:off x="3119922" y="1196752"/>
-              <a:ext cx="587982" cy="576064"/>
+              <a:off x="3119922" y="1167107"/>
+              <a:ext cx="299950" cy="293870"/>
             </a:xfrm>
             <a:prstGeom prst="rect">
               <a:avLst/>
@@ -15544,74 +15828,14 @@
       </p:grpSp>
       <p:sp>
         <p:nvSpPr>
-          <p:cNvPr id="35" name="TextBox 34"/>
+          <p:cNvPr id="74" name="TextBox 73"/>
           <p:cNvSpPr txBox="1"/>
           <p:nvPr/>
         </p:nvSpPr>
         <p:spPr>
           <a:xfrm>
-            <a:off x="1691680" y="908720"/>
-            <a:ext cx="720080" cy="369332"/>
-          </a:xfrm>
-          <a:prstGeom prst="rect">
-            <a:avLst/>
-          </a:prstGeom>
-          <a:noFill/>
-        </p:spPr>
-        <p:txBody>
-          <a:bodyPr wrap="square" rtlCol="0">
-            <a:spAutoFit/>
-          </a:bodyPr>
-          <a:lstStyle/>
-          <a:p>
-            <a:r>
-              <a:rPr lang="zh-CN" altLang="en-US" dirty="0" smtClean="0"/>
-              <a:t>排序：</a:t>
-            </a:r>
-            <a:endParaRPr lang="zh-CN" altLang="en-US" dirty="0"/>
-          </a:p>
-        </p:txBody>
-      </p:sp>
-      <p:sp>
-        <p:nvSpPr>
-          <p:cNvPr id="36" name="TextBox 35"/>
-          <p:cNvSpPr txBox="1"/>
-          <p:nvPr/>
-        </p:nvSpPr>
-        <p:spPr>
-          <a:xfrm>
-            <a:off x="3635896" y="908720"/>
-            <a:ext cx="720080" cy="369332"/>
-          </a:xfrm>
-          <a:prstGeom prst="rect">
-            <a:avLst/>
-          </a:prstGeom>
-          <a:noFill/>
-        </p:spPr>
-        <p:txBody>
-          <a:bodyPr wrap="square" rtlCol="0">
-            <a:spAutoFit/>
-          </a:bodyPr>
-          <a:lstStyle/>
-          <a:p>
-            <a:r>
-              <a:rPr lang="zh-CN" altLang="en-US" dirty="0" smtClean="0"/>
-              <a:t>视图：</a:t>
-            </a:r>
-            <a:endParaRPr lang="zh-CN" altLang="en-US" dirty="0"/>
-          </a:p>
-        </p:txBody>
-      </p:sp>
-      <p:sp>
-        <p:nvSpPr>
-          <p:cNvPr id="37" name="TextBox 36"/>
-          <p:cNvSpPr txBox="1"/>
-          <p:nvPr/>
-        </p:nvSpPr>
-        <p:spPr>
-          <a:xfrm>
-            <a:off x="2339752" y="908720"/>
-            <a:ext cx="1107996" cy="1200329"/>
+            <a:off x="1691680" y="1412776"/>
+            <a:ext cx="5904656" cy="369332"/>
           </a:xfrm>
           <a:prstGeom prst="rect">
             <a:avLst/>
@@ -15619,184 +15843,99 @@
         </p:spPr>
         <p:style>
           <a:lnRef idx="2">
-            <a:schemeClr val="accent2"/>
+            <a:schemeClr val="accent1"/>
           </a:lnRef>
           <a:fillRef idx="1">
             <a:schemeClr val="lt1"/>
           </a:fillRef>
           <a:effectRef idx="0">
-            <a:schemeClr val="accent2"/>
+            <a:schemeClr val="accent1"/>
           </a:effectRef>
           <a:fontRef idx="minor">
             <a:schemeClr val="dk1"/>
           </a:fontRef>
         </p:style>
         <p:txBody>
-          <a:bodyPr wrap="none" rtlCol="0">
-            <a:spAutoFit/>
-          </a:bodyPr>
-          <a:lstStyle/>
-          <a:p>
-            <a:r>
-              <a:rPr lang="zh-CN" altLang="en-US" dirty="0" smtClean="0"/>
-              <a:t>文件名</a:t>
-            </a:r>
-            <a:endParaRPr lang="en-US" altLang="zh-CN" dirty="0" smtClean="0"/>
-          </a:p>
-          <a:p>
-            <a:r>
-              <a:rPr lang="zh-CN" altLang="en-US" dirty="0" smtClean="0"/>
-              <a:t>作者</a:t>
-            </a:r>
-            <a:endParaRPr lang="en-US" altLang="zh-CN" dirty="0" smtClean="0"/>
-          </a:p>
-          <a:p>
-            <a:r>
-              <a:rPr lang="zh-CN" altLang="en-US" dirty="0" smtClean="0"/>
-              <a:t>修改时间</a:t>
-            </a:r>
-            <a:endParaRPr lang="en-US" altLang="zh-CN" dirty="0" smtClean="0"/>
-          </a:p>
-          <a:p>
-            <a:r>
-              <a:rPr lang="zh-CN" altLang="en-US" dirty="0" smtClean="0"/>
-              <a:t>创建时间</a:t>
-            </a:r>
-            <a:endParaRPr lang="zh-CN" altLang="en-US" dirty="0"/>
-          </a:p>
-        </p:txBody>
-      </p:sp>
-      <p:sp>
-        <p:nvSpPr>
-          <p:cNvPr id="38" name="TextBox 37"/>
-          <p:cNvSpPr txBox="1"/>
-          <p:nvPr/>
-        </p:nvSpPr>
-        <p:spPr>
-          <a:xfrm>
-            <a:off x="4328100" y="932527"/>
-            <a:ext cx="1107996" cy="1754326"/>
-          </a:xfrm>
-          <a:prstGeom prst="rect">
-            <a:avLst/>
-          </a:prstGeom>
-        </p:spPr>
-        <p:style>
-          <a:lnRef idx="2">
-            <a:schemeClr val="accent2"/>
-          </a:lnRef>
-          <a:fillRef idx="1">
-            <a:schemeClr val="lt1"/>
-          </a:fillRef>
-          <a:effectRef idx="0">
-            <a:schemeClr val="accent2"/>
-          </a:effectRef>
-          <a:fontRef idx="minor">
-            <a:schemeClr val="dk1"/>
-          </a:fontRef>
-        </p:style>
-        <p:txBody>
-          <a:bodyPr wrap="none" rtlCol="0">
-            <a:spAutoFit/>
-          </a:bodyPr>
-          <a:lstStyle/>
-          <a:p>
-            <a:r>
-              <a:rPr lang="zh-CN" altLang="en-US" dirty="0" smtClean="0"/>
-              <a:t>图标</a:t>
-            </a:r>
-            <a:endParaRPr lang="en-US" altLang="zh-CN" dirty="0" smtClean="0"/>
-          </a:p>
-          <a:p>
-            <a:r>
-              <a:rPr lang="zh-CN" altLang="en-US" dirty="0" smtClean="0"/>
-              <a:t>列表</a:t>
-            </a:r>
-            <a:endParaRPr lang="en-US" altLang="zh-CN" dirty="0" smtClean="0"/>
-          </a:p>
-          <a:p>
-            <a:r>
-              <a:rPr lang="zh-CN" altLang="en-US" dirty="0" smtClean="0"/>
-              <a:t>详细信息</a:t>
-            </a:r>
-            <a:endParaRPr lang="en-US" altLang="zh-CN" dirty="0" smtClean="0"/>
-          </a:p>
-          <a:p>
-            <a:r>
-              <a:rPr lang="zh-CN" altLang="en-US" dirty="0" smtClean="0"/>
-              <a:t>平铺</a:t>
-            </a:r>
-            <a:endParaRPr lang="en-US" altLang="zh-CN" dirty="0" smtClean="0"/>
-          </a:p>
-          <a:p>
-            <a:r>
-              <a:rPr lang="zh-CN" altLang="en-US" dirty="0">
-                <a:solidFill>
-                  <a:srgbClr val="FF0000"/>
-                </a:solidFill>
-              </a:rPr>
-              <a:t>内容</a:t>
-            </a:r>
-            <a:endParaRPr lang="en-US" altLang="zh-CN" dirty="0" smtClean="0">
-              <a:solidFill>
-                <a:srgbClr val="FF0000"/>
-              </a:solidFill>
-            </a:endParaRPr>
-          </a:p>
-          <a:p>
-            <a:r>
-              <a:rPr lang="zh-CN" altLang="en-US" dirty="0" smtClean="0"/>
-              <a:t>预</a:t>
-            </a:r>
-            <a:r>
-              <a:rPr lang="zh-CN" altLang="en-US" dirty="0"/>
-              <a:t>览</a:t>
-            </a:r>
-          </a:p>
-        </p:txBody>
-      </p:sp>
-      <p:sp>
-        <p:nvSpPr>
-          <p:cNvPr id="39" name="TextBox 38"/>
-          <p:cNvSpPr txBox="1"/>
-          <p:nvPr/>
-        </p:nvSpPr>
-        <p:spPr>
-          <a:xfrm>
-            <a:off x="5508104" y="908720"/>
-            <a:ext cx="720080" cy="369332"/>
-          </a:xfrm>
-          <a:prstGeom prst="rect">
-            <a:avLst/>
-          </a:prstGeom>
-          <a:noFill/>
-        </p:spPr>
-        <p:txBody>
           <a:bodyPr wrap="square" rtlCol="0">
             <a:spAutoFit/>
           </a:bodyPr>
           <a:lstStyle/>
           <a:p>
             <a:r>
+              <a:rPr lang="en-US" altLang="zh-CN" dirty="0"/>
+              <a:t> </a:t>
+            </a:r>
+            <a:r>
+              <a:rPr lang="en-US" altLang="zh-CN" dirty="0" smtClean="0"/>
+              <a:t>   </a:t>
+            </a:r>
+            <a:r>
               <a:rPr lang="zh-CN" altLang="en-US" dirty="0" smtClean="0"/>
-              <a:t>过滤：</a:t>
-            </a:r>
-            <a:endParaRPr lang="zh-CN" altLang="en-US" dirty="0"/>
-          </a:p>
-        </p:txBody>
-      </p:sp>
-      <p:sp>
-        <p:nvSpPr>
-          <p:cNvPr id="40" name="圆角矩形 39"/>
+              <a:t>目录名    </a:t>
+            </a:r>
+            <a:r>
+              <a:rPr lang="en-US" altLang="zh-CN" dirty="0" smtClean="0"/>
+              <a:t> </a:t>
+            </a:r>
+            <a:r>
+              <a:rPr lang="en-US" altLang="zh-CN" dirty="0" smtClean="0"/>
+              <a:t>| </a:t>
+            </a:r>
+            <a:r>
+              <a:rPr lang="zh-CN" altLang="en-US" dirty="0" smtClean="0"/>
+              <a:t>作者 </a:t>
+            </a:r>
+            <a:r>
+              <a:rPr lang="en-US" altLang="zh-CN" dirty="0" smtClean="0"/>
+              <a:t>| </a:t>
+            </a:r>
+            <a:r>
+              <a:rPr lang="zh-CN" altLang="en-US" dirty="0" smtClean="0"/>
+              <a:t>大小</a:t>
+            </a:r>
+            <a:r>
+              <a:rPr lang="en-US" altLang="zh-CN" dirty="0" smtClean="0"/>
+              <a:t> | </a:t>
+            </a:r>
+            <a:r>
+              <a:rPr lang="zh-CN" altLang="en-US" dirty="0" smtClean="0"/>
+              <a:t>修改日期    </a:t>
+            </a:r>
+            <a:r>
+              <a:rPr lang="en-US" altLang="zh-CN" dirty="0" smtClean="0"/>
+              <a:t> </a:t>
+            </a:r>
+            <a:r>
+              <a:rPr lang="en-US" altLang="zh-CN" dirty="0" smtClean="0"/>
+              <a:t>| </a:t>
+            </a:r>
+            <a:r>
+              <a:rPr lang="zh-CN" altLang="en-US" dirty="0" smtClean="0"/>
+              <a:t>操作</a:t>
+            </a:r>
+            <a:endParaRPr lang="en-US" altLang="zh-CN" u="sng" dirty="0" smtClean="0">
+              <a:solidFill>
+                <a:schemeClr val="tx2">
+                  <a:lumMod val="60000"/>
+                  <a:lumOff val="40000"/>
+                </a:schemeClr>
+              </a:solidFill>
+            </a:endParaRPr>
+          </a:p>
+        </p:txBody>
+      </p:sp>
+      <p:sp>
+        <p:nvSpPr>
+          <p:cNvPr id="85" name="下箭头 84"/>
           <p:cNvSpPr/>
           <p:nvPr/>
         </p:nvSpPr>
         <p:spPr>
           <a:xfrm>
-            <a:off x="6228184" y="908720"/>
-            <a:ext cx="1368152" cy="360040"/>
-          </a:xfrm>
-          <a:prstGeom prst="roundRect">
+            <a:off x="8892480" y="3284984"/>
+            <a:ext cx="216024" cy="288032"/>
+          </a:xfrm>
+          <a:prstGeom prst="downArrow">
             <a:avLst/>
           </a:prstGeom>
         </p:spPr>
@@ -15827,58 +15966,16 @@
       </p:sp>
       <p:sp>
         <p:nvSpPr>
-          <p:cNvPr id="41" name="矩形 40"/>
+          <p:cNvPr id="86" name="下箭头 85"/>
           <p:cNvSpPr/>
           <p:nvPr/>
         </p:nvSpPr>
         <p:spPr>
-          <a:xfrm>
-            <a:off x="7812360" y="836712"/>
-            <a:ext cx="1331640" cy="5616624"/>
-          </a:xfrm>
-          <a:prstGeom prst="rect">
-            <a:avLst/>
-          </a:prstGeom>
-        </p:spPr>
-        <p:style>
-          <a:lnRef idx="2">
-            <a:schemeClr val="accent6"/>
-          </a:lnRef>
-          <a:fillRef idx="1">
-            <a:schemeClr val="lt1"/>
-          </a:fillRef>
-          <a:effectRef idx="0">
-            <a:schemeClr val="accent6"/>
-          </a:effectRef>
-          <a:fontRef idx="minor">
-            <a:schemeClr val="dk1"/>
-          </a:fontRef>
-        </p:style>
-        <p:txBody>
-          <a:bodyPr rtlCol="0" anchor="ctr"/>
-          <a:lstStyle/>
-          <a:p>
-            <a:pPr algn="ctr"/>
-            <a:r>
-              <a:rPr lang="zh-CN" altLang="en-US" dirty="0" smtClean="0"/>
-              <a:t>内容预览</a:t>
-            </a:r>
-            <a:endParaRPr lang="zh-CN" altLang="en-US" dirty="0"/>
-          </a:p>
-        </p:txBody>
-      </p:sp>
-      <p:sp>
-        <p:nvSpPr>
-          <p:cNvPr id="42" name="矩形标注 41"/>
-          <p:cNvSpPr/>
-          <p:nvPr/>
-        </p:nvSpPr>
-        <p:spPr>
-          <a:xfrm flipH="1">
-            <a:off x="2555776" y="4293096"/>
-            <a:ext cx="1800200" cy="1512168"/>
-          </a:xfrm>
-          <a:prstGeom prst="wedgeRectCallout">
+          <a:xfrm flipV="1">
+            <a:off x="8892480" y="1340768"/>
+            <a:ext cx="216024" cy="288032"/>
+          </a:xfrm>
+          <a:prstGeom prst="downArrow">
             <a:avLst/>
           </a:prstGeom>
         </p:spPr>
@@ -15899,23 +15996,54 @@
           </a:fontRef>
         </p:style>
         <p:txBody>
-          <a:bodyPr rtlCol="0" anchor="t"/>
-          <a:lstStyle/>
-          <a:p>
-            <a:endParaRPr lang="en-US" altLang="zh-CN" dirty="0" smtClean="0"/>
-          </a:p>
-        </p:txBody>
-      </p:sp>
-      <p:sp>
-        <p:nvSpPr>
-          <p:cNvPr id="43" name="TextBox 42"/>
+          <a:bodyPr rtlCol="0" anchor="ctr"/>
+          <a:lstStyle/>
+          <a:p>
+            <a:pPr algn="ctr"/>
+            <a:endParaRPr lang="zh-CN" altLang="en-US"/>
+          </a:p>
+        </p:txBody>
+      </p:sp>
+      <p:sp>
+        <p:nvSpPr>
+          <p:cNvPr id="87" name="TextBox 86"/>
           <p:cNvSpPr txBox="1"/>
           <p:nvPr/>
         </p:nvSpPr>
         <p:spPr>
           <a:xfrm>
-            <a:off x="2627784" y="4365104"/>
-            <a:ext cx="1656184" cy="369332"/>
+            <a:off x="1547664" y="908720"/>
+            <a:ext cx="720080" cy="369332"/>
+          </a:xfrm>
+          <a:prstGeom prst="rect">
+            <a:avLst/>
+          </a:prstGeom>
+          <a:noFill/>
+        </p:spPr>
+        <p:txBody>
+          <a:bodyPr wrap="square" rtlCol="0">
+            <a:spAutoFit/>
+          </a:bodyPr>
+          <a:lstStyle/>
+          <a:p>
+            <a:r>
+              <a:rPr lang="zh-CN" altLang="en-US" dirty="0" smtClean="0"/>
+              <a:t>排序：</a:t>
+            </a:r>
+            <a:endParaRPr lang="zh-CN" altLang="en-US" dirty="0"/>
+          </a:p>
+        </p:txBody>
+      </p:sp>
+      <p:sp>
+        <p:nvSpPr>
+          <p:cNvPr id="90" name="TextBox 89"/>
+          <p:cNvSpPr txBox="1"/>
+          <p:nvPr/>
+        </p:nvSpPr>
+        <p:spPr>
+          <a:xfrm>
+            <a:off x="2195736" y="908720"/>
+            <a:ext cx="1107996" cy="923330"/>
           </a:xfrm>
           <a:prstGeom prst="rect">
             <a:avLst/>
@@ -15936,33 +16064,145 @@
           </a:fontRef>
         </p:style>
         <p:txBody>
-          <a:bodyPr wrap="square" rtlCol="0">
+          <a:bodyPr wrap="none" rtlCol="0">
             <a:spAutoFit/>
           </a:bodyPr>
           <a:lstStyle/>
           <a:p>
             <a:r>
-              <a:rPr lang="en-US" altLang="zh-CN" dirty="0" smtClean="0"/>
-              <a:t>Tag1-----------X</a:t>
+              <a:rPr lang="zh-CN" altLang="en-US" dirty="0"/>
+              <a:t>目录</a:t>
+            </a:r>
+            <a:r>
+              <a:rPr lang="zh-CN" altLang="en-US" dirty="0" smtClean="0"/>
+              <a:t>名</a:t>
+            </a:r>
+            <a:endParaRPr lang="en-US" altLang="zh-CN" dirty="0" smtClean="0"/>
+          </a:p>
+          <a:p>
+            <a:r>
+              <a:rPr lang="zh-CN" altLang="en-US" dirty="0" smtClean="0"/>
+              <a:t>作者</a:t>
+            </a:r>
+            <a:endParaRPr lang="en-US" altLang="zh-CN" dirty="0" smtClean="0"/>
+          </a:p>
+          <a:p>
+            <a:r>
+              <a:rPr lang="zh-CN" altLang="en-US" dirty="0" smtClean="0"/>
+              <a:t>创建</a:t>
+            </a:r>
+            <a:r>
+              <a:rPr lang="zh-CN" altLang="en-US" dirty="0" smtClean="0"/>
+              <a:t>时间</a:t>
             </a:r>
             <a:endParaRPr lang="zh-CN" altLang="en-US" dirty="0"/>
           </a:p>
         </p:txBody>
       </p:sp>
-      <p:sp>
-        <p:nvSpPr>
-          <p:cNvPr id="44" name="TextBox 43"/>
-          <p:cNvSpPr txBox="1"/>
+      <p:grpSp>
+        <p:nvGrpSpPr>
+          <p:cNvPr id="70" name="组合 69"/>
+          <p:cNvGrpSpPr/>
+          <p:nvPr/>
+        </p:nvGrpSpPr>
+        <p:grpSpPr>
+          <a:xfrm>
+            <a:off x="5508104" y="908720"/>
+            <a:ext cx="2088232" cy="369332"/>
+            <a:chOff x="5508104" y="908720"/>
+            <a:chExt cx="2088232" cy="369332"/>
+          </a:xfrm>
+        </p:grpSpPr>
+        <p:sp>
+          <p:nvSpPr>
+            <p:cNvPr id="71" name="TextBox 70"/>
+            <p:cNvSpPr txBox="1"/>
+            <p:nvPr/>
+          </p:nvSpPr>
+          <p:spPr>
+            <a:xfrm>
+              <a:off x="5508104" y="908720"/>
+              <a:ext cx="720080" cy="369332"/>
+            </a:xfrm>
+            <a:prstGeom prst="rect">
+              <a:avLst/>
+            </a:prstGeom>
+            <a:noFill/>
+          </p:spPr>
+          <p:txBody>
+            <a:bodyPr wrap="square" rtlCol="0">
+              <a:spAutoFit/>
+            </a:bodyPr>
+            <a:lstStyle/>
+            <a:p>
+              <a:r>
+                <a:rPr lang="zh-CN" altLang="en-US" dirty="0" smtClean="0"/>
+                <a:t>过滤：</a:t>
+              </a:r>
+              <a:endParaRPr lang="zh-CN" altLang="en-US" dirty="0"/>
+            </a:p>
+          </p:txBody>
+        </p:sp>
+        <p:sp>
+          <p:nvSpPr>
+            <p:cNvPr id="72" name="圆角矩形 71"/>
+            <p:cNvSpPr/>
+            <p:nvPr/>
+          </p:nvSpPr>
+          <p:spPr>
+            <a:xfrm>
+              <a:off x="6228184" y="908720"/>
+              <a:ext cx="1368152" cy="360040"/>
+            </a:xfrm>
+            <a:prstGeom prst="roundRect">
+              <a:avLst/>
+            </a:prstGeom>
+          </p:spPr>
+          <p:style>
+            <a:lnRef idx="2">
+              <a:schemeClr val="accent1">
+                <a:shade val="50000"/>
+              </a:schemeClr>
+            </a:lnRef>
+            <a:fillRef idx="1">
+              <a:schemeClr val="accent1"/>
+            </a:fillRef>
+            <a:effectRef idx="0">
+              <a:schemeClr val="accent1"/>
+            </a:effectRef>
+            <a:fontRef idx="minor">
+              <a:schemeClr val="lt1"/>
+            </a:fontRef>
+          </p:style>
+          <p:txBody>
+            <a:bodyPr rtlCol="0" anchor="ctr"/>
+            <a:lstStyle/>
+            <a:p>
+              <a:pPr algn="ctr"/>
+              <a:endParaRPr lang="zh-CN" altLang="en-US"/>
+            </a:p>
+          </p:txBody>
+        </p:sp>
+      </p:grpSp>
+      <p:sp>
+        <p:nvSpPr>
+          <p:cNvPr id="73" name="矩形 72"/>
+          <p:cNvSpPr/>
           <p:nvPr/>
         </p:nvSpPr>
         <p:spPr>
           <a:xfrm>
-            <a:off x="2627784" y="4797152"/>
-            <a:ext cx="1656184" cy="369332"/>
+            <a:off x="1619672" y="2924944"/>
+            <a:ext cx="6048672" cy="504056"/>
           </a:xfrm>
           <a:prstGeom prst="rect">
             <a:avLst/>
           </a:prstGeom>
+          <a:solidFill>
+            <a:srgbClr val="FF3300">
+              <a:alpha val="58039"/>
+            </a:srgbClr>
+          </a:solidFill>
         </p:spPr>
         <p:style>
           <a:lnRef idx="2">
@@ -15979,48 +16219,70 @@
           </a:fontRef>
         </p:style>
         <p:txBody>
+          <a:bodyPr rtlCol="0" anchor="ctr"/>
+          <a:lstStyle/>
+          <a:p>
+            <a:pPr algn="ctr"/>
+            <a:endParaRPr lang="zh-CN" altLang="en-US"/>
+          </a:p>
+        </p:txBody>
+      </p:sp>
+      <p:sp>
+        <p:nvSpPr>
+          <p:cNvPr id="89" name="TextBox 88"/>
+          <p:cNvSpPr txBox="1"/>
+          <p:nvPr/>
+        </p:nvSpPr>
+        <p:spPr>
+          <a:xfrm>
+            <a:off x="107504" y="975906"/>
+            <a:ext cx="1224136" cy="369332"/>
+          </a:xfrm>
+          <a:prstGeom prst="rect">
+            <a:avLst/>
+          </a:prstGeom>
+          <a:solidFill>
+            <a:srgbClr val="FFC000"/>
+          </a:solidFill>
+        </p:spPr>
+        <p:txBody>
           <a:bodyPr wrap="square" rtlCol="0">
             <a:spAutoFit/>
           </a:bodyPr>
           <a:lstStyle/>
           <a:p>
             <a:r>
-              <a:rPr lang="en-US" altLang="zh-CN" dirty="0" smtClean="0"/>
-              <a:t>Tag1-----------X</a:t>
-            </a:r>
-            <a:endParaRPr lang="zh-CN" altLang="en-US" dirty="0"/>
-          </a:p>
-        </p:txBody>
-      </p:sp>
-      <p:sp>
-        <p:nvSpPr>
-          <p:cNvPr id="45" name="TextBox 44"/>
+              <a:rPr lang="zh-CN" altLang="en-US" u="sng" dirty="0"/>
+              <a:t>展开</a:t>
+            </a:r>
+            <a:r>
+              <a:rPr lang="en-US" altLang="zh-CN" u="sng" dirty="0" smtClean="0"/>
+              <a:t>|</a:t>
+            </a:r>
+            <a:r>
+              <a:rPr lang="zh-CN" altLang="en-US" u="sng" dirty="0" smtClean="0"/>
+              <a:t>折叠</a:t>
+            </a:r>
+            <a:endParaRPr lang="zh-CN" altLang="en-US" u="sng" dirty="0"/>
+          </a:p>
+        </p:txBody>
+      </p:sp>
+      <p:sp>
+        <p:nvSpPr>
+          <p:cNvPr id="102" name="TextBox 101"/>
           <p:cNvSpPr txBox="1"/>
           <p:nvPr/>
         </p:nvSpPr>
         <p:spPr>
           <a:xfrm>
-            <a:off x="2627784" y="5229200"/>
-            <a:ext cx="1656184" cy="369332"/>
+            <a:off x="4848114" y="0"/>
+            <a:ext cx="1944216" cy="369332"/>
           </a:xfrm>
           <a:prstGeom prst="rect">
             <a:avLst/>
           </a:prstGeom>
+          <a:noFill/>
         </p:spPr>
-        <p:style>
-          <a:lnRef idx="2">
-            <a:schemeClr val="accent2"/>
-          </a:lnRef>
-          <a:fillRef idx="1">
-            <a:schemeClr val="lt1"/>
-          </a:fillRef>
-          <a:effectRef idx="0">
-            <a:schemeClr val="accent2"/>
-          </a:effectRef>
-          <a:fontRef idx="minor">
-            <a:schemeClr val="dk1"/>
-          </a:fontRef>
-        </p:style>
         <p:txBody>
           <a:bodyPr wrap="square" rtlCol="0">
             <a:spAutoFit/>
@@ -16028,79 +16290,31 @@
           <a:lstStyle/>
           <a:p>
             <a:r>
-              <a:rPr lang="zh-CN" altLang="en-US" dirty="0"/>
-              <a:t>新</a:t>
-            </a:r>
-            <a:r>
-              <a:rPr lang="en-US" altLang="zh-CN" dirty="0" smtClean="0"/>
-              <a:t>Tag</a:t>
-            </a:r>
-            <a:r>
               <a:rPr lang="zh-CN" altLang="en-US" dirty="0" smtClean="0"/>
-              <a:t>：</a:t>
-            </a:r>
-            <a:r>
-              <a:rPr lang="en-US" altLang="zh-CN" dirty="0" smtClean="0"/>
-              <a:t>______</a:t>
+              <a:t>欢迎：管理员</a:t>
             </a:r>
             <a:endParaRPr lang="zh-CN" altLang="en-US" dirty="0"/>
           </a:p>
         </p:txBody>
       </p:sp>
-    </p:spTree>
-  </p:cSld>
-  <p:clrMapOvr>
-    <a:masterClrMapping/>
-  </p:clrMapOvr>
-</p:sld>
-</file>
-
-<file path=ppt/slides/slide7.xml><?xml version="1.0" encoding="utf-8"?>
-<p:sld xmlns:a="http://schemas.openxmlformats.org/drawingml/2006/main" xmlns:r="http://schemas.openxmlformats.org/officeDocument/2006/relationships" xmlns:p="http://schemas.openxmlformats.org/presentationml/2006/main">
-  <p:cSld>
-    <p:spTree>
-      <p:nvGrpSpPr>
-        <p:cNvPr id="1" name=""/>
-        <p:cNvGrpSpPr/>
-        <p:nvPr/>
-      </p:nvGrpSpPr>
-      <p:grpSpPr>
-        <a:xfrm>
-          <a:off x="0" y="0"/>
-          <a:ext cx="0" cy="0"/>
-          <a:chOff x="0" y="0"/>
-          <a:chExt cx="0" cy="0"/>
-        </a:xfrm>
-      </p:grpSpPr>
-      <p:sp>
-        <p:nvSpPr>
-          <p:cNvPr id="4" name="TextBox 3"/>
+      <p:sp>
+        <p:nvSpPr>
+          <p:cNvPr id="103" name="TextBox 102"/>
           <p:cNvSpPr txBox="1"/>
           <p:nvPr/>
         </p:nvSpPr>
         <p:spPr>
           <a:xfrm>
-            <a:off x="0" y="0"/>
-            <a:ext cx="9144000" cy="369332"/>
+            <a:off x="3647814" y="908720"/>
+            <a:ext cx="1770534" cy="369332"/>
           </a:xfrm>
           <a:prstGeom prst="rect">
             <a:avLst/>
           </a:prstGeom>
+          <a:solidFill>
+            <a:srgbClr val="FFC000"/>
+          </a:solidFill>
         </p:spPr>
-        <p:style>
-          <a:lnRef idx="2">
-            <a:schemeClr val="dk1"/>
-          </a:lnRef>
-          <a:fillRef idx="1">
-            <a:schemeClr val="lt1"/>
-          </a:fillRef>
-          <a:effectRef idx="0">
-            <a:schemeClr val="dk1"/>
-          </a:effectRef>
-          <a:fontRef idx="minor">
-            <a:schemeClr val="dk1"/>
-          </a:fontRef>
-        </p:style>
         <p:txBody>
           <a:bodyPr wrap="square" rtlCol="0">
             <a:spAutoFit/>
@@ -16108,153 +16322,23 @@
           <a:lstStyle/>
           <a:p>
             <a:r>
-              <a:rPr lang="en-US" altLang="zh-CN" dirty="0" err="1" smtClean="0"/>
-              <a:t>Lite</a:t>
-            </a:r>
-            <a:r>
-              <a:rPr lang="en-US" altLang="zh-CN" dirty="0" smtClean="0"/>
-              <a:t> KM</a:t>
-            </a:r>
-            <a:endParaRPr lang="zh-CN" altLang="en-US" dirty="0"/>
-          </a:p>
-        </p:txBody>
-      </p:sp>
-      <p:sp>
-        <p:nvSpPr>
-          <p:cNvPr id="5" name="TextBox 4"/>
-          <p:cNvSpPr txBox="1"/>
+              <a:rPr lang="zh-CN" altLang="en-US" u="sng" dirty="0" smtClean="0"/>
+              <a:t>新建目录</a:t>
+            </a:r>
+            <a:endParaRPr lang="zh-CN" altLang="en-US" u="sng" dirty="0"/>
+          </a:p>
+        </p:txBody>
+      </p:sp>
+      <p:sp>
+        <p:nvSpPr>
+          <p:cNvPr id="104" name="矩形 103"/>
+          <p:cNvSpPr/>
           <p:nvPr/>
         </p:nvSpPr>
         <p:spPr>
           <a:xfrm>
-            <a:off x="0" y="404664"/>
-            <a:ext cx="5004048" cy="369332"/>
-          </a:xfrm>
-          <a:prstGeom prst="rect">
-            <a:avLst/>
-          </a:prstGeom>
-        </p:spPr>
-        <p:style>
-          <a:lnRef idx="2">
-            <a:schemeClr val="dk1"/>
-          </a:lnRef>
-          <a:fillRef idx="1">
-            <a:schemeClr val="lt1"/>
-          </a:fillRef>
-          <a:effectRef idx="0">
-            <a:schemeClr val="dk1"/>
-          </a:effectRef>
-          <a:fontRef idx="minor">
-            <a:schemeClr val="dk1"/>
-          </a:fontRef>
-        </p:style>
-        <p:txBody>
-          <a:bodyPr wrap="square" rtlCol="0">
-            <a:spAutoFit/>
-          </a:bodyPr>
-          <a:lstStyle/>
-          <a:p>
-            <a:r>
-              <a:rPr lang="zh-CN" altLang="en-US" dirty="0" smtClean="0"/>
-              <a:t>当前目录：</a:t>
-            </a:r>
-            <a:r>
-              <a:rPr lang="en-US" altLang="zh-CN" dirty="0" err="1" smtClean="0"/>
-              <a:t>abc</a:t>
-            </a:r>
-            <a:r>
-              <a:rPr lang="en-US" altLang="zh-CN" dirty="0" smtClean="0"/>
-              <a:t>/</a:t>
-            </a:r>
-            <a:r>
-              <a:rPr lang="en-US" altLang="zh-CN" dirty="0" err="1" smtClean="0"/>
-              <a:t>bbc</a:t>
-            </a:r>
-            <a:r>
-              <a:rPr lang="en-US" altLang="zh-CN" dirty="0" smtClean="0"/>
-              <a:t>/</a:t>
-            </a:r>
-            <a:r>
-              <a:rPr lang="en-US" altLang="zh-CN" dirty="0" err="1" smtClean="0"/>
-              <a:t>cde</a:t>
-            </a:r>
-            <a:r>
-              <a:rPr lang="en-US" altLang="zh-CN" dirty="0" smtClean="0"/>
-              <a:t>/</a:t>
-            </a:r>
-            <a:endParaRPr lang="zh-CN" altLang="en-US" dirty="0"/>
-          </a:p>
-        </p:txBody>
-      </p:sp>
-      <p:sp>
-        <p:nvSpPr>
-          <p:cNvPr id="6" name="TextBox 5"/>
-          <p:cNvSpPr txBox="1"/>
-          <p:nvPr/>
-        </p:nvSpPr>
-        <p:spPr>
-          <a:xfrm>
-            <a:off x="0" y="6488668"/>
-            <a:ext cx="9144000" cy="369332"/>
-          </a:xfrm>
-          <a:prstGeom prst="rect">
-            <a:avLst/>
-          </a:prstGeom>
-        </p:spPr>
-        <p:style>
-          <a:lnRef idx="2">
-            <a:schemeClr val="dk1"/>
-          </a:lnRef>
-          <a:fillRef idx="1">
-            <a:schemeClr val="lt1"/>
-          </a:fillRef>
-          <a:effectRef idx="0">
-            <a:schemeClr val="dk1"/>
-          </a:effectRef>
-          <a:fontRef idx="minor">
-            <a:schemeClr val="dk1"/>
-          </a:fontRef>
-        </p:style>
-        <p:txBody>
-          <a:bodyPr wrap="square" rtlCol="0">
-            <a:spAutoFit/>
-          </a:bodyPr>
-          <a:lstStyle/>
-          <a:p>
-            <a:r>
-              <a:rPr lang="en-US" altLang="zh-CN" dirty="0" err="1" smtClean="0"/>
-              <a:t>Lite</a:t>
-            </a:r>
-            <a:r>
-              <a:rPr lang="en-US" altLang="zh-CN" dirty="0" smtClean="0"/>
-              <a:t> KM V0.1</a:t>
-            </a:r>
-            <a:r>
-              <a:rPr lang="zh-CN" altLang="en-US" dirty="0" smtClean="0"/>
-              <a:t>， </a:t>
-            </a:r>
-            <a:r>
-              <a:rPr lang="en-US" altLang="zh-CN" dirty="0" smtClean="0"/>
-              <a:t>Under GPLv3 License</a:t>
-            </a:r>
-            <a:r>
-              <a:rPr lang="zh-CN" altLang="en-US" dirty="0" smtClean="0"/>
-              <a:t>。</a:t>
-            </a:r>
-            <a:endParaRPr lang="zh-CN" altLang="en-US" dirty="0"/>
-          </a:p>
-        </p:txBody>
-      </p:sp>
-      <p:sp>
-        <p:nvSpPr>
-          <p:cNvPr id="8" name="矩形 7"/>
-          <p:cNvSpPr/>
-          <p:nvPr/>
-        </p:nvSpPr>
-        <p:spPr>
-          <a:xfrm>
-            <a:off x="0" y="836712"/>
-            <a:ext cx="1475656" cy="5616624"/>
+            <a:off x="1552308" y="3645024"/>
+            <a:ext cx="7556195" cy="2834620"/>
           </a:xfrm>
           <a:prstGeom prst="rect">
             <a:avLst/>
@@ -16279,140 +16363,22 @@
           <a:lstStyle/>
           <a:p>
             <a:pPr algn="ctr"/>
-            <a:r>
-              <a:rPr lang="zh-CN" altLang="en-US" dirty="0" smtClean="0"/>
-              <a:t>目录树</a:t>
-            </a:r>
             <a:endParaRPr lang="zh-CN" altLang="en-US" dirty="0"/>
           </a:p>
         </p:txBody>
       </p:sp>
       <p:sp>
         <p:nvSpPr>
-          <p:cNvPr id="9" name="矩形 8"/>
+          <p:cNvPr id="105" name="下箭头 104"/>
           <p:cNvSpPr/>
           <p:nvPr/>
         </p:nvSpPr>
         <p:spPr>
           <a:xfrm>
-            <a:off x="1547664" y="836712"/>
-            <a:ext cx="6228184" cy="5616624"/>
-          </a:xfrm>
-          <a:prstGeom prst="rect">
-            <a:avLst/>
-          </a:prstGeom>
-        </p:spPr>
-        <p:style>
-          <a:lnRef idx="2">
-            <a:schemeClr val="accent6"/>
-          </a:lnRef>
-          <a:fillRef idx="1">
-            <a:schemeClr val="lt1"/>
-          </a:fillRef>
-          <a:effectRef idx="0">
-            <a:schemeClr val="accent6"/>
-          </a:effectRef>
-          <a:fontRef idx="minor">
-            <a:schemeClr val="dk1"/>
-          </a:fontRef>
-        </p:style>
-        <p:txBody>
-          <a:bodyPr rtlCol="0" anchor="ctr"/>
-          <a:lstStyle/>
-          <a:p>
-            <a:pPr algn="ctr"/>
-            <a:r>
-              <a:rPr lang="zh-CN" altLang="en-US" dirty="0" smtClean="0"/>
-              <a:t>文件内容</a:t>
-            </a:r>
-            <a:endParaRPr lang="zh-CN" altLang="en-US" dirty="0"/>
-          </a:p>
-        </p:txBody>
-      </p:sp>
-      <p:sp>
-        <p:nvSpPr>
-          <p:cNvPr id="10" name="TextBox 9"/>
-          <p:cNvSpPr txBox="1"/>
-          <p:nvPr/>
-        </p:nvSpPr>
-        <p:spPr>
-          <a:xfrm>
-            <a:off x="7884368" y="35332"/>
-            <a:ext cx="1224136" cy="369332"/>
-          </a:xfrm>
-          <a:prstGeom prst="rect">
-            <a:avLst/>
-          </a:prstGeom>
-          <a:noFill/>
-        </p:spPr>
-        <p:txBody>
-          <a:bodyPr wrap="square" rtlCol="0">
-            <a:spAutoFit/>
-          </a:bodyPr>
-          <a:lstStyle/>
-          <a:p>
-            <a:r>
-              <a:rPr lang="zh-CN" altLang="en-US" dirty="0" smtClean="0"/>
-              <a:t>登录</a:t>
-            </a:r>
-            <a:r>
-              <a:rPr lang="en-US" altLang="zh-CN" dirty="0" smtClean="0"/>
-              <a:t>|</a:t>
-            </a:r>
-            <a:r>
-              <a:rPr lang="zh-CN" altLang="en-US" dirty="0" smtClean="0"/>
-              <a:t>注销</a:t>
-            </a:r>
-            <a:endParaRPr lang="zh-CN" altLang="en-US" dirty="0"/>
-          </a:p>
-        </p:txBody>
-      </p:sp>
-      <p:sp>
-        <p:nvSpPr>
-          <p:cNvPr id="11" name="TextBox 10"/>
-          <p:cNvSpPr txBox="1"/>
-          <p:nvPr/>
-        </p:nvSpPr>
-        <p:spPr>
-          <a:xfrm>
-            <a:off x="5796136" y="404664"/>
-            <a:ext cx="1152128" cy="369332"/>
-          </a:xfrm>
-          <a:prstGeom prst="rect">
-            <a:avLst/>
-          </a:prstGeom>
-          <a:noFill/>
-        </p:spPr>
-        <p:txBody>
-          <a:bodyPr wrap="square" rtlCol="0">
-            <a:spAutoFit/>
-          </a:bodyPr>
-          <a:lstStyle/>
-          <a:p>
-            <a:r>
-              <a:rPr lang="zh-CN" altLang="en-US" dirty="0"/>
-              <a:t>全文</a:t>
-            </a:r>
-            <a:r>
-              <a:rPr lang="zh-CN" altLang="en-US" dirty="0" smtClean="0"/>
-              <a:t>搜索</a:t>
-            </a:r>
-            <a:endParaRPr lang="zh-CN" altLang="en-US" dirty="0"/>
-          </a:p>
-        </p:txBody>
-      </p:sp>
-      <p:sp>
-        <p:nvSpPr>
-          <p:cNvPr id="12" name="圆角矩形 11"/>
-          <p:cNvSpPr/>
-          <p:nvPr/>
-        </p:nvSpPr>
-        <p:spPr>
-          <a:xfrm>
-            <a:off x="6948264" y="404664"/>
-            <a:ext cx="2016224" cy="360040"/>
-          </a:xfrm>
-          <a:prstGeom prst="roundRect">
+            <a:off x="8892480" y="6165304"/>
+            <a:ext cx="216024" cy="288032"/>
+          </a:xfrm>
+          <a:prstGeom prst="downArrow">
             <a:avLst/>
           </a:prstGeom>
         </p:spPr>
@@ -16443,1238 +16409,16 @@
       </p:sp>
       <p:sp>
         <p:nvSpPr>
-          <p:cNvPr id="13" name="TextBox 12"/>
-          <p:cNvSpPr txBox="1"/>
+          <p:cNvPr id="106" name="下箭头 105"/>
+          <p:cNvSpPr/>
           <p:nvPr/>
         </p:nvSpPr>
         <p:spPr>
-          <a:xfrm>
-            <a:off x="5076056" y="404664"/>
-            <a:ext cx="684584" cy="369332"/>
-          </a:xfrm>
-          <a:prstGeom prst="rect">
-            <a:avLst/>
-          </a:prstGeom>
-        </p:spPr>
-        <p:style>
-          <a:lnRef idx="2">
-            <a:schemeClr val="accent2"/>
-          </a:lnRef>
-          <a:fillRef idx="1">
-            <a:schemeClr val="lt1"/>
-          </a:fillRef>
-          <a:effectRef idx="0">
-            <a:schemeClr val="accent2"/>
-          </a:effectRef>
-          <a:fontRef idx="minor">
-            <a:schemeClr val="dk1"/>
-          </a:fontRef>
-        </p:style>
-        <p:txBody>
-          <a:bodyPr wrap="square" rtlCol="0">
-            <a:spAutoFit/>
-          </a:bodyPr>
-          <a:lstStyle/>
-          <a:p>
-            <a:r>
-              <a:rPr lang="zh-CN" altLang="en-US" dirty="0" smtClean="0"/>
-              <a:t>上传</a:t>
-            </a:r>
-            <a:endParaRPr lang="zh-CN" altLang="en-US" dirty="0"/>
-          </a:p>
-        </p:txBody>
-      </p:sp>
-      <p:grpSp>
-        <p:nvGrpSpPr>
-          <p:cNvPr id="2" name="组合 16"/>
-          <p:cNvGrpSpPr/>
-          <p:nvPr/>
-        </p:nvGrpSpPr>
-        <p:grpSpPr>
-          <a:xfrm>
-            <a:off x="1691680" y="1436583"/>
-            <a:ext cx="6084168" cy="1200329"/>
-            <a:chOff x="3059832" y="1124744"/>
-            <a:chExt cx="6084168" cy="1200329"/>
-          </a:xfrm>
-        </p:grpSpPr>
-        <p:sp>
-          <p:nvSpPr>
-            <p:cNvPr id="14" name="TextBox 13"/>
-            <p:cNvSpPr txBox="1"/>
-            <p:nvPr/>
-          </p:nvSpPr>
-          <p:spPr>
-            <a:xfrm>
-              <a:off x="3059832" y="1124744"/>
-              <a:ext cx="5904656" cy="1200329"/>
-            </a:xfrm>
-            <a:prstGeom prst="rect">
-              <a:avLst/>
-            </a:prstGeom>
-          </p:spPr>
-          <p:style>
-            <a:lnRef idx="2">
-              <a:schemeClr val="accent1"/>
-            </a:lnRef>
-            <a:fillRef idx="1">
-              <a:schemeClr val="lt1"/>
-            </a:fillRef>
-            <a:effectRef idx="0">
-              <a:schemeClr val="accent1"/>
-            </a:effectRef>
-            <a:fontRef idx="minor">
-              <a:schemeClr val="dk1"/>
-            </a:fontRef>
-          </p:style>
-          <p:txBody>
-            <a:bodyPr wrap="square" rtlCol="0">
-              <a:spAutoFit/>
-            </a:bodyPr>
-            <a:lstStyle/>
-            <a:p>
-              <a:r>
-                <a:rPr lang="en-US" altLang="zh-CN" dirty="0"/>
-                <a:t> </a:t>
-              </a:r>
-              <a:r>
-                <a:rPr lang="en-US" altLang="zh-CN" dirty="0" smtClean="0"/>
-                <a:t>          </a:t>
-              </a:r>
-              <a:r>
-                <a:rPr lang="en-US" altLang="zh-CN" u="sng" dirty="0" smtClean="0"/>
-                <a:t>a.doc</a:t>
-              </a:r>
-            </a:p>
-            <a:p>
-              <a:r>
-                <a:rPr lang="en-US" altLang="zh-CN" dirty="0"/>
-                <a:t> </a:t>
-              </a:r>
-              <a:r>
-                <a:rPr lang="en-US" altLang="zh-CN" dirty="0" smtClean="0"/>
-                <a:t>          </a:t>
-              </a:r>
-              <a:r>
-                <a:rPr lang="zh-CN" altLang="en-US" dirty="0" smtClean="0"/>
-                <a:t>作者：</a:t>
-              </a:r>
-              <a:r>
-                <a:rPr lang="zh-CN" altLang="en-US" u="sng" dirty="0" smtClean="0">
-                  <a:solidFill>
-                    <a:schemeClr val="tx2">
-                      <a:lumMod val="60000"/>
-                      <a:lumOff val="40000"/>
-                    </a:schemeClr>
-                  </a:solidFill>
-                </a:rPr>
-                <a:t>张三 </a:t>
-              </a:r>
-              <a:r>
-                <a:rPr lang="en-US" altLang="zh-CN" dirty="0" smtClean="0"/>
-                <a:t>51667Bytes, 2013-11-25, </a:t>
-              </a:r>
-              <a:r>
-                <a:rPr lang="en-US" altLang="zh-CN" u="sng" dirty="0" smtClean="0">
-                  <a:solidFill>
-                    <a:schemeClr val="tx2">
-                      <a:lumMod val="60000"/>
-                      <a:lumOff val="40000"/>
-                    </a:schemeClr>
-                  </a:solidFill>
-                </a:rPr>
-                <a:t>Version 31</a:t>
-              </a:r>
-            </a:p>
-            <a:p>
-              <a:r>
-                <a:rPr lang="en-US" altLang="zh-CN" dirty="0"/>
-                <a:t> </a:t>
-              </a:r>
-              <a:r>
-                <a:rPr lang="en-US" altLang="zh-CN" dirty="0" smtClean="0"/>
-                <a:t>          </a:t>
-              </a:r>
-              <a:r>
-                <a:rPr lang="zh-CN" altLang="en-US" dirty="0" smtClean="0"/>
-                <a:t>文件简要介绍内容</a:t>
-              </a:r>
-              <a:r>
-                <a:rPr lang="en-US" altLang="zh-CN" dirty="0" smtClean="0"/>
-                <a:t>…</a:t>
-              </a:r>
-            </a:p>
-            <a:p>
-              <a:r>
-                <a:rPr lang="en-US" altLang="zh-CN" dirty="0"/>
-                <a:t> </a:t>
-              </a:r>
-              <a:r>
-                <a:rPr lang="en-US" altLang="zh-CN" dirty="0" smtClean="0"/>
-                <a:t>          </a:t>
-              </a:r>
-              <a:r>
-                <a:rPr lang="en-US" altLang="zh-CN" u="sng" dirty="0" smtClean="0"/>
-                <a:t>tag1</a:t>
-              </a:r>
-              <a:r>
-                <a:rPr lang="zh-CN" altLang="en-US" dirty="0" smtClean="0"/>
-                <a:t>，</a:t>
-              </a:r>
-              <a:r>
-                <a:rPr lang="en-US" altLang="zh-CN" u="sng" dirty="0" smtClean="0"/>
-                <a:t>tag2</a:t>
-              </a:r>
-              <a:r>
-                <a:rPr lang="zh-CN" altLang="en-US" dirty="0" smtClean="0"/>
-                <a:t>，</a:t>
-              </a:r>
-              <a:r>
-                <a:rPr lang="zh-CN" altLang="en-US" u="sng" dirty="0" smtClean="0"/>
-                <a:t>添加</a:t>
-              </a:r>
-              <a:r>
-                <a:rPr lang="en-US" altLang="zh-CN" u="sng" dirty="0" smtClean="0"/>
-                <a:t>Tag</a:t>
-              </a:r>
-              <a:endParaRPr lang="zh-CN" altLang="en-US" u="sng" dirty="0"/>
-            </a:p>
-          </p:txBody>
-        </p:sp>
-        <p:sp>
-          <p:nvSpPr>
-            <p:cNvPr id="15" name="TextBox 14"/>
-            <p:cNvSpPr txBox="1"/>
-            <p:nvPr/>
-          </p:nvSpPr>
-          <p:spPr>
-            <a:xfrm>
-              <a:off x="8316416" y="1124744"/>
-              <a:ext cx="827584" cy="1200329"/>
-            </a:xfrm>
-            <a:prstGeom prst="rect">
-              <a:avLst/>
-            </a:prstGeom>
-            <a:noFill/>
-          </p:spPr>
-          <p:txBody>
-            <a:bodyPr wrap="square" rtlCol="0">
-              <a:spAutoFit/>
-            </a:bodyPr>
-            <a:lstStyle/>
-            <a:p>
-              <a:r>
-                <a:rPr lang="zh-CN" altLang="en-US" u="sng" dirty="0" smtClean="0"/>
-                <a:t>预览</a:t>
-              </a:r>
-              <a:endParaRPr lang="en-US" altLang="zh-CN" u="sng" dirty="0" smtClean="0"/>
-            </a:p>
-            <a:p>
-              <a:r>
-                <a:rPr lang="zh-CN" altLang="en-US" u="sng" dirty="0" smtClean="0"/>
-                <a:t>删除</a:t>
-              </a:r>
-              <a:endParaRPr lang="en-US" altLang="zh-CN" u="sng" dirty="0" smtClean="0"/>
-            </a:p>
-            <a:p>
-              <a:r>
-                <a:rPr lang="zh-CN" altLang="en-US" u="sng" dirty="0" smtClean="0"/>
-                <a:t>下载</a:t>
-              </a:r>
-              <a:endParaRPr lang="en-US" altLang="zh-CN" u="sng" dirty="0" smtClean="0"/>
-            </a:p>
-            <a:p>
-              <a:r>
-                <a:rPr lang="zh-CN" altLang="en-US" u="sng" dirty="0"/>
-                <a:t>评论</a:t>
-              </a:r>
-            </a:p>
-          </p:txBody>
-        </p:sp>
-        <p:pic>
-          <p:nvPicPr>
-            <p:cNvPr id="10242" name="Picture 2" descr="http://ts4.mm.bing.net/th?id=H.4567110543869391&amp;w=148&amp;h=145&amp;c=7&amp;rs=1&amp;pid=1.7"/>
-            <p:cNvPicPr>
-              <a:picLocks noChangeAspect="1" noChangeArrowheads="1"/>
-            </p:cNvPicPr>
-            <p:nvPr/>
-          </p:nvPicPr>
-          <p:blipFill>
-            <a:blip r:embed="rId2" cstate="print"/>
-            <a:srcRect/>
-            <a:stretch>
-              <a:fillRect/>
-            </a:stretch>
-          </p:blipFill>
-          <p:spPr bwMode="auto">
-            <a:xfrm>
-              <a:off x="3119922" y="1196752"/>
-              <a:ext cx="587982" cy="576064"/>
-            </a:xfrm>
-            <a:prstGeom prst="rect">
-              <a:avLst/>
-            </a:prstGeom>
-            <a:noFill/>
-          </p:spPr>
-        </p:pic>
-      </p:grpSp>
-      <p:grpSp>
-        <p:nvGrpSpPr>
-          <p:cNvPr id="3" name="组合 17"/>
-          <p:cNvGrpSpPr/>
-          <p:nvPr/>
-        </p:nvGrpSpPr>
-        <p:grpSpPr>
-          <a:xfrm>
-            <a:off x="1691680" y="2660719"/>
-            <a:ext cx="6084168" cy="1200329"/>
-            <a:chOff x="3059832" y="1124744"/>
-            <a:chExt cx="6084168" cy="1200329"/>
-          </a:xfrm>
-        </p:grpSpPr>
-        <p:sp>
-          <p:nvSpPr>
-            <p:cNvPr id="19" name="TextBox 18"/>
-            <p:cNvSpPr txBox="1"/>
-            <p:nvPr/>
-          </p:nvSpPr>
-          <p:spPr>
-            <a:xfrm>
-              <a:off x="3059832" y="1124744"/>
-              <a:ext cx="5904656" cy="1200329"/>
-            </a:xfrm>
-            <a:prstGeom prst="rect">
-              <a:avLst/>
-            </a:prstGeom>
-          </p:spPr>
-          <p:style>
-            <a:lnRef idx="2">
-              <a:schemeClr val="accent1"/>
-            </a:lnRef>
-            <a:fillRef idx="1">
-              <a:schemeClr val="lt1"/>
-            </a:fillRef>
-            <a:effectRef idx="0">
-              <a:schemeClr val="accent1"/>
-            </a:effectRef>
-            <a:fontRef idx="minor">
-              <a:schemeClr val="dk1"/>
-            </a:fontRef>
-          </p:style>
-          <p:txBody>
-            <a:bodyPr wrap="square" rtlCol="0">
-              <a:spAutoFit/>
-            </a:bodyPr>
-            <a:lstStyle/>
-            <a:p>
-              <a:r>
-                <a:rPr lang="en-US" altLang="zh-CN" dirty="0"/>
-                <a:t> </a:t>
-              </a:r>
-              <a:r>
-                <a:rPr lang="en-US" altLang="zh-CN" dirty="0" smtClean="0"/>
-                <a:t>          </a:t>
-              </a:r>
-              <a:r>
-                <a:rPr lang="en-US" altLang="zh-CN" u="sng" dirty="0" smtClean="0"/>
-                <a:t>a.doc</a:t>
-              </a:r>
-            </a:p>
-            <a:p>
-              <a:r>
-                <a:rPr lang="en-US" altLang="zh-CN" dirty="0"/>
-                <a:t> </a:t>
-              </a:r>
-              <a:r>
-                <a:rPr lang="en-US" altLang="zh-CN" dirty="0" smtClean="0"/>
-                <a:t>          </a:t>
-              </a:r>
-              <a:r>
-                <a:rPr lang="zh-CN" altLang="en-US" dirty="0" smtClean="0"/>
-                <a:t>作者：</a:t>
-              </a:r>
-              <a:r>
-                <a:rPr lang="zh-CN" altLang="en-US" u="sng" dirty="0" smtClean="0">
-                  <a:solidFill>
-                    <a:schemeClr val="tx2">
-                      <a:lumMod val="60000"/>
-                      <a:lumOff val="40000"/>
-                    </a:schemeClr>
-                  </a:solidFill>
-                </a:rPr>
-                <a:t>张三 </a:t>
-              </a:r>
-              <a:r>
-                <a:rPr lang="en-US" altLang="zh-CN" dirty="0" smtClean="0"/>
-                <a:t>51667Bytes, 2013-11-25, </a:t>
-              </a:r>
-              <a:r>
-                <a:rPr lang="en-US" altLang="zh-CN" u="sng" dirty="0" smtClean="0">
-                  <a:solidFill>
-                    <a:schemeClr val="tx2">
-                      <a:lumMod val="60000"/>
-                      <a:lumOff val="40000"/>
-                    </a:schemeClr>
-                  </a:solidFill>
-                </a:rPr>
-                <a:t>Version 31</a:t>
-              </a:r>
-            </a:p>
-            <a:p>
-              <a:r>
-                <a:rPr lang="en-US" altLang="zh-CN" dirty="0"/>
-                <a:t> </a:t>
-              </a:r>
-              <a:r>
-                <a:rPr lang="en-US" altLang="zh-CN" dirty="0" smtClean="0"/>
-                <a:t>          </a:t>
-              </a:r>
-              <a:r>
-                <a:rPr lang="zh-CN" altLang="en-US" dirty="0" smtClean="0"/>
-                <a:t>文件简要介绍内容</a:t>
-              </a:r>
-              <a:r>
-                <a:rPr lang="en-US" altLang="zh-CN" dirty="0" smtClean="0"/>
-                <a:t>…</a:t>
-              </a:r>
-            </a:p>
-            <a:p>
-              <a:r>
-                <a:rPr lang="en-US" altLang="zh-CN" dirty="0"/>
-                <a:t> </a:t>
-              </a:r>
-              <a:r>
-                <a:rPr lang="en-US" altLang="zh-CN" dirty="0" smtClean="0"/>
-                <a:t>          </a:t>
-              </a:r>
-              <a:r>
-                <a:rPr lang="en-US" altLang="zh-CN" u="sng" dirty="0" smtClean="0"/>
-                <a:t>tag1</a:t>
-              </a:r>
-              <a:r>
-                <a:rPr lang="zh-CN" altLang="en-US" dirty="0" smtClean="0"/>
-                <a:t>，</a:t>
-              </a:r>
-              <a:r>
-                <a:rPr lang="en-US" altLang="zh-CN" u="sng" dirty="0" smtClean="0"/>
-                <a:t>tag2</a:t>
-              </a:r>
-              <a:r>
-                <a:rPr lang="zh-CN" altLang="en-US" dirty="0" smtClean="0"/>
-                <a:t>，</a:t>
-              </a:r>
-              <a:r>
-                <a:rPr lang="zh-CN" altLang="en-US" u="sng" dirty="0" smtClean="0"/>
-                <a:t>添加</a:t>
-              </a:r>
-              <a:r>
-                <a:rPr lang="en-US" altLang="zh-CN" dirty="0" smtClean="0"/>
-                <a:t>Tag</a:t>
-              </a:r>
-              <a:endParaRPr lang="zh-CN" altLang="en-US" u="sng" dirty="0"/>
-            </a:p>
-          </p:txBody>
-        </p:sp>
-        <p:sp>
-          <p:nvSpPr>
-            <p:cNvPr id="20" name="TextBox 19"/>
-            <p:cNvSpPr txBox="1"/>
-            <p:nvPr/>
-          </p:nvSpPr>
-          <p:spPr>
-            <a:xfrm>
-              <a:off x="8316416" y="1124744"/>
-              <a:ext cx="827584" cy="1200329"/>
-            </a:xfrm>
-            <a:prstGeom prst="rect">
-              <a:avLst/>
-            </a:prstGeom>
-            <a:noFill/>
-          </p:spPr>
-          <p:txBody>
-            <a:bodyPr wrap="square" rtlCol="0">
-              <a:spAutoFit/>
-            </a:bodyPr>
-            <a:lstStyle/>
-            <a:p>
-              <a:r>
-                <a:rPr lang="zh-CN" altLang="en-US" u="sng" dirty="0" smtClean="0"/>
-                <a:t>预览</a:t>
-              </a:r>
-              <a:endParaRPr lang="en-US" altLang="zh-CN" u="sng" dirty="0" smtClean="0"/>
-            </a:p>
-            <a:p>
-              <a:r>
-                <a:rPr lang="zh-CN" altLang="en-US" u="sng" dirty="0" smtClean="0"/>
-                <a:t>删除</a:t>
-              </a:r>
-              <a:endParaRPr lang="en-US" altLang="zh-CN" u="sng" dirty="0" smtClean="0"/>
-            </a:p>
-            <a:p>
-              <a:r>
-                <a:rPr lang="zh-CN" altLang="en-US" u="sng" dirty="0" smtClean="0"/>
-                <a:t>下载</a:t>
-              </a:r>
-              <a:endParaRPr lang="en-US" altLang="zh-CN" u="sng" dirty="0" smtClean="0"/>
-            </a:p>
-            <a:p>
-              <a:r>
-                <a:rPr lang="zh-CN" altLang="en-US" u="sng" dirty="0"/>
-                <a:t>评论</a:t>
-              </a:r>
-            </a:p>
-          </p:txBody>
-        </p:sp>
-        <p:pic>
-          <p:nvPicPr>
-            <p:cNvPr id="21" name="Picture 2" descr="http://ts4.mm.bing.net/th?id=H.4567110543869391&amp;w=148&amp;h=145&amp;c=7&amp;rs=1&amp;pid=1.7"/>
-            <p:cNvPicPr>
-              <a:picLocks noChangeAspect="1" noChangeArrowheads="1"/>
-            </p:cNvPicPr>
-            <p:nvPr/>
-          </p:nvPicPr>
-          <p:blipFill>
-            <a:blip r:embed="rId2" cstate="print"/>
-            <a:srcRect/>
-            <a:stretch>
-              <a:fillRect/>
-            </a:stretch>
-          </p:blipFill>
-          <p:spPr bwMode="auto">
-            <a:xfrm>
-              <a:off x="3119922" y="1196752"/>
-              <a:ext cx="587982" cy="576064"/>
-            </a:xfrm>
-            <a:prstGeom prst="rect">
-              <a:avLst/>
-            </a:prstGeom>
-            <a:noFill/>
-          </p:spPr>
-        </p:pic>
-      </p:grpSp>
-      <p:grpSp>
-        <p:nvGrpSpPr>
-          <p:cNvPr id="7" name="组合 26"/>
-          <p:cNvGrpSpPr/>
-          <p:nvPr/>
-        </p:nvGrpSpPr>
-        <p:grpSpPr>
-          <a:xfrm>
-            <a:off x="1691680" y="3933056"/>
-            <a:ext cx="6084168" cy="1200329"/>
-            <a:chOff x="3059832" y="1124744"/>
-            <a:chExt cx="6084168" cy="1200329"/>
-          </a:xfrm>
-        </p:grpSpPr>
-        <p:sp>
-          <p:nvSpPr>
-            <p:cNvPr id="28" name="TextBox 27"/>
-            <p:cNvSpPr txBox="1"/>
-            <p:nvPr/>
-          </p:nvSpPr>
-          <p:spPr>
-            <a:xfrm>
-              <a:off x="3059832" y="1124744"/>
-              <a:ext cx="5904656" cy="1200329"/>
-            </a:xfrm>
-            <a:prstGeom prst="rect">
-              <a:avLst/>
-            </a:prstGeom>
-          </p:spPr>
-          <p:style>
-            <a:lnRef idx="2">
-              <a:schemeClr val="accent1"/>
-            </a:lnRef>
-            <a:fillRef idx="1">
-              <a:schemeClr val="lt1"/>
-            </a:fillRef>
-            <a:effectRef idx="0">
-              <a:schemeClr val="accent1"/>
-            </a:effectRef>
-            <a:fontRef idx="minor">
-              <a:schemeClr val="dk1"/>
-            </a:fontRef>
-          </p:style>
-          <p:txBody>
-            <a:bodyPr wrap="square" rtlCol="0">
-              <a:spAutoFit/>
-            </a:bodyPr>
-            <a:lstStyle/>
-            <a:p>
-              <a:r>
-                <a:rPr lang="en-US" altLang="zh-CN" dirty="0"/>
-                <a:t> </a:t>
-              </a:r>
-              <a:r>
-                <a:rPr lang="en-US" altLang="zh-CN" dirty="0" smtClean="0"/>
-                <a:t>          </a:t>
-              </a:r>
-              <a:r>
-                <a:rPr lang="en-US" altLang="zh-CN" u="sng" dirty="0" smtClean="0"/>
-                <a:t>a.doc</a:t>
-              </a:r>
-            </a:p>
-            <a:p>
-              <a:r>
-                <a:rPr lang="en-US" altLang="zh-CN" dirty="0"/>
-                <a:t> </a:t>
-              </a:r>
-              <a:r>
-                <a:rPr lang="en-US" altLang="zh-CN" dirty="0" smtClean="0"/>
-                <a:t>          </a:t>
-              </a:r>
-              <a:r>
-                <a:rPr lang="zh-CN" altLang="en-US" dirty="0" smtClean="0"/>
-                <a:t>作者：</a:t>
-              </a:r>
-              <a:r>
-                <a:rPr lang="zh-CN" altLang="en-US" u="sng" dirty="0" smtClean="0">
-                  <a:solidFill>
-                    <a:schemeClr val="tx2">
-                      <a:lumMod val="60000"/>
-                      <a:lumOff val="40000"/>
-                    </a:schemeClr>
-                  </a:solidFill>
-                </a:rPr>
-                <a:t>张三 </a:t>
-              </a:r>
-              <a:r>
-                <a:rPr lang="en-US" altLang="zh-CN" dirty="0" smtClean="0"/>
-                <a:t>51667Bytes, 2013-11-25, </a:t>
-              </a:r>
-              <a:r>
-                <a:rPr lang="en-US" altLang="zh-CN" u="sng" dirty="0" smtClean="0">
-                  <a:solidFill>
-                    <a:schemeClr val="tx2">
-                      <a:lumMod val="60000"/>
-                      <a:lumOff val="40000"/>
-                    </a:schemeClr>
-                  </a:solidFill>
-                </a:rPr>
-                <a:t>Version 31</a:t>
-              </a:r>
-            </a:p>
-            <a:p>
-              <a:r>
-                <a:rPr lang="en-US" altLang="zh-CN" dirty="0"/>
-                <a:t> </a:t>
-              </a:r>
-              <a:r>
-                <a:rPr lang="en-US" altLang="zh-CN" dirty="0" smtClean="0"/>
-                <a:t>          </a:t>
-              </a:r>
-              <a:r>
-                <a:rPr lang="zh-CN" altLang="en-US" dirty="0" smtClean="0"/>
-                <a:t>文件简要介绍内容</a:t>
-              </a:r>
-              <a:r>
-                <a:rPr lang="en-US" altLang="zh-CN" dirty="0" smtClean="0"/>
-                <a:t>…</a:t>
-              </a:r>
-            </a:p>
-            <a:p>
-              <a:r>
-                <a:rPr lang="en-US" altLang="zh-CN" dirty="0"/>
-                <a:t> </a:t>
-              </a:r>
-              <a:r>
-                <a:rPr lang="en-US" altLang="zh-CN" dirty="0" smtClean="0"/>
-                <a:t>          </a:t>
-              </a:r>
-              <a:r>
-                <a:rPr lang="en-US" altLang="zh-CN" u="sng" dirty="0" smtClean="0"/>
-                <a:t>tag1</a:t>
-              </a:r>
-              <a:r>
-                <a:rPr lang="zh-CN" altLang="en-US" dirty="0" smtClean="0"/>
-                <a:t>，</a:t>
-              </a:r>
-              <a:r>
-                <a:rPr lang="en-US" altLang="zh-CN" u="sng" dirty="0" smtClean="0"/>
-                <a:t>tag2</a:t>
-              </a:r>
-              <a:r>
-                <a:rPr lang="zh-CN" altLang="en-US" dirty="0" smtClean="0"/>
-                <a:t>，</a:t>
-              </a:r>
-              <a:r>
-                <a:rPr lang="zh-CN" altLang="en-US" u="sng" dirty="0" smtClean="0"/>
-                <a:t>添加</a:t>
-              </a:r>
-              <a:r>
-                <a:rPr lang="en-US" altLang="zh-CN" u="sng" dirty="0" smtClean="0"/>
-                <a:t>tag</a:t>
-              </a:r>
-              <a:endParaRPr lang="zh-CN" altLang="en-US" u="sng" dirty="0"/>
-            </a:p>
-          </p:txBody>
-        </p:sp>
-        <p:sp>
-          <p:nvSpPr>
-            <p:cNvPr id="29" name="TextBox 28"/>
-            <p:cNvSpPr txBox="1"/>
-            <p:nvPr/>
-          </p:nvSpPr>
-          <p:spPr>
-            <a:xfrm>
-              <a:off x="8316416" y="1124744"/>
-              <a:ext cx="827584" cy="1200329"/>
-            </a:xfrm>
-            <a:prstGeom prst="rect">
-              <a:avLst/>
-            </a:prstGeom>
-            <a:noFill/>
-          </p:spPr>
-          <p:txBody>
-            <a:bodyPr wrap="square" rtlCol="0">
-              <a:spAutoFit/>
-            </a:bodyPr>
-            <a:lstStyle/>
-            <a:p>
-              <a:r>
-                <a:rPr lang="zh-CN" altLang="en-US" u="sng" dirty="0" smtClean="0"/>
-                <a:t>预览</a:t>
-              </a:r>
-              <a:endParaRPr lang="en-US" altLang="zh-CN" u="sng" dirty="0" smtClean="0"/>
-            </a:p>
-            <a:p>
-              <a:r>
-                <a:rPr lang="zh-CN" altLang="en-US" u="sng" dirty="0" smtClean="0"/>
-                <a:t>删除</a:t>
-              </a:r>
-              <a:endParaRPr lang="en-US" altLang="zh-CN" u="sng" dirty="0" smtClean="0"/>
-            </a:p>
-            <a:p>
-              <a:r>
-                <a:rPr lang="zh-CN" altLang="en-US" u="sng" dirty="0" smtClean="0"/>
-                <a:t>下载</a:t>
-              </a:r>
-              <a:endParaRPr lang="en-US" altLang="zh-CN" u="sng" dirty="0" smtClean="0"/>
-            </a:p>
-            <a:p>
-              <a:r>
-                <a:rPr lang="zh-CN" altLang="en-US" u="sng" dirty="0"/>
-                <a:t>评论</a:t>
-              </a:r>
-            </a:p>
-          </p:txBody>
-        </p:sp>
-        <p:pic>
-          <p:nvPicPr>
-            <p:cNvPr id="30" name="Picture 2" descr="http://ts4.mm.bing.net/th?id=H.4567110543869391&amp;w=148&amp;h=145&amp;c=7&amp;rs=1&amp;pid=1.7"/>
-            <p:cNvPicPr>
-              <a:picLocks noChangeAspect="1" noChangeArrowheads="1"/>
-            </p:cNvPicPr>
-            <p:nvPr/>
-          </p:nvPicPr>
-          <p:blipFill>
-            <a:blip r:embed="rId2" cstate="print"/>
-            <a:srcRect/>
-            <a:stretch>
-              <a:fillRect/>
-            </a:stretch>
-          </p:blipFill>
-          <p:spPr bwMode="auto">
-            <a:xfrm>
-              <a:off x="3119922" y="1196752"/>
-              <a:ext cx="587982" cy="576064"/>
-            </a:xfrm>
-            <a:prstGeom prst="rect">
-              <a:avLst/>
-            </a:prstGeom>
-            <a:noFill/>
-          </p:spPr>
-        </p:pic>
-      </p:grpSp>
-      <p:grpSp>
-        <p:nvGrpSpPr>
-          <p:cNvPr id="16" name="组合 30"/>
-          <p:cNvGrpSpPr/>
-          <p:nvPr/>
-        </p:nvGrpSpPr>
-        <p:grpSpPr>
-          <a:xfrm>
-            <a:off x="1691680" y="5157192"/>
-            <a:ext cx="6084168" cy="1200329"/>
-            <a:chOff x="3059832" y="1124744"/>
-            <a:chExt cx="6084168" cy="1200329"/>
-          </a:xfrm>
-        </p:grpSpPr>
-        <p:sp>
-          <p:nvSpPr>
-            <p:cNvPr id="32" name="TextBox 31"/>
-            <p:cNvSpPr txBox="1"/>
-            <p:nvPr/>
-          </p:nvSpPr>
-          <p:spPr>
-            <a:xfrm>
-              <a:off x="3059832" y="1124744"/>
-              <a:ext cx="5904656" cy="1200329"/>
-            </a:xfrm>
-            <a:prstGeom prst="rect">
-              <a:avLst/>
-            </a:prstGeom>
-          </p:spPr>
-          <p:style>
-            <a:lnRef idx="2">
-              <a:schemeClr val="accent1"/>
-            </a:lnRef>
-            <a:fillRef idx="1">
-              <a:schemeClr val="lt1"/>
-            </a:fillRef>
-            <a:effectRef idx="0">
-              <a:schemeClr val="accent1"/>
-            </a:effectRef>
-            <a:fontRef idx="minor">
-              <a:schemeClr val="dk1"/>
-            </a:fontRef>
-          </p:style>
-          <p:txBody>
-            <a:bodyPr wrap="square" rtlCol="0">
-              <a:spAutoFit/>
-            </a:bodyPr>
-            <a:lstStyle/>
-            <a:p>
-              <a:r>
-                <a:rPr lang="en-US" altLang="zh-CN" dirty="0"/>
-                <a:t> </a:t>
-              </a:r>
-              <a:r>
-                <a:rPr lang="en-US" altLang="zh-CN" dirty="0" smtClean="0"/>
-                <a:t>          </a:t>
-              </a:r>
-              <a:r>
-                <a:rPr lang="en-US" altLang="zh-CN" u="sng" dirty="0" smtClean="0"/>
-                <a:t>a.doc</a:t>
-              </a:r>
-            </a:p>
-            <a:p>
-              <a:r>
-                <a:rPr lang="en-US" altLang="zh-CN" dirty="0"/>
-                <a:t> </a:t>
-              </a:r>
-              <a:r>
-                <a:rPr lang="en-US" altLang="zh-CN" dirty="0" smtClean="0"/>
-                <a:t>          </a:t>
-              </a:r>
-              <a:r>
-                <a:rPr lang="zh-CN" altLang="en-US" dirty="0" smtClean="0"/>
-                <a:t>作者：</a:t>
-              </a:r>
-              <a:r>
-                <a:rPr lang="zh-CN" altLang="en-US" u="sng" dirty="0" smtClean="0">
-                  <a:solidFill>
-                    <a:schemeClr val="tx2">
-                      <a:lumMod val="60000"/>
-                      <a:lumOff val="40000"/>
-                    </a:schemeClr>
-                  </a:solidFill>
-                </a:rPr>
-                <a:t>张三 </a:t>
-              </a:r>
-              <a:r>
-                <a:rPr lang="en-US" altLang="zh-CN" dirty="0" smtClean="0"/>
-                <a:t>51667Bytes, 2013-11-25, </a:t>
-              </a:r>
-              <a:r>
-                <a:rPr lang="en-US" altLang="zh-CN" u="sng" dirty="0" smtClean="0">
-                  <a:solidFill>
-                    <a:schemeClr val="tx2">
-                      <a:lumMod val="60000"/>
-                      <a:lumOff val="40000"/>
-                    </a:schemeClr>
-                  </a:solidFill>
-                </a:rPr>
-                <a:t>Version 31</a:t>
-              </a:r>
-            </a:p>
-            <a:p>
-              <a:r>
-                <a:rPr lang="en-US" altLang="zh-CN" dirty="0"/>
-                <a:t> </a:t>
-              </a:r>
-              <a:r>
-                <a:rPr lang="en-US" altLang="zh-CN" dirty="0" smtClean="0"/>
-                <a:t>          </a:t>
-              </a:r>
-              <a:r>
-                <a:rPr lang="zh-CN" altLang="en-US" dirty="0" smtClean="0"/>
-                <a:t>文件简要介绍内容</a:t>
-              </a:r>
-              <a:r>
-                <a:rPr lang="en-US" altLang="zh-CN" dirty="0" smtClean="0"/>
-                <a:t>…</a:t>
-              </a:r>
-            </a:p>
-            <a:p>
-              <a:r>
-                <a:rPr lang="en-US" altLang="zh-CN" dirty="0"/>
-                <a:t> </a:t>
-              </a:r>
-              <a:r>
-                <a:rPr lang="en-US" altLang="zh-CN" dirty="0" smtClean="0"/>
-                <a:t>          </a:t>
-              </a:r>
-              <a:r>
-                <a:rPr lang="en-US" altLang="zh-CN" u="sng" dirty="0" smtClean="0"/>
-                <a:t>tag1</a:t>
-              </a:r>
-              <a:r>
-                <a:rPr lang="zh-CN" altLang="en-US" dirty="0" smtClean="0"/>
-                <a:t>，</a:t>
-              </a:r>
-              <a:r>
-                <a:rPr lang="en-US" altLang="zh-CN" u="sng" dirty="0" smtClean="0"/>
-                <a:t>tag2</a:t>
-              </a:r>
-              <a:r>
-                <a:rPr lang="zh-CN" altLang="en-US" dirty="0" smtClean="0"/>
-                <a:t>，</a:t>
-              </a:r>
-              <a:r>
-                <a:rPr lang="zh-CN" altLang="en-US" u="sng" dirty="0" smtClean="0"/>
-                <a:t>添加</a:t>
-              </a:r>
-              <a:r>
-                <a:rPr lang="en-US" altLang="zh-CN" u="sng" dirty="0" smtClean="0"/>
-                <a:t>tag</a:t>
-              </a:r>
-              <a:endParaRPr lang="zh-CN" altLang="en-US" u="sng" dirty="0"/>
-            </a:p>
-          </p:txBody>
-        </p:sp>
-        <p:sp>
-          <p:nvSpPr>
-            <p:cNvPr id="33" name="TextBox 32"/>
-            <p:cNvSpPr txBox="1"/>
-            <p:nvPr/>
-          </p:nvSpPr>
-          <p:spPr>
-            <a:xfrm>
-              <a:off x="8316416" y="1124744"/>
-              <a:ext cx="827584" cy="1200329"/>
-            </a:xfrm>
-            <a:prstGeom prst="rect">
-              <a:avLst/>
-            </a:prstGeom>
-            <a:noFill/>
-          </p:spPr>
-          <p:txBody>
-            <a:bodyPr wrap="square" rtlCol="0">
-              <a:spAutoFit/>
-            </a:bodyPr>
-            <a:lstStyle/>
-            <a:p>
-              <a:r>
-                <a:rPr lang="zh-CN" altLang="en-US" u="sng" dirty="0" smtClean="0"/>
-                <a:t>预览</a:t>
-              </a:r>
-              <a:endParaRPr lang="en-US" altLang="zh-CN" u="sng" dirty="0" smtClean="0"/>
-            </a:p>
-            <a:p>
-              <a:r>
-                <a:rPr lang="zh-CN" altLang="en-US" u="sng" dirty="0" smtClean="0"/>
-                <a:t>删除</a:t>
-              </a:r>
-              <a:endParaRPr lang="en-US" altLang="zh-CN" u="sng" dirty="0" smtClean="0"/>
-            </a:p>
-            <a:p>
-              <a:r>
-                <a:rPr lang="zh-CN" altLang="en-US" u="sng" dirty="0" smtClean="0"/>
-                <a:t>下载</a:t>
-              </a:r>
-              <a:endParaRPr lang="en-US" altLang="zh-CN" u="sng" dirty="0" smtClean="0"/>
-            </a:p>
-            <a:p>
-              <a:r>
-                <a:rPr lang="zh-CN" altLang="en-US" u="sng" dirty="0"/>
-                <a:t>评论</a:t>
-              </a:r>
-            </a:p>
-          </p:txBody>
-        </p:sp>
-        <p:pic>
-          <p:nvPicPr>
-            <p:cNvPr id="34" name="Picture 2" descr="http://ts4.mm.bing.net/th?id=H.4567110543869391&amp;w=148&amp;h=145&amp;c=7&amp;rs=1&amp;pid=1.7"/>
-            <p:cNvPicPr>
-              <a:picLocks noChangeAspect="1" noChangeArrowheads="1"/>
-            </p:cNvPicPr>
-            <p:nvPr/>
-          </p:nvPicPr>
-          <p:blipFill>
-            <a:blip r:embed="rId2" cstate="print"/>
-            <a:srcRect/>
-            <a:stretch>
-              <a:fillRect/>
-            </a:stretch>
-          </p:blipFill>
-          <p:spPr bwMode="auto">
-            <a:xfrm>
-              <a:off x="3119922" y="1196752"/>
-              <a:ext cx="587982" cy="576064"/>
-            </a:xfrm>
-            <a:prstGeom prst="rect">
-              <a:avLst/>
-            </a:prstGeom>
-            <a:noFill/>
-          </p:spPr>
-        </p:pic>
-      </p:grpSp>
-      <p:sp>
-        <p:nvSpPr>
-          <p:cNvPr id="35" name="TextBox 34"/>
-          <p:cNvSpPr txBox="1"/>
-          <p:nvPr/>
-        </p:nvSpPr>
-        <p:spPr>
-          <a:xfrm>
-            <a:off x="1691680" y="908720"/>
-            <a:ext cx="720080" cy="369332"/>
-          </a:xfrm>
-          <a:prstGeom prst="rect">
-            <a:avLst/>
-          </a:prstGeom>
-          <a:noFill/>
-        </p:spPr>
-        <p:txBody>
-          <a:bodyPr wrap="square" rtlCol="0">
-            <a:spAutoFit/>
-          </a:bodyPr>
-          <a:lstStyle/>
-          <a:p>
-            <a:r>
-              <a:rPr lang="zh-CN" altLang="en-US" dirty="0" smtClean="0"/>
-              <a:t>排序：</a:t>
-            </a:r>
-            <a:endParaRPr lang="zh-CN" altLang="en-US" dirty="0"/>
-          </a:p>
-        </p:txBody>
-      </p:sp>
-      <p:sp>
-        <p:nvSpPr>
-          <p:cNvPr id="36" name="TextBox 35"/>
-          <p:cNvSpPr txBox="1"/>
-          <p:nvPr/>
-        </p:nvSpPr>
-        <p:spPr>
-          <a:xfrm>
-            <a:off x="3635896" y="908720"/>
-            <a:ext cx="720080" cy="369332"/>
-          </a:xfrm>
-          <a:prstGeom prst="rect">
-            <a:avLst/>
-          </a:prstGeom>
-          <a:noFill/>
-        </p:spPr>
-        <p:txBody>
-          <a:bodyPr wrap="square" rtlCol="0">
-            <a:spAutoFit/>
-          </a:bodyPr>
-          <a:lstStyle/>
-          <a:p>
-            <a:r>
-              <a:rPr lang="zh-CN" altLang="en-US" dirty="0" smtClean="0"/>
-              <a:t>视图：</a:t>
-            </a:r>
-            <a:endParaRPr lang="zh-CN" altLang="en-US" dirty="0"/>
-          </a:p>
-        </p:txBody>
-      </p:sp>
-      <p:sp>
-        <p:nvSpPr>
-          <p:cNvPr id="37" name="TextBox 36"/>
-          <p:cNvSpPr txBox="1"/>
-          <p:nvPr/>
-        </p:nvSpPr>
-        <p:spPr>
-          <a:xfrm>
-            <a:off x="2339752" y="908720"/>
-            <a:ext cx="1107996" cy="1200329"/>
-          </a:xfrm>
-          <a:prstGeom prst="rect">
-            <a:avLst/>
-          </a:prstGeom>
-        </p:spPr>
-        <p:style>
-          <a:lnRef idx="2">
-            <a:schemeClr val="accent2"/>
-          </a:lnRef>
-          <a:fillRef idx="1">
-            <a:schemeClr val="lt1"/>
-          </a:fillRef>
-          <a:effectRef idx="0">
-            <a:schemeClr val="accent2"/>
-          </a:effectRef>
-          <a:fontRef idx="minor">
-            <a:schemeClr val="dk1"/>
-          </a:fontRef>
-        </p:style>
-        <p:txBody>
-          <a:bodyPr wrap="none" rtlCol="0">
-            <a:spAutoFit/>
-          </a:bodyPr>
-          <a:lstStyle/>
-          <a:p>
-            <a:r>
-              <a:rPr lang="zh-CN" altLang="en-US" dirty="0" smtClean="0"/>
-              <a:t>文件名</a:t>
-            </a:r>
-            <a:endParaRPr lang="en-US" altLang="zh-CN" dirty="0" smtClean="0"/>
-          </a:p>
-          <a:p>
-            <a:r>
-              <a:rPr lang="zh-CN" altLang="en-US" dirty="0" smtClean="0"/>
-              <a:t>作者</a:t>
-            </a:r>
-            <a:endParaRPr lang="en-US" altLang="zh-CN" dirty="0" smtClean="0"/>
-          </a:p>
-          <a:p>
-            <a:r>
-              <a:rPr lang="zh-CN" altLang="en-US" dirty="0" smtClean="0"/>
-              <a:t>修改时间</a:t>
-            </a:r>
-            <a:endParaRPr lang="en-US" altLang="zh-CN" dirty="0" smtClean="0"/>
-          </a:p>
-          <a:p>
-            <a:r>
-              <a:rPr lang="zh-CN" altLang="en-US" dirty="0" smtClean="0"/>
-              <a:t>创建时间</a:t>
-            </a:r>
-            <a:endParaRPr lang="zh-CN" altLang="en-US" dirty="0"/>
-          </a:p>
-        </p:txBody>
-      </p:sp>
-      <p:sp>
-        <p:nvSpPr>
-          <p:cNvPr id="38" name="TextBox 37"/>
-          <p:cNvSpPr txBox="1"/>
-          <p:nvPr/>
-        </p:nvSpPr>
-        <p:spPr>
-          <a:xfrm>
-            <a:off x="4328100" y="932527"/>
-            <a:ext cx="1107996" cy="1754326"/>
-          </a:xfrm>
-          <a:prstGeom prst="rect">
-            <a:avLst/>
-          </a:prstGeom>
-        </p:spPr>
-        <p:style>
-          <a:lnRef idx="2">
-            <a:schemeClr val="accent2"/>
-          </a:lnRef>
-          <a:fillRef idx="1">
-            <a:schemeClr val="lt1"/>
-          </a:fillRef>
-          <a:effectRef idx="0">
-            <a:schemeClr val="accent2"/>
-          </a:effectRef>
-          <a:fontRef idx="minor">
-            <a:schemeClr val="dk1"/>
-          </a:fontRef>
-        </p:style>
-        <p:txBody>
-          <a:bodyPr wrap="none" rtlCol="0">
-            <a:spAutoFit/>
-          </a:bodyPr>
-          <a:lstStyle/>
-          <a:p>
-            <a:r>
-              <a:rPr lang="zh-CN" altLang="en-US" dirty="0" smtClean="0"/>
-              <a:t>图标</a:t>
-            </a:r>
-            <a:endParaRPr lang="en-US" altLang="zh-CN" dirty="0" smtClean="0"/>
-          </a:p>
-          <a:p>
-            <a:r>
-              <a:rPr lang="zh-CN" altLang="en-US" dirty="0" smtClean="0"/>
-              <a:t>列表</a:t>
-            </a:r>
-            <a:endParaRPr lang="en-US" altLang="zh-CN" dirty="0" smtClean="0"/>
-          </a:p>
-          <a:p>
-            <a:r>
-              <a:rPr lang="zh-CN" altLang="en-US" dirty="0" smtClean="0"/>
-              <a:t>详细信息</a:t>
-            </a:r>
-            <a:endParaRPr lang="en-US" altLang="zh-CN" dirty="0" smtClean="0"/>
-          </a:p>
-          <a:p>
-            <a:r>
-              <a:rPr lang="zh-CN" altLang="en-US" dirty="0" smtClean="0"/>
-              <a:t>平铺</a:t>
-            </a:r>
-            <a:endParaRPr lang="en-US" altLang="zh-CN" dirty="0" smtClean="0"/>
-          </a:p>
-          <a:p>
-            <a:r>
-              <a:rPr lang="zh-CN" altLang="en-US" dirty="0">
-                <a:solidFill>
-                  <a:srgbClr val="FF0000"/>
-                </a:solidFill>
-              </a:rPr>
-              <a:t>内容</a:t>
-            </a:r>
-            <a:endParaRPr lang="en-US" altLang="zh-CN" dirty="0" smtClean="0">
-              <a:solidFill>
-                <a:srgbClr val="FF0000"/>
-              </a:solidFill>
-            </a:endParaRPr>
-          </a:p>
-          <a:p>
-            <a:r>
-              <a:rPr lang="zh-CN" altLang="en-US" dirty="0" smtClean="0"/>
-              <a:t>预</a:t>
-            </a:r>
-            <a:r>
-              <a:rPr lang="zh-CN" altLang="en-US" dirty="0"/>
-              <a:t>览</a:t>
-            </a:r>
-          </a:p>
-        </p:txBody>
-      </p:sp>
-      <p:sp>
-        <p:nvSpPr>
-          <p:cNvPr id="39" name="TextBox 38"/>
-          <p:cNvSpPr txBox="1"/>
-          <p:nvPr/>
-        </p:nvSpPr>
-        <p:spPr>
-          <a:xfrm>
-            <a:off x="5508104" y="908720"/>
-            <a:ext cx="720080" cy="369332"/>
-          </a:xfrm>
-          <a:prstGeom prst="rect">
-            <a:avLst/>
-          </a:prstGeom>
-          <a:noFill/>
-        </p:spPr>
-        <p:txBody>
-          <a:bodyPr wrap="square" rtlCol="0">
-            <a:spAutoFit/>
-          </a:bodyPr>
-          <a:lstStyle/>
-          <a:p>
-            <a:r>
-              <a:rPr lang="zh-CN" altLang="en-US" dirty="0" smtClean="0"/>
-              <a:t>过滤：</a:t>
-            </a:r>
-            <a:endParaRPr lang="zh-CN" altLang="en-US" dirty="0"/>
-          </a:p>
-        </p:txBody>
-      </p:sp>
-      <p:sp>
-        <p:nvSpPr>
-          <p:cNvPr id="40" name="圆角矩形 39"/>
-          <p:cNvSpPr/>
-          <p:nvPr/>
-        </p:nvSpPr>
-        <p:spPr>
-          <a:xfrm>
-            <a:off x="6228184" y="908720"/>
-            <a:ext cx="1368152" cy="360040"/>
-          </a:xfrm>
-          <a:prstGeom prst="roundRect">
+          <a:xfrm flipV="1">
+            <a:off x="8892479" y="4716719"/>
+            <a:ext cx="216024" cy="288032"/>
+          </a:xfrm>
+          <a:prstGeom prst="downArrow">
             <a:avLst/>
           </a:prstGeom>
         </p:spPr>
@@ -17705,14 +16449,146 @@
       </p:sp>
       <p:sp>
         <p:nvSpPr>
-          <p:cNvPr id="41" name="矩形 40"/>
+          <p:cNvPr id="2" name="TextBox 1"/>
+          <p:cNvSpPr txBox="1"/>
+          <p:nvPr/>
+        </p:nvSpPr>
+        <p:spPr>
+          <a:xfrm>
+            <a:off x="1691680" y="3820398"/>
+            <a:ext cx="1686680" cy="369332"/>
+          </a:xfrm>
+          <a:prstGeom prst="rect">
+            <a:avLst/>
+          </a:prstGeom>
+          <a:noFill/>
+        </p:spPr>
+        <p:txBody>
+          <a:bodyPr wrap="none" rtlCol="0">
+            <a:spAutoFit/>
+          </a:bodyPr>
+          <a:lstStyle/>
+          <a:p>
+            <a:r>
+              <a:rPr lang="zh-CN" altLang="en-US" dirty="0" smtClean="0"/>
+              <a:t>目录名：目录</a:t>
+            </a:r>
+            <a:r>
+              <a:rPr lang="en-US" altLang="zh-CN" dirty="0" smtClean="0"/>
+              <a:t>4</a:t>
+            </a:r>
+            <a:endParaRPr lang="zh-CN" altLang="en-US" dirty="0"/>
+          </a:p>
+        </p:txBody>
+      </p:sp>
+      <p:sp>
+        <p:nvSpPr>
+          <p:cNvPr id="107" name="TextBox 106"/>
+          <p:cNvSpPr txBox="1"/>
+          <p:nvPr/>
+        </p:nvSpPr>
+        <p:spPr>
+          <a:xfrm>
+            <a:off x="3797469" y="3820398"/>
+            <a:ext cx="1338828" cy="369332"/>
+          </a:xfrm>
+          <a:prstGeom prst="rect">
+            <a:avLst/>
+          </a:prstGeom>
+          <a:noFill/>
+        </p:spPr>
+        <p:txBody>
+          <a:bodyPr wrap="none" rtlCol="0">
+            <a:spAutoFit/>
+          </a:bodyPr>
+          <a:lstStyle/>
+          <a:p>
+            <a:r>
+              <a:rPr lang="zh-CN" altLang="en-US" dirty="0" smtClean="0"/>
+              <a:t>作者：</a:t>
+            </a:r>
+            <a:r>
+              <a:rPr lang="zh-CN" altLang="en-US" u="sng" dirty="0" smtClean="0"/>
+              <a:t>张三</a:t>
+            </a:r>
+            <a:endParaRPr lang="zh-CN" altLang="en-US" u="sng" dirty="0"/>
+          </a:p>
+        </p:txBody>
+      </p:sp>
+      <p:sp>
+        <p:nvSpPr>
+          <p:cNvPr id="108" name="TextBox 107"/>
+          <p:cNvSpPr txBox="1"/>
+          <p:nvPr/>
+        </p:nvSpPr>
+        <p:spPr>
+          <a:xfrm>
+            <a:off x="6156176" y="3820398"/>
+            <a:ext cx="2416046" cy="369332"/>
+          </a:xfrm>
+          <a:prstGeom prst="rect">
+            <a:avLst/>
+          </a:prstGeom>
+          <a:noFill/>
+        </p:spPr>
+        <p:txBody>
+          <a:bodyPr wrap="none" rtlCol="0">
+            <a:spAutoFit/>
+          </a:bodyPr>
+          <a:lstStyle/>
+          <a:p>
+            <a:r>
+              <a:rPr lang="zh-CN" altLang="en-US" dirty="0" smtClean="0"/>
+              <a:t>创建时间：</a:t>
+            </a:r>
+            <a:r>
+              <a:rPr lang="en-US" altLang="zh-CN" dirty="0" smtClean="0"/>
+              <a:t>2013-11-25</a:t>
+            </a:r>
+            <a:endParaRPr lang="zh-CN" altLang="en-US" dirty="0"/>
+          </a:p>
+        </p:txBody>
+      </p:sp>
+      <p:sp>
+        <p:nvSpPr>
+          <p:cNvPr id="109" name="TextBox 108"/>
+          <p:cNvSpPr txBox="1"/>
+          <p:nvPr/>
+        </p:nvSpPr>
+        <p:spPr>
+          <a:xfrm>
+            <a:off x="1678613" y="4208904"/>
+            <a:ext cx="877163" cy="369332"/>
+          </a:xfrm>
+          <a:prstGeom prst="rect">
+            <a:avLst/>
+          </a:prstGeom>
+          <a:noFill/>
+        </p:spPr>
+        <p:txBody>
+          <a:bodyPr wrap="none" rtlCol="0">
+            <a:spAutoFit/>
+          </a:bodyPr>
+          <a:lstStyle/>
+          <a:p>
+            <a:r>
+              <a:rPr lang="zh-CN" altLang="en-US" dirty="0" smtClean="0"/>
+              <a:t>权限：</a:t>
+            </a:r>
+            <a:endParaRPr lang="zh-CN" altLang="en-US" dirty="0"/>
+          </a:p>
+        </p:txBody>
+      </p:sp>
+      <p:sp>
+        <p:nvSpPr>
+          <p:cNvPr id="7" name="矩形 6"/>
           <p:cNvSpPr/>
           <p:nvPr/>
         </p:nvSpPr>
         <p:spPr>
           <a:xfrm>
-            <a:off x="7812360" y="836712"/>
-            <a:ext cx="1331640" cy="5616624"/>
+            <a:off x="1751770" y="4725144"/>
+            <a:ext cx="6996694" cy="1584176"/>
           </a:xfrm>
           <a:prstGeom prst="rect">
             <a:avLst/>
@@ -17720,44 +16596,225 @@
         </p:spPr>
         <p:style>
           <a:lnRef idx="2">
-            <a:schemeClr val="accent6"/>
+            <a:schemeClr val="accent1"/>
           </a:lnRef>
           <a:fillRef idx="1">
             <a:schemeClr val="lt1"/>
           </a:fillRef>
           <a:effectRef idx="0">
-            <a:schemeClr val="accent6"/>
+            <a:schemeClr val="accent1"/>
           </a:effectRef>
           <a:fontRef idx="minor">
             <a:schemeClr val="dk1"/>
           </a:fontRef>
         </p:style>
         <p:txBody>
-          <a:bodyPr rtlCol="0" anchor="ctr"/>
-          <a:lstStyle/>
-          <a:p>
-            <a:pPr algn="ctr"/>
+          <a:bodyPr rtlCol="0" anchor="t"/>
+          <a:lstStyle/>
+          <a:p>
             <a:r>
               <a:rPr lang="zh-CN" altLang="en-US" dirty="0" smtClean="0"/>
-              <a:t>内容预览</a:t>
-            </a:r>
+              <a:t>组名称               </a:t>
+            </a:r>
+            <a:r>
+              <a:rPr lang="en-US" altLang="zh-CN" dirty="0" smtClean="0"/>
+              <a:t>|  </a:t>
+            </a:r>
+            <a:r>
+              <a:rPr lang="zh-CN" altLang="en-US" dirty="0" smtClean="0"/>
+              <a:t>可读  </a:t>
+            </a:r>
+            <a:r>
+              <a:rPr lang="en-US" altLang="zh-CN" dirty="0" smtClean="0"/>
+              <a:t>|  </a:t>
+            </a:r>
+            <a:r>
+              <a:rPr lang="zh-CN" altLang="en-US" dirty="0" smtClean="0"/>
+              <a:t>可写 </a:t>
+            </a:r>
+            <a:r>
+              <a:rPr lang="en-US" altLang="zh-CN" dirty="0" smtClean="0"/>
+              <a:t>| </a:t>
+            </a:r>
+            <a:r>
+              <a:rPr lang="zh-CN" altLang="en-US" dirty="0" smtClean="0"/>
+              <a:t>管理员 </a:t>
+            </a:r>
+            <a:r>
+              <a:rPr lang="en-US" altLang="zh-CN" dirty="0" smtClean="0"/>
+              <a:t>| </a:t>
+            </a:r>
+            <a:r>
+              <a:rPr lang="zh-CN" altLang="en-US" dirty="0" smtClean="0"/>
+              <a:t>操作</a:t>
+            </a:r>
+            <a:endParaRPr lang="en-US" altLang="zh-CN" dirty="0" smtClean="0"/>
+          </a:p>
+          <a:p>
+            <a:r>
+              <a:rPr lang="en-US" altLang="zh-CN" dirty="0" smtClean="0"/>
+              <a:t>-----------------------------------------------------------</a:t>
+            </a:r>
+          </a:p>
+          <a:p>
+            <a:r>
+              <a:rPr lang="zh-CN" altLang="en-US" dirty="0" smtClean="0"/>
+              <a:t>部门</a:t>
+            </a:r>
+            <a:r>
+              <a:rPr lang="en-US" altLang="zh-CN" dirty="0" smtClean="0"/>
+              <a:t>A-------------|---[X]---|---[X]--|----[--]----| </a:t>
+            </a:r>
+            <a:r>
+              <a:rPr lang="zh-CN" altLang="en-US" dirty="0" smtClean="0"/>
+              <a:t>删除</a:t>
+            </a:r>
+            <a:endParaRPr lang="en-US" altLang="zh-CN" dirty="0"/>
+          </a:p>
+          <a:p>
+            <a:r>
+              <a:rPr lang="zh-CN" altLang="en-US" dirty="0" smtClean="0"/>
+              <a:t>部门</a:t>
+            </a:r>
+            <a:r>
+              <a:rPr lang="en-US" altLang="zh-CN" dirty="0"/>
+              <a:t>B</a:t>
+            </a:r>
+            <a:r>
+              <a:rPr lang="en-US" altLang="zh-CN" dirty="0" smtClean="0"/>
+              <a:t>-------------|---[X]---|---[X]--|----[X]----| </a:t>
+            </a:r>
+            <a:r>
+              <a:rPr lang="zh-CN" altLang="en-US" dirty="0"/>
+              <a:t>删除</a:t>
+            </a:r>
+            <a:endParaRPr lang="en-US" altLang="zh-CN" dirty="0"/>
+          </a:p>
+          <a:p>
+            <a:r>
+              <a:rPr lang="zh-CN" altLang="en-US" dirty="0" smtClean="0"/>
+              <a:t>部门</a:t>
+            </a:r>
+            <a:r>
+              <a:rPr lang="en-US" altLang="zh-CN" dirty="0" smtClean="0"/>
+              <a:t>C-------------|---[X]---|---[--]--|----[--]----| </a:t>
+            </a:r>
+            <a:r>
+              <a:rPr lang="zh-CN" altLang="en-US" dirty="0"/>
+              <a:t>删除</a:t>
+            </a:r>
+            <a:endParaRPr lang="en-US" altLang="zh-CN" dirty="0"/>
+          </a:p>
+          <a:p>
+            <a:endParaRPr lang="en-US" altLang="zh-CN" dirty="0" smtClean="0"/>
+          </a:p>
+          <a:p>
             <a:endParaRPr lang="zh-CN" altLang="en-US" dirty="0"/>
           </a:p>
         </p:txBody>
       </p:sp>
       <p:sp>
         <p:nvSpPr>
-          <p:cNvPr id="42" name="矩形标注 41"/>
+          <p:cNvPr id="112" name="TextBox 111"/>
+          <p:cNvSpPr txBox="1"/>
+          <p:nvPr/>
+        </p:nvSpPr>
+        <p:spPr>
+          <a:xfrm>
+            <a:off x="2749734" y="4208904"/>
+            <a:ext cx="742146" cy="369332"/>
+          </a:xfrm>
+          <a:prstGeom prst="rect">
+            <a:avLst/>
+          </a:prstGeom>
+          <a:solidFill>
+            <a:srgbClr val="FFC000"/>
+          </a:solidFill>
+        </p:spPr>
+        <p:txBody>
+          <a:bodyPr wrap="square" rtlCol="0">
+            <a:spAutoFit/>
+          </a:bodyPr>
+          <a:lstStyle/>
+          <a:p>
+            <a:r>
+              <a:rPr lang="zh-CN" altLang="en-US" u="sng" dirty="0" smtClean="0"/>
+              <a:t>增加</a:t>
+            </a:r>
+            <a:endParaRPr lang="zh-CN" altLang="en-US" u="sng" dirty="0"/>
+          </a:p>
+        </p:txBody>
+      </p:sp>
+      <p:sp>
+        <p:nvSpPr>
+          <p:cNvPr id="113" name="TextBox 112"/>
+          <p:cNvSpPr txBox="1"/>
+          <p:nvPr/>
+        </p:nvSpPr>
+        <p:spPr>
+          <a:xfrm>
+            <a:off x="6516214" y="35332"/>
+            <a:ext cx="2592289" cy="369332"/>
+          </a:xfrm>
+          <a:prstGeom prst="rect">
+            <a:avLst/>
+          </a:prstGeom>
+          <a:noFill/>
+        </p:spPr>
+        <p:txBody>
+          <a:bodyPr wrap="square" rtlCol="0">
+            <a:spAutoFit/>
+          </a:bodyPr>
+          <a:lstStyle/>
+          <a:p>
+            <a:r>
+              <a:rPr lang="zh-CN" altLang="en-US" dirty="0" smtClean="0"/>
+              <a:t>首页</a:t>
+            </a:r>
+            <a:r>
+              <a:rPr lang="en-US" altLang="zh-CN" dirty="0" smtClean="0"/>
+              <a:t>|</a:t>
+            </a:r>
+            <a:r>
+              <a:rPr lang="zh-CN" altLang="en-US" dirty="0"/>
+              <a:t>管理∨</a:t>
+            </a:r>
+            <a:r>
+              <a:rPr lang="en-US" altLang="zh-CN" dirty="0" smtClean="0"/>
+              <a:t>|</a:t>
+            </a:r>
+            <a:r>
+              <a:rPr lang="zh-CN" altLang="en-US" dirty="0" smtClean="0"/>
+              <a:t>登录</a:t>
+            </a:r>
+            <a:r>
+              <a:rPr lang="en-US" altLang="zh-CN" dirty="0" smtClean="0"/>
+              <a:t>|</a:t>
+            </a:r>
+            <a:r>
+              <a:rPr lang="zh-CN" altLang="en-US" dirty="0" smtClean="0"/>
+              <a:t>注销</a:t>
+            </a:r>
+            <a:endParaRPr lang="zh-CN" altLang="en-US" dirty="0"/>
+          </a:p>
+        </p:txBody>
+      </p:sp>
+      <p:sp>
+        <p:nvSpPr>
+          <p:cNvPr id="14" name="矩形标注 13"/>
           <p:cNvSpPr/>
           <p:nvPr/>
         </p:nvSpPr>
         <p:spPr>
-          <a:xfrm flipH="1">
-            <a:off x="2555776" y="4293096"/>
-            <a:ext cx="1800200" cy="1512168"/>
+          <a:xfrm>
+            <a:off x="6516215" y="4189730"/>
+            <a:ext cx="1296144" cy="1622628"/>
           </a:xfrm>
           <a:prstGeom prst="wedgeRectCallout">
-            <a:avLst/>
+            <a:avLst>
+              <a:gd name="adj1" fmla="val -284055"/>
+              <a:gd name="adj2" fmla="val -38608"/>
+            </a:avLst>
           </a:prstGeom>
         </p:spPr>
         <p:style>
@@ -17777,23 +16834,162 @@
           </a:fontRef>
         </p:style>
         <p:txBody>
-          <a:bodyPr rtlCol="0" anchor="t"/>
-          <a:lstStyle/>
-          <a:p>
-            <a:endParaRPr lang="en-US" altLang="zh-CN" dirty="0" smtClean="0"/>
-          </a:p>
-        </p:txBody>
-      </p:sp>
-      <p:sp>
-        <p:nvSpPr>
-          <p:cNvPr id="43" name="TextBox 42"/>
-          <p:cNvSpPr txBox="1"/>
+          <a:bodyPr rtlCol="0" anchor="ctr"/>
+          <a:lstStyle/>
+          <a:p>
+            <a:pPr algn="ctr"/>
+            <a:r>
+              <a:rPr lang="zh-CN" altLang="en-US" dirty="0" smtClean="0"/>
+              <a:t>组</a:t>
+            </a:r>
+            <a:r>
+              <a:rPr lang="en-US" altLang="zh-CN" dirty="0" smtClean="0"/>
+              <a:t>1</a:t>
+            </a:r>
+          </a:p>
+          <a:p>
+            <a:pPr algn="ctr"/>
+            <a:r>
+              <a:rPr lang="zh-CN" altLang="en-US" dirty="0" smtClean="0"/>
+              <a:t>组</a:t>
+            </a:r>
+            <a:r>
+              <a:rPr lang="en-US" altLang="zh-CN" dirty="0" smtClean="0"/>
+              <a:t>2</a:t>
+            </a:r>
+          </a:p>
+          <a:p>
+            <a:pPr algn="ctr"/>
+            <a:r>
+              <a:rPr lang="zh-CN" altLang="en-US" dirty="0" smtClean="0"/>
+              <a:t>部门</a:t>
+            </a:r>
+            <a:r>
+              <a:rPr lang="en-US" altLang="zh-CN" dirty="0" smtClean="0"/>
+              <a:t>A</a:t>
+            </a:r>
+          </a:p>
+          <a:p>
+            <a:pPr algn="ctr"/>
+            <a:r>
+              <a:rPr lang="zh-CN" altLang="en-US" dirty="0" smtClean="0"/>
+              <a:t>部门</a:t>
+            </a:r>
+            <a:r>
+              <a:rPr lang="en-US" altLang="zh-CN" dirty="0" smtClean="0"/>
+              <a:t>B</a:t>
+            </a:r>
+          </a:p>
+          <a:p>
+            <a:pPr algn="ctr"/>
+            <a:r>
+              <a:rPr lang="zh-CN" altLang="en-US" dirty="0" smtClean="0"/>
+              <a:t>部门</a:t>
+            </a:r>
+            <a:r>
+              <a:rPr lang="en-US" altLang="zh-CN" dirty="0" smtClean="0"/>
+              <a:t>C</a:t>
+            </a:r>
+            <a:endParaRPr lang="zh-CN" altLang="en-US" dirty="0"/>
+          </a:p>
+        </p:txBody>
+      </p:sp>
+      <p:sp>
+        <p:nvSpPr>
+          <p:cNvPr id="15" name="矩形标注 14"/>
+          <p:cNvSpPr/>
           <p:nvPr/>
         </p:nvSpPr>
         <p:spPr>
           <a:xfrm>
-            <a:off x="2627784" y="4365104"/>
-            <a:ext cx="1656184" cy="369332"/>
+            <a:off x="4644008" y="1782108"/>
+            <a:ext cx="1872206" cy="864096"/>
+          </a:xfrm>
+          <a:prstGeom prst="wedgeRectCallout">
+            <a:avLst>
+              <a:gd name="adj1" fmla="val -41680"/>
+              <a:gd name="adj2" fmla="val -114299"/>
+            </a:avLst>
+          </a:prstGeom>
+        </p:spPr>
+        <p:style>
+          <a:lnRef idx="2">
+            <a:schemeClr val="accent1">
+              <a:shade val="50000"/>
+            </a:schemeClr>
+          </a:lnRef>
+          <a:fillRef idx="1">
+            <a:schemeClr val="accent1"/>
+          </a:fillRef>
+          <a:effectRef idx="0">
+            <a:schemeClr val="accent1"/>
+          </a:effectRef>
+          <a:fontRef idx="minor">
+            <a:schemeClr val="lt1"/>
+          </a:fontRef>
+        </p:style>
+        <p:txBody>
+          <a:bodyPr rtlCol="0" anchor="ctr"/>
+          <a:lstStyle/>
+          <a:p>
+            <a:pPr algn="ctr"/>
+            <a:endParaRPr lang="zh-CN" altLang="en-US"/>
+          </a:p>
+        </p:txBody>
+      </p:sp>
+      <p:sp>
+        <p:nvSpPr>
+          <p:cNvPr id="16" name="圆角矩形 15"/>
+          <p:cNvSpPr/>
+          <p:nvPr/>
+        </p:nvSpPr>
+        <p:spPr>
+          <a:xfrm>
+            <a:off x="5760640" y="2319235"/>
+            <a:ext cx="755574" cy="293870"/>
+          </a:xfrm>
+          <a:prstGeom prst="roundRect">
+            <a:avLst/>
+          </a:prstGeom>
+        </p:spPr>
+        <p:style>
+          <a:lnRef idx="2">
+            <a:schemeClr val="accent2">
+              <a:shade val="50000"/>
+            </a:schemeClr>
+          </a:lnRef>
+          <a:fillRef idx="1">
+            <a:schemeClr val="accent2"/>
+          </a:fillRef>
+          <a:effectRef idx="0">
+            <a:schemeClr val="accent2"/>
+          </a:effectRef>
+          <a:fontRef idx="minor">
+            <a:schemeClr val="lt1"/>
+          </a:fontRef>
+        </p:style>
+        <p:txBody>
+          <a:bodyPr rtlCol="0" anchor="ctr"/>
+          <a:lstStyle/>
+          <a:p>
+            <a:pPr algn="ctr"/>
+            <a:r>
+              <a:rPr lang="zh-CN" altLang="en-US" dirty="0"/>
+              <a:t>创建</a:t>
+            </a:r>
+          </a:p>
+        </p:txBody>
+      </p:sp>
+      <p:sp>
+        <p:nvSpPr>
+          <p:cNvPr id="17" name="矩形 16"/>
+          <p:cNvSpPr/>
+          <p:nvPr/>
+        </p:nvSpPr>
+        <p:spPr>
+          <a:xfrm>
+            <a:off x="4716016" y="1907540"/>
+            <a:ext cx="1656184" cy="306616"/>
           </a:xfrm>
           <a:prstGeom prst="rect">
             <a:avLst/>
@@ -17801,131 +16997,33 @@
         </p:spPr>
         <p:style>
           <a:lnRef idx="2">
-            <a:schemeClr val="accent2"/>
+            <a:schemeClr val="accent1"/>
           </a:lnRef>
           <a:fillRef idx="1">
             <a:schemeClr val="lt1"/>
           </a:fillRef>
           <a:effectRef idx="0">
-            <a:schemeClr val="accent2"/>
+            <a:schemeClr val="accent1"/>
           </a:effectRef>
           <a:fontRef idx="minor">
             <a:schemeClr val="dk1"/>
           </a:fontRef>
         </p:style>
         <p:txBody>
-          <a:bodyPr wrap="square" rtlCol="0">
-            <a:spAutoFit/>
-          </a:bodyPr>
-          <a:lstStyle/>
-          <a:p>
-            <a:r>
-              <a:rPr lang="en-US" altLang="zh-CN" dirty="0" smtClean="0"/>
-              <a:t>Tag1-----------X</a:t>
-            </a:r>
-            <a:endParaRPr lang="zh-CN" altLang="en-US" dirty="0"/>
-          </a:p>
-        </p:txBody>
-      </p:sp>
-      <p:sp>
-        <p:nvSpPr>
-          <p:cNvPr id="44" name="TextBox 43"/>
-          <p:cNvSpPr txBox="1"/>
-          <p:nvPr/>
-        </p:nvSpPr>
-        <p:spPr>
-          <a:xfrm>
-            <a:off x="2627784" y="4797152"/>
-            <a:ext cx="1656184" cy="369332"/>
-          </a:xfrm>
-          <a:prstGeom prst="rect">
-            <a:avLst/>
-          </a:prstGeom>
-        </p:spPr>
-        <p:style>
-          <a:lnRef idx="2">
-            <a:schemeClr val="accent2"/>
-          </a:lnRef>
-          <a:fillRef idx="1">
-            <a:schemeClr val="lt1"/>
-          </a:fillRef>
-          <a:effectRef idx="0">
-            <a:schemeClr val="accent2"/>
-          </a:effectRef>
-          <a:fontRef idx="minor">
-            <a:schemeClr val="dk1"/>
-          </a:fontRef>
-        </p:style>
-        <p:txBody>
-          <a:bodyPr wrap="square" rtlCol="0">
-            <a:spAutoFit/>
-          </a:bodyPr>
-          <a:lstStyle/>
-          <a:p>
-            <a:r>
-              <a:rPr lang="en-US" altLang="zh-CN" dirty="0" smtClean="0"/>
-              <a:t>Tag1-----------X</a:t>
-            </a:r>
-            <a:endParaRPr lang="zh-CN" altLang="en-US" dirty="0"/>
-          </a:p>
-        </p:txBody>
-      </p:sp>
-      <p:sp>
-        <p:nvSpPr>
-          <p:cNvPr id="45" name="TextBox 44"/>
-          <p:cNvSpPr txBox="1"/>
-          <p:nvPr/>
-        </p:nvSpPr>
-        <p:spPr>
-          <a:xfrm>
-            <a:off x="2627784" y="5229200"/>
-            <a:ext cx="1656184" cy="369332"/>
-          </a:xfrm>
-          <a:prstGeom prst="rect">
-            <a:avLst/>
-          </a:prstGeom>
-        </p:spPr>
-        <p:style>
-          <a:lnRef idx="2">
-            <a:schemeClr val="accent2"/>
-          </a:lnRef>
-          <a:fillRef idx="1">
-            <a:schemeClr val="lt1"/>
-          </a:fillRef>
-          <a:effectRef idx="0">
-            <a:schemeClr val="accent2"/>
-          </a:effectRef>
-          <a:fontRef idx="minor">
-            <a:schemeClr val="dk1"/>
-          </a:fontRef>
-        </p:style>
-        <p:txBody>
-          <a:bodyPr wrap="square" rtlCol="0">
-            <a:spAutoFit/>
-          </a:bodyPr>
-          <a:lstStyle/>
-          <a:p>
-            <a:r>
-              <a:rPr lang="zh-CN" altLang="en-US" dirty="0"/>
-              <a:t>新</a:t>
-            </a:r>
-            <a:r>
-              <a:rPr lang="en-US" altLang="zh-CN" dirty="0" smtClean="0"/>
-              <a:t>Tag</a:t>
-            </a:r>
-            <a:r>
-              <a:rPr lang="zh-CN" altLang="en-US" dirty="0" smtClean="0"/>
-              <a:t>：</a:t>
-            </a:r>
-            <a:r>
-              <a:rPr lang="en-US" altLang="zh-CN" dirty="0" smtClean="0"/>
-              <a:t>______</a:t>
-            </a:r>
-            <a:endParaRPr lang="zh-CN" altLang="en-US" dirty="0"/>
+          <a:bodyPr rtlCol="0" anchor="ctr"/>
+          <a:lstStyle/>
+          <a:p>
+            <a:pPr algn="ctr"/>
+            <a:endParaRPr lang="zh-CN" altLang="en-US"/>
           </a:p>
         </p:txBody>
       </p:sp>
     </p:spTree>
+    <p:extLst>
+      <p:ext uri="{BB962C8B-B14F-4D97-AF65-F5344CB8AC3E}">
+        <p14:creationId xmlns:p14="http://schemas.microsoft.com/office/powerpoint/2010/main" val="735308628"/>
+      </p:ext>
+    </p:extLst>
   </p:cSld>
   <p:clrMapOvr>
     <a:masterClrMapping/>
